--- a/pres.pptx
+++ b/pres.pptx
@@ -7,7 +7,11 @@
   <p:sldIdLst>
     <p:sldId id="256" r:id="rId2"/>
     <p:sldId id="257" r:id="rId3"/>
-    <p:sldId id="258" r:id="rId4"/>
+    <p:sldId id="259" r:id="rId4"/>
+    <p:sldId id="258" r:id="rId5"/>
+    <p:sldId id="260" r:id="rId6"/>
+    <p:sldId id="261" r:id="rId7"/>
+    <p:sldId id="262" r:id="rId8"/>
   </p:sldIdLst>
   <p:sldSz cx="12192000" cy="6858000"/>
   <p:notesSz cx="6858000" cy="9144000"/>
@@ -106,7 +110,2961 @@
       </a:defRPr>
     </a:lvl9pPr>
   </p:defaultTextStyle>
+  <p:extLst>
+    <p:ext uri="{EFAFB233-063F-42B5-8137-9DF3F51BA10A}">
+      <p15:sldGuideLst xmlns:p15="http://schemas.microsoft.com/office/powerpoint/2012/main"/>
+    </p:ext>
+  </p:extLst>
 </p:presentation>
+</file>
+
+<file path=ppt/revisionInfo.xml><?xml version="1.0" encoding="utf-8"?>
+<p1510:revInfo xmlns:a="http://schemas.openxmlformats.org/drawingml/2006/main" xmlns:r="http://schemas.openxmlformats.org/officeDocument/2006/relationships" xmlns:p1510="http://schemas.microsoft.com/office/powerpoint/2015/10/main"/>
+</file>
+
+<file path=ppt/diagrams/colors1.xml><?xml version="1.0" encoding="utf-8"?>
+<dgm:colorsDef xmlns:dgm="http://schemas.openxmlformats.org/drawingml/2006/diagram" xmlns:a="http://schemas.openxmlformats.org/drawingml/2006/main" uniqueId="urn:microsoft.com/office/officeart/2005/8/colors/colorful5">
+  <dgm:title val=""/>
+  <dgm:desc val=""/>
+  <dgm:catLst>
+    <dgm:cat type="colorful" pri="10500"/>
+  </dgm:catLst>
+  <dgm:styleLbl name="node0">
+    <dgm:fillClrLst meth="repeat">
+      <a:schemeClr val="accent4"/>
+    </dgm:fillClrLst>
+    <dgm:linClrLst meth="repeat">
+      <a:schemeClr val="lt1"/>
+    </dgm:linClrLst>
+    <dgm:effectClrLst/>
+    <dgm:txLinClrLst/>
+    <dgm:txFillClrLst/>
+    <dgm:txEffectClrLst/>
+  </dgm:styleLbl>
+  <dgm:styleLbl name="node1">
+    <dgm:fillClrLst>
+      <a:schemeClr val="accent5"/>
+      <a:schemeClr val="accent6"/>
+    </dgm:fillClrLst>
+    <dgm:linClrLst meth="repeat">
+      <a:schemeClr val="lt1"/>
+    </dgm:linClrLst>
+    <dgm:effectClrLst/>
+    <dgm:txLinClrLst/>
+    <dgm:txFillClrLst/>
+    <dgm:txEffectClrLst/>
+  </dgm:styleLbl>
+  <dgm:styleLbl name="alignNode1">
+    <dgm:fillClrLst>
+      <a:schemeClr val="accent5"/>
+      <a:schemeClr val="accent6"/>
+    </dgm:fillClrLst>
+    <dgm:linClrLst>
+      <a:schemeClr val="accent5"/>
+      <a:schemeClr val="accent6"/>
+    </dgm:linClrLst>
+    <dgm:effectClrLst/>
+    <dgm:txLinClrLst/>
+    <dgm:txFillClrLst/>
+    <dgm:txEffectClrLst/>
+  </dgm:styleLbl>
+  <dgm:styleLbl name="lnNode1">
+    <dgm:fillClrLst>
+      <a:schemeClr val="accent5"/>
+      <a:schemeClr val="accent6"/>
+    </dgm:fillClrLst>
+    <dgm:linClrLst meth="repeat">
+      <a:schemeClr val="lt1"/>
+    </dgm:linClrLst>
+    <dgm:effectClrLst/>
+    <dgm:txLinClrLst/>
+    <dgm:txFillClrLst/>
+    <dgm:txEffectClrLst/>
+  </dgm:styleLbl>
+  <dgm:styleLbl name="vennNode1">
+    <dgm:fillClrLst>
+      <a:schemeClr val="accent5">
+        <a:alpha val="50000"/>
+      </a:schemeClr>
+      <a:schemeClr val="accent6">
+        <a:alpha val="50000"/>
+      </a:schemeClr>
+    </dgm:fillClrLst>
+    <dgm:linClrLst meth="repeat">
+      <a:schemeClr val="lt1"/>
+    </dgm:linClrLst>
+    <dgm:effectClrLst/>
+    <dgm:txLinClrLst/>
+    <dgm:txFillClrLst/>
+    <dgm:txEffectClrLst/>
+  </dgm:styleLbl>
+  <dgm:styleLbl name="node2">
+    <dgm:fillClrLst>
+      <a:schemeClr val="accent6"/>
+    </dgm:fillClrLst>
+    <dgm:linClrLst meth="repeat">
+      <a:schemeClr val="lt1"/>
+    </dgm:linClrLst>
+    <dgm:effectClrLst/>
+    <dgm:txLinClrLst/>
+    <dgm:txFillClrLst/>
+    <dgm:txEffectClrLst/>
+  </dgm:styleLbl>
+  <dgm:styleLbl name="node3">
+    <dgm:fillClrLst>
+      <a:schemeClr val="accent1"/>
+    </dgm:fillClrLst>
+    <dgm:linClrLst meth="repeat">
+      <a:schemeClr val="lt1"/>
+    </dgm:linClrLst>
+    <dgm:effectClrLst/>
+    <dgm:txLinClrLst/>
+    <dgm:txFillClrLst/>
+    <dgm:txEffectClrLst/>
+  </dgm:styleLbl>
+  <dgm:styleLbl name="node4">
+    <dgm:fillClrLst>
+      <a:schemeClr val="accent2"/>
+    </dgm:fillClrLst>
+    <dgm:linClrLst meth="repeat">
+      <a:schemeClr val="lt1"/>
+    </dgm:linClrLst>
+    <dgm:effectClrLst/>
+    <dgm:txLinClrLst/>
+    <dgm:txFillClrLst/>
+    <dgm:txEffectClrLst/>
+  </dgm:styleLbl>
+  <dgm:styleLbl name="fgImgPlace1">
+    <dgm:fillClrLst>
+      <a:schemeClr val="accent5">
+        <a:tint val="50000"/>
+      </a:schemeClr>
+      <a:schemeClr val="accent6">
+        <a:tint val="50000"/>
+      </a:schemeClr>
+    </dgm:fillClrLst>
+    <dgm:linClrLst meth="repeat">
+      <a:schemeClr val="lt1"/>
+    </dgm:linClrLst>
+    <dgm:effectClrLst/>
+    <dgm:txLinClrLst/>
+    <dgm:txFillClrLst meth="repeat">
+      <a:schemeClr val="lt1"/>
+    </dgm:txFillClrLst>
+    <dgm:txEffectClrLst/>
+  </dgm:styleLbl>
+  <dgm:styleLbl name="alignImgPlace1">
+    <dgm:fillClrLst>
+      <a:schemeClr val="accent5">
+        <a:tint val="50000"/>
+      </a:schemeClr>
+      <a:schemeClr val="accent6">
+        <a:tint val="20000"/>
+      </a:schemeClr>
+    </dgm:fillClrLst>
+    <dgm:linClrLst meth="repeat">
+      <a:schemeClr val="lt1"/>
+    </dgm:linClrLst>
+    <dgm:effectClrLst/>
+    <dgm:txLinClrLst/>
+    <dgm:txFillClrLst meth="repeat">
+      <a:schemeClr val="lt1"/>
+    </dgm:txFillClrLst>
+    <dgm:txEffectClrLst/>
+  </dgm:styleLbl>
+  <dgm:styleLbl name="bgImgPlace1">
+    <dgm:fillClrLst>
+      <a:schemeClr val="accent5">
+        <a:tint val="50000"/>
+      </a:schemeClr>
+      <a:schemeClr val="accent6">
+        <a:tint val="20000"/>
+      </a:schemeClr>
+    </dgm:fillClrLst>
+    <dgm:linClrLst meth="repeat">
+      <a:schemeClr val="lt1"/>
+    </dgm:linClrLst>
+    <dgm:effectClrLst/>
+    <dgm:txLinClrLst/>
+    <dgm:txFillClrLst meth="repeat">
+      <a:schemeClr val="lt1"/>
+    </dgm:txFillClrLst>
+    <dgm:txEffectClrLst/>
+  </dgm:styleLbl>
+  <dgm:styleLbl name="sibTrans2D1">
+    <dgm:fillClrLst>
+      <a:schemeClr val="accent5"/>
+      <a:schemeClr val="accent6"/>
+    </dgm:fillClrLst>
+    <dgm:linClrLst meth="repeat">
+      <a:schemeClr val="lt1"/>
+    </dgm:linClrLst>
+    <dgm:effectClrLst/>
+    <dgm:txLinClrLst/>
+    <dgm:txFillClrLst/>
+    <dgm:txEffectClrLst/>
+  </dgm:styleLbl>
+  <dgm:styleLbl name="fgSibTrans2D1">
+    <dgm:fillClrLst>
+      <a:schemeClr val="accent5"/>
+      <a:schemeClr val="accent6"/>
+    </dgm:fillClrLst>
+    <dgm:linClrLst meth="repeat">
+      <a:schemeClr val="lt1"/>
+    </dgm:linClrLst>
+    <dgm:effectClrLst/>
+    <dgm:txLinClrLst/>
+    <dgm:txFillClrLst meth="repeat">
+      <a:schemeClr val="lt1"/>
+    </dgm:txFillClrLst>
+    <dgm:txEffectClrLst/>
+  </dgm:styleLbl>
+  <dgm:styleLbl name="bgSibTrans2D1">
+    <dgm:fillClrLst>
+      <a:schemeClr val="accent5"/>
+      <a:schemeClr val="accent6"/>
+    </dgm:fillClrLst>
+    <dgm:linClrLst meth="repeat">
+      <a:schemeClr val="lt1"/>
+    </dgm:linClrLst>
+    <dgm:effectClrLst/>
+    <dgm:txLinClrLst/>
+    <dgm:txFillClrLst meth="repeat">
+      <a:schemeClr val="lt1"/>
+    </dgm:txFillClrLst>
+    <dgm:txEffectClrLst/>
+  </dgm:styleLbl>
+  <dgm:styleLbl name="sibTrans1D1">
+    <dgm:fillClrLst/>
+    <dgm:linClrLst>
+      <a:schemeClr val="accent5"/>
+      <a:schemeClr val="accent6"/>
+    </dgm:linClrLst>
+    <dgm:effectClrLst/>
+    <dgm:txLinClrLst/>
+    <dgm:txFillClrLst meth="repeat">
+      <a:schemeClr val="tx1"/>
+    </dgm:txFillClrLst>
+    <dgm:txEffectClrLst/>
+  </dgm:styleLbl>
+  <dgm:styleLbl name="callout">
+    <dgm:fillClrLst meth="repeat">
+      <a:schemeClr val="accent5"/>
+    </dgm:fillClrLst>
+    <dgm:linClrLst meth="repeat">
+      <a:schemeClr val="accent5">
+        <a:tint val="50000"/>
+      </a:schemeClr>
+    </dgm:linClrLst>
+    <dgm:effectClrLst/>
+    <dgm:txLinClrLst/>
+    <dgm:txFillClrLst meth="repeat">
+      <a:schemeClr val="tx1"/>
+    </dgm:txFillClrLst>
+    <dgm:txEffectClrLst/>
+  </dgm:styleLbl>
+  <dgm:styleLbl name="asst0">
+    <dgm:fillClrLst meth="repeat">
+      <a:schemeClr val="accent5"/>
+    </dgm:fillClrLst>
+    <dgm:linClrLst meth="repeat">
+      <a:schemeClr val="lt1">
+        <a:shade val="80000"/>
+      </a:schemeClr>
+    </dgm:linClrLst>
+    <dgm:effectClrLst/>
+    <dgm:txLinClrLst/>
+    <dgm:txFillClrLst/>
+    <dgm:txEffectClrLst/>
+  </dgm:styleLbl>
+  <dgm:styleLbl name="asst1">
+    <dgm:fillClrLst meth="repeat">
+      <a:schemeClr val="accent6"/>
+    </dgm:fillClrLst>
+    <dgm:linClrLst meth="repeat">
+      <a:schemeClr val="lt1">
+        <a:shade val="80000"/>
+      </a:schemeClr>
+    </dgm:linClrLst>
+    <dgm:effectClrLst/>
+    <dgm:txLinClrLst/>
+    <dgm:txFillClrLst/>
+    <dgm:txEffectClrLst/>
+  </dgm:styleLbl>
+  <dgm:styleLbl name="asst2">
+    <dgm:fillClrLst>
+      <a:schemeClr val="accent1"/>
+    </dgm:fillClrLst>
+    <dgm:linClrLst meth="repeat">
+      <a:schemeClr val="lt1"/>
+    </dgm:linClrLst>
+    <dgm:effectClrLst/>
+    <dgm:txLinClrLst/>
+    <dgm:txFillClrLst/>
+    <dgm:txEffectClrLst/>
+  </dgm:styleLbl>
+  <dgm:styleLbl name="asst3">
+    <dgm:fillClrLst>
+      <a:schemeClr val="accent2"/>
+    </dgm:fillClrLst>
+    <dgm:linClrLst meth="repeat">
+      <a:schemeClr val="lt1"/>
+    </dgm:linClrLst>
+    <dgm:effectClrLst/>
+    <dgm:txLinClrLst/>
+    <dgm:txFillClrLst/>
+    <dgm:txEffectClrLst/>
+  </dgm:styleLbl>
+  <dgm:styleLbl name="asst4">
+    <dgm:fillClrLst>
+      <a:schemeClr val="accent3"/>
+    </dgm:fillClrLst>
+    <dgm:linClrLst meth="repeat">
+      <a:schemeClr val="lt1"/>
+    </dgm:linClrLst>
+    <dgm:effectClrLst/>
+    <dgm:txLinClrLst/>
+    <dgm:txFillClrLst/>
+    <dgm:txEffectClrLst/>
+  </dgm:styleLbl>
+  <dgm:styleLbl name="parChTrans2D1">
+    <dgm:fillClrLst meth="repeat">
+      <a:schemeClr val="accent5"/>
+    </dgm:fillClrLst>
+    <dgm:linClrLst meth="repeat">
+      <a:schemeClr val="lt1"/>
+    </dgm:linClrLst>
+    <dgm:effectClrLst/>
+    <dgm:txLinClrLst/>
+    <dgm:txFillClrLst meth="repeat">
+      <a:schemeClr val="lt1"/>
+    </dgm:txFillClrLst>
+    <dgm:txEffectClrLst/>
+  </dgm:styleLbl>
+  <dgm:styleLbl name="parChTrans2D2">
+    <dgm:fillClrLst meth="repeat">
+      <a:schemeClr val="accent6"/>
+    </dgm:fillClrLst>
+    <dgm:linClrLst meth="repeat">
+      <a:schemeClr val="lt1"/>
+    </dgm:linClrLst>
+    <dgm:effectClrLst/>
+    <dgm:txLinClrLst/>
+    <dgm:txFillClrLst/>
+    <dgm:txEffectClrLst/>
+  </dgm:styleLbl>
+  <dgm:styleLbl name="parChTrans2D3">
+    <dgm:fillClrLst meth="repeat">
+      <a:schemeClr val="accent6"/>
+    </dgm:fillClrLst>
+    <dgm:linClrLst meth="repeat">
+      <a:schemeClr val="lt1"/>
+    </dgm:linClrLst>
+    <dgm:effectClrLst/>
+    <dgm:txLinClrLst/>
+    <dgm:txFillClrLst/>
+    <dgm:txEffectClrLst/>
+  </dgm:styleLbl>
+  <dgm:styleLbl name="parChTrans2D4">
+    <dgm:fillClrLst meth="repeat">
+      <a:schemeClr val="accent1"/>
+    </dgm:fillClrLst>
+    <dgm:linClrLst meth="repeat">
+      <a:schemeClr val="lt1"/>
+    </dgm:linClrLst>
+    <dgm:effectClrLst/>
+    <dgm:txLinClrLst/>
+    <dgm:txFillClrLst meth="repeat">
+      <a:schemeClr val="lt1"/>
+    </dgm:txFillClrLst>
+    <dgm:txEffectClrLst/>
+  </dgm:styleLbl>
+  <dgm:styleLbl name="parChTrans1D1">
+    <dgm:fillClrLst meth="repeat">
+      <a:schemeClr val="accent5"/>
+    </dgm:fillClrLst>
+    <dgm:linClrLst meth="repeat">
+      <a:schemeClr val="accent5"/>
+    </dgm:linClrLst>
+    <dgm:effectClrLst/>
+    <dgm:txLinClrLst/>
+    <dgm:txFillClrLst meth="repeat">
+      <a:schemeClr val="tx1"/>
+    </dgm:txFillClrLst>
+    <dgm:txEffectClrLst/>
+  </dgm:styleLbl>
+  <dgm:styleLbl name="parChTrans1D2">
+    <dgm:fillClrLst meth="repeat">
+      <a:schemeClr val="accent6">
+        <a:tint val="90000"/>
+      </a:schemeClr>
+    </dgm:fillClrLst>
+    <dgm:linClrLst meth="repeat">
+      <a:schemeClr val="accent6"/>
+    </dgm:linClrLst>
+    <dgm:effectClrLst/>
+    <dgm:txLinClrLst/>
+    <dgm:txFillClrLst meth="repeat">
+      <a:schemeClr val="tx1"/>
+    </dgm:txFillClrLst>
+    <dgm:txEffectClrLst/>
+  </dgm:styleLbl>
+  <dgm:styleLbl name="parChTrans1D3">
+    <dgm:fillClrLst meth="repeat">
+      <a:schemeClr val="accent6">
+        <a:tint val="70000"/>
+      </a:schemeClr>
+    </dgm:fillClrLst>
+    <dgm:linClrLst meth="repeat">
+      <a:schemeClr val="accent1"/>
+    </dgm:linClrLst>
+    <dgm:effectClrLst/>
+    <dgm:txLinClrLst/>
+    <dgm:txFillClrLst meth="repeat">
+      <a:schemeClr val="tx1"/>
+    </dgm:txFillClrLst>
+    <dgm:txEffectClrLst/>
+  </dgm:styleLbl>
+  <dgm:styleLbl name="parChTrans1D4">
+    <dgm:fillClrLst meth="repeat">
+      <a:schemeClr val="accent6">
+        <a:tint val="50000"/>
+      </a:schemeClr>
+    </dgm:fillClrLst>
+    <dgm:linClrLst meth="repeat">
+      <a:schemeClr val="accent2"/>
+    </dgm:linClrLst>
+    <dgm:effectClrLst/>
+    <dgm:txLinClrLst/>
+    <dgm:txFillClrLst meth="repeat">
+      <a:schemeClr val="tx1"/>
+    </dgm:txFillClrLst>
+    <dgm:txEffectClrLst/>
+  </dgm:styleLbl>
+  <dgm:styleLbl name="fgAcc1">
+    <dgm:fillClrLst meth="repeat">
+      <a:schemeClr val="lt1">
+        <a:alpha val="90000"/>
+      </a:schemeClr>
+    </dgm:fillClrLst>
+    <dgm:linClrLst>
+      <a:schemeClr val="accent5"/>
+      <a:schemeClr val="accent6"/>
+    </dgm:linClrLst>
+    <dgm:effectClrLst/>
+    <dgm:txLinClrLst/>
+    <dgm:txFillClrLst meth="repeat">
+      <a:schemeClr val="dk1"/>
+    </dgm:txFillClrLst>
+    <dgm:txEffectClrLst/>
+  </dgm:styleLbl>
+  <dgm:styleLbl name="conFgAcc1">
+    <dgm:fillClrLst meth="repeat">
+      <a:schemeClr val="lt1">
+        <a:alpha val="90000"/>
+      </a:schemeClr>
+    </dgm:fillClrLst>
+    <dgm:linClrLst>
+      <a:schemeClr val="accent5"/>
+      <a:schemeClr val="accent6"/>
+    </dgm:linClrLst>
+    <dgm:effectClrLst/>
+    <dgm:txLinClrLst/>
+    <dgm:txFillClrLst meth="repeat">
+      <a:schemeClr val="dk1"/>
+    </dgm:txFillClrLst>
+    <dgm:txEffectClrLst/>
+  </dgm:styleLbl>
+  <dgm:styleLbl name="alignAcc1">
+    <dgm:fillClrLst meth="repeat">
+      <a:schemeClr val="lt1">
+        <a:alpha val="90000"/>
+      </a:schemeClr>
+    </dgm:fillClrLst>
+    <dgm:linClrLst>
+      <a:schemeClr val="accent5"/>
+      <a:schemeClr val="accent6"/>
+    </dgm:linClrLst>
+    <dgm:effectClrLst/>
+    <dgm:txLinClrLst/>
+    <dgm:txFillClrLst meth="repeat">
+      <a:schemeClr val="dk1"/>
+    </dgm:txFillClrLst>
+    <dgm:txEffectClrLst/>
+  </dgm:styleLbl>
+  <dgm:styleLbl name="trAlignAcc1">
+    <dgm:fillClrLst meth="repeat">
+      <a:schemeClr val="lt1">
+        <a:alpha val="40000"/>
+      </a:schemeClr>
+    </dgm:fillClrLst>
+    <dgm:linClrLst meth="repeat">
+      <a:schemeClr val="accent5"/>
+    </dgm:linClrLst>
+    <dgm:effectClrLst/>
+    <dgm:txLinClrLst/>
+    <dgm:txFillClrLst meth="repeat">
+      <a:schemeClr val="dk1"/>
+    </dgm:txFillClrLst>
+    <dgm:txEffectClrLst/>
+  </dgm:styleLbl>
+  <dgm:styleLbl name="bgAcc1">
+    <dgm:fillClrLst meth="repeat">
+      <a:schemeClr val="lt1">
+        <a:alpha val="90000"/>
+      </a:schemeClr>
+    </dgm:fillClrLst>
+    <dgm:linClrLst>
+      <a:schemeClr val="accent5"/>
+      <a:schemeClr val="accent6"/>
+    </dgm:linClrLst>
+    <dgm:effectClrLst/>
+    <dgm:txLinClrLst/>
+    <dgm:txFillClrLst meth="repeat">
+      <a:schemeClr val="dk1"/>
+    </dgm:txFillClrLst>
+    <dgm:txEffectClrLst/>
+  </dgm:styleLbl>
+  <dgm:styleLbl name="solidFgAcc1">
+    <dgm:fillClrLst meth="repeat">
+      <a:schemeClr val="lt1"/>
+    </dgm:fillClrLst>
+    <dgm:linClrLst>
+      <a:schemeClr val="accent5"/>
+      <a:schemeClr val="accent6"/>
+    </dgm:linClrLst>
+    <dgm:effectClrLst/>
+    <dgm:txLinClrLst/>
+    <dgm:txFillClrLst meth="repeat">
+      <a:schemeClr val="dk1"/>
+    </dgm:txFillClrLst>
+    <dgm:txEffectClrLst/>
+  </dgm:styleLbl>
+  <dgm:styleLbl name="solidAlignAcc1">
+    <dgm:fillClrLst meth="repeat">
+      <a:schemeClr val="lt1"/>
+    </dgm:fillClrLst>
+    <dgm:linClrLst>
+      <a:schemeClr val="accent5"/>
+      <a:schemeClr val="accent6"/>
+    </dgm:linClrLst>
+    <dgm:effectClrLst/>
+    <dgm:txLinClrLst/>
+    <dgm:txFillClrLst meth="repeat">
+      <a:schemeClr val="dk1"/>
+    </dgm:txFillClrLst>
+    <dgm:txEffectClrLst/>
+  </dgm:styleLbl>
+  <dgm:styleLbl name="solidBgAcc1">
+    <dgm:fillClrLst meth="repeat">
+      <a:schemeClr val="lt1"/>
+    </dgm:fillClrLst>
+    <dgm:linClrLst>
+      <a:schemeClr val="accent5"/>
+      <a:schemeClr val="accent6"/>
+    </dgm:linClrLst>
+    <dgm:effectClrLst/>
+    <dgm:txLinClrLst/>
+    <dgm:txFillClrLst meth="repeat">
+      <a:schemeClr val="dk1"/>
+    </dgm:txFillClrLst>
+    <dgm:txEffectClrLst/>
+  </dgm:styleLbl>
+  <dgm:styleLbl name="fgAccFollowNode1">
+    <dgm:fillClrLst>
+      <a:schemeClr val="accent5">
+        <a:tint val="40000"/>
+        <a:alpha val="90000"/>
+      </a:schemeClr>
+      <a:schemeClr val="accent6">
+        <a:tint val="40000"/>
+        <a:alpha val="90000"/>
+      </a:schemeClr>
+    </dgm:fillClrLst>
+    <dgm:linClrLst>
+      <a:schemeClr val="accent5">
+        <a:tint val="40000"/>
+        <a:alpha val="90000"/>
+      </a:schemeClr>
+      <a:schemeClr val="accent5">
+        <a:tint val="40000"/>
+        <a:alpha val="90000"/>
+      </a:schemeClr>
+    </dgm:linClrLst>
+    <dgm:effectClrLst/>
+    <dgm:txLinClrLst/>
+    <dgm:txFillClrLst meth="repeat">
+      <a:schemeClr val="dk1"/>
+    </dgm:txFillClrLst>
+    <dgm:txEffectClrLst/>
+  </dgm:styleLbl>
+  <dgm:styleLbl name="alignAccFollowNode1">
+    <dgm:fillClrLst>
+      <a:schemeClr val="accent5">
+        <a:tint val="40000"/>
+        <a:alpha val="90000"/>
+      </a:schemeClr>
+      <a:schemeClr val="accent6">
+        <a:tint val="40000"/>
+        <a:alpha val="90000"/>
+      </a:schemeClr>
+    </dgm:fillClrLst>
+    <dgm:linClrLst>
+      <a:schemeClr val="accent5">
+        <a:tint val="40000"/>
+        <a:alpha val="90000"/>
+      </a:schemeClr>
+      <a:schemeClr val="accent6">
+        <a:tint val="40000"/>
+        <a:alpha val="90000"/>
+      </a:schemeClr>
+    </dgm:linClrLst>
+    <dgm:effectClrLst/>
+    <dgm:txLinClrLst/>
+    <dgm:txFillClrLst meth="repeat">
+      <a:schemeClr val="dk1"/>
+    </dgm:txFillClrLst>
+    <dgm:txEffectClrLst/>
+  </dgm:styleLbl>
+  <dgm:styleLbl name="bgAccFollowNode1">
+    <dgm:fillClrLst>
+      <a:schemeClr val="accent5">
+        <a:tint val="40000"/>
+        <a:alpha val="90000"/>
+      </a:schemeClr>
+      <a:schemeClr val="accent6">
+        <a:tint val="40000"/>
+        <a:alpha val="90000"/>
+      </a:schemeClr>
+    </dgm:fillClrLst>
+    <dgm:linClrLst>
+      <a:schemeClr val="accent5">
+        <a:tint val="40000"/>
+        <a:alpha val="90000"/>
+      </a:schemeClr>
+      <a:schemeClr val="accent6">
+        <a:tint val="40000"/>
+        <a:alpha val="90000"/>
+      </a:schemeClr>
+    </dgm:linClrLst>
+    <dgm:effectClrLst/>
+    <dgm:txLinClrLst/>
+    <dgm:txFillClrLst meth="repeat">
+      <a:schemeClr val="dk1"/>
+    </dgm:txFillClrLst>
+    <dgm:txEffectClrLst/>
+  </dgm:styleLbl>
+  <dgm:styleLbl name="fgAcc0">
+    <dgm:fillClrLst meth="repeat">
+      <a:schemeClr val="lt1">
+        <a:alpha val="90000"/>
+      </a:schemeClr>
+    </dgm:fillClrLst>
+    <dgm:linClrLst>
+      <a:schemeClr val="accent4"/>
+    </dgm:linClrLst>
+    <dgm:effectClrLst/>
+    <dgm:txLinClrLst/>
+    <dgm:txFillClrLst meth="repeat">
+      <a:schemeClr val="dk1"/>
+    </dgm:txFillClrLst>
+    <dgm:txEffectClrLst/>
+  </dgm:styleLbl>
+  <dgm:styleLbl name="fgAcc2">
+    <dgm:fillClrLst meth="repeat">
+      <a:schemeClr val="lt1">
+        <a:alpha val="90000"/>
+      </a:schemeClr>
+    </dgm:fillClrLst>
+    <dgm:linClrLst>
+      <a:schemeClr val="accent6"/>
+    </dgm:linClrLst>
+    <dgm:effectClrLst/>
+    <dgm:txLinClrLst/>
+    <dgm:txFillClrLst meth="repeat">
+      <a:schemeClr val="dk1"/>
+    </dgm:txFillClrLst>
+    <dgm:txEffectClrLst/>
+  </dgm:styleLbl>
+  <dgm:styleLbl name="fgAcc3">
+    <dgm:fillClrLst meth="repeat">
+      <a:schemeClr val="lt1">
+        <a:alpha val="90000"/>
+      </a:schemeClr>
+    </dgm:fillClrLst>
+    <dgm:linClrLst>
+      <a:schemeClr val="accent1"/>
+    </dgm:linClrLst>
+    <dgm:effectClrLst/>
+    <dgm:txLinClrLst/>
+    <dgm:txFillClrLst meth="repeat">
+      <a:schemeClr val="dk1"/>
+    </dgm:txFillClrLst>
+    <dgm:txEffectClrLst/>
+  </dgm:styleLbl>
+  <dgm:styleLbl name="fgAcc4">
+    <dgm:fillClrLst meth="repeat">
+      <a:schemeClr val="lt1">
+        <a:alpha val="90000"/>
+      </a:schemeClr>
+    </dgm:fillClrLst>
+    <dgm:linClrLst>
+      <a:schemeClr val="accent2"/>
+    </dgm:linClrLst>
+    <dgm:effectClrLst/>
+    <dgm:txLinClrLst/>
+    <dgm:txFillClrLst meth="repeat">
+      <a:schemeClr val="dk1"/>
+    </dgm:txFillClrLst>
+    <dgm:txEffectClrLst/>
+  </dgm:styleLbl>
+  <dgm:styleLbl name="bgShp">
+    <dgm:fillClrLst meth="repeat">
+      <a:schemeClr val="accent5">
+        <a:tint val="40000"/>
+      </a:schemeClr>
+    </dgm:fillClrLst>
+    <dgm:linClrLst meth="repeat">
+      <a:schemeClr val="dk1"/>
+    </dgm:linClrLst>
+    <dgm:effectClrLst/>
+    <dgm:txLinClrLst/>
+    <dgm:txFillClrLst meth="repeat">
+      <a:schemeClr val="dk1"/>
+    </dgm:txFillClrLst>
+    <dgm:txEffectClrLst/>
+  </dgm:styleLbl>
+  <dgm:styleLbl name="dkBgShp">
+    <dgm:fillClrLst meth="repeat">
+      <a:schemeClr val="accent5">
+        <a:shade val="90000"/>
+      </a:schemeClr>
+    </dgm:fillClrLst>
+    <dgm:linClrLst meth="repeat">
+      <a:schemeClr val="dk1"/>
+    </dgm:linClrLst>
+    <dgm:effectClrLst/>
+    <dgm:txLinClrLst/>
+    <dgm:txFillClrLst meth="repeat">
+      <a:schemeClr val="lt1"/>
+    </dgm:txFillClrLst>
+    <dgm:txEffectClrLst/>
+  </dgm:styleLbl>
+  <dgm:styleLbl name="trBgShp">
+    <dgm:fillClrLst meth="repeat">
+      <a:schemeClr val="accent5">
+        <a:tint val="50000"/>
+        <a:alpha val="40000"/>
+      </a:schemeClr>
+    </dgm:fillClrLst>
+    <dgm:linClrLst meth="repeat">
+      <a:schemeClr val="accent5"/>
+    </dgm:linClrLst>
+    <dgm:effectClrLst/>
+    <dgm:txLinClrLst/>
+    <dgm:txFillClrLst meth="repeat">
+      <a:schemeClr val="lt1"/>
+    </dgm:txFillClrLst>
+    <dgm:txEffectClrLst/>
+  </dgm:styleLbl>
+  <dgm:styleLbl name="fgShp">
+    <dgm:fillClrLst meth="repeat">
+      <a:schemeClr val="accent5">
+        <a:tint val="40000"/>
+      </a:schemeClr>
+    </dgm:fillClrLst>
+    <dgm:linClrLst meth="repeat">
+      <a:schemeClr val="lt1"/>
+    </dgm:linClrLst>
+    <dgm:effectClrLst/>
+    <dgm:txLinClrLst/>
+    <dgm:txFillClrLst meth="repeat">
+      <a:schemeClr val="dk1"/>
+    </dgm:txFillClrLst>
+    <dgm:txEffectClrLst/>
+  </dgm:styleLbl>
+  <dgm:styleLbl name="revTx">
+    <dgm:fillClrLst meth="repeat">
+      <a:schemeClr val="lt1">
+        <a:alpha val="0"/>
+      </a:schemeClr>
+    </dgm:fillClrLst>
+    <dgm:linClrLst meth="repeat">
+      <a:schemeClr val="dk1">
+        <a:alpha val="0"/>
+      </a:schemeClr>
+    </dgm:linClrLst>
+    <dgm:effectClrLst/>
+    <dgm:txLinClrLst/>
+    <dgm:txFillClrLst meth="repeat">
+      <a:schemeClr val="tx1"/>
+    </dgm:txFillClrLst>
+    <dgm:txEffectClrLst/>
+  </dgm:styleLbl>
+</dgm:colorsDef>
+</file>
+
+<file path=ppt/diagrams/data1.xml><?xml version="1.0" encoding="utf-8"?>
+<dgm:dataModel xmlns:dgm="http://schemas.openxmlformats.org/drawingml/2006/diagram" xmlns:a="http://schemas.openxmlformats.org/drawingml/2006/main">
+  <dgm:ptLst>
+    <dgm:pt modelId="{402A536C-F923-4F2B-8143-5867667EB147}" type="doc">
+      <dgm:prSet loTypeId="urn:microsoft.com/office/officeart/2005/8/layout/cycle3" loCatId="cycle" qsTypeId="urn:microsoft.com/office/officeart/2005/8/quickstyle/simple1" qsCatId="simple" csTypeId="urn:microsoft.com/office/officeart/2005/8/colors/colorful5" csCatId="colorful" phldr="1"/>
+      <dgm:spPr/>
+      <dgm:t>
+        <a:bodyPr/>
+        <a:lstStyle/>
+        <a:p>
+          <a:endParaRPr lang="en-US"/>
+        </a:p>
+      </dgm:t>
+    </dgm:pt>
+    <dgm:pt modelId="{2CB2E55A-984E-46DF-9E41-D7B159847B27}">
+      <dgm:prSet phldrT="[Text]"/>
+      <dgm:spPr/>
+      <dgm:t>
+        <a:bodyPr/>
+        <a:lstStyle/>
+        <a:p>
+          <a:r>
+            <a:rPr lang="en-US" dirty="0"/>
+            <a:t>Question</a:t>
+          </a:r>
+        </a:p>
+      </dgm:t>
+    </dgm:pt>
+    <dgm:pt modelId="{6884ABF5-BBAF-4F65-AAD4-D84963B2A845}" type="parTrans" cxnId="{66B8C161-5238-4DFD-A084-ACC01439DAAA}">
+      <dgm:prSet/>
+      <dgm:spPr/>
+      <dgm:t>
+        <a:bodyPr/>
+        <a:lstStyle/>
+        <a:p>
+          <a:endParaRPr lang="en-US"/>
+        </a:p>
+      </dgm:t>
+    </dgm:pt>
+    <dgm:pt modelId="{133D3D7C-DA32-4F8F-B3A7-27B8EA4384A9}" type="sibTrans" cxnId="{66B8C161-5238-4DFD-A084-ACC01439DAAA}">
+      <dgm:prSet/>
+      <dgm:spPr/>
+      <dgm:t>
+        <a:bodyPr/>
+        <a:lstStyle/>
+        <a:p>
+          <a:endParaRPr lang="en-US"/>
+        </a:p>
+      </dgm:t>
+    </dgm:pt>
+    <dgm:pt modelId="{16101E4E-84C0-4DD1-94E2-61DAA2636C6A}">
+      <dgm:prSet phldrT="[Text]"/>
+      <dgm:spPr/>
+      <dgm:t>
+        <a:bodyPr/>
+        <a:lstStyle/>
+        <a:p>
+          <a:r>
+            <a:rPr lang="en-US" dirty="0"/>
+            <a:t>Hypothesis</a:t>
+          </a:r>
+        </a:p>
+      </dgm:t>
+    </dgm:pt>
+    <dgm:pt modelId="{AE8C620D-D736-423D-B759-47D7D83037D1}" type="parTrans" cxnId="{BB43D0FA-5593-4586-84DD-8C48A624839E}">
+      <dgm:prSet/>
+      <dgm:spPr/>
+      <dgm:t>
+        <a:bodyPr/>
+        <a:lstStyle/>
+        <a:p>
+          <a:endParaRPr lang="en-US"/>
+        </a:p>
+      </dgm:t>
+    </dgm:pt>
+    <dgm:pt modelId="{8EA91145-BDE2-41AD-9AEE-885EEEBCEC2F}" type="sibTrans" cxnId="{BB43D0FA-5593-4586-84DD-8C48A624839E}">
+      <dgm:prSet/>
+      <dgm:spPr/>
+      <dgm:t>
+        <a:bodyPr/>
+        <a:lstStyle/>
+        <a:p>
+          <a:endParaRPr lang="en-US"/>
+        </a:p>
+      </dgm:t>
+    </dgm:pt>
+    <dgm:pt modelId="{0E9C3AFF-9DD8-4D9C-B789-A9998D9CCB9B}">
+      <dgm:prSet phldrT="[Text]"/>
+      <dgm:spPr/>
+      <dgm:t>
+        <a:bodyPr/>
+        <a:lstStyle/>
+        <a:p>
+          <a:r>
+            <a:rPr lang="en-US" dirty="0"/>
+            <a:t>Test</a:t>
+          </a:r>
+        </a:p>
+      </dgm:t>
+    </dgm:pt>
+    <dgm:pt modelId="{CEC50100-2A07-4B72-AE13-3371803B3D08}" type="parTrans" cxnId="{C1E0529B-B8D9-430E-BE3D-10E28ADC652D}">
+      <dgm:prSet/>
+      <dgm:spPr/>
+      <dgm:t>
+        <a:bodyPr/>
+        <a:lstStyle/>
+        <a:p>
+          <a:endParaRPr lang="en-US"/>
+        </a:p>
+      </dgm:t>
+    </dgm:pt>
+    <dgm:pt modelId="{DB4FEE97-5156-4F7C-9B3F-5FA9798D1282}" type="sibTrans" cxnId="{C1E0529B-B8D9-430E-BE3D-10E28ADC652D}">
+      <dgm:prSet/>
+      <dgm:spPr/>
+      <dgm:t>
+        <a:bodyPr/>
+        <a:lstStyle/>
+        <a:p>
+          <a:endParaRPr lang="en-US"/>
+        </a:p>
+      </dgm:t>
+    </dgm:pt>
+    <dgm:pt modelId="{4A0E736C-AAB7-4C78-B40B-E0A372773444}">
+      <dgm:prSet phldrT="[Text]"/>
+      <dgm:spPr/>
+      <dgm:t>
+        <a:bodyPr/>
+        <a:lstStyle/>
+        <a:p>
+          <a:r>
+            <a:rPr lang="en-US" dirty="0"/>
+            <a:t>Reevaluation</a:t>
+          </a:r>
+        </a:p>
+      </dgm:t>
+    </dgm:pt>
+    <dgm:pt modelId="{A1F40CE0-F4CA-4D40-BFF9-E0A405415921}" type="parTrans" cxnId="{026D3532-E7AA-456F-8658-9353A38EC37E}">
+      <dgm:prSet/>
+      <dgm:spPr/>
+      <dgm:t>
+        <a:bodyPr/>
+        <a:lstStyle/>
+        <a:p>
+          <a:endParaRPr lang="en-US"/>
+        </a:p>
+      </dgm:t>
+    </dgm:pt>
+    <dgm:pt modelId="{92D551DC-4A7B-4DDC-BE7E-83A803921622}" type="sibTrans" cxnId="{026D3532-E7AA-456F-8658-9353A38EC37E}">
+      <dgm:prSet/>
+      <dgm:spPr/>
+      <dgm:t>
+        <a:bodyPr/>
+        <a:lstStyle/>
+        <a:p>
+          <a:endParaRPr lang="en-US"/>
+        </a:p>
+      </dgm:t>
+    </dgm:pt>
+    <dgm:pt modelId="{7E7A133E-B580-4E4B-B48D-1D255AE1F278}">
+      <dgm:prSet phldrT="[Text]"/>
+      <dgm:spPr/>
+      <dgm:t>
+        <a:bodyPr/>
+        <a:lstStyle/>
+        <a:p>
+          <a:r>
+            <a:rPr lang="en-US" dirty="0"/>
+            <a:t>Observation</a:t>
+          </a:r>
+        </a:p>
+      </dgm:t>
+    </dgm:pt>
+    <dgm:pt modelId="{E2072D90-D9C5-4EEC-B129-B58FA38AD154}" type="parTrans" cxnId="{03E58A41-C2D4-4D14-AD11-1A2FEDD67923}">
+      <dgm:prSet/>
+      <dgm:spPr/>
+      <dgm:t>
+        <a:bodyPr/>
+        <a:lstStyle/>
+        <a:p>
+          <a:endParaRPr lang="en-US"/>
+        </a:p>
+      </dgm:t>
+    </dgm:pt>
+    <dgm:pt modelId="{0E7E28AC-3EB5-4F79-8019-7F53CF52F8DF}" type="sibTrans" cxnId="{03E58A41-C2D4-4D14-AD11-1A2FEDD67923}">
+      <dgm:prSet/>
+      <dgm:spPr/>
+      <dgm:t>
+        <a:bodyPr/>
+        <a:lstStyle/>
+        <a:p>
+          <a:endParaRPr lang="en-US"/>
+        </a:p>
+      </dgm:t>
+    </dgm:pt>
+    <dgm:pt modelId="{476B7A9F-7B3A-4903-936E-67A0E0372008}" type="pres">
+      <dgm:prSet presAssocID="{402A536C-F923-4F2B-8143-5867667EB147}" presName="Name0" presStyleCnt="0">
+        <dgm:presLayoutVars>
+          <dgm:dir/>
+          <dgm:resizeHandles val="exact"/>
+        </dgm:presLayoutVars>
+      </dgm:prSet>
+      <dgm:spPr/>
+    </dgm:pt>
+    <dgm:pt modelId="{AC1137CF-6B14-45E8-90CE-FF0B82DCE992}" type="pres">
+      <dgm:prSet presAssocID="{402A536C-F923-4F2B-8143-5867667EB147}" presName="cycle" presStyleCnt="0"/>
+      <dgm:spPr/>
+    </dgm:pt>
+    <dgm:pt modelId="{3B909685-6A27-41A0-8A0D-DF6B9795F3AD}" type="pres">
+      <dgm:prSet presAssocID="{2CB2E55A-984E-46DF-9E41-D7B159847B27}" presName="nodeFirstNode" presStyleLbl="node1" presStyleIdx="0" presStyleCnt="5" custAng="0">
+        <dgm:presLayoutVars>
+          <dgm:bulletEnabled val="1"/>
+        </dgm:presLayoutVars>
+      </dgm:prSet>
+      <dgm:spPr/>
+    </dgm:pt>
+    <dgm:pt modelId="{98F44EED-1D75-444B-8302-9BB780E516D2}" type="pres">
+      <dgm:prSet presAssocID="{133D3D7C-DA32-4F8F-B3A7-27B8EA4384A9}" presName="sibTransFirstNode" presStyleLbl="bgShp" presStyleIdx="0" presStyleCnt="1"/>
+      <dgm:spPr/>
+    </dgm:pt>
+    <dgm:pt modelId="{9D5511C1-C83C-4B9B-8624-DD3489A8636C}" type="pres">
+      <dgm:prSet presAssocID="{16101E4E-84C0-4DD1-94E2-61DAA2636C6A}" presName="nodeFollowingNodes" presStyleLbl="node1" presStyleIdx="1" presStyleCnt="5">
+        <dgm:presLayoutVars>
+          <dgm:bulletEnabled val="1"/>
+        </dgm:presLayoutVars>
+      </dgm:prSet>
+      <dgm:spPr/>
+    </dgm:pt>
+    <dgm:pt modelId="{F730C4F0-7066-41A5-B07A-0D89FF750A68}" type="pres">
+      <dgm:prSet presAssocID="{0E9C3AFF-9DD8-4D9C-B789-A9998D9CCB9B}" presName="nodeFollowingNodes" presStyleLbl="node1" presStyleIdx="2" presStyleCnt="5">
+        <dgm:presLayoutVars>
+          <dgm:bulletEnabled val="1"/>
+        </dgm:presLayoutVars>
+      </dgm:prSet>
+      <dgm:spPr/>
+    </dgm:pt>
+    <dgm:pt modelId="{4FA56BB1-54F8-4F21-8342-8E48AF09AC91}" type="pres">
+      <dgm:prSet presAssocID="{4A0E736C-AAB7-4C78-B40B-E0A372773444}" presName="nodeFollowingNodes" presStyleLbl="node1" presStyleIdx="3" presStyleCnt="5">
+        <dgm:presLayoutVars>
+          <dgm:bulletEnabled val="1"/>
+        </dgm:presLayoutVars>
+      </dgm:prSet>
+      <dgm:spPr/>
+    </dgm:pt>
+    <dgm:pt modelId="{C9C7561C-3493-4DF3-9F51-652D620B4483}" type="pres">
+      <dgm:prSet presAssocID="{7E7A133E-B580-4E4B-B48D-1D255AE1F278}" presName="nodeFollowingNodes" presStyleLbl="node1" presStyleIdx="4" presStyleCnt="5">
+        <dgm:presLayoutVars>
+          <dgm:bulletEnabled val="1"/>
+        </dgm:presLayoutVars>
+      </dgm:prSet>
+      <dgm:spPr/>
+    </dgm:pt>
+  </dgm:ptLst>
+  <dgm:cxnLst>
+    <dgm:cxn modelId="{B4EA751D-0EFC-4657-92B6-10173F0F0E0F}" type="presOf" srcId="{2CB2E55A-984E-46DF-9E41-D7B159847B27}" destId="{3B909685-6A27-41A0-8A0D-DF6B9795F3AD}" srcOrd="0" destOrd="0" presId="urn:microsoft.com/office/officeart/2005/8/layout/cycle3"/>
+    <dgm:cxn modelId="{026D3532-E7AA-456F-8658-9353A38EC37E}" srcId="{402A536C-F923-4F2B-8143-5867667EB147}" destId="{4A0E736C-AAB7-4C78-B40B-E0A372773444}" srcOrd="3" destOrd="0" parTransId="{A1F40CE0-F4CA-4D40-BFF9-E0A405415921}" sibTransId="{92D551DC-4A7B-4DDC-BE7E-83A803921622}"/>
+    <dgm:cxn modelId="{143C5333-2F6F-49EE-A2B2-CD726C86D632}" type="presOf" srcId="{7E7A133E-B580-4E4B-B48D-1D255AE1F278}" destId="{C9C7561C-3493-4DF3-9F51-652D620B4483}" srcOrd="0" destOrd="0" presId="urn:microsoft.com/office/officeart/2005/8/layout/cycle3"/>
+    <dgm:cxn modelId="{03E58A41-C2D4-4D14-AD11-1A2FEDD67923}" srcId="{402A536C-F923-4F2B-8143-5867667EB147}" destId="{7E7A133E-B580-4E4B-B48D-1D255AE1F278}" srcOrd="4" destOrd="0" parTransId="{E2072D90-D9C5-4EEC-B129-B58FA38AD154}" sibTransId="{0E7E28AC-3EB5-4F79-8019-7F53CF52F8DF}"/>
+    <dgm:cxn modelId="{66B8C161-5238-4DFD-A084-ACC01439DAAA}" srcId="{402A536C-F923-4F2B-8143-5867667EB147}" destId="{2CB2E55A-984E-46DF-9E41-D7B159847B27}" srcOrd="0" destOrd="0" parTransId="{6884ABF5-BBAF-4F65-AAD4-D84963B2A845}" sibTransId="{133D3D7C-DA32-4F8F-B3A7-27B8EA4384A9}"/>
+    <dgm:cxn modelId="{C1E0529B-B8D9-430E-BE3D-10E28ADC652D}" srcId="{402A536C-F923-4F2B-8143-5867667EB147}" destId="{0E9C3AFF-9DD8-4D9C-B789-A9998D9CCB9B}" srcOrd="2" destOrd="0" parTransId="{CEC50100-2A07-4B72-AE13-3371803B3D08}" sibTransId="{DB4FEE97-5156-4F7C-9B3F-5FA9798D1282}"/>
+    <dgm:cxn modelId="{3A74A7C8-503E-4796-909D-11AE1AF2BBFD}" type="presOf" srcId="{133D3D7C-DA32-4F8F-B3A7-27B8EA4384A9}" destId="{98F44EED-1D75-444B-8302-9BB780E516D2}" srcOrd="0" destOrd="0" presId="urn:microsoft.com/office/officeart/2005/8/layout/cycle3"/>
+    <dgm:cxn modelId="{B173B6E3-D929-4EAE-96FE-654536099F26}" type="presOf" srcId="{16101E4E-84C0-4DD1-94E2-61DAA2636C6A}" destId="{9D5511C1-C83C-4B9B-8624-DD3489A8636C}" srcOrd="0" destOrd="0" presId="urn:microsoft.com/office/officeart/2005/8/layout/cycle3"/>
+    <dgm:cxn modelId="{E1D970F3-EEE6-4CCF-AC1A-F9BACE7A291B}" type="presOf" srcId="{402A536C-F923-4F2B-8143-5867667EB147}" destId="{476B7A9F-7B3A-4903-936E-67A0E0372008}" srcOrd="0" destOrd="0" presId="urn:microsoft.com/office/officeart/2005/8/layout/cycle3"/>
+    <dgm:cxn modelId="{43E7F5F7-3C21-4668-A7ED-33F8240F534C}" type="presOf" srcId="{0E9C3AFF-9DD8-4D9C-B789-A9998D9CCB9B}" destId="{F730C4F0-7066-41A5-B07A-0D89FF750A68}" srcOrd="0" destOrd="0" presId="urn:microsoft.com/office/officeart/2005/8/layout/cycle3"/>
+    <dgm:cxn modelId="{4B0D19F9-F52D-43ED-84B5-FF7425986E32}" type="presOf" srcId="{4A0E736C-AAB7-4C78-B40B-E0A372773444}" destId="{4FA56BB1-54F8-4F21-8342-8E48AF09AC91}" srcOrd="0" destOrd="0" presId="urn:microsoft.com/office/officeart/2005/8/layout/cycle3"/>
+    <dgm:cxn modelId="{BB43D0FA-5593-4586-84DD-8C48A624839E}" srcId="{402A536C-F923-4F2B-8143-5867667EB147}" destId="{16101E4E-84C0-4DD1-94E2-61DAA2636C6A}" srcOrd="1" destOrd="0" parTransId="{AE8C620D-D736-423D-B759-47D7D83037D1}" sibTransId="{8EA91145-BDE2-41AD-9AEE-885EEEBCEC2F}"/>
+    <dgm:cxn modelId="{303110CB-5C7D-42EE-929B-0C9CC30F26F6}" type="presParOf" srcId="{476B7A9F-7B3A-4903-936E-67A0E0372008}" destId="{AC1137CF-6B14-45E8-90CE-FF0B82DCE992}" srcOrd="0" destOrd="0" presId="urn:microsoft.com/office/officeart/2005/8/layout/cycle3"/>
+    <dgm:cxn modelId="{EE784522-5759-42D0-A877-D29182F3EE7B}" type="presParOf" srcId="{AC1137CF-6B14-45E8-90CE-FF0B82DCE992}" destId="{3B909685-6A27-41A0-8A0D-DF6B9795F3AD}" srcOrd="0" destOrd="0" presId="urn:microsoft.com/office/officeart/2005/8/layout/cycle3"/>
+    <dgm:cxn modelId="{499E3DE3-8BAE-4836-A1AA-7C89F11F014A}" type="presParOf" srcId="{AC1137CF-6B14-45E8-90CE-FF0B82DCE992}" destId="{98F44EED-1D75-444B-8302-9BB780E516D2}" srcOrd="1" destOrd="0" presId="urn:microsoft.com/office/officeart/2005/8/layout/cycle3"/>
+    <dgm:cxn modelId="{EE03B66D-19AE-4AD6-B495-2A8E67E6B405}" type="presParOf" srcId="{AC1137CF-6B14-45E8-90CE-FF0B82DCE992}" destId="{9D5511C1-C83C-4B9B-8624-DD3489A8636C}" srcOrd="2" destOrd="0" presId="urn:microsoft.com/office/officeart/2005/8/layout/cycle3"/>
+    <dgm:cxn modelId="{621DD876-CF9A-4E67-AE6F-10B0E7C83AFF}" type="presParOf" srcId="{AC1137CF-6B14-45E8-90CE-FF0B82DCE992}" destId="{F730C4F0-7066-41A5-B07A-0D89FF750A68}" srcOrd="3" destOrd="0" presId="urn:microsoft.com/office/officeart/2005/8/layout/cycle3"/>
+    <dgm:cxn modelId="{4AFE47AA-BE2C-4FDB-B325-A3D217147D08}" type="presParOf" srcId="{AC1137CF-6B14-45E8-90CE-FF0B82DCE992}" destId="{4FA56BB1-54F8-4F21-8342-8E48AF09AC91}" srcOrd="4" destOrd="0" presId="urn:microsoft.com/office/officeart/2005/8/layout/cycle3"/>
+    <dgm:cxn modelId="{8BAEC7C6-B999-46CD-B83B-265412CF481A}" type="presParOf" srcId="{AC1137CF-6B14-45E8-90CE-FF0B82DCE992}" destId="{C9C7561C-3493-4DF3-9F51-652D620B4483}" srcOrd="5" destOrd="0" presId="urn:microsoft.com/office/officeart/2005/8/layout/cycle3"/>
+  </dgm:cxnLst>
+  <dgm:bg/>
+  <dgm:whole/>
+  <dgm:extLst>
+    <a:ext uri="http://schemas.microsoft.com/office/drawing/2008/diagram">
+      <dsp:dataModelExt xmlns:dsp="http://schemas.microsoft.com/office/drawing/2008/diagram" relId="rId6" minVer="http://schemas.openxmlformats.org/drawingml/2006/diagram"/>
+    </a:ext>
+  </dgm:extLst>
+</dgm:dataModel>
+</file>
+
+<file path=ppt/diagrams/drawing1.xml><?xml version="1.0" encoding="utf-8"?>
+<dsp:drawing xmlns:dgm="http://schemas.openxmlformats.org/drawingml/2006/diagram" xmlns:dsp="http://schemas.microsoft.com/office/drawing/2008/diagram" xmlns:a="http://schemas.openxmlformats.org/drawingml/2006/main">
+  <dsp:spTree>
+    <dsp:nvGrpSpPr>
+      <dsp:cNvPr id="0" name=""/>
+      <dsp:cNvGrpSpPr/>
+    </dsp:nvGrpSpPr>
+    <dsp:grpSpPr/>
+    <dsp:sp modelId="{98F44EED-1D75-444B-8302-9BB780E516D2}">
+      <dsp:nvSpPr>
+        <dsp:cNvPr id="0" name=""/>
+        <dsp:cNvSpPr/>
+      </dsp:nvSpPr>
+      <dsp:spPr>
+        <a:xfrm>
+          <a:off x="878473" y="-21721"/>
+          <a:ext cx="4057928" cy="4057928"/>
+        </a:xfrm>
+        <a:prstGeom prst="circularArrow">
+          <a:avLst>
+            <a:gd name="adj1" fmla="val 5544"/>
+            <a:gd name="adj2" fmla="val 330680"/>
+            <a:gd name="adj3" fmla="val 13825082"/>
+            <a:gd name="adj4" fmla="val 17356120"/>
+            <a:gd name="adj5" fmla="val 5757"/>
+          </a:avLst>
+        </a:prstGeom>
+        <a:solidFill>
+          <a:schemeClr val="accent5">
+            <a:tint val="40000"/>
+            <a:hueOff val="0"/>
+            <a:satOff val="0"/>
+            <a:lumOff val="0"/>
+            <a:alphaOff val="0"/>
+          </a:schemeClr>
+        </a:solidFill>
+        <a:ln>
+          <a:noFill/>
+        </a:ln>
+        <a:effectLst/>
+      </dsp:spPr>
+      <dsp:style>
+        <a:lnRef idx="0">
+          <a:scrgbClr r="0" g="0" b="0"/>
+        </a:lnRef>
+        <a:fillRef idx="1">
+          <a:scrgbClr r="0" g="0" b="0"/>
+        </a:fillRef>
+        <a:effectRef idx="0">
+          <a:scrgbClr r="0" g="0" b="0"/>
+        </a:effectRef>
+        <a:fontRef idx="minor"/>
+      </dsp:style>
+    </dsp:sp>
+    <dsp:sp modelId="{3B909685-6A27-41A0-8A0D-DF6B9795F3AD}">
+      <dsp:nvSpPr>
+        <dsp:cNvPr id="0" name=""/>
+        <dsp:cNvSpPr/>
+      </dsp:nvSpPr>
+      <dsp:spPr>
+        <a:xfrm>
+          <a:off x="1977568" y="1468"/>
+          <a:ext cx="1859738" cy="929869"/>
+        </a:xfrm>
+        <a:prstGeom prst="roundRect">
+          <a:avLst/>
+        </a:prstGeom>
+        <a:solidFill>
+          <a:schemeClr val="accent5">
+            <a:hueOff val="0"/>
+            <a:satOff val="0"/>
+            <a:lumOff val="0"/>
+            <a:alphaOff val="0"/>
+          </a:schemeClr>
+        </a:solidFill>
+        <a:ln w="19050" cap="rnd" cmpd="sng" algn="ctr">
+          <a:solidFill>
+            <a:schemeClr val="lt1">
+              <a:hueOff val="0"/>
+              <a:satOff val="0"/>
+              <a:lumOff val="0"/>
+              <a:alphaOff val="0"/>
+            </a:schemeClr>
+          </a:solidFill>
+          <a:prstDash val="solid"/>
+        </a:ln>
+        <a:effectLst/>
+      </dsp:spPr>
+      <dsp:style>
+        <a:lnRef idx="2">
+          <a:scrgbClr r="0" g="0" b="0"/>
+        </a:lnRef>
+        <a:fillRef idx="1">
+          <a:scrgbClr r="0" g="0" b="0"/>
+        </a:fillRef>
+        <a:effectRef idx="0">
+          <a:scrgbClr r="0" g="0" b="0"/>
+        </a:effectRef>
+        <a:fontRef idx="minor">
+          <a:schemeClr val="lt1"/>
+        </a:fontRef>
+      </dsp:style>
+      <dsp:txBody>
+        <a:bodyPr spcFirstLastPara="0" vert="horz" wrap="square" lIns="80010" tIns="80010" rIns="80010" bIns="80010" numCol="1" spcCol="1270" anchor="ctr" anchorCtr="0">
+          <a:noAutofit/>
+        </a:bodyPr>
+        <a:lstStyle/>
+        <a:p>
+          <a:pPr marL="0" lvl="0" indent="0" algn="ctr" defTabSz="933450">
+            <a:lnSpc>
+              <a:spcPct val="90000"/>
+            </a:lnSpc>
+            <a:spcBef>
+              <a:spcPct val="0"/>
+            </a:spcBef>
+            <a:spcAft>
+              <a:spcPct val="35000"/>
+            </a:spcAft>
+            <a:buNone/>
+          </a:pPr>
+          <a:r>
+            <a:rPr lang="en-US" sz="2100" kern="1200" dirty="0"/>
+            <a:t>Question</a:t>
+          </a:r>
+        </a:p>
+      </dsp:txBody>
+      <dsp:txXfrm>
+        <a:off x="2022960" y="46860"/>
+        <a:ext cx="1768954" cy="839085"/>
+      </dsp:txXfrm>
+    </dsp:sp>
+    <dsp:sp modelId="{9D5511C1-C83C-4B9B-8624-DD3489A8636C}">
+      <dsp:nvSpPr>
+        <dsp:cNvPr id="0" name=""/>
+        <dsp:cNvSpPr/>
+      </dsp:nvSpPr>
+      <dsp:spPr>
+        <a:xfrm>
+          <a:off x="3623333" y="1197187"/>
+          <a:ext cx="1859738" cy="929869"/>
+        </a:xfrm>
+        <a:prstGeom prst="roundRect">
+          <a:avLst/>
+        </a:prstGeom>
+        <a:solidFill>
+          <a:schemeClr val="accent5">
+            <a:hueOff val="623814"/>
+            <a:satOff val="-12622"/>
+            <a:lumOff val="392"/>
+            <a:alphaOff val="0"/>
+          </a:schemeClr>
+        </a:solidFill>
+        <a:ln w="19050" cap="rnd" cmpd="sng" algn="ctr">
+          <a:solidFill>
+            <a:schemeClr val="lt1">
+              <a:hueOff val="0"/>
+              <a:satOff val="0"/>
+              <a:lumOff val="0"/>
+              <a:alphaOff val="0"/>
+            </a:schemeClr>
+          </a:solidFill>
+          <a:prstDash val="solid"/>
+        </a:ln>
+        <a:effectLst/>
+      </dsp:spPr>
+      <dsp:style>
+        <a:lnRef idx="2">
+          <a:scrgbClr r="0" g="0" b="0"/>
+        </a:lnRef>
+        <a:fillRef idx="1">
+          <a:scrgbClr r="0" g="0" b="0"/>
+        </a:fillRef>
+        <a:effectRef idx="0">
+          <a:scrgbClr r="0" g="0" b="0"/>
+        </a:effectRef>
+        <a:fontRef idx="minor">
+          <a:schemeClr val="lt1"/>
+        </a:fontRef>
+      </dsp:style>
+      <dsp:txBody>
+        <a:bodyPr spcFirstLastPara="0" vert="horz" wrap="square" lIns="80010" tIns="80010" rIns="80010" bIns="80010" numCol="1" spcCol="1270" anchor="ctr" anchorCtr="0">
+          <a:noAutofit/>
+        </a:bodyPr>
+        <a:lstStyle/>
+        <a:p>
+          <a:pPr marL="0" lvl="0" indent="0" algn="ctr" defTabSz="933450">
+            <a:lnSpc>
+              <a:spcPct val="90000"/>
+            </a:lnSpc>
+            <a:spcBef>
+              <a:spcPct val="0"/>
+            </a:spcBef>
+            <a:spcAft>
+              <a:spcPct val="35000"/>
+            </a:spcAft>
+            <a:buNone/>
+          </a:pPr>
+          <a:r>
+            <a:rPr lang="en-US" sz="2100" kern="1200" dirty="0"/>
+            <a:t>Hypothesis</a:t>
+          </a:r>
+        </a:p>
+      </dsp:txBody>
+      <dsp:txXfrm>
+        <a:off x="3668725" y="1242579"/>
+        <a:ext cx="1768954" cy="839085"/>
+      </dsp:txXfrm>
+    </dsp:sp>
+    <dsp:sp modelId="{F730C4F0-7066-41A5-B07A-0D89FF750A68}">
+      <dsp:nvSpPr>
+        <dsp:cNvPr id="0" name=""/>
+        <dsp:cNvSpPr/>
+      </dsp:nvSpPr>
+      <dsp:spPr>
+        <a:xfrm>
+          <a:off x="2994707" y="3131900"/>
+          <a:ext cx="1859738" cy="929869"/>
+        </a:xfrm>
+        <a:prstGeom prst="roundRect">
+          <a:avLst/>
+        </a:prstGeom>
+        <a:solidFill>
+          <a:schemeClr val="accent5">
+            <a:hueOff val="1247628"/>
+            <a:satOff val="-25244"/>
+            <a:lumOff val="784"/>
+            <a:alphaOff val="0"/>
+          </a:schemeClr>
+        </a:solidFill>
+        <a:ln w="19050" cap="rnd" cmpd="sng" algn="ctr">
+          <a:solidFill>
+            <a:schemeClr val="lt1">
+              <a:hueOff val="0"/>
+              <a:satOff val="0"/>
+              <a:lumOff val="0"/>
+              <a:alphaOff val="0"/>
+            </a:schemeClr>
+          </a:solidFill>
+          <a:prstDash val="solid"/>
+        </a:ln>
+        <a:effectLst/>
+      </dsp:spPr>
+      <dsp:style>
+        <a:lnRef idx="2">
+          <a:scrgbClr r="0" g="0" b="0"/>
+        </a:lnRef>
+        <a:fillRef idx="1">
+          <a:scrgbClr r="0" g="0" b="0"/>
+        </a:fillRef>
+        <a:effectRef idx="0">
+          <a:scrgbClr r="0" g="0" b="0"/>
+        </a:effectRef>
+        <a:fontRef idx="minor">
+          <a:schemeClr val="lt1"/>
+        </a:fontRef>
+      </dsp:style>
+      <dsp:txBody>
+        <a:bodyPr spcFirstLastPara="0" vert="horz" wrap="square" lIns="80010" tIns="80010" rIns="80010" bIns="80010" numCol="1" spcCol="1270" anchor="ctr" anchorCtr="0">
+          <a:noAutofit/>
+        </a:bodyPr>
+        <a:lstStyle/>
+        <a:p>
+          <a:pPr marL="0" lvl="0" indent="0" algn="ctr" defTabSz="933450">
+            <a:lnSpc>
+              <a:spcPct val="90000"/>
+            </a:lnSpc>
+            <a:spcBef>
+              <a:spcPct val="0"/>
+            </a:spcBef>
+            <a:spcAft>
+              <a:spcPct val="35000"/>
+            </a:spcAft>
+            <a:buNone/>
+          </a:pPr>
+          <a:r>
+            <a:rPr lang="en-US" sz="2100" kern="1200" dirty="0"/>
+            <a:t>Test</a:t>
+          </a:r>
+        </a:p>
+      </dsp:txBody>
+      <dsp:txXfrm>
+        <a:off x="3040099" y="3177292"/>
+        <a:ext cx="1768954" cy="839085"/>
+      </dsp:txXfrm>
+    </dsp:sp>
+    <dsp:sp modelId="{4FA56BB1-54F8-4F21-8342-8E48AF09AC91}">
+      <dsp:nvSpPr>
+        <dsp:cNvPr id="0" name=""/>
+        <dsp:cNvSpPr/>
+      </dsp:nvSpPr>
+      <dsp:spPr>
+        <a:xfrm>
+          <a:off x="960430" y="3131900"/>
+          <a:ext cx="1859738" cy="929869"/>
+        </a:xfrm>
+        <a:prstGeom prst="roundRect">
+          <a:avLst/>
+        </a:prstGeom>
+        <a:solidFill>
+          <a:schemeClr val="accent5">
+            <a:hueOff val="1871442"/>
+            <a:satOff val="-37867"/>
+            <a:lumOff val="1177"/>
+            <a:alphaOff val="0"/>
+          </a:schemeClr>
+        </a:solidFill>
+        <a:ln w="19050" cap="rnd" cmpd="sng" algn="ctr">
+          <a:solidFill>
+            <a:schemeClr val="lt1">
+              <a:hueOff val="0"/>
+              <a:satOff val="0"/>
+              <a:lumOff val="0"/>
+              <a:alphaOff val="0"/>
+            </a:schemeClr>
+          </a:solidFill>
+          <a:prstDash val="solid"/>
+        </a:ln>
+        <a:effectLst/>
+      </dsp:spPr>
+      <dsp:style>
+        <a:lnRef idx="2">
+          <a:scrgbClr r="0" g="0" b="0"/>
+        </a:lnRef>
+        <a:fillRef idx="1">
+          <a:scrgbClr r="0" g="0" b="0"/>
+        </a:fillRef>
+        <a:effectRef idx="0">
+          <a:scrgbClr r="0" g="0" b="0"/>
+        </a:effectRef>
+        <a:fontRef idx="minor">
+          <a:schemeClr val="lt1"/>
+        </a:fontRef>
+      </dsp:style>
+      <dsp:txBody>
+        <a:bodyPr spcFirstLastPara="0" vert="horz" wrap="square" lIns="80010" tIns="80010" rIns="80010" bIns="80010" numCol="1" spcCol="1270" anchor="ctr" anchorCtr="0">
+          <a:noAutofit/>
+        </a:bodyPr>
+        <a:lstStyle/>
+        <a:p>
+          <a:pPr marL="0" lvl="0" indent="0" algn="ctr" defTabSz="933450">
+            <a:lnSpc>
+              <a:spcPct val="90000"/>
+            </a:lnSpc>
+            <a:spcBef>
+              <a:spcPct val="0"/>
+            </a:spcBef>
+            <a:spcAft>
+              <a:spcPct val="35000"/>
+            </a:spcAft>
+            <a:buNone/>
+          </a:pPr>
+          <a:r>
+            <a:rPr lang="en-US" sz="2100" kern="1200" dirty="0"/>
+            <a:t>Reevaluation</a:t>
+          </a:r>
+        </a:p>
+      </dsp:txBody>
+      <dsp:txXfrm>
+        <a:off x="1005822" y="3177292"/>
+        <a:ext cx="1768954" cy="839085"/>
+      </dsp:txXfrm>
+    </dsp:sp>
+    <dsp:sp modelId="{C9C7561C-3493-4DF3-9F51-652D620B4483}">
+      <dsp:nvSpPr>
+        <dsp:cNvPr id="0" name=""/>
+        <dsp:cNvSpPr/>
+      </dsp:nvSpPr>
+      <dsp:spPr>
+        <a:xfrm>
+          <a:off x="331803" y="1197187"/>
+          <a:ext cx="1859738" cy="929869"/>
+        </a:xfrm>
+        <a:prstGeom prst="roundRect">
+          <a:avLst/>
+        </a:prstGeom>
+        <a:solidFill>
+          <a:schemeClr val="accent5">
+            <a:hueOff val="2495256"/>
+            <a:satOff val="-50489"/>
+            <a:lumOff val="1569"/>
+            <a:alphaOff val="0"/>
+          </a:schemeClr>
+        </a:solidFill>
+        <a:ln w="19050" cap="rnd" cmpd="sng" algn="ctr">
+          <a:solidFill>
+            <a:schemeClr val="lt1">
+              <a:hueOff val="0"/>
+              <a:satOff val="0"/>
+              <a:lumOff val="0"/>
+              <a:alphaOff val="0"/>
+            </a:schemeClr>
+          </a:solidFill>
+          <a:prstDash val="solid"/>
+        </a:ln>
+        <a:effectLst/>
+      </dsp:spPr>
+      <dsp:style>
+        <a:lnRef idx="2">
+          <a:scrgbClr r="0" g="0" b="0"/>
+        </a:lnRef>
+        <a:fillRef idx="1">
+          <a:scrgbClr r="0" g="0" b="0"/>
+        </a:fillRef>
+        <a:effectRef idx="0">
+          <a:scrgbClr r="0" g="0" b="0"/>
+        </a:effectRef>
+        <a:fontRef idx="minor">
+          <a:schemeClr val="lt1"/>
+        </a:fontRef>
+      </dsp:style>
+      <dsp:txBody>
+        <a:bodyPr spcFirstLastPara="0" vert="horz" wrap="square" lIns="80010" tIns="80010" rIns="80010" bIns="80010" numCol="1" spcCol="1270" anchor="ctr" anchorCtr="0">
+          <a:noAutofit/>
+        </a:bodyPr>
+        <a:lstStyle/>
+        <a:p>
+          <a:pPr marL="0" lvl="0" indent="0" algn="ctr" defTabSz="933450">
+            <a:lnSpc>
+              <a:spcPct val="90000"/>
+            </a:lnSpc>
+            <a:spcBef>
+              <a:spcPct val="0"/>
+            </a:spcBef>
+            <a:spcAft>
+              <a:spcPct val="35000"/>
+            </a:spcAft>
+            <a:buNone/>
+          </a:pPr>
+          <a:r>
+            <a:rPr lang="en-US" sz="2100" kern="1200" dirty="0"/>
+            <a:t>Observation</a:t>
+          </a:r>
+        </a:p>
+      </dsp:txBody>
+      <dsp:txXfrm>
+        <a:off x="377195" y="1242579"/>
+        <a:ext cx="1768954" cy="839085"/>
+      </dsp:txXfrm>
+    </dsp:sp>
+  </dsp:spTree>
+</dsp:drawing>
+</file>
+
+<file path=ppt/diagrams/layout1.xml><?xml version="1.0" encoding="utf-8"?>
+<dgm:layoutDef xmlns:dgm="http://schemas.openxmlformats.org/drawingml/2006/diagram" xmlns:a="http://schemas.openxmlformats.org/drawingml/2006/main" uniqueId="urn:microsoft.com/office/officeart/2005/8/layout/cycle3">
+  <dgm:title val=""/>
+  <dgm:desc val=""/>
+  <dgm:catLst>
+    <dgm:cat type="cycle" pri="5000"/>
+  </dgm:catLst>
+  <dgm:sampData>
+    <dgm:dataModel>
+      <dgm:ptLst>
+        <dgm:pt modelId="0" type="doc"/>
+        <dgm:pt modelId="1">
+          <dgm:prSet phldr="1"/>
+        </dgm:pt>
+        <dgm:pt modelId="2">
+          <dgm:prSet phldr="1"/>
+        </dgm:pt>
+        <dgm:pt modelId="3">
+          <dgm:prSet phldr="1"/>
+        </dgm:pt>
+        <dgm:pt modelId="4">
+          <dgm:prSet phldr="1"/>
+        </dgm:pt>
+        <dgm:pt modelId="5">
+          <dgm:prSet phldr="1"/>
+        </dgm:pt>
+      </dgm:ptLst>
+      <dgm:cxnLst>
+        <dgm:cxn modelId="6" srcId="0" destId="1" srcOrd="0" destOrd="0"/>
+        <dgm:cxn modelId="7" srcId="0" destId="2" srcOrd="1" destOrd="0"/>
+        <dgm:cxn modelId="8" srcId="0" destId="3" srcOrd="2" destOrd="0"/>
+        <dgm:cxn modelId="9" srcId="0" destId="4" srcOrd="3" destOrd="0"/>
+        <dgm:cxn modelId="10" srcId="0" destId="5" srcOrd="4" destOrd="0"/>
+      </dgm:cxnLst>
+      <dgm:bg/>
+      <dgm:whole/>
+    </dgm:dataModel>
+  </dgm:sampData>
+  <dgm:styleData>
+    <dgm:dataModel>
+      <dgm:ptLst>
+        <dgm:pt modelId="0" type="doc"/>
+        <dgm:pt modelId="1"/>
+        <dgm:pt modelId="2"/>
+        <dgm:pt modelId="3"/>
+      </dgm:ptLst>
+      <dgm:cxnLst>
+        <dgm:cxn modelId="4" srcId="0" destId="1" srcOrd="0" destOrd="0"/>
+        <dgm:cxn modelId="5" srcId="0" destId="2" srcOrd="1" destOrd="0"/>
+        <dgm:cxn modelId="6" srcId="0" destId="3" srcOrd="2" destOrd="0"/>
+      </dgm:cxnLst>
+      <dgm:bg/>
+      <dgm:whole/>
+    </dgm:dataModel>
+  </dgm:styleData>
+  <dgm:clrData>
+    <dgm:dataModel>
+      <dgm:ptLst>
+        <dgm:pt modelId="0" type="doc"/>
+        <dgm:pt modelId="1"/>
+        <dgm:pt modelId="2"/>
+        <dgm:pt modelId="3"/>
+        <dgm:pt modelId="4"/>
+        <dgm:pt modelId="5"/>
+        <dgm:pt modelId="6"/>
+      </dgm:ptLst>
+      <dgm:cxnLst>
+        <dgm:cxn modelId="7" srcId="0" destId="1" srcOrd="0" destOrd="0"/>
+        <dgm:cxn modelId="8" srcId="0" destId="2" srcOrd="1" destOrd="0"/>
+        <dgm:cxn modelId="9" srcId="0" destId="3" srcOrd="2" destOrd="0"/>
+        <dgm:cxn modelId="10" srcId="0" destId="4" srcOrd="3" destOrd="0"/>
+        <dgm:cxn modelId="11" srcId="0" destId="5" srcOrd="4" destOrd="0"/>
+        <dgm:cxn modelId="12" srcId="0" destId="6" srcOrd="5" destOrd="0"/>
+      </dgm:cxnLst>
+      <dgm:bg/>
+      <dgm:whole/>
+    </dgm:dataModel>
+  </dgm:clrData>
+  <dgm:layoutNode name="Name0">
+    <dgm:varLst>
+      <dgm:dir/>
+      <dgm:resizeHandles val="exact"/>
+    </dgm:varLst>
+    <dgm:choose name="Name1">
+      <dgm:if name="Name2" axis="ch" ptType="node" func="cnt" op="equ" val="2">
+        <dgm:alg type="composite">
+          <dgm:param type="ar" val="0.9"/>
+        </dgm:alg>
+        <dgm:shape xmlns:r="http://schemas.openxmlformats.org/officeDocument/2006/relationships" r:blip="">
+          <dgm:adjLst/>
+        </dgm:shape>
+        <dgm:presOf/>
+        <dgm:constrLst>
+          <dgm:constr type="primFontSz" for="ch" ptType="node" op="equ" val="65"/>
+          <dgm:constr type="ctrX" for="ch" forName="node1" refType="w" fact="0.5"/>
+          <dgm:constr type="t" for="ch" forName="node1"/>
+          <dgm:constr type="w" for="ch" forName="node1" refType="w" fact="0.8"/>
+          <dgm:constr type="h" for="ch" forName="node1" refType="w" refFor="ch" refForName="node1" fact="0.5"/>
+          <dgm:constr type="ctrX" for="ch" forName="sibTrans" refType="w" fact="0.5"/>
+          <dgm:constr type="t" for="ch" forName="sibTrans"/>
+          <dgm:constr type="w" for="ch" forName="sibTrans" refType="w" fact="0.8"/>
+          <dgm:constr type="h" for="ch" forName="sibTrans" refType="w" refFor="ch" refForName="node1" fact="0.5"/>
+          <dgm:constr type="userA" for="ch" forName="sibTrans" refType="w" fact="1.07"/>
+          <dgm:constr type="ctrX" for="ch" forName="node2" refType="w" fact="0.5"/>
+          <dgm:constr type="b" for="ch" forName="node2" refType="h"/>
+          <dgm:constr type="w" for="ch" forName="node2" refType="w" fact="0.8"/>
+          <dgm:constr type="h" for="ch" forName="node2" refType="w" refFor="ch" refForName="node1" fact="0.5"/>
+          <dgm:constr type="l" for="ch" forName="sp1"/>
+          <dgm:constr type="t" for="ch" forName="sp1" refType="h" fact="0.5"/>
+          <dgm:constr type="w" for="ch" forName="sp1" val="1"/>
+          <dgm:constr type="h" for="ch" forName="sp1" val="1"/>
+          <dgm:constr type="r" for="ch" forName="sp2" refType="w"/>
+          <dgm:constr type="t" for="ch" forName="sp2" refType="h" fact="0.5"/>
+          <dgm:constr type="w" for="ch" forName="sp2" val="1"/>
+          <dgm:constr type="h" for="ch" forName="sp2" val="1"/>
+        </dgm:constrLst>
+        <dgm:ruleLst/>
+      </dgm:if>
+      <dgm:else name="Name3">
+        <dgm:alg type="composite"/>
+        <dgm:shape xmlns:r="http://schemas.openxmlformats.org/officeDocument/2006/relationships" r:blip="">
+          <dgm:adjLst/>
+        </dgm:shape>
+        <dgm:presOf/>
+        <dgm:constrLst>
+          <dgm:constr type="primFontSz" for="ch" ptType="node" op="equ" val="65"/>
+        </dgm:constrLst>
+        <dgm:ruleLst/>
+      </dgm:else>
+    </dgm:choose>
+    <dgm:choose name="Name4">
+      <dgm:if name="Name5" axis="ch" ptType="node" func="cnt" op="equ" val="2">
+        <dgm:layoutNode name="node1">
+          <dgm:varLst>
+            <dgm:bulletEnabled val="1"/>
+          </dgm:varLst>
+          <dgm:alg type="tx"/>
+          <dgm:shape xmlns:r="http://schemas.openxmlformats.org/officeDocument/2006/relationships" type="roundRect" r:blip="">
+            <dgm:adjLst/>
+          </dgm:shape>
+          <dgm:presOf axis="ch desOrSelf" ptType="node node" st="1 1" cnt="1 0"/>
+          <dgm:constrLst>
+            <dgm:constr type="tMarg" refType="primFontSz" fact="0.3"/>
+            <dgm:constr type="bMarg" refType="primFontSz" fact="0.3"/>
+            <dgm:constr type="lMarg" refType="primFontSz" fact="0.3"/>
+            <dgm:constr type="rMarg" refType="primFontSz" fact="0.3"/>
+          </dgm:constrLst>
+          <dgm:ruleLst>
+            <dgm:rule type="primFontSz" val="5" fact="NaN" max="NaN"/>
+          </dgm:ruleLst>
+        </dgm:layoutNode>
+        <dgm:layoutNode name="sibTrans" styleLbl="bgShp">
+          <dgm:choose name="Name6">
+            <dgm:if name="Name7" func="var" arg="dir" op="equ" val="norm">
+              <dgm:alg type="conn">
+                <dgm:param type="connRout" val="longCurve"/>
+                <dgm:param type="begPts" val="midR"/>
+                <dgm:param type="endPts" val="midL"/>
+                <dgm:param type="dstNode" val="node1"/>
+              </dgm:alg>
+              <dgm:shape xmlns:r="http://schemas.openxmlformats.org/officeDocument/2006/relationships" type="conn" r:blip="" zOrderOff="-2">
+                <dgm:adjLst/>
+              </dgm:shape>
+              <dgm:presOf axis="ch" ptType="sibTrans"/>
+              <dgm:constrLst>
+                <dgm:constr type="userA"/>
+                <dgm:constr type="diam" refType="userA" fact="-1"/>
+                <dgm:constr type="wArH" refType="userA" fact="0.05"/>
+                <dgm:constr type="hArH" refType="userA" fact="0.1"/>
+                <dgm:constr type="stemThick" refType="userA" fact="0.06"/>
+                <dgm:constr type="begPad" refType="connDist" fact="-0.2"/>
+                <dgm:constr type="endPad" refType="connDist" fact="0.05"/>
+              </dgm:constrLst>
+            </dgm:if>
+            <dgm:else name="Name8">
+              <dgm:alg type="conn">
+                <dgm:param type="connRout" val="longCurve"/>
+                <dgm:param type="begPts" val="midL"/>
+                <dgm:param type="endPts" val="midR"/>
+                <dgm:param type="dstNode" val="node1"/>
+              </dgm:alg>
+              <dgm:shape xmlns:r="http://schemas.openxmlformats.org/officeDocument/2006/relationships" type="conn" r:blip="" zOrderOff="-2">
+                <dgm:adjLst/>
+              </dgm:shape>
+              <dgm:presOf axis="ch" ptType="sibTrans"/>
+              <dgm:constrLst>
+                <dgm:constr type="userA"/>
+                <dgm:constr type="diam" refType="userA"/>
+                <dgm:constr type="wArH" refType="userA" fact="0.05"/>
+                <dgm:constr type="hArH" refType="userA" fact="0.1"/>
+                <dgm:constr type="stemThick" refType="userA" fact="0.06"/>
+                <dgm:constr type="begPad" refType="connDist" fact="-0.2"/>
+                <dgm:constr type="endPad" refType="connDist" fact="0.05"/>
+              </dgm:constrLst>
+            </dgm:else>
+          </dgm:choose>
+          <dgm:ruleLst/>
+        </dgm:layoutNode>
+        <dgm:layoutNode name="node2">
+          <dgm:varLst>
+            <dgm:bulletEnabled val="1"/>
+          </dgm:varLst>
+          <dgm:alg type="tx"/>
+          <dgm:shape xmlns:r="http://schemas.openxmlformats.org/officeDocument/2006/relationships" type="roundRect" r:blip="">
+            <dgm:adjLst/>
+          </dgm:shape>
+          <dgm:presOf axis="ch desOrSelf" ptType="node node" st="2 1" cnt="1 0"/>
+          <dgm:constrLst>
+            <dgm:constr type="tMarg" refType="primFontSz" fact="0.3"/>
+            <dgm:constr type="bMarg" refType="primFontSz" fact="0.3"/>
+            <dgm:constr type="lMarg" refType="primFontSz" fact="0.3"/>
+            <dgm:constr type="rMarg" refType="primFontSz" fact="0.3"/>
+          </dgm:constrLst>
+          <dgm:ruleLst>
+            <dgm:rule type="primFontSz" val="5" fact="NaN" max="NaN"/>
+          </dgm:ruleLst>
+        </dgm:layoutNode>
+        <dgm:layoutNode name="sp1">
+          <dgm:alg type="sp"/>
+          <dgm:shape xmlns:r="http://schemas.openxmlformats.org/officeDocument/2006/relationships" r:blip="">
+            <dgm:adjLst/>
+          </dgm:shape>
+          <dgm:presOf/>
+          <dgm:constrLst/>
+          <dgm:ruleLst/>
+        </dgm:layoutNode>
+        <dgm:layoutNode name="sp2">
+          <dgm:alg type="sp"/>
+          <dgm:shape xmlns:r="http://schemas.openxmlformats.org/officeDocument/2006/relationships" r:blip="">
+            <dgm:adjLst/>
+          </dgm:shape>
+          <dgm:presOf/>
+          <dgm:constrLst/>
+          <dgm:ruleLst/>
+        </dgm:layoutNode>
+      </dgm:if>
+      <dgm:else name="Name9">
+        <dgm:layoutNode name="cycle">
+          <dgm:choose name="Name10">
+            <dgm:if name="Name11" func="var" arg="dir" op="equ" val="norm">
+              <dgm:alg type="cycle">
+                <dgm:param type="stAng" val="0"/>
+                <dgm:param type="spanAng" val="360"/>
+              </dgm:alg>
+              <dgm:shape xmlns:r="http://schemas.openxmlformats.org/officeDocument/2006/relationships" r:blip="">
+                <dgm:adjLst/>
+              </dgm:shape>
+              <dgm:presOf/>
+              <dgm:constrLst>
+                <dgm:constr type="diam" refType="w"/>
+                <dgm:constr type="w" for="ch" ptType="node" refType="w"/>
+                <dgm:constr type="sibSp" val="15"/>
+                <dgm:constr type="userA" for="ch" ptType="sibTrans" refType="diam" op="equ" fact="-1"/>
+                <dgm:constr type="wArH" for="ch" ptType="sibTrans" refType="diam" op="equ" fact="0.05"/>
+                <dgm:constr type="hArH" for="ch" ptType="sibTrans" refType="diam" op="equ" fact="0.1"/>
+                <dgm:constr type="stemThick" for="ch" ptType="sibTrans" refType="diam" op="equ" fact="0.065"/>
+                <dgm:constr type="primFontSz" for="ch" ptType="node" op="equ"/>
+              </dgm:constrLst>
+            </dgm:if>
+            <dgm:else name="Name12">
+              <dgm:alg type="cycle">
+                <dgm:param type="stAng" val="0"/>
+                <dgm:param type="spanAng" val="-360"/>
+              </dgm:alg>
+              <dgm:shape xmlns:r="http://schemas.openxmlformats.org/officeDocument/2006/relationships" r:blip="">
+                <dgm:adjLst/>
+              </dgm:shape>
+              <dgm:presOf/>
+              <dgm:constrLst>
+                <dgm:constr type="diam" refType="w"/>
+                <dgm:constr type="w" for="ch" ptType="node" refType="w"/>
+                <dgm:constr type="sibSp" val="15"/>
+                <dgm:constr type="userA" for="ch" ptType="sibTrans" refType="diam" op="equ"/>
+                <dgm:constr type="wArH" for="ch" ptType="sibTrans" refType="diam" op="equ" fact="0.05"/>
+                <dgm:constr type="hArH" for="ch" ptType="sibTrans" refType="diam" op="equ" fact="0.1"/>
+                <dgm:constr type="stemThick" for="ch" ptType="sibTrans" refType="diam" op="equ" fact="0.065"/>
+                <dgm:constr type="primFontSz" for="ch" ptType="node" op="equ"/>
+              </dgm:constrLst>
+            </dgm:else>
+          </dgm:choose>
+          <dgm:ruleLst/>
+          <dgm:forEach name="nodesFirstNodeForEach" axis="ch" ptType="node" cnt="1">
+            <dgm:layoutNode name="nodeFirstNode">
+              <dgm:varLst>
+                <dgm:bulletEnabled val="1"/>
+              </dgm:varLst>
+              <dgm:alg type="tx"/>
+              <dgm:shape xmlns:r="http://schemas.openxmlformats.org/officeDocument/2006/relationships" type="roundRect" r:blip="">
+                <dgm:adjLst/>
+              </dgm:shape>
+              <dgm:presOf axis="desOrSelf" ptType="node"/>
+              <dgm:constrLst>
+                <dgm:constr type="h" refType="w" fact="0.5"/>
+                <dgm:constr type="primFontSz" val="65"/>
+                <dgm:constr type="tMarg" refType="primFontSz" fact="0.3"/>
+                <dgm:constr type="bMarg" refType="primFontSz" fact="0.3"/>
+                <dgm:constr type="lMarg" refType="primFontSz" fact="0.3"/>
+                <dgm:constr type="rMarg" refType="primFontSz" fact="0.3"/>
+              </dgm:constrLst>
+              <dgm:ruleLst>
+                <dgm:rule type="primFontSz" val="5" fact="NaN" max="NaN"/>
+              </dgm:ruleLst>
+            </dgm:layoutNode>
+            <dgm:forEach name="sibTransForEach" axis="followSib" ptType="sibTrans" cnt="1">
+              <dgm:layoutNode name="sibTransFirstNode" styleLbl="bgShp">
+                <dgm:choose name="Name13">
+                  <dgm:if name="Name14" func="var" arg="dir" op="equ" val="norm">
+                    <dgm:alg type="conn">
+                      <dgm:param type="connRout" val="longCurve"/>
+                      <dgm:param type="begPts" val="midR"/>
+                      <dgm:param type="endPts" val="midL"/>
+                      <dgm:param type="dstNode" val="nodeFirstNode"/>
+                    </dgm:alg>
+                  </dgm:if>
+                  <dgm:else name="Name15">
+                    <dgm:alg type="conn">
+                      <dgm:param type="connRout" val="longCurve"/>
+                      <dgm:param type="begPts" val="midL"/>
+                      <dgm:param type="endPts" val="midR"/>
+                      <dgm:param type="dstNode" val="nodeFirstNode"/>
+                    </dgm:alg>
+                  </dgm:else>
+                </dgm:choose>
+                <dgm:shape xmlns:r="http://schemas.openxmlformats.org/officeDocument/2006/relationships" type="conn" r:blip="" zOrderOff="-2">
+                  <dgm:adjLst/>
+                </dgm:shape>
+                <dgm:presOf axis="self"/>
+                <dgm:choose name="Name16">
+                  <dgm:if name="Name17" axis="par ch" ptType="doc node" func="cnt" op="equ" val="3">
+                    <dgm:constrLst>
+                      <dgm:constr type="userA"/>
+                      <dgm:constr type="diam" refType="userA" fact="1.01"/>
+                      <dgm:constr type="begPad" refType="connDist" fact="-0.2"/>
+                      <dgm:constr type="endPad" refType="connDist" fact="0.05"/>
+                    </dgm:constrLst>
+                  </dgm:if>
+                  <dgm:if name="Name18" axis="par ch" ptType="doc node" func="cnt" op="equ" val="4">
+                    <dgm:constrLst>
+                      <dgm:constr type="userA"/>
+                      <dgm:constr type="diam" refType="userA" fact="1.26"/>
+                      <dgm:constr type="begPad" refType="connDist" fact="-0.2"/>
+                      <dgm:constr type="endPad" refType="connDist" fact="0.05"/>
+                    </dgm:constrLst>
+                  </dgm:if>
+                  <dgm:if name="Name19" axis="par ch" ptType="doc node" func="cnt" op="equ" val="5">
+                    <dgm:constrLst>
+                      <dgm:constr type="userA"/>
+                      <dgm:constr type="diam" refType="userA" fact="1.04"/>
+                      <dgm:constr type="begPad" refType="connDist" fact="-0.2"/>
+                      <dgm:constr type="endPad" refType="connDist" fact="0.05"/>
+                    </dgm:constrLst>
+                  </dgm:if>
+                  <dgm:if name="Name20" axis="par ch" ptType="doc node" func="cnt" op="equ" val="6">
+                    <dgm:constrLst>
+                      <dgm:constr type="userA"/>
+                      <dgm:constr type="diam" refType="userA" fact="1.1"/>
+                      <dgm:constr type="begPad" refType="connDist" fact="-0.2"/>
+                      <dgm:constr type="endPad" refType="connDist" fact="0.05"/>
+                    </dgm:constrLst>
+                  </dgm:if>
+                  <dgm:else name="Name21">
+                    <dgm:constrLst>
+                      <dgm:constr type="userA"/>
+                      <dgm:constr type="diam" refType="userA" fact="1.04"/>
+                      <dgm:constr type="begPad" refType="connDist" fact="-0.2"/>
+                      <dgm:constr type="endPad" refType="connDist" fact="0.05"/>
+                    </dgm:constrLst>
+                  </dgm:else>
+                </dgm:choose>
+                <dgm:ruleLst/>
+              </dgm:layoutNode>
+            </dgm:forEach>
+          </dgm:forEach>
+          <dgm:forEach name="followingNodesForEach" axis="ch" ptType="node" st="2">
+            <dgm:layoutNode name="nodeFollowingNodes">
+              <dgm:varLst>
+                <dgm:bulletEnabled val="1"/>
+              </dgm:varLst>
+              <dgm:alg type="tx"/>
+              <dgm:shape xmlns:r="http://schemas.openxmlformats.org/officeDocument/2006/relationships" type="roundRect" r:blip="">
+                <dgm:adjLst/>
+              </dgm:shape>
+              <dgm:presOf axis="desOrSelf" ptType="node"/>
+              <dgm:constrLst>
+                <dgm:constr type="h" refType="w" fact="0.5"/>
+                <dgm:constr type="primFontSz" val="65"/>
+                <dgm:constr type="tMarg" refType="primFontSz" fact="0.3"/>
+                <dgm:constr type="bMarg" refType="primFontSz" fact="0.3"/>
+                <dgm:constr type="lMarg" refType="primFontSz" fact="0.3"/>
+                <dgm:constr type="rMarg" refType="primFontSz" fact="0.3"/>
+              </dgm:constrLst>
+              <dgm:ruleLst>
+                <dgm:rule type="primFontSz" val="5" fact="NaN" max="NaN"/>
+              </dgm:ruleLst>
+            </dgm:layoutNode>
+          </dgm:forEach>
+        </dgm:layoutNode>
+      </dgm:else>
+    </dgm:choose>
+  </dgm:layoutNode>
+</dgm:layoutDef>
+</file>
+
+<file path=ppt/diagrams/quickStyle1.xml><?xml version="1.0" encoding="utf-8"?>
+<dgm:styleDef xmlns:dgm="http://schemas.openxmlformats.org/drawingml/2006/diagram" xmlns:a="http://schemas.openxmlformats.org/drawingml/2006/main" uniqueId="urn:microsoft.com/office/officeart/2005/8/quickstyle/simple1">
+  <dgm:title val=""/>
+  <dgm:desc val=""/>
+  <dgm:catLst>
+    <dgm:cat type="simple" pri="10100"/>
+  </dgm:catLst>
+  <dgm:scene3d>
+    <a:camera prst="orthographicFront"/>
+    <a:lightRig rig="threePt" dir="t"/>
+  </dgm:scene3d>
+  <dgm:styleLbl name="node0">
+    <dgm:scene3d>
+      <a:camera prst="orthographicFront"/>
+      <a:lightRig rig="threePt" dir="t"/>
+    </dgm:scene3d>
+    <dgm:sp3d/>
+    <dgm:txPr/>
+    <dgm:style>
+      <a:lnRef idx="2">
+        <a:scrgbClr r="0" g="0" b="0"/>
+      </a:lnRef>
+      <a:fillRef idx="1">
+        <a:scrgbClr r="0" g="0" b="0"/>
+      </a:fillRef>
+      <a:effectRef idx="0">
+        <a:scrgbClr r="0" g="0" b="0"/>
+      </a:effectRef>
+      <a:fontRef idx="minor">
+        <a:schemeClr val="lt1"/>
+      </a:fontRef>
+    </dgm:style>
+  </dgm:styleLbl>
+  <dgm:styleLbl name="lnNode1">
+    <dgm:scene3d>
+      <a:camera prst="orthographicFront"/>
+      <a:lightRig rig="threePt" dir="t"/>
+    </dgm:scene3d>
+    <dgm:sp3d/>
+    <dgm:txPr/>
+    <dgm:style>
+      <a:lnRef idx="2">
+        <a:scrgbClr r="0" g="0" b="0"/>
+      </a:lnRef>
+      <a:fillRef idx="1">
+        <a:scrgbClr r="0" g="0" b="0"/>
+      </a:fillRef>
+      <a:effectRef idx="0">
+        <a:scrgbClr r="0" g="0" b="0"/>
+      </a:effectRef>
+      <a:fontRef idx="minor">
+        <a:schemeClr val="lt1"/>
+      </a:fontRef>
+    </dgm:style>
+  </dgm:styleLbl>
+  <dgm:styleLbl name="vennNode1">
+    <dgm:scene3d>
+      <a:camera prst="orthographicFront"/>
+      <a:lightRig rig="threePt" dir="t"/>
+    </dgm:scene3d>
+    <dgm:sp3d/>
+    <dgm:txPr/>
+    <dgm:style>
+      <a:lnRef idx="2">
+        <a:scrgbClr r="0" g="0" b="0"/>
+      </a:lnRef>
+      <a:fillRef idx="1">
+        <a:scrgbClr r="0" g="0" b="0"/>
+      </a:fillRef>
+      <a:effectRef idx="0">
+        <a:scrgbClr r="0" g="0" b="0"/>
+      </a:effectRef>
+      <a:fontRef idx="minor">
+        <a:schemeClr val="tx1"/>
+      </a:fontRef>
+    </dgm:style>
+  </dgm:styleLbl>
+  <dgm:styleLbl name="alignNode1">
+    <dgm:scene3d>
+      <a:camera prst="orthographicFront"/>
+      <a:lightRig rig="threePt" dir="t"/>
+    </dgm:scene3d>
+    <dgm:sp3d/>
+    <dgm:txPr/>
+    <dgm:style>
+      <a:lnRef idx="2">
+        <a:scrgbClr r="0" g="0" b="0"/>
+      </a:lnRef>
+      <a:fillRef idx="1">
+        <a:scrgbClr r="0" g="0" b="0"/>
+      </a:fillRef>
+      <a:effectRef idx="0">
+        <a:scrgbClr r="0" g="0" b="0"/>
+      </a:effectRef>
+      <a:fontRef idx="minor">
+        <a:schemeClr val="lt1"/>
+      </a:fontRef>
+    </dgm:style>
+  </dgm:styleLbl>
+  <dgm:styleLbl name="node1">
+    <dgm:scene3d>
+      <a:camera prst="orthographicFront"/>
+      <a:lightRig rig="threePt" dir="t"/>
+    </dgm:scene3d>
+    <dgm:sp3d/>
+    <dgm:txPr/>
+    <dgm:style>
+      <a:lnRef idx="2">
+        <a:scrgbClr r="0" g="0" b="0"/>
+      </a:lnRef>
+      <a:fillRef idx="1">
+        <a:scrgbClr r="0" g="0" b="0"/>
+      </a:fillRef>
+      <a:effectRef idx="0">
+        <a:scrgbClr r="0" g="0" b="0"/>
+      </a:effectRef>
+      <a:fontRef idx="minor">
+        <a:schemeClr val="lt1"/>
+      </a:fontRef>
+    </dgm:style>
+  </dgm:styleLbl>
+  <dgm:styleLbl name="node2">
+    <dgm:scene3d>
+      <a:camera prst="orthographicFront"/>
+      <a:lightRig rig="threePt" dir="t"/>
+    </dgm:scene3d>
+    <dgm:sp3d/>
+    <dgm:txPr/>
+    <dgm:style>
+      <a:lnRef idx="2">
+        <a:scrgbClr r="0" g="0" b="0"/>
+      </a:lnRef>
+      <a:fillRef idx="1">
+        <a:scrgbClr r="0" g="0" b="0"/>
+      </a:fillRef>
+      <a:effectRef idx="0">
+        <a:scrgbClr r="0" g="0" b="0"/>
+      </a:effectRef>
+      <a:fontRef idx="minor">
+        <a:schemeClr val="lt1"/>
+      </a:fontRef>
+    </dgm:style>
+  </dgm:styleLbl>
+  <dgm:styleLbl name="node3">
+    <dgm:scene3d>
+      <a:camera prst="orthographicFront"/>
+      <a:lightRig rig="threePt" dir="t"/>
+    </dgm:scene3d>
+    <dgm:sp3d/>
+    <dgm:txPr/>
+    <dgm:style>
+      <a:lnRef idx="2">
+        <a:scrgbClr r="0" g="0" b="0"/>
+      </a:lnRef>
+      <a:fillRef idx="1">
+        <a:scrgbClr r="0" g="0" b="0"/>
+      </a:fillRef>
+      <a:effectRef idx="0">
+        <a:scrgbClr r="0" g="0" b="0"/>
+      </a:effectRef>
+      <a:fontRef idx="minor">
+        <a:schemeClr val="lt1"/>
+      </a:fontRef>
+    </dgm:style>
+  </dgm:styleLbl>
+  <dgm:styleLbl name="node4">
+    <dgm:scene3d>
+      <a:camera prst="orthographicFront"/>
+      <a:lightRig rig="threePt" dir="t"/>
+    </dgm:scene3d>
+    <dgm:sp3d/>
+    <dgm:txPr/>
+    <dgm:style>
+      <a:lnRef idx="2">
+        <a:scrgbClr r="0" g="0" b="0"/>
+      </a:lnRef>
+      <a:fillRef idx="1">
+        <a:scrgbClr r="0" g="0" b="0"/>
+      </a:fillRef>
+      <a:effectRef idx="0">
+        <a:scrgbClr r="0" g="0" b="0"/>
+      </a:effectRef>
+      <a:fontRef idx="minor">
+        <a:schemeClr val="lt1"/>
+      </a:fontRef>
+    </dgm:style>
+  </dgm:styleLbl>
+  <dgm:styleLbl name="fgImgPlace1">
+    <dgm:scene3d>
+      <a:camera prst="orthographicFront"/>
+      <a:lightRig rig="threePt" dir="t"/>
+    </dgm:scene3d>
+    <dgm:sp3d/>
+    <dgm:txPr/>
+    <dgm:style>
+      <a:lnRef idx="2">
+        <a:scrgbClr r="0" g="0" b="0"/>
+      </a:lnRef>
+      <a:fillRef idx="1">
+        <a:scrgbClr r="0" g="0" b="0"/>
+      </a:fillRef>
+      <a:effectRef idx="0">
+        <a:scrgbClr r="0" g="0" b="0"/>
+      </a:effectRef>
+      <a:fontRef idx="minor"/>
+    </dgm:style>
+  </dgm:styleLbl>
+  <dgm:styleLbl name="alignImgPlace1">
+    <dgm:scene3d>
+      <a:camera prst="orthographicFront"/>
+      <a:lightRig rig="threePt" dir="t"/>
+    </dgm:scene3d>
+    <dgm:sp3d/>
+    <dgm:txPr/>
+    <dgm:style>
+      <a:lnRef idx="2">
+        <a:scrgbClr r="0" g="0" b="0"/>
+      </a:lnRef>
+      <a:fillRef idx="1">
+        <a:scrgbClr r="0" g="0" b="0"/>
+      </a:fillRef>
+      <a:effectRef idx="0">
+        <a:scrgbClr r="0" g="0" b="0"/>
+      </a:effectRef>
+      <a:fontRef idx="minor"/>
+    </dgm:style>
+  </dgm:styleLbl>
+  <dgm:styleLbl name="bgImgPlace1">
+    <dgm:scene3d>
+      <a:camera prst="orthographicFront"/>
+      <a:lightRig rig="threePt" dir="t"/>
+    </dgm:scene3d>
+    <dgm:sp3d/>
+    <dgm:txPr/>
+    <dgm:style>
+      <a:lnRef idx="2">
+        <a:scrgbClr r="0" g="0" b="0"/>
+      </a:lnRef>
+      <a:fillRef idx="1">
+        <a:scrgbClr r="0" g="0" b="0"/>
+      </a:fillRef>
+      <a:effectRef idx="0">
+        <a:scrgbClr r="0" g="0" b="0"/>
+      </a:effectRef>
+      <a:fontRef idx="minor"/>
+    </dgm:style>
+  </dgm:styleLbl>
+  <dgm:styleLbl name="sibTrans2D1">
+    <dgm:scene3d>
+      <a:camera prst="orthographicFront"/>
+      <a:lightRig rig="threePt" dir="t"/>
+    </dgm:scene3d>
+    <dgm:sp3d/>
+    <dgm:txPr/>
+    <dgm:style>
+      <a:lnRef idx="0">
+        <a:scrgbClr r="0" g="0" b="0"/>
+      </a:lnRef>
+      <a:fillRef idx="1">
+        <a:scrgbClr r="0" g="0" b="0"/>
+      </a:fillRef>
+      <a:effectRef idx="0">
+        <a:scrgbClr r="0" g="0" b="0"/>
+      </a:effectRef>
+      <a:fontRef idx="minor">
+        <a:schemeClr val="lt1"/>
+      </a:fontRef>
+    </dgm:style>
+  </dgm:styleLbl>
+  <dgm:styleLbl name="fgSibTrans2D1">
+    <dgm:scene3d>
+      <a:camera prst="orthographicFront"/>
+      <a:lightRig rig="threePt" dir="t"/>
+    </dgm:scene3d>
+    <dgm:sp3d/>
+    <dgm:txPr/>
+    <dgm:style>
+      <a:lnRef idx="0">
+        <a:scrgbClr r="0" g="0" b="0"/>
+      </a:lnRef>
+      <a:fillRef idx="1">
+        <a:scrgbClr r="0" g="0" b="0"/>
+      </a:fillRef>
+      <a:effectRef idx="0">
+        <a:scrgbClr r="0" g="0" b="0"/>
+      </a:effectRef>
+      <a:fontRef idx="minor">
+        <a:schemeClr val="lt1"/>
+      </a:fontRef>
+    </dgm:style>
+  </dgm:styleLbl>
+  <dgm:styleLbl name="bgSibTrans2D1">
+    <dgm:scene3d>
+      <a:camera prst="orthographicFront"/>
+      <a:lightRig rig="threePt" dir="t"/>
+    </dgm:scene3d>
+    <dgm:sp3d/>
+    <dgm:txPr/>
+    <dgm:style>
+      <a:lnRef idx="0">
+        <a:scrgbClr r="0" g="0" b="0"/>
+      </a:lnRef>
+      <a:fillRef idx="1">
+        <a:scrgbClr r="0" g="0" b="0"/>
+      </a:fillRef>
+      <a:effectRef idx="0">
+        <a:scrgbClr r="0" g="0" b="0"/>
+      </a:effectRef>
+      <a:fontRef idx="minor">
+        <a:schemeClr val="lt1"/>
+      </a:fontRef>
+    </dgm:style>
+  </dgm:styleLbl>
+  <dgm:styleLbl name="sibTrans1D1">
+    <dgm:scene3d>
+      <a:camera prst="orthographicFront"/>
+      <a:lightRig rig="threePt" dir="t"/>
+    </dgm:scene3d>
+    <dgm:sp3d/>
+    <dgm:txPr/>
+    <dgm:style>
+      <a:lnRef idx="1">
+        <a:scrgbClr r="0" g="0" b="0"/>
+      </a:lnRef>
+      <a:fillRef idx="0">
+        <a:scrgbClr r="0" g="0" b="0"/>
+      </a:fillRef>
+      <a:effectRef idx="0">
+        <a:scrgbClr r="0" g="0" b="0"/>
+      </a:effectRef>
+      <a:fontRef idx="minor"/>
+    </dgm:style>
+  </dgm:styleLbl>
+  <dgm:styleLbl name="callout">
+    <dgm:scene3d>
+      <a:camera prst="orthographicFront"/>
+      <a:lightRig rig="threePt" dir="t"/>
+    </dgm:scene3d>
+    <dgm:sp3d/>
+    <dgm:txPr/>
+    <dgm:style>
+      <a:lnRef idx="2">
+        <a:scrgbClr r="0" g="0" b="0"/>
+      </a:lnRef>
+      <a:fillRef idx="1">
+        <a:scrgbClr r="0" g="0" b="0"/>
+      </a:fillRef>
+      <a:effectRef idx="0">
+        <a:scrgbClr r="0" g="0" b="0"/>
+      </a:effectRef>
+      <a:fontRef idx="minor"/>
+    </dgm:style>
+  </dgm:styleLbl>
+  <dgm:styleLbl name="asst0">
+    <dgm:scene3d>
+      <a:camera prst="orthographicFront"/>
+      <a:lightRig rig="threePt" dir="t"/>
+    </dgm:scene3d>
+    <dgm:sp3d/>
+    <dgm:txPr/>
+    <dgm:style>
+      <a:lnRef idx="2">
+        <a:scrgbClr r="0" g="0" b="0"/>
+      </a:lnRef>
+      <a:fillRef idx="1">
+        <a:scrgbClr r="0" g="0" b="0"/>
+      </a:fillRef>
+      <a:effectRef idx="0">
+        <a:scrgbClr r="0" g="0" b="0"/>
+      </a:effectRef>
+      <a:fontRef idx="minor">
+        <a:schemeClr val="lt1"/>
+      </a:fontRef>
+    </dgm:style>
+  </dgm:styleLbl>
+  <dgm:styleLbl name="asst1">
+    <dgm:scene3d>
+      <a:camera prst="orthographicFront"/>
+      <a:lightRig rig="threePt" dir="t"/>
+    </dgm:scene3d>
+    <dgm:sp3d/>
+    <dgm:txPr/>
+    <dgm:style>
+      <a:lnRef idx="2">
+        <a:scrgbClr r="0" g="0" b="0"/>
+      </a:lnRef>
+      <a:fillRef idx="1">
+        <a:scrgbClr r="0" g="0" b="0"/>
+      </a:fillRef>
+      <a:effectRef idx="0">
+        <a:scrgbClr r="0" g="0" b="0"/>
+      </a:effectRef>
+      <a:fontRef idx="minor">
+        <a:schemeClr val="lt1"/>
+      </a:fontRef>
+    </dgm:style>
+  </dgm:styleLbl>
+  <dgm:styleLbl name="asst2">
+    <dgm:scene3d>
+      <a:camera prst="orthographicFront"/>
+      <a:lightRig rig="threePt" dir="t"/>
+    </dgm:scene3d>
+    <dgm:sp3d/>
+    <dgm:txPr/>
+    <dgm:style>
+      <a:lnRef idx="2">
+        <a:scrgbClr r="0" g="0" b="0"/>
+      </a:lnRef>
+      <a:fillRef idx="1">
+        <a:scrgbClr r="0" g="0" b="0"/>
+      </a:fillRef>
+      <a:effectRef idx="0">
+        <a:scrgbClr r="0" g="0" b="0"/>
+      </a:effectRef>
+      <a:fontRef idx="minor">
+        <a:schemeClr val="lt1"/>
+      </a:fontRef>
+    </dgm:style>
+  </dgm:styleLbl>
+  <dgm:styleLbl name="asst3">
+    <dgm:scene3d>
+      <a:camera prst="orthographicFront"/>
+      <a:lightRig rig="threePt" dir="t"/>
+    </dgm:scene3d>
+    <dgm:sp3d/>
+    <dgm:txPr/>
+    <dgm:style>
+      <a:lnRef idx="2">
+        <a:scrgbClr r="0" g="0" b="0"/>
+      </a:lnRef>
+      <a:fillRef idx="1">
+        <a:scrgbClr r="0" g="0" b="0"/>
+      </a:fillRef>
+      <a:effectRef idx="0">
+        <a:scrgbClr r="0" g="0" b="0"/>
+      </a:effectRef>
+      <a:fontRef idx="minor">
+        <a:schemeClr val="lt1"/>
+      </a:fontRef>
+    </dgm:style>
+  </dgm:styleLbl>
+  <dgm:styleLbl name="asst4">
+    <dgm:scene3d>
+      <a:camera prst="orthographicFront"/>
+      <a:lightRig rig="threePt" dir="t"/>
+    </dgm:scene3d>
+    <dgm:sp3d/>
+    <dgm:txPr/>
+    <dgm:style>
+      <a:lnRef idx="2">
+        <a:scrgbClr r="0" g="0" b="0"/>
+      </a:lnRef>
+      <a:fillRef idx="1">
+        <a:scrgbClr r="0" g="0" b="0"/>
+      </a:fillRef>
+      <a:effectRef idx="0">
+        <a:scrgbClr r="0" g="0" b="0"/>
+      </a:effectRef>
+      <a:fontRef idx="minor">
+        <a:schemeClr val="lt1"/>
+      </a:fontRef>
+    </dgm:style>
+  </dgm:styleLbl>
+  <dgm:styleLbl name="parChTrans2D1">
+    <dgm:scene3d>
+      <a:camera prst="orthographicFront"/>
+      <a:lightRig rig="threePt" dir="t"/>
+    </dgm:scene3d>
+    <dgm:sp3d/>
+    <dgm:txPr/>
+    <dgm:style>
+      <a:lnRef idx="2">
+        <a:scrgbClr r="0" g="0" b="0"/>
+      </a:lnRef>
+      <a:fillRef idx="1">
+        <a:scrgbClr r="0" g="0" b="0"/>
+      </a:fillRef>
+      <a:effectRef idx="0">
+        <a:scrgbClr r="0" g="0" b="0"/>
+      </a:effectRef>
+      <a:fontRef idx="minor">
+        <a:schemeClr val="lt1"/>
+      </a:fontRef>
+    </dgm:style>
+  </dgm:styleLbl>
+  <dgm:styleLbl name="parChTrans2D2">
+    <dgm:scene3d>
+      <a:camera prst="orthographicFront"/>
+      <a:lightRig rig="threePt" dir="t"/>
+    </dgm:scene3d>
+    <dgm:sp3d/>
+    <dgm:txPr/>
+    <dgm:style>
+      <a:lnRef idx="2">
+        <a:scrgbClr r="0" g="0" b="0"/>
+      </a:lnRef>
+      <a:fillRef idx="1">
+        <a:scrgbClr r="0" g="0" b="0"/>
+      </a:fillRef>
+      <a:effectRef idx="0">
+        <a:scrgbClr r="0" g="0" b="0"/>
+      </a:effectRef>
+      <a:fontRef idx="minor">
+        <a:schemeClr val="lt1"/>
+      </a:fontRef>
+    </dgm:style>
+  </dgm:styleLbl>
+  <dgm:styleLbl name="parChTrans2D3">
+    <dgm:scene3d>
+      <a:camera prst="orthographicFront"/>
+      <a:lightRig rig="threePt" dir="t"/>
+    </dgm:scene3d>
+    <dgm:sp3d/>
+    <dgm:txPr/>
+    <dgm:style>
+      <a:lnRef idx="2">
+        <a:scrgbClr r="0" g="0" b="0"/>
+      </a:lnRef>
+      <a:fillRef idx="1">
+        <a:scrgbClr r="0" g="0" b="0"/>
+      </a:fillRef>
+      <a:effectRef idx="0">
+        <a:scrgbClr r="0" g="0" b="0"/>
+      </a:effectRef>
+      <a:fontRef idx="minor">
+        <a:schemeClr val="lt1"/>
+      </a:fontRef>
+    </dgm:style>
+  </dgm:styleLbl>
+  <dgm:styleLbl name="parChTrans2D4">
+    <dgm:scene3d>
+      <a:camera prst="orthographicFront"/>
+      <a:lightRig rig="threePt" dir="t"/>
+    </dgm:scene3d>
+    <dgm:sp3d/>
+    <dgm:txPr/>
+    <dgm:style>
+      <a:lnRef idx="2">
+        <a:scrgbClr r="0" g="0" b="0"/>
+      </a:lnRef>
+      <a:fillRef idx="1">
+        <a:scrgbClr r="0" g="0" b="0"/>
+      </a:fillRef>
+      <a:effectRef idx="0">
+        <a:scrgbClr r="0" g="0" b="0"/>
+      </a:effectRef>
+      <a:fontRef idx="minor">
+        <a:schemeClr val="lt1"/>
+      </a:fontRef>
+    </dgm:style>
+  </dgm:styleLbl>
+  <dgm:styleLbl name="parChTrans1D1">
+    <dgm:scene3d>
+      <a:camera prst="orthographicFront"/>
+      <a:lightRig rig="threePt" dir="t"/>
+    </dgm:scene3d>
+    <dgm:sp3d/>
+    <dgm:txPr/>
+    <dgm:style>
+      <a:lnRef idx="2">
+        <a:scrgbClr r="0" g="0" b="0"/>
+      </a:lnRef>
+      <a:fillRef idx="0">
+        <a:scrgbClr r="0" g="0" b="0"/>
+      </a:fillRef>
+      <a:effectRef idx="0">
+        <a:scrgbClr r="0" g="0" b="0"/>
+      </a:effectRef>
+      <a:fontRef idx="minor"/>
+    </dgm:style>
+  </dgm:styleLbl>
+  <dgm:styleLbl name="parChTrans1D2">
+    <dgm:scene3d>
+      <a:camera prst="orthographicFront"/>
+      <a:lightRig rig="threePt" dir="t"/>
+    </dgm:scene3d>
+    <dgm:sp3d/>
+    <dgm:txPr/>
+    <dgm:style>
+      <a:lnRef idx="2">
+        <a:scrgbClr r="0" g="0" b="0"/>
+      </a:lnRef>
+      <a:fillRef idx="0">
+        <a:scrgbClr r="0" g="0" b="0"/>
+      </a:fillRef>
+      <a:effectRef idx="0">
+        <a:scrgbClr r="0" g="0" b="0"/>
+      </a:effectRef>
+      <a:fontRef idx="minor"/>
+    </dgm:style>
+  </dgm:styleLbl>
+  <dgm:styleLbl name="parChTrans1D3">
+    <dgm:scene3d>
+      <a:camera prst="orthographicFront"/>
+      <a:lightRig rig="threePt" dir="t"/>
+    </dgm:scene3d>
+    <dgm:sp3d/>
+    <dgm:txPr/>
+    <dgm:style>
+      <a:lnRef idx="2">
+        <a:scrgbClr r="0" g="0" b="0"/>
+      </a:lnRef>
+      <a:fillRef idx="0">
+        <a:scrgbClr r="0" g="0" b="0"/>
+      </a:fillRef>
+      <a:effectRef idx="0">
+        <a:scrgbClr r="0" g="0" b="0"/>
+      </a:effectRef>
+      <a:fontRef idx="minor"/>
+    </dgm:style>
+  </dgm:styleLbl>
+  <dgm:styleLbl name="parChTrans1D4">
+    <dgm:scene3d>
+      <a:camera prst="orthographicFront"/>
+      <a:lightRig rig="threePt" dir="t"/>
+    </dgm:scene3d>
+    <dgm:sp3d/>
+    <dgm:txPr/>
+    <dgm:style>
+      <a:lnRef idx="2">
+        <a:scrgbClr r="0" g="0" b="0"/>
+      </a:lnRef>
+      <a:fillRef idx="0">
+        <a:scrgbClr r="0" g="0" b="0"/>
+      </a:fillRef>
+      <a:effectRef idx="0">
+        <a:scrgbClr r="0" g="0" b="0"/>
+      </a:effectRef>
+      <a:fontRef idx="minor"/>
+    </dgm:style>
+  </dgm:styleLbl>
+  <dgm:styleLbl name="fgAcc1">
+    <dgm:scene3d>
+      <a:camera prst="orthographicFront"/>
+      <a:lightRig rig="threePt" dir="t"/>
+    </dgm:scene3d>
+    <dgm:sp3d/>
+    <dgm:txPr/>
+    <dgm:style>
+      <a:lnRef idx="2">
+        <a:scrgbClr r="0" g="0" b="0"/>
+      </a:lnRef>
+      <a:fillRef idx="1">
+        <a:scrgbClr r="0" g="0" b="0"/>
+      </a:fillRef>
+      <a:effectRef idx="0">
+        <a:scrgbClr r="0" g="0" b="0"/>
+      </a:effectRef>
+      <a:fontRef idx="minor"/>
+    </dgm:style>
+  </dgm:styleLbl>
+  <dgm:styleLbl name="conFgAcc1">
+    <dgm:scene3d>
+      <a:camera prst="orthographicFront"/>
+      <a:lightRig rig="threePt" dir="t"/>
+    </dgm:scene3d>
+    <dgm:sp3d/>
+    <dgm:txPr/>
+    <dgm:style>
+      <a:lnRef idx="2">
+        <a:scrgbClr r="0" g="0" b="0"/>
+      </a:lnRef>
+      <a:fillRef idx="1">
+        <a:scrgbClr r="0" g="0" b="0"/>
+      </a:fillRef>
+      <a:effectRef idx="0">
+        <a:scrgbClr r="0" g="0" b="0"/>
+      </a:effectRef>
+      <a:fontRef idx="minor"/>
+    </dgm:style>
+  </dgm:styleLbl>
+  <dgm:styleLbl name="alignAcc1">
+    <dgm:scene3d>
+      <a:camera prst="orthographicFront"/>
+      <a:lightRig rig="threePt" dir="t"/>
+    </dgm:scene3d>
+    <dgm:sp3d/>
+    <dgm:txPr/>
+    <dgm:style>
+      <a:lnRef idx="2">
+        <a:scrgbClr r="0" g="0" b="0"/>
+      </a:lnRef>
+      <a:fillRef idx="1">
+        <a:scrgbClr r="0" g="0" b="0"/>
+      </a:fillRef>
+      <a:effectRef idx="0">
+        <a:scrgbClr r="0" g="0" b="0"/>
+      </a:effectRef>
+      <a:fontRef idx="minor"/>
+    </dgm:style>
+  </dgm:styleLbl>
+  <dgm:styleLbl name="trAlignAcc1">
+    <dgm:scene3d>
+      <a:camera prst="orthographicFront"/>
+      <a:lightRig rig="threePt" dir="t"/>
+    </dgm:scene3d>
+    <dgm:sp3d/>
+    <dgm:txPr/>
+    <dgm:style>
+      <a:lnRef idx="1">
+        <a:scrgbClr r="0" g="0" b="0"/>
+      </a:lnRef>
+      <a:fillRef idx="1">
+        <a:scrgbClr r="0" g="0" b="0"/>
+      </a:fillRef>
+      <a:effectRef idx="0">
+        <a:scrgbClr r="0" g="0" b="0"/>
+      </a:effectRef>
+      <a:fontRef idx="minor"/>
+    </dgm:style>
+  </dgm:styleLbl>
+  <dgm:styleLbl name="bgAcc1">
+    <dgm:scene3d>
+      <a:camera prst="orthographicFront"/>
+      <a:lightRig rig="threePt" dir="t"/>
+    </dgm:scene3d>
+    <dgm:sp3d/>
+    <dgm:txPr/>
+    <dgm:style>
+      <a:lnRef idx="2">
+        <a:scrgbClr r="0" g="0" b="0"/>
+      </a:lnRef>
+      <a:fillRef idx="1">
+        <a:scrgbClr r="0" g="0" b="0"/>
+      </a:fillRef>
+      <a:effectRef idx="0">
+        <a:scrgbClr r="0" g="0" b="0"/>
+      </a:effectRef>
+      <a:fontRef idx="minor"/>
+    </dgm:style>
+  </dgm:styleLbl>
+  <dgm:styleLbl name="solidFgAcc1">
+    <dgm:scene3d>
+      <a:camera prst="orthographicFront"/>
+      <a:lightRig rig="threePt" dir="t"/>
+    </dgm:scene3d>
+    <dgm:sp3d/>
+    <dgm:txPr/>
+    <dgm:style>
+      <a:lnRef idx="2">
+        <a:scrgbClr r="0" g="0" b="0"/>
+      </a:lnRef>
+      <a:fillRef idx="1">
+        <a:scrgbClr r="0" g="0" b="0"/>
+      </a:fillRef>
+      <a:effectRef idx="0">
+        <a:scrgbClr r="0" g="0" b="0"/>
+      </a:effectRef>
+      <a:fontRef idx="minor"/>
+    </dgm:style>
+  </dgm:styleLbl>
+  <dgm:styleLbl name="solidAlignAcc1">
+    <dgm:scene3d>
+      <a:camera prst="orthographicFront"/>
+      <a:lightRig rig="threePt" dir="t"/>
+    </dgm:scene3d>
+    <dgm:sp3d/>
+    <dgm:txPr/>
+    <dgm:style>
+      <a:lnRef idx="2">
+        <a:scrgbClr r="0" g="0" b="0"/>
+      </a:lnRef>
+      <a:fillRef idx="1">
+        <a:scrgbClr r="0" g="0" b="0"/>
+      </a:fillRef>
+      <a:effectRef idx="0">
+        <a:scrgbClr r="0" g="0" b="0"/>
+      </a:effectRef>
+      <a:fontRef idx="minor"/>
+    </dgm:style>
+  </dgm:styleLbl>
+  <dgm:styleLbl name="solidBgAcc1">
+    <dgm:scene3d>
+      <a:camera prst="orthographicFront"/>
+      <a:lightRig rig="threePt" dir="t"/>
+    </dgm:scene3d>
+    <dgm:sp3d/>
+    <dgm:txPr/>
+    <dgm:style>
+      <a:lnRef idx="2">
+        <a:scrgbClr r="0" g="0" b="0"/>
+      </a:lnRef>
+      <a:fillRef idx="1">
+        <a:scrgbClr r="0" g="0" b="0"/>
+      </a:fillRef>
+      <a:effectRef idx="0">
+        <a:scrgbClr r="0" g="0" b="0"/>
+      </a:effectRef>
+      <a:fontRef idx="minor"/>
+    </dgm:style>
+  </dgm:styleLbl>
+  <dgm:styleLbl name="fgAccFollowNode1">
+    <dgm:scene3d>
+      <a:camera prst="orthographicFront"/>
+      <a:lightRig rig="threePt" dir="t"/>
+    </dgm:scene3d>
+    <dgm:sp3d/>
+    <dgm:txPr/>
+    <dgm:style>
+      <a:lnRef idx="2">
+        <a:scrgbClr r="0" g="0" b="0"/>
+      </a:lnRef>
+      <a:fillRef idx="1">
+        <a:scrgbClr r="0" g="0" b="0"/>
+      </a:fillRef>
+      <a:effectRef idx="0">
+        <a:scrgbClr r="0" g="0" b="0"/>
+      </a:effectRef>
+      <a:fontRef idx="minor"/>
+    </dgm:style>
+  </dgm:styleLbl>
+  <dgm:styleLbl name="alignAccFollowNode1">
+    <dgm:scene3d>
+      <a:camera prst="orthographicFront"/>
+      <a:lightRig rig="threePt" dir="t"/>
+    </dgm:scene3d>
+    <dgm:sp3d/>
+    <dgm:txPr/>
+    <dgm:style>
+      <a:lnRef idx="2">
+        <a:scrgbClr r="0" g="0" b="0"/>
+      </a:lnRef>
+      <a:fillRef idx="1">
+        <a:scrgbClr r="0" g="0" b="0"/>
+      </a:fillRef>
+      <a:effectRef idx="0">
+        <a:scrgbClr r="0" g="0" b="0"/>
+      </a:effectRef>
+      <a:fontRef idx="minor"/>
+    </dgm:style>
+  </dgm:styleLbl>
+  <dgm:styleLbl name="bgAccFollowNode1">
+    <dgm:scene3d>
+      <a:camera prst="orthographicFront"/>
+      <a:lightRig rig="threePt" dir="t"/>
+    </dgm:scene3d>
+    <dgm:sp3d/>
+    <dgm:txPr/>
+    <dgm:style>
+      <a:lnRef idx="2">
+        <a:scrgbClr r="0" g="0" b="0"/>
+      </a:lnRef>
+      <a:fillRef idx="1">
+        <a:scrgbClr r="0" g="0" b="0"/>
+      </a:fillRef>
+      <a:effectRef idx="0">
+        <a:scrgbClr r="0" g="0" b="0"/>
+      </a:effectRef>
+      <a:fontRef idx="minor"/>
+    </dgm:style>
+  </dgm:styleLbl>
+  <dgm:styleLbl name="fgAcc0">
+    <dgm:scene3d>
+      <a:camera prst="orthographicFront"/>
+      <a:lightRig rig="threePt" dir="t"/>
+    </dgm:scene3d>
+    <dgm:sp3d/>
+    <dgm:txPr/>
+    <dgm:style>
+      <a:lnRef idx="2">
+        <a:scrgbClr r="0" g="0" b="0"/>
+      </a:lnRef>
+      <a:fillRef idx="1">
+        <a:scrgbClr r="0" g="0" b="0"/>
+      </a:fillRef>
+      <a:effectRef idx="0">
+        <a:scrgbClr r="0" g="0" b="0"/>
+      </a:effectRef>
+      <a:fontRef idx="minor"/>
+    </dgm:style>
+  </dgm:styleLbl>
+  <dgm:styleLbl name="fgAcc2">
+    <dgm:scene3d>
+      <a:camera prst="orthographicFront"/>
+      <a:lightRig rig="threePt" dir="t"/>
+    </dgm:scene3d>
+    <dgm:sp3d/>
+    <dgm:txPr/>
+    <dgm:style>
+      <a:lnRef idx="2">
+        <a:scrgbClr r="0" g="0" b="0"/>
+      </a:lnRef>
+      <a:fillRef idx="1">
+        <a:scrgbClr r="0" g="0" b="0"/>
+      </a:fillRef>
+      <a:effectRef idx="0">
+        <a:scrgbClr r="0" g="0" b="0"/>
+      </a:effectRef>
+      <a:fontRef idx="minor"/>
+    </dgm:style>
+  </dgm:styleLbl>
+  <dgm:styleLbl name="fgAcc3">
+    <dgm:scene3d>
+      <a:camera prst="orthographicFront"/>
+      <a:lightRig rig="threePt" dir="t"/>
+    </dgm:scene3d>
+    <dgm:sp3d/>
+    <dgm:txPr/>
+    <dgm:style>
+      <a:lnRef idx="2">
+        <a:scrgbClr r="0" g="0" b="0"/>
+      </a:lnRef>
+      <a:fillRef idx="1">
+        <a:scrgbClr r="0" g="0" b="0"/>
+      </a:fillRef>
+      <a:effectRef idx="0">
+        <a:scrgbClr r="0" g="0" b="0"/>
+      </a:effectRef>
+      <a:fontRef idx="minor"/>
+    </dgm:style>
+  </dgm:styleLbl>
+  <dgm:styleLbl name="fgAcc4">
+    <dgm:scene3d>
+      <a:camera prst="orthographicFront"/>
+      <a:lightRig rig="threePt" dir="t"/>
+    </dgm:scene3d>
+    <dgm:sp3d/>
+    <dgm:txPr/>
+    <dgm:style>
+      <a:lnRef idx="2">
+        <a:scrgbClr r="0" g="0" b="0"/>
+      </a:lnRef>
+      <a:fillRef idx="1">
+        <a:scrgbClr r="0" g="0" b="0"/>
+      </a:fillRef>
+      <a:effectRef idx="0">
+        <a:scrgbClr r="0" g="0" b="0"/>
+      </a:effectRef>
+      <a:fontRef idx="minor"/>
+    </dgm:style>
+  </dgm:styleLbl>
+  <dgm:styleLbl name="bgShp">
+    <dgm:scene3d>
+      <a:camera prst="orthographicFront"/>
+      <a:lightRig rig="threePt" dir="t"/>
+    </dgm:scene3d>
+    <dgm:sp3d/>
+    <dgm:txPr/>
+    <dgm:style>
+      <a:lnRef idx="0">
+        <a:scrgbClr r="0" g="0" b="0"/>
+      </a:lnRef>
+      <a:fillRef idx="1">
+        <a:scrgbClr r="0" g="0" b="0"/>
+      </a:fillRef>
+      <a:effectRef idx="0">
+        <a:scrgbClr r="0" g="0" b="0"/>
+      </a:effectRef>
+      <a:fontRef idx="minor"/>
+    </dgm:style>
+  </dgm:styleLbl>
+  <dgm:styleLbl name="dkBgShp">
+    <dgm:scene3d>
+      <a:camera prst="orthographicFront"/>
+      <a:lightRig rig="threePt" dir="t"/>
+    </dgm:scene3d>
+    <dgm:sp3d/>
+    <dgm:txPr/>
+    <dgm:style>
+      <a:lnRef idx="0">
+        <a:scrgbClr r="0" g="0" b="0"/>
+      </a:lnRef>
+      <a:fillRef idx="1">
+        <a:scrgbClr r="0" g="0" b="0"/>
+      </a:fillRef>
+      <a:effectRef idx="0">
+        <a:scrgbClr r="0" g="0" b="0"/>
+      </a:effectRef>
+      <a:fontRef idx="minor"/>
+    </dgm:style>
+  </dgm:styleLbl>
+  <dgm:styleLbl name="trBgShp">
+    <dgm:scene3d>
+      <a:camera prst="orthographicFront"/>
+      <a:lightRig rig="threePt" dir="t"/>
+    </dgm:scene3d>
+    <dgm:sp3d/>
+    <dgm:txPr/>
+    <dgm:style>
+      <a:lnRef idx="0">
+        <a:scrgbClr r="0" g="0" b="0"/>
+      </a:lnRef>
+      <a:fillRef idx="1">
+        <a:scrgbClr r="0" g="0" b="0"/>
+      </a:fillRef>
+      <a:effectRef idx="0">
+        <a:scrgbClr r="0" g="0" b="0"/>
+      </a:effectRef>
+      <a:fontRef idx="minor"/>
+    </dgm:style>
+  </dgm:styleLbl>
+  <dgm:styleLbl name="fgShp">
+    <dgm:scene3d>
+      <a:camera prst="orthographicFront"/>
+      <a:lightRig rig="threePt" dir="t"/>
+    </dgm:scene3d>
+    <dgm:sp3d/>
+    <dgm:txPr/>
+    <dgm:style>
+      <a:lnRef idx="2">
+        <a:scrgbClr r="0" g="0" b="0"/>
+      </a:lnRef>
+      <a:fillRef idx="1">
+        <a:scrgbClr r="0" g="0" b="0"/>
+      </a:fillRef>
+      <a:effectRef idx="0">
+        <a:scrgbClr r="0" g="0" b="0"/>
+      </a:effectRef>
+      <a:fontRef idx="minor"/>
+    </dgm:style>
+  </dgm:styleLbl>
+  <dgm:styleLbl name="revTx">
+    <dgm:scene3d>
+      <a:camera prst="orthographicFront"/>
+      <a:lightRig rig="threePt" dir="t"/>
+    </dgm:scene3d>
+    <dgm:sp3d/>
+    <dgm:txPr/>
+    <dgm:style>
+      <a:lnRef idx="0">
+        <a:scrgbClr r="0" g="0" b="0"/>
+      </a:lnRef>
+      <a:fillRef idx="0">
+        <a:scrgbClr r="0" g="0" b="0"/>
+      </a:fillRef>
+      <a:effectRef idx="0">
+        <a:scrgbClr r="0" g="0" b="0"/>
+      </a:effectRef>
+      <a:fontRef idx="minor"/>
+    </dgm:style>
+  </dgm:styleLbl>
+</dgm:styleDef>
 </file>
 
 <file path=ppt/slideLayouts/slideLayout1.xml><?xml version="1.0" encoding="utf-8"?>
@@ -832,7 +3790,7 @@
             <a:fld id="{B61BEF0D-F0BB-DE4B-95CE-6DB70DBA9567}" type="datetimeFigureOut">
               <a:rPr lang="en-US" dirty="0"/>
               <a:pPr/>
-              <a:t>2/11/2018</a:t>
+              <a:t>2/12/2018</a:t>
             </a:fld>
             <a:endParaRPr lang="en-US" dirty="0"/>
           </a:p>
@@ -1080,7 +4038,7 @@
             <a:fld id="{B61BEF0D-F0BB-DE4B-95CE-6DB70DBA9567}" type="datetimeFigureOut">
               <a:rPr lang="en-US" dirty="0"/>
               <a:pPr/>
-              <a:t>2/11/2018</a:t>
+              <a:t>2/12/2018</a:t>
             </a:fld>
             <a:endParaRPr lang="en-US" dirty="0"/>
           </a:p>
@@ -1391,7 +4349,7 @@
             <a:fld id="{B61BEF0D-F0BB-DE4B-95CE-6DB70DBA9567}" type="datetimeFigureOut">
               <a:rPr lang="en-US" dirty="0"/>
               <a:pPr/>
-              <a:t>2/11/2018</a:t>
+              <a:t>2/12/2018</a:t>
             </a:fld>
             <a:endParaRPr lang="en-US" dirty="0"/>
           </a:p>
@@ -1729,7 +4687,7 @@
             <a:fld id="{B61BEF0D-F0BB-DE4B-95CE-6DB70DBA9567}" type="datetimeFigureOut">
               <a:rPr lang="en-US" dirty="0"/>
               <a:pPr/>
-              <a:t>2/11/2018</a:t>
+              <a:t>2/12/2018</a:t>
             </a:fld>
             <a:endParaRPr lang="en-US" dirty="0"/>
           </a:p>
@@ -2040,7 +4998,7 @@
             <a:fld id="{B61BEF0D-F0BB-DE4B-95CE-6DB70DBA9567}" type="datetimeFigureOut">
               <a:rPr lang="en-US" dirty="0"/>
               <a:pPr/>
-              <a:t>2/11/2018</a:t>
+              <a:t>2/12/2018</a:t>
             </a:fld>
             <a:endParaRPr lang="en-US" dirty="0"/>
           </a:p>
@@ -2430,7 +5388,7 @@
             <a:fld id="{B61BEF0D-F0BB-DE4B-95CE-6DB70DBA9567}" type="datetimeFigureOut">
               <a:rPr lang="en-US" dirty="0"/>
               <a:pPr/>
-              <a:t>2/11/2018</a:t>
+              <a:t>2/12/2018</a:t>
             </a:fld>
             <a:endParaRPr lang="en-US" dirty="0"/>
           </a:p>
@@ -2596,7 +5554,7 @@
           <a:p>
             <a:fld id="{55C6B4A9-1611-4792-9094-5F34BCA07E0B}" type="datetimeFigureOut">
               <a:rPr lang="en-US" dirty="0"/>
-              <a:t>2/11/2018</a:t>
+              <a:t>2/12/2018</a:t>
             </a:fld>
             <a:endParaRPr lang="en-US" dirty="0"/>
           </a:p>
@@ -2772,7 +5730,7 @@
             <a:fld id="{B61BEF0D-F0BB-DE4B-95CE-6DB70DBA9567}" type="datetimeFigureOut">
               <a:rPr lang="en-US" dirty="0"/>
               <a:pPr/>
-              <a:t>2/11/2018</a:t>
+              <a:t>2/12/2018</a:t>
             </a:fld>
             <a:endParaRPr lang="en-US" dirty="0"/>
           </a:p>
@@ -2945,7 +5903,7 @@
             <a:fld id="{B61BEF0D-F0BB-DE4B-95CE-6DB70DBA9567}" type="datetimeFigureOut">
               <a:rPr lang="en-US" dirty="0"/>
               <a:pPr/>
-              <a:t>2/11/2018</a:t>
+              <a:t>2/12/2018</a:t>
             </a:fld>
             <a:endParaRPr lang="en-US" dirty="0"/>
           </a:p>
@@ -3189,7 +6147,7 @@
             <a:fld id="{B61BEF0D-F0BB-DE4B-95CE-6DB70DBA9567}" type="datetimeFigureOut">
               <a:rPr lang="en-US" dirty="0"/>
               <a:pPr/>
-              <a:t>2/11/2018</a:t>
+              <a:t>2/12/2018</a:t>
             </a:fld>
             <a:endParaRPr lang="en-US" dirty="0"/>
           </a:p>
@@ -3417,7 +6375,7 @@
           <a:p>
             <a:fld id="{EB712588-04B1-427B-82EE-E8DB90309F08}" type="datetimeFigureOut">
               <a:rPr lang="en-US" dirty="0"/>
-              <a:t>2/11/2018</a:t>
+              <a:t>2/12/2018</a:t>
             </a:fld>
             <a:endParaRPr lang="en-US" dirty="0"/>
           </a:p>
@@ -3787,7 +6745,7 @@
             <a:fld id="{B61BEF0D-F0BB-DE4B-95CE-6DB70DBA9567}" type="datetimeFigureOut">
               <a:rPr lang="en-US" dirty="0"/>
               <a:pPr/>
-              <a:t>2/11/2018</a:t>
+              <a:t>2/12/2018</a:t>
             </a:fld>
             <a:endParaRPr lang="en-US" dirty="0"/>
           </a:p>
@@ -3907,7 +6865,7 @@
             <a:fld id="{B61BEF0D-F0BB-DE4B-95CE-6DB70DBA9567}" type="datetimeFigureOut">
               <a:rPr lang="en-US" dirty="0"/>
               <a:pPr/>
-              <a:t>2/11/2018</a:t>
+              <a:t>2/12/2018</a:t>
             </a:fld>
             <a:endParaRPr lang="en-US" dirty="0"/>
           </a:p>
@@ -3999,7 +6957,7 @@
             <a:fld id="{B61BEF0D-F0BB-DE4B-95CE-6DB70DBA9567}" type="datetimeFigureOut">
               <a:rPr lang="en-US" dirty="0"/>
               <a:pPr/>
-              <a:t>2/11/2018</a:t>
+              <a:t>2/12/2018</a:t>
             </a:fld>
             <a:endParaRPr lang="en-US" dirty="0"/>
           </a:p>
@@ -4250,7 +7208,7 @@
           <a:p>
             <a:fld id="{42A54C80-263E-416B-A8E0-580EDEADCBDC}" type="datetimeFigureOut">
               <a:rPr lang="en-US" dirty="0"/>
-              <a:t>2/11/2018</a:t>
+              <a:t>2/12/2018</a:t>
             </a:fld>
             <a:endParaRPr lang="en-US" dirty="0"/>
           </a:p>
@@ -4509,7 +7467,7 @@
             <a:fld id="{B61BEF0D-F0BB-DE4B-95CE-6DB70DBA9567}" type="datetimeFigureOut">
               <a:rPr lang="en-US" dirty="0"/>
               <a:pPr/>
-              <a:t>2/11/2018</a:t>
+              <a:t>2/12/2018</a:t>
             </a:fld>
             <a:endParaRPr lang="en-US" dirty="0"/>
           </a:p>
@@ -5249,7 +8207,7 @@
             <a:fld id="{B61BEF0D-F0BB-DE4B-95CE-6DB70DBA9567}" type="datetimeFigureOut">
               <a:rPr lang="en-US" dirty="0"/>
               <a:pPr/>
-              <a:t>2/11/2018</a:t>
+              <a:t>2/12/2018</a:t>
             </a:fld>
             <a:endParaRPr lang="en-US" dirty="0"/>
           </a:p>
@@ -5792,7 +8750,7 @@
           <a:p>
             <a:r>
               <a:rPr lang="en-US" dirty="0"/>
-              <a:t>Medication Reviews Scraped from WebMD</a:t>
+              <a:t>Medication Reviews from WebMD</a:t>
             </a:r>
           </a:p>
         </p:txBody>
@@ -5818,10 +8776,7 @@
           <a:bodyPr/>
           <a:lstStyle/>
           <a:p>
-            <a:r>
-              <a:rPr lang="en-US" dirty="0"/>
-              <a:t>Comparing SNRI</a:t>
-            </a:r>
+            <a:endParaRPr lang="en-US" dirty="0"/>
           </a:p>
         </p:txBody>
       </p:sp>
@@ -5906,10 +8861,13 @@
           <a:p>
             <a:r>
               <a:rPr lang="en-US" dirty="0"/>
-              <a:t>What are SNRI’s and why scrape for reviews? </a:t>
-            </a:r>
-          </a:p>
-          <a:p>
+              <a:t>Why scrape for WebMD reviews? </a:t>
+            </a:r>
+          </a:p>
+          <a:p>
+            <a:pPr marL="0" indent="0">
+              <a:buNone/>
+            </a:pPr>
             <a:endParaRPr lang="en-US" dirty="0"/>
           </a:p>
           <a:p>
@@ -5973,6 +8931,164 @@
           <p:cNvPr id="2" name="Title 1">
             <a:extLst>
               <a:ext uri="{FF2B5EF4-FFF2-40B4-BE49-F238E27FC236}">
+                <a16:creationId xmlns:a16="http://schemas.microsoft.com/office/drawing/2014/main" id="{5933124E-5C92-472B-9841-4D6AA88BFC24}"/>
+              </a:ext>
+            </a:extLst>
+          </p:cNvPr>
+          <p:cNvSpPr>
+            <a:spLocks noGrp="1"/>
+          </p:cNvSpPr>
+          <p:nvPr>
+            <p:ph type="title"/>
+          </p:nvPr>
+        </p:nvSpPr>
+        <p:spPr>
+          <a:xfrm>
+            <a:off x="677334" y="396536"/>
+            <a:ext cx="8596668" cy="1320800"/>
+          </a:xfrm>
+        </p:spPr>
+        <p:txBody>
+          <a:bodyPr/>
+          <a:lstStyle/>
+          <a:p>
+            <a:r>
+              <a:rPr lang="en-US" dirty="0"/>
+              <a:t>Why scrape for WebMD reviews</a:t>
+            </a:r>
+          </a:p>
+        </p:txBody>
+      </p:sp>
+      <p:sp>
+        <p:nvSpPr>
+          <p:cNvPr id="3" name="Content Placeholder 2">
+            <a:extLst>
+              <a:ext uri="{FF2B5EF4-FFF2-40B4-BE49-F238E27FC236}">
+                <a16:creationId xmlns:a16="http://schemas.microsoft.com/office/drawing/2014/main" id="{DD484DFB-968C-4906-B3A9-B0589F29E123}"/>
+              </a:ext>
+            </a:extLst>
+          </p:cNvPr>
+          <p:cNvSpPr>
+            <a:spLocks noGrp="1"/>
+          </p:cNvSpPr>
+          <p:nvPr>
+            <p:ph idx="1"/>
+          </p:nvPr>
+        </p:nvSpPr>
+        <p:spPr>
+          <a:xfrm>
+            <a:off x="739478" y="1482571"/>
+            <a:ext cx="8596668" cy="4949409"/>
+          </a:xfrm>
+        </p:spPr>
+        <p:txBody>
+          <a:bodyPr>
+            <a:normAutofit/>
+          </a:bodyPr>
+          <a:lstStyle/>
+          <a:p>
+            <a:r>
+              <a:rPr lang="en-US" dirty="0"/>
+              <a:t>Insights:</a:t>
+            </a:r>
+          </a:p>
+          <a:p>
+            <a:pPr lvl="1"/>
+            <a:r>
+              <a:rPr lang="en-US" dirty="0"/>
+              <a:t>Public perception</a:t>
+            </a:r>
+          </a:p>
+          <a:p>
+            <a:pPr lvl="1"/>
+            <a:r>
+              <a:rPr lang="en-US" dirty="0"/>
+              <a:t>Factors affecting drug satisfaction</a:t>
+            </a:r>
+          </a:p>
+          <a:p>
+            <a:pPr marL="0" indent="0">
+              <a:buNone/>
+            </a:pPr>
+            <a:endParaRPr lang="en-US" dirty="0"/>
+          </a:p>
+          <a:p>
+            <a:r>
+              <a:rPr lang="en-US" dirty="0"/>
+              <a:t>Useful for: </a:t>
+            </a:r>
+          </a:p>
+          <a:p>
+            <a:pPr lvl="1"/>
+            <a:r>
+              <a:rPr lang="en-US" dirty="0"/>
+              <a:t>Drug company marketing</a:t>
+            </a:r>
+          </a:p>
+          <a:p>
+            <a:pPr lvl="1"/>
+            <a:r>
+              <a:rPr lang="en-US" dirty="0"/>
+              <a:t>Medical care professionals </a:t>
+            </a:r>
+          </a:p>
+          <a:p>
+            <a:pPr marL="457200" lvl="1" indent="0">
+              <a:buNone/>
+            </a:pPr>
+            <a:endParaRPr lang="en-US" dirty="0"/>
+          </a:p>
+          <a:p>
+            <a:pPr indent="-285750"/>
+            <a:r>
+              <a:rPr lang="en-US" dirty="0"/>
+              <a:t>Not useful for:</a:t>
+            </a:r>
+          </a:p>
+          <a:p>
+            <a:pPr lvl="1"/>
+            <a:r>
+              <a:rPr lang="en-US" dirty="0"/>
+              <a:t>Patients seeking medical advice </a:t>
+            </a:r>
+          </a:p>
+        </p:txBody>
+      </p:sp>
+    </p:spTree>
+    <p:extLst>
+      <p:ext uri="{BB962C8B-B14F-4D97-AF65-F5344CB8AC3E}">
+        <p14:creationId xmlns:p14="http://schemas.microsoft.com/office/powerpoint/2010/main" val="367535048"/>
+      </p:ext>
+    </p:extLst>
+  </p:cSld>
+  <p:clrMapOvr>
+    <a:masterClrMapping/>
+  </p:clrMapOvr>
+</p:sld>
+</file>
+
+<file path=ppt/slides/slide4.xml><?xml version="1.0" encoding="utf-8"?>
+<p:sld xmlns:a="http://schemas.openxmlformats.org/drawingml/2006/main" xmlns:r="http://schemas.openxmlformats.org/officeDocument/2006/relationships" xmlns:p="http://schemas.openxmlformats.org/presentationml/2006/main">
+  <p:cSld>
+    <p:spTree>
+      <p:nvGrpSpPr>
+        <p:cNvPr id="1" name=""/>
+        <p:cNvGrpSpPr/>
+        <p:nvPr/>
+      </p:nvGrpSpPr>
+      <p:grpSpPr>
+        <a:xfrm>
+          <a:off x="0" y="0"/>
+          <a:ext cx="0" cy="0"/>
+          <a:chOff x="0" y="0"/>
+          <a:chExt cx="0" cy="0"/>
+        </a:xfrm>
+      </p:grpSpPr>
+      <p:sp>
+        <p:nvSpPr>
+          <p:cNvPr id="2" name="Title 1">
+            <a:extLst>
+              <a:ext uri="{FF2B5EF4-FFF2-40B4-BE49-F238E27FC236}">
                 <a16:creationId xmlns:a16="http://schemas.microsoft.com/office/drawing/2014/main" id="{78A7E7E3-4563-49DA-953F-C75187AC1AB6}"/>
               </a:ext>
             </a:extLst>
@@ -5984,14 +9100,19 @@
             <p:ph type="title"/>
           </p:nvPr>
         </p:nvSpPr>
-        <p:spPr/>
+        <p:spPr>
+          <a:xfrm>
+            <a:off x="677334" y="281126"/>
+            <a:ext cx="8596668" cy="1320800"/>
+          </a:xfrm>
+        </p:spPr>
         <p:txBody>
           <a:bodyPr/>
           <a:lstStyle/>
           <a:p>
             <a:r>
               <a:rPr lang="en-US" dirty="0"/>
-              <a:t>Serotonin and norepinephrine reuptake inhibitors (SNRI)</a:t>
+              <a:t>Drug reviews Scraped</a:t>
             </a:r>
           </a:p>
         </p:txBody>
@@ -6012,24 +9133,17 @@
             <p:ph idx="1"/>
           </p:nvPr>
         </p:nvSpPr>
-        <p:spPr/>
-        <p:txBody>
-          <a:bodyPr/>
+        <p:spPr>
+          <a:xfrm>
+            <a:off x="677334" y="1601926"/>
+            <a:ext cx="8596668" cy="4781119"/>
+          </a:xfrm>
+        </p:spPr>
+        <p:txBody>
+          <a:bodyPr>
+            <a:normAutofit fontScale="92500" lnSpcReduction="20000"/>
+          </a:bodyPr>
           <a:lstStyle/>
-          <a:p>
-            <a:pPr marL="0" indent="0">
-              <a:buNone/>
-            </a:pPr>
-            <a:r>
-              <a:rPr lang="en-US" dirty="0"/>
-              <a:t>SNRI’s inhibit the reuptake of neurotransmitters. Used to treat depressive disorders and </a:t>
-            </a:r>
-            <a:r>
-              <a:rPr lang="en-US"/>
-              <a:t>chronic pain </a:t>
-            </a:r>
-            <a:endParaRPr lang="en-US" dirty="0"/>
-          </a:p>
           <a:p>
             <a:r>
               <a:rPr lang="en-US" dirty="0"/>
@@ -6037,6 +9151,113 @@
             </a:r>
           </a:p>
           <a:p>
+            <a:r>
+              <a:rPr lang="en-US" dirty="0"/>
+              <a:t>Effexor (Venlafaxine) – 3047 reviews</a:t>
+            </a:r>
+          </a:p>
+          <a:p>
+            <a:r>
+              <a:rPr lang="en-US" dirty="0"/>
+              <a:t>Pristiq (</a:t>
+            </a:r>
+            <a:r>
+              <a:rPr lang="en-US" dirty="0" err="1"/>
+              <a:t>Desvenlafaxine</a:t>
+            </a:r>
+            <a:r>
+              <a:rPr lang="en-US" dirty="0"/>
+              <a:t>) – 1169 reviews </a:t>
+            </a:r>
+          </a:p>
+          <a:p>
+            <a:pPr marL="0" indent="0">
+              <a:buNone/>
+            </a:pPr>
+            <a:endParaRPr lang="en-US" dirty="0"/>
+          </a:p>
+          <a:p>
+            <a:pPr marL="0" indent="0">
+              <a:buNone/>
+            </a:pPr>
+            <a:endParaRPr lang="en-US" dirty="0"/>
+          </a:p>
+          <a:p>
+            <a:pPr marL="0" indent="0">
+              <a:buNone/>
+            </a:pPr>
+            <a:endParaRPr lang="en-US" dirty="0"/>
+          </a:p>
+          <a:p>
+            <a:pPr marL="0" indent="0">
+              <a:buNone/>
+            </a:pPr>
+            <a:r>
+              <a:rPr lang="en-US" dirty="0"/>
+              <a:t>… These fall under the classification of SNRI’s</a:t>
+            </a:r>
+          </a:p>
+          <a:p>
+            <a:pPr marL="0" indent="0">
+              <a:buNone/>
+            </a:pPr>
+            <a:r>
+              <a:rPr lang="en-US" dirty="0"/>
+              <a:t>SNRI’s (Serotonin and Norepinephrine Update Inhibitors) - Used to treat depressive disorders and chronic pain </a:t>
+            </a:r>
+          </a:p>
+          <a:p>
+            <a:pPr marL="0" indent="0">
+              <a:buNone/>
+            </a:pPr>
+            <a:endParaRPr lang="en-US" dirty="0"/>
+          </a:p>
+          <a:p>
+            <a:pPr marL="0" indent="0">
+              <a:buNone/>
+            </a:pPr>
+            <a:r>
+              <a:rPr lang="en-US" dirty="0"/>
+              <a:t>Stakes : Depression drug market potentially worth 16.8 billion by 2020</a:t>
+            </a:r>
+          </a:p>
+          <a:p>
+            <a:pPr marL="0" indent="0">
+              <a:buNone/>
+            </a:pPr>
+            <a:endParaRPr lang="en-US" dirty="0"/>
+          </a:p>
+          <a:p>
+            <a:pPr marL="0" indent="0">
+              <a:buNone/>
+            </a:pPr>
+            <a:r>
+              <a:rPr lang="en-US" dirty="0"/>
+              <a:t>https://globenewswire.com/news-release/2016/05/10/838292/0/en/Global-Depression-Drug-Market-Poised-to-Surge-from-USD-14-51-Billion-in-2014-to-USD-16-80-Billion-by-2020-MarketResearchStore-Com.html</a:t>
+            </a:r>
+          </a:p>
+          <a:p>
+            <a:pPr marL="0" indent="0">
+              <a:buNone/>
+            </a:pPr>
+            <a:endParaRPr lang="en-US" dirty="0"/>
+          </a:p>
+          <a:p>
+            <a:pPr marL="0" indent="0">
+              <a:buNone/>
+            </a:pPr>
+            <a:endParaRPr lang="en-US" dirty="0"/>
+          </a:p>
+          <a:p>
+            <a:pPr marL="0" indent="0">
+              <a:buNone/>
+            </a:pPr>
+            <a:endParaRPr lang="en-US" dirty="0"/>
+          </a:p>
+          <a:p>
+            <a:pPr marL="0" indent="0">
+              <a:buNone/>
+            </a:pPr>
             <a:endParaRPr lang="en-US" dirty="0"/>
           </a:p>
         </p:txBody>
@@ -6045,6 +9266,823 @@
     <p:extLst>
       <p:ext uri="{BB962C8B-B14F-4D97-AF65-F5344CB8AC3E}">
         <p14:creationId xmlns:p14="http://schemas.microsoft.com/office/powerpoint/2010/main" val="1315962839"/>
+      </p:ext>
+    </p:extLst>
+  </p:cSld>
+  <p:clrMapOvr>
+    <a:masterClrMapping/>
+  </p:clrMapOvr>
+</p:sld>
+</file>
+
+<file path=ppt/slides/slide5.xml><?xml version="1.0" encoding="utf-8"?>
+<p:sld xmlns:a="http://schemas.openxmlformats.org/drawingml/2006/main" xmlns:r="http://schemas.openxmlformats.org/officeDocument/2006/relationships" xmlns:p="http://schemas.openxmlformats.org/presentationml/2006/main">
+  <p:cSld>
+    <p:spTree>
+      <p:nvGrpSpPr>
+        <p:cNvPr id="1" name=""/>
+        <p:cNvGrpSpPr/>
+        <p:nvPr/>
+      </p:nvGrpSpPr>
+      <p:grpSpPr>
+        <a:xfrm>
+          <a:off x="0" y="0"/>
+          <a:ext cx="0" cy="0"/>
+          <a:chOff x="0" y="0"/>
+          <a:chExt cx="0" cy="0"/>
+        </a:xfrm>
+      </p:grpSpPr>
+      <p:sp>
+        <p:nvSpPr>
+          <p:cNvPr id="2" name="Title 1">
+            <a:extLst>
+              <a:ext uri="{FF2B5EF4-FFF2-40B4-BE49-F238E27FC236}">
+                <a16:creationId xmlns:a16="http://schemas.microsoft.com/office/drawing/2014/main" id="{BC90589E-2B18-48E7-9D61-008D4E0651ED}"/>
+              </a:ext>
+            </a:extLst>
+          </p:cNvPr>
+          <p:cNvSpPr>
+            <a:spLocks noGrp="1"/>
+          </p:cNvSpPr>
+          <p:nvPr>
+            <p:ph type="title"/>
+          </p:nvPr>
+        </p:nvSpPr>
+        <p:spPr>
+          <a:xfrm>
+            <a:off x="677334" y="378780"/>
+            <a:ext cx="8596668" cy="1320800"/>
+          </a:xfrm>
+        </p:spPr>
+        <p:txBody>
+          <a:bodyPr/>
+          <a:lstStyle/>
+          <a:p>
+            <a:r>
+              <a:rPr lang="en-US" dirty="0"/>
+              <a:t>WebMD review format </a:t>
+            </a:r>
+          </a:p>
+        </p:txBody>
+      </p:sp>
+      <p:pic>
+        <p:nvPicPr>
+          <p:cNvPr id="4" name="Content Placeholder 3">
+            <a:extLst>
+              <a:ext uri="{FF2B5EF4-FFF2-40B4-BE49-F238E27FC236}">
+                <a16:creationId xmlns:a16="http://schemas.microsoft.com/office/drawing/2014/main" id="{570F84CB-9815-46EE-AF43-E8C31D11B9ED}"/>
+              </a:ext>
+            </a:extLst>
+          </p:cNvPr>
+          <p:cNvPicPr>
+            <a:picLocks noGrp="1" noChangeAspect="1"/>
+          </p:cNvPicPr>
+          <p:nvPr>
+            <p:ph idx="1"/>
+          </p:nvPr>
+        </p:nvPicPr>
+        <p:blipFill rotWithShape="1">
+          <a:blip r:embed="rId2"/>
+          <a:srcRect l="28893" t="41534" r="38062" b="31471"/>
+          <a:stretch/>
+        </p:blipFill>
+        <p:spPr>
+          <a:xfrm>
+            <a:off x="1846556" y="1331652"/>
+            <a:ext cx="6844684" cy="3145296"/>
+          </a:xfrm>
+          <a:prstGeom prst="rect">
+            <a:avLst/>
+          </a:prstGeom>
+        </p:spPr>
+      </p:pic>
+      <p:sp>
+        <p:nvSpPr>
+          <p:cNvPr id="5" name="TextBox 4">
+            <a:extLst>
+              <a:ext uri="{FF2B5EF4-FFF2-40B4-BE49-F238E27FC236}">
+                <a16:creationId xmlns:a16="http://schemas.microsoft.com/office/drawing/2014/main" id="{049AB493-C2B1-4C12-A48C-976F8FF4B1AA}"/>
+              </a:ext>
+            </a:extLst>
+          </p:cNvPr>
+          <p:cNvSpPr txBox="1"/>
+          <p:nvPr/>
+        </p:nvSpPr>
+        <p:spPr>
+          <a:xfrm>
+            <a:off x="677334" y="4776186"/>
+            <a:ext cx="8351256" cy="923330"/>
+          </a:xfrm>
+          <a:prstGeom prst="rect">
+            <a:avLst/>
+          </a:prstGeom>
+          <a:noFill/>
+        </p:spPr>
+        <p:txBody>
+          <a:bodyPr wrap="square" numCol="2" rtlCol="0">
+            <a:spAutoFit/>
+          </a:bodyPr>
+          <a:lstStyle/>
+          <a:p>
+            <a:r>
+              <a:rPr lang="en-US" dirty="0"/>
+              <a:t>From each review we can extract:</a:t>
+            </a:r>
+          </a:p>
+          <a:p>
+            <a:endParaRPr lang="en-US" dirty="0"/>
+          </a:p>
+          <a:p>
+            <a:endParaRPr lang="en-US" dirty="0"/>
+          </a:p>
+          <a:p>
+            <a:pPr marL="285750" indent="-285750">
+              <a:buFont typeface="Arial" panose="020B0604020202020204" pitchFamily="34" charset="0"/>
+              <a:buChar char="•"/>
+            </a:pPr>
+            <a:endParaRPr lang="en-US" dirty="0"/>
+          </a:p>
+          <a:p>
+            <a:endParaRPr lang="en-US" dirty="0"/>
+          </a:p>
+        </p:txBody>
+      </p:sp>
+      <p:sp>
+        <p:nvSpPr>
+          <p:cNvPr id="6" name="TextBox 5">
+            <a:extLst>
+              <a:ext uri="{FF2B5EF4-FFF2-40B4-BE49-F238E27FC236}">
+                <a16:creationId xmlns:a16="http://schemas.microsoft.com/office/drawing/2014/main" id="{3B2518F5-D9BD-4B42-93F6-8AD9DCD102DF}"/>
+              </a:ext>
+            </a:extLst>
+          </p:cNvPr>
+          <p:cNvSpPr txBox="1"/>
+          <p:nvPr/>
+        </p:nvSpPr>
+        <p:spPr>
+          <a:xfrm>
+            <a:off x="677334" y="5237851"/>
+            <a:ext cx="8351256" cy="2585323"/>
+          </a:xfrm>
+          <a:prstGeom prst="rect">
+            <a:avLst/>
+          </a:prstGeom>
+          <a:noFill/>
+        </p:spPr>
+        <p:txBody>
+          <a:bodyPr wrap="square" numCol="2" rtlCol="0">
+            <a:spAutoFit/>
+          </a:bodyPr>
+          <a:lstStyle/>
+          <a:p>
+            <a:pPr marL="285750" indent="-285750">
+              <a:buFont typeface="Arial" panose="020B0604020202020204" pitchFamily="34" charset="0"/>
+              <a:buChar char="•"/>
+            </a:pPr>
+            <a:r>
+              <a:rPr lang="en-US" dirty="0"/>
+              <a:t>Condition</a:t>
+            </a:r>
+          </a:p>
+          <a:p>
+            <a:pPr marL="285750" indent="-285750">
+              <a:buFont typeface="Arial" panose="020B0604020202020204" pitchFamily="34" charset="0"/>
+              <a:buChar char="•"/>
+            </a:pPr>
+            <a:r>
+              <a:rPr lang="en-US" dirty="0"/>
+              <a:t>Age (category)</a:t>
+            </a:r>
+          </a:p>
+          <a:p>
+            <a:pPr marL="285750" indent="-285750">
+              <a:buFont typeface="Arial" panose="020B0604020202020204" pitchFamily="34" charset="0"/>
+              <a:buChar char="•"/>
+            </a:pPr>
+            <a:r>
+              <a:rPr lang="en-US" dirty="0"/>
+              <a:t>Gender</a:t>
+            </a:r>
+          </a:p>
+          <a:p>
+            <a:pPr marL="285750" indent="-285750">
+              <a:buFont typeface="Arial" panose="020B0604020202020204" pitchFamily="34" charset="0"/>
+              <a:buChar char="•"/>
+            </a:pPr>
+            <a:r>
+              <a:rPr lang="en-US" dirty="0"/>
+              <a:t>Review date</a:t>
+            </a:r>
+          </a:p>
+          <a:p>
+            <a:pPr marL="285750" indent="-285750">
+              <a:buFont typeface="Arial" panose="020B0604020202020204" pitchFamily="34" charset="0"/>
+              <a:buChar char="•"/>
+            </a:pPr>
+            <a:endParaRPr lang="en-US" dirty="0"/>
+          </a:p>
+          <a:p>
+            <a:pPr marL="285750" indent="-285750">
+              <a:buFont typeface="Arial" panose="020B0604020202020204" pitchFamily="34" charset="0"/>
+              <a:buChar char="•"/>
+            </a:pPr>
+            <a:endParaRPr lang="en-US" dirty="0"/>
+          </a:p>
+          <a:p>
+            <a:pPr marL="285750" indent="-285750">
+              <a:buFont typeface="Arial" panose="020B0604020202020204" pitchFamily="34" charset="0"/>
+              <a:buChar char="•"/>
+            </a:pPr>
+            <a:endParaRPr lang="en-US" dirty="0"/>
+          </a:p>
+          <a:p>
+            <a:pPr marL="285750" indent="-285750">
+              <a:buFont typeface="Arial" panose="020B0604020202020204" pitchFamily="34" charset="0"/>
+              <a:buChar char="•"/>
+            </a:pPr>
+            <a:endParaRPr lang="en-US" dirty="0"/>
+          </a:p>
+          <a:p>
+            <a:pPr marL="285750" indent="-285750">
+              <a:buFont typeface="Arial" panose="020B0604020202020204" pitchFamily="34" charset="0"/>
+              <a:buChar char="•"/>
+            </a:pPr>
+            <a:endParaRPr lang="en-US" dirty="0"/>
+          </a:p>
+          <a:p>
+            <a:pPr marL="285750" indent="-285750">
+              <a:buFont typeface="Arial" panose="020B0604020202020204" pitchFamily="34" charset="0"/>
+              <a:buChar char="•"/>
+            </a:pPr>
+            <a:r>
+              <a:rPr lang="en-US" dirty="0"/>
+              <a:t>Treatment time</a:t>
+            </a:r>
+          </a:p>
+          <a:p>
+            <a:pPr marL="285750" indent="-285750">
+              <a:buFont typeface="Arial" panose="020B0604020202020204" pitchFamily="34" charset="0"/>
+              <a:buChar char="•"/>
+            </a:pPr>
+            <a:r>
+              <a:rPr lang="en-US" dirty="0"/>
+              <a:t>Ratings (focus on satisfaction)	</a:t>
+            </a:r>
+          </a:p>
+          <a:p>
+            <a:pPr marL="285750" indent="-285750">
+              <a:buFont typeface="Arial" panose="020B0604020202020204" pitchFamily="34" charset="0"/>
+              <a:buChar char="•"/>
+            </a:pPr>
+            <a:r>
+              <a:rPr lang="en-US" dirty="0"/>
+              <a:t>Comment</a:t>
+            </a:r>
+          </a:p>
+          <a:p>
+            <a:endParaRPr lang="en-US" dirty="0"/>
+          </a:p>
+          <a:p>
+            <a:pPr marL="285750" indent="-285750">
+              <a:buFont typeface="Arial" panose="020B0604020202020204" pitchFamily="34" charset="0"/>
+              <a:buChar char="•"/>
+            </a:pPr>
+            <a:endParaRPr lang="en-US" dirty="0"/>
+          </a:p>
+          <a:p>
+            <a:endParaRPr lang="en-US" dirty="0"/>
+          </a:p>
+          <a:p>
+            <a:pPr marL="285750" indent="-285750">
+              <a:buFont typeface="Arial" panose="020B0604020202020204" pitchFamily="34" charset="0"/>
+              <a:buChar char="•"/>
+            </a:pPr>
+            <a:endParaRPr lang="en-US" dirty="0"/>
+          </a:p>
+          <a:p>
+            <a:endParaRPr lang="en-US" dirty="0"/>
+          </a:p>
+        </p:txBody>
+      </p:sp>
+    </p:spTree>
+    <p:extLst>
+      <p:ext uri="{BB962C8B-B14F-4D97-AF65-F5344CB8AC3E}">
+        <p14:creationId xmlns:p14="http://schemas.microsoft.com/office/powerpoint/2010/main" val="3223003444"/>
+      </p:ext>
+    </p:extLst>
+  </p:cSld>
+  <p:clrMapOvr>
+    <a:masterClrMapping/>
+  </p:clrMapOvr>
+</p:sld>
+</file>
+
+<file path=ppt/slides/slide6.xml><?xml version="1.0" encoding="utf-8"?>
+<p:sld xmlns:a="http://schemas.openxmlformats.org/drawingml/2006/main" xmlns:r="http://schemas.openxmlformats.org/officeDocument/2006/relationships" xmlns:p="http://schemas.openxmlformats.org/presentationml/2006/main">
+  <p:cSld>
+    <p:spTree>
+      <p:nvGrpSpPr>
+        <p:cNvPr id="1" name=""/>
+        <p:cNvGrpSpPr/>
+        <p:nvPr/>
+      </p:nvGrpSpPr>
+      <p:grpSpPr>
+        <a:xfrm>
+          <a:off x="0" y="0"/>
+          <a:ext cx="0" cy="0"/>
+          <a:chOff x="0" y="0"/>
+          <a:chExt cx="0" cy="0"/>
+        </a:xfrm>
+      </p:grpSpPr>
+      <p:sp>
+        <p:nvSpPr>
+          <p:cNvPr id="2" name="Title 1">
+            <a:extLst>
+              <a:ext uri="{FF2B5EF4-FFF2-40B4-BE49-F238E27FC236}">
+                <a16:creationId xmlns:a16="http://schemas.microsoft.com/office/drawing/2014/main" id="{A8ED0E43-D99C-497C-9396-2B740AE92882}"/>
+              </a:ext>
+            </a:extLst>
+          </p:cNvPr>
+          <p:cNvSpPr>
+            <a:spLocks noGrp="1"/>
+          </p:cNvSpPr>
+          <p:nvPr>
+            <p:ph type="title"/>
+          </p:nvPr>
+        </p:nvSpPr>
+        <p:spPr>
+          <a:xfrm>
+            <a:off x="304472" y="241995"/>
+            <a:ext cx="8596668" cy="1320800"/>
+          </a:xfrm>
+        </p:spPr>
+        <p:txBody>
+          <a:bodyPr/>
+          <a:lstStyle/>
+          <a:p>
+            <a:r>
+              <a:rPr lang="en-US" dirty="0"/>
+              <a:t>Methods &amp; Tools:</a:t>
+            </a:r>
+          </a:p>
+        </p:txBody>
+      </p:sp>
+      <p:graphicFrame>
+        <p:nvGraphicFramePr>
+          <p:cNvPr id="4" name="Diagram 3">
+            <a:extLst>
+              <a:ext uri="{FF2B5EF4-FFF2-40B4-BE49-F238E27FC236}">
+                <a16:creationId xmlns:a16="http://schemas.microsoft.com/office/drawing/2014/main" id="{49F48289-1667-4DA0-B7A0-3D3C536FD89C}"/>
+              </a:ext>
+            </a:extLst>
+          </p:cNvPr>
+          <p:cNvGraphicFramePr/>
+          <p:nvPr>
+            <p:extLst>
+              <p:ext uri="{D42A27DB-BD31-4B8C-83A1-F6EECF244321}">
+                <p14:modId xmlns:p14="http://schemas.microsoft.com/office/powerpoint/2010/main" val="3949921263"/>
+              </p:ext>
+            </p:extLst>
+          </p:nvPr>
+        </p:nvGraphicFramePr>
+        <p:xfrm>
+          <a:off x="2874845" y="1408788"/>
+          <a:ext cx="5814876" cy="4063238"/>
+        </p:xfrm>
+        <a:graphic>
+          <a:graphicData uri="http://schemas.openxmlformats.org/drawingml/2006/diagram">
+            <dgm:relIds xmlns:dgm="http://schemas.openxmlformats.org/drawingml/2006/diagram" xmlns:r="http://schemas.openxmlformats.org/officeDocument/2006/relationships" r:dm="rId2" r:lo="rId3" r:qs="rId4" r:cs="rId5"/>
+          </a:graphicData>
+        </a:graphic>
+      </p:graphicFrame>
+      <p:sp>
+        <p:nvSpPr>
+          <p:cNvPr id="5" name="Rectangle: Rounded Corners 4">
+            <a:extLst>
+              <a:ext uri="{FF2B5EF4-FFF2-40B4-BE49-F238E27FC236}">
+                <a16:creationId xmlns:a16="http://schemas.microsoft.com/office/drawing/2014/main" id="{3D4A3827-289F-494B-8075-16DCD5790ACD}"/>
+              </a:ext>
+            </a:extLst>
+          </p:cNvPr>
+          <p:cNvSpPr/>
+          <p:nvPr/>
+        </p:nvSpPr>
+        <p:spPr>
+          <a:xfrm>
+            <a:off x="815911" y="1438158"/>
+            <a:ext cx="1642369" cy="1046924"/>
+          </a:xfrm>
+          <a:prstGeom prst="roundRect">
+            <a:avLst/>
+          </a:prstGeom>
+        </p:spPr>
+        <p:style>
+          <a:lnRef idx="2">
+            <a:schemeClr val="accent1">
+              <a:shade val="50000"/>
+            </a:schemeClr>
+          </a:lnRef>
+          <a:fillRef idx="1">
+            <a:schemeClr val="accent1"/>
+          </a:fillRef>
+          <a:effectRef idx="0">
+            <a:schemeClr val="accent1"/>
+          </a:effectRef>
+          <a:fontRef idx="minor">
+            <a:schemeClr val="lt1"/>
+          </a:fontRef>
+        </p:style>
+        <p:txBody>
+          <a:bodyPr rtlCol="0" anchor="ctr"/>
+          <a:lstStyle/>
+          <a:p>
+            <a:pPr algn="ctr"/>
+            <a:r>
+              <a:rPr lang="en-US" dirty="0"/>
+              <a:t>WebMD: Scrape &amp; Clean</a:t>
+            </a:r>
+          </a:p>
+        </p:txBody>
+      </p:sp>
+      <p:sp>
+        <p:nvSpPr>
+          <p:cNvPr id="6" name="Arrow: Down 5">
+            <a:extLst>
+              <a:ext uri="{FF2B5EF4-FFF2-40B4-BE49-F238E27FC236}">
+                <a16:creationId xmlns:a16="http://schemas.microsoft.com/office/drawing/2014/main" id="{7F3CF3E6-5868-4B31-AF09-0AA1FC2DE2DC}"/>
+              </a:ext>
+            </a:extLst>
+          </p:cNvPr>
+          <p:cNvSpPr/>
+          <p:nvPr/>
+        </p:nvSpPr>
+        <p:spPr>
+          <a:xfrm rot="17631943">
+            <a:off x="2709123" y="2363108"/>
+            <a:ext cx="284717" cy="505097"/>
+          </a:xfrm>
+          <a:prstGeom prst="downArrow">
+            <a:avLst/>
+          </a:prstGeom>
+          <a:solidFill>
+            <a:schemeClr val="accent4">
+              <a:lumMod val="60000"/>
+              <a:lumOff val="40000"/>
+            </a:schemeClr>
+          </a:solidFill>
+          <a:ln>
+            <a:noFill/>
+          </a:ln>
+        </p:spPr>
+        <p:style>
+          <a:lnRef idx="2">
+            <a:schemeClr val="accent1">
+              <a:shade val="50000"/>
+            </a:schemeClr>
+          </a:lnRef>
+          <a:fillRef idx="1">
+            <a:schemeClr val="accent1"/>
+          </a:fillRef>
+          <a:effectRef idx="0">
+            <a:schemeClr val="accent1"/>
+          </a:effectRef>
+          <a:fontRef idx="minor">
+            <a:schemeClr val="lt1"/>
+          </a:fontRef>
+        </p:style>
+        <p:txBody>
+          <a:bodyPr rtlCol="0" anchor="ctr"/>
+          <a:lstStyle/>
+          <a:p>
+            <a:pPr algn="ctr"/>
+            <a:endParaRPr lang="en-US"/>
+          </a:p>
+        </p:txBody>
+      </p:sp>
+      <p:sp>
+        <p:nvSpPr>
+          <p:cNvPr id="7" name="TextBox 6">
+            <a:extLst>
+              <a:ext uri="{FF2B5EF4-FFF2-40B4-BE49-F238E27FC236}">
+                <a16:creationId xmlns:a16="http://schemas.microsoft.com/office/drawing/2014/main" id="{164B3456-A0E4-4A18-A601-4B7162017601}"/>
+              </a:ext>
+            </a:extLst>
+          </p:cNvPr>
+          <p:cNvSpPr txBox="1"/>
+          <p:nvPr/>
+        </p:nvSpPr>
+        <p:spPr>
+          <a:xfrm>
+            <a:off x="603040" y="2579520"/>
+            <a:ext cx="1349406" cy="646331"/>
+          </a:xfrm>
+          <a:prstGeom prst="rect">
+            <a:avLst/>
+          </a:prstGeom>
+          <a:noFill/>
+        </p:spPr>
+        <p:txBody>
+          <a:bodyPr wrap="square" rtlCol="0">
+            <a:spAutoFit/>
+          </a:bodyPr>
+          <a:lstStyle/>
+          <a:p>
+            <a:r>
+              <a:rPr lang="en-US" dirty="0" err="1"/>
+              <a:t>Scrapy</a:t>
+            </a:r>
+            <a:r>
+              <a:rPr lang="en-US" dirty="0"/>
+              <a:t>, Pandas</a:t>
+            </a:r>
+          </a:p>
+        </p:txBody>
+      </p:sp>
+      <p:sp>
+        <p:nvSpPr>
+          <p:cNvPr id="8" name="TextBox 7">
+            <a:extLst>
+              <a:ext uri="{FF2B5EF4-FFF2-40B4-BE49-F238E27FC236}">
+                <a16:creationId xmlns:a16="http://schemas.microsoft.com/office/drawing/2014/main" id="{B6CBA042-5283-497B-AC86-4DA8A2C6D282}"/>
+              </a:ext>
+            </a:extLst>
+          </p:cNvPr>
+          <p:cNvSpPr txBox="1"/>
+          <p:nvPr/>
+        </p:nvSpPr>
+        <p:spPr>
+          <a:xfrm>
+            <a:off x="2255306" y="3444297"/>
+            <a:ext cx="1532980" cy="646331"/>
+          </a:xfrm>
+          <a:prstGeom prst="rect">
+            <a:avLst/>
+          </a:prstGeom>
+          <a:noFill/>
+        </p:spPr>
+        <p:txBody>
+          <a:bodyPr wrap="square" rtlCol="0">
+            <a:spAutoFit/>
+          </a:bodyPr>
+          <a:lstStyle/>
+          <a:p>
+            <a:r>
+              <a:rPr lang="en-US" dirty="0"/>
+              <a:t>Pandas</a:t>
+            </a:r>
+          </a:p>
+          <a:p>
+            <a:r>
+              <a:rPr lang="en-US" dirty="0" err="1"/>
+              <a:t>Matplotlib</a:t>
+            </a:r>
+            <a:endParaRPr lang="en-US" dirty="0"/>
+          </a:p>
+        </p:txBody>
+      </p:sp>
+      <p:sp>
+        <p:nvSpPr>
+          <p:cNvPr id="9" name="TextBox 8">
+            <a:extLst>
+              <a:ext uri="{FF2B5EF4-FFF2-40B4-BE49-F238E27FC236}">
+                <a16:creationId xmlns:a16="http://schemas.microsoft.com/office/drawing/2014/main" id="{30C40B61-01B2-462F-9660-A7C1BB8326D9}"/>
+              </a:ext>
+            </a:extLst>
+          </p:cNvPr>
+          <p:cNvSpPr txBox="1"/>
+          <p:nvPr/>
+        </p:nvSpPr>
+        <p:spPr>
+          <a:xfrm>
+            <a:off x="7877135" y="4748182"/>
+            <a:ext cx="2290439" cy="923330"/>
+          </a:xfrm>
+          <a:prstGeom prst="rect">
+            <a:avLst/>
+          </a:prstGeom>
+          <a:noFill/>
+        </p:spPr>
+        <p:txBody>
+          <a:bodyPr wrap="square" rtlCol="0">
+            <a:spAutoFit/>
+          </a:bodyPr>
+          <a:lstStyle/>
+          <a:p>
+            <a:r>
+              <a:rPr lang="en-US" dirty="0" err="1"/>
+              <a:t>Scipy</a:t>
+            </a:r>
+            <a:r>
+              <a:rPr lang="en-US" dirty="0"/>
+              <a:t> Stats</a:t>
+            </a:r>
+          </a:p>
+          <a:p>
+            <a:r>
+              <a:rPr lang="en-US" dirty="0"/>
+              <a:t>T-Tests, Chi </a:t>
+            </a:r>
+            <a:r>
+              <a:rPr lang="en-US" dirty="0" err="1"/>
+              <a:t>sq</a:t>
+            </a:r>
+            <a:r>
+              <a:rPr lang="en-US" dirty="0"/>
+              <a:t> contingency</a:t>
+            </a:r>
+          </a:p>
+        </p:txBody>
+      </p:sp>
+      <p:sp>
+        <p:nvSpPr>
+          <p:cNvPr id="10" name="TextBox 9">
+            <a:extLst>
+              <a:ext uri="{FF2B5EF4-FFF2-40B4-BE49-F238E27FC236}">
+                <a16:creationId xmlns:a16="http://schemas.microsoft.com/office/drawing/2014/main" id="{E738F9D3-8A8E-4215-B643-55387FEF4583}"/>
+              </a:ext>
+            </a:extLst>
+          </p:cNvPr>
+          <p:cNvSpPr txBox="1"/>
+          <p:nvPr/>
+        </p:nvSpPr>
+        <p:spPr>
+          <a:xfrm>
+            <a:off x="825625" y="5893956"/>
+            <a:ext cx="6072326" cy="646331"/>
+          </a:xfrm>
+          <a:prstGeom prst="rect">
+            <a:avLst/>
+          </a:prstGeom>
+        </p:spPr>
+        <p:style>
+          <a:lnRef idx="2">
+            <a:schemeClr val="accent2"/>
+          </a:lnRef>
+          <a:fillRef idx="1">
+            <a:schemeClr val="lt1"/>
+          </a:fillRef>
+          <a:effectRef idx="0">
+            <a:schemeClr val="accent2"/>
+          </a:effectRef>
+          <a:fontRef idx="minor">
+            <a:schemeClr val="dk1"/>
+          </a:fontRef>
+        </p:style>
+        <p:txBody>
+          <a:bodyPr wrap="square" rtlCol="0">
+            <a:spAutoFit/>
+          </a:bodyPr>
+          <a:lstStyle/>
+          <a:p>
+            <a:r>
+              <a:rPr lang="en-US" dirty="0"/>
+              <a:t>Output: Gain actionable insights to better prescribe / market medication</a:t>
+            </a:r>
+          </a:p>
+        </p:txBody>
+      </p:sp>
+      <p:sp>
+        <p:nvSpPr>
+          <p:cNvPr id="11" name="Arrow: Down 10">
+            <a:extLst>
+              <a:ext uri="{FF2B5EF4-FFF2-40B4-BE49-F238E27FC236}">
+                <a16:creationId xmlns:a16="http://schemas.microsoft.com/office/drawing/2014/main" id="{14960DEF-B773-42AA-9450-7996578BBB90}"/>
+              </a:ext>
+            </a:extLst>
+          </p:cNvPr>
+          <p:cNvSpPr/>
+          <p:nvPr/>
+        </p:nvSpPr>
+        <p:spPr>
+          <a:xfrm rot="2962116">
+            <a:off x="3501684" y="5376651"/>
+            <a:ext cx="284717" cy="505097"/>
+          </a:xfrm>
+          <a:prstGeom prst="downArrow">
+            <a:avLst/>
+          </a:prstGeom>
+          <a:solidFill>
+            <a:schemeClr val="accent4">
+              <a:lumMod val="60000"/>
+              <a:lumOff val="40000"/>
+            </a:schemeClr>
+          </a:solidFill>
+          <a:ln>
+            <a:noFill/>
+          </a:ln>
+        </p:spPr>
+        <p:style>
+          <a:lnRef idx="2">
+            <a:schemeClr val="accent1">
+              <a:shade val="50000"/>
+            </a:schemeClr>
+          </a:lnRef>
+          <a:fillRef idx="1">
+            <a:schemeClr val="accent1"/>
+          </a:fillRef>
+          <a:effectRef idx="0">
+            <a:schemeClr val="accent1"/>
+          </a:effectRef>
+          <a:fontRef idx="minor">
+            <a:schemeClr val="lt1"/>
+          </a:fontRef>
+        </p:style>
+        <p:txBody>
+          <a:bodyPr rtlCol="0" anchor="ctr"/>
+          <a:lstStyle/>
+          <a:p>
+            <a:pPr algn="ctr"/>
+            <a:endParaRPr lang="en-US"/>
+          </a:p>
+        </p:txBody>
+      </p:sp>
+    </p:spTree>
+    <p:extLst>
+      <p:ext uri="{BB962C8B-B14F-4D97-AF65-F5344CB8AC3E}">
+        <p14:creationId xmlns:p14="http://schemas.microsoft.com/office/powerpoint/2010/main" val="2623079288"/>
+      </p:ext>
+    </p:extLst>
+  </p:cSld>
+  <p:clrMapOvr>
+    <a:masterClrMapping/>
+  </p:clrMapOvr>
+</p:sld>
+</file>
+
+<file path=ppt/slides/slide7.xml><?xml version="1.0" encoding="utf-8"?>
+<p:sld xmlns:a="http://schemas.openxmlformats.org/drawingml/2006/main" xmlns:r="http://schemas.openxmlformats.org/officeDocument/2006/relationships" xmlns:p="http://schemas.openxmlformats.org/presentationml/2006/main">
+  <p:cSld>
+    <p:spTree>
+      <p:nvGrpSpPr>
+        <p:cNvPr id="1" name=""/>
+        <p:cNvGrpSpPr/>
+        <p:nvPr/>
+      </p:nvGrpSpPr>
+      <p:grpSpPr>
+        <a:xfrm>
+          <a:off x="0" y="0"/>
+          <a:ext cx="0" cy="0"/>
+          <a:chOff x="0" y="0"/>
+          <a:chExt cx="0" cy="0"/>
+        </a:xfrm>
+      </p:grpSpPr>
+      <p:sp>
+        <p:nvSpPr>
+          <p:cNvPr id="2" name="Title 1">
+            <a:extLst>
+              <a:ext uri="{FF2B5EF4-FFF2-40B4-BE49-F238E27FC236}">
+                <a16:creationId xmlns:a16="http://schemas.microsoft.com/office/drawing/2014/main" id="{A5023D60-59AD-4088-9360-9FA065590C2C}"/>
+              </a:ext>
+            </a:extLst>
+          </p:cNvPr>
+          <p:cNvSpPr>
+            <a:spLocks noGrp="1"/>
+          </p:cNvSpPr>
+          <p:nvPr>
+            <p:ph type="title"/>
+          </p:nvPr>
+        </p:nvSpPr>
+        <p:spPr/>
+        <p:txBody>
+          <a:bodyPr/>
+          <a:lstStyle/>
+          <a:p>
+            <a:r>
+              <a:rPr lang="en-US" dirty="0"/>
+              <a:t>Observations &amp; Questions</a:t>
+            </a:r>
+          </a:p>
+        </p:txBody>
+      </p:sp>
+      <p:sp>
+        <p:nvSpPr>
+          <p:cNvPr id="3" name="Content Placeholder 2">
+            <a:extLst>
+              <a:ext uri="{FF2B5EF4-FFF2-40B4-BE49-F238E27FC236}">
+                <a16:creationId xmlns:a16="http://schemas.microsoft.com/office/drawing/2014/main" id="{DC31AC57-E23C-4401-B792-95BBA9C2CE0A}"/>
+              </a:ext>
+            </a:extLst>
+          </p:cNvPr>
+          <p:cNvSpPr>
+            <a:spLocks noGrp="1"/>
+          </p:cNvSpPr>
+          <p:nvPr>
+            <p:ph idx="1"/>
+          </p:nvPr>
+        </p:nvSpPr>
+        <p:spPr/>
+        <p:txBody>
+          <a:bodyPr/>
+          <a:lstStyle/>
+          <a:p>
+            <a:endParaRPr lang="en-US" dirty="0"/>
+          </a:p>
+        </p:txBody>
+      </p:sp>
+    </p:spTree>
+    <p:extLst>
+      <p:ext uri="{BB962C8B-B14F-4D97-AF65-F5344CB8AC3E}">
+        <p14:creationId xmlns:p14="http://schemas.microsoft.com/office/powerpoint/2010/main" val="1075752463"/>
       </p:ext>
     </p:extLst>
   </p:cSld>

--- a/pres.pptx
+++ b/pres.pptx
@@ -2,16 +2,24 @@
 <file path=ppt/presentation.xml><?xml version="1.0" encoding="utf-8"?>
 <p:presentation xmlns:a="http://schemas.openxmlformats.org/drawingml/2006/main" xmlns:r="http://schemas.openxmlformats.org/officeDocument/2006/relationships" xmlns:p="http://schemas.openxmlformats.org/presentationml/2006/main" autoCompressPictures="0">
   <p:sldMasterIdLst>
-    <p:sldMasterId id="2147483648" r:id="rId1"/>
+    <p:sldMasterId id="2147483698" r:id="rId1"/>
   </p:sldMasterIdLst>
   <p:sldIdLst>
     <p:sldId id="256" r:id="rId2"/>
-    <p:sldId id="257" r:id="rId3"/>
-    <p:sldId id="259" r:id="rId4"/>
-    <p:sldId id="258" r:id="rId5"/>
-    <p:sldId id="260" r:id="rId6"/>
-    <p:sldId id="261" r:id="rId7"/>
-    <p:sldId id="262" r:id="rId8"/>
+    <p:sldId id="259" r:id="rId3"/>
+    <p:sldId id="270" r:id="rId4"/>
+    <p:sldId id="260" r:id="rId5"/>
+    <p:sldId id="262" r:id="rId6"/>
+    <p:sldId id="263" r:id="rId7"/>
+    <p:sldId id="265" r:id="rId8"/>
+    <p:sldId id="266" r:id="rId9"/>
+    <p:sldId id="268" r:id="rId10"/>
+    <p:sldId id="269" r:id="rId11"/>
+    <p:sldId id="267" r:id="rId12"/>
+    <p:sldId id="261" r:id="rId13"/>
+    <p:sldId id="264" r:id="rId14"/>
+    <p:sldId id="258" r:id="rId15"/>
+    <p:sldId id="257" r:id="rId16"/>
   </p:sldIdLst>
   <p:sldSz cx="12192000" cy="6858000"/>
   <p:notesSz cx="6858000" cy="9144000"/>
@@ -116,10 +124,6 @@
     </p:ext>
   </p:extLst>
 </p:presentation>
-</file>
-
-<file path=ppt/revisionInfo.xml><?xml version="1.0" encoding="utf-8"?>
-<p1510:revInfo xmlns:a="http://schemas.openxmlformats.org/drawingml/2006/main" xmlns:r="http://schemas.openxmlformats.org/officeDocument/2006/relationships" xmlns:p1510="http://schemas.microsoft.com/office/powerpoint/2015/10/main"/>
 </file>
 
 <file path=ppt/diagrams/colors1.xml><?xml version="1.0" encoding="utf-8"?>
@@ -3788,9 +3792,9 @@
           <a:lstStyle/>
           <a:p>
             <a:fld id="{B61BEF0D-F0BB-DE4B-95CE-6DB70DBA9567}" type="datetimeFigureOut">
-              <a:rPr lang="en-US" dirty="0"/>
+              <a:rPr lang="en-US" smtClean="0"/>
               <a:pPr/>
-              <a:t>2/12/2018</a:t>
+              <a:t>2/13/2018</a:t>
             </a:fld>
             <a:endParaRPr lang="en-US" dirty="0"/>
           </a:p>
@@ -3831,7 +3835,7 @@
           <a:lstStyle/>
           <a:p>
             <a:fld id="{D57F1E4F-1CFF-5643-939E-217C01CDF565}" type="slidenum">
-              <a:rPr lang="en-US" dirty="0"/>
+              <a:rPr lang="en-US" smtClean="0"/>
               <a:pPr/>
               <a:t>‹#›</a:t>
             </a:fld>
@@ -3840,6 +3844,11 @@
         </p:txBody>
       </p:sp>
     </p:spTree>
+    <p:extLst>
+      <p:ext uri="{BB962C8B-B14F-4D97-AF65-F5344CB8AC3E}">
+        <p14:creationId xmlns:p14="http://schemas.microsoft.com/office/powerpoint/2010/main" val="2392477630"/>
+      </p:ext>
+    </p:extLst>
   </p:cSld>
   <p:clrMapOvr>
     <a:masterClrMapping/>
@@ -4036,9 +4045,9 @@
           <a:lstStyle/>
           <a:p>
             <a:fld id="{B61BEF0D-F0BB-DE4B-95CE-6DB70DBA9567}" type="datetimeFigureOut">
-              <a:rPr lang="en-US" dirty="0"/>
+              <a:rPr lang="en-US" smtClean="0"/>
               <a:pPr/>
-              <a:t>2/12/2018</a:t>
+              <a:t>2/13/2018</a:t>
             </a:fld>
             <a:endParaRPr lang="en-US" dirty="0"/>
           </a:p>
@@ -4079,7 +4088,7 @@
           <a:lstStyle/>
           <a:p>
             <a:fld id="{D57F1E4F-1CFF-5643-939E-217C01CDF565}" type="slidenum">
-              <a:rPr lang="en-US" dirty="0"/>
+              <a:rPr lang="en-US" smtClean="0"/>
               <a:pPr/>
               <a:t>‹#›</a:t>
             </a:fld>
@@ -4088,6 +4097,11 @@
         </p:txBody>
       </p:sp>
     </p:spTree>
+    <p:extLst>
+      <p:ext uri="{BB962C8B-B14F-4D97-AF65-F5344CB8AC3E}">
+        <p14:creationId xmlns:p14="http://schemas.microsoft.com/office/powerpoint/2010/main" val="4141187472"/>
+      </p:ext>
+    </p:extLst>
   </p:cSld>
   <p:clrMapOvr>
     <a:masterClrMapping/>
@@ -4347,9 +4361,9 @@
           <a:lstStyle/>
           <a:p>
             <a:fld id="{B61BEF0D-F0BB-DE4B-95CE-6DB70DBA9567}" type="datetimeFigureOut">
-              <a:rPr lang="en-US" dirty="0"/>
+              <a:rPr lang="en-US" smtClean="0"/>
               <a:pPr/>
-              <a:t>2/12/2018</a:t>
+              <a:t>2/13/2018</a:t>
             </a:fld>
             <a:endParaRPr lang="en-US" dirty="0"/>
           </a:p>
@@ -4390,7 +4404,7 @@
           <a:lstStyle/>
           <a:p>
             <a:fld id="{D57F1E4F-1CFF-5643-939E-217C01CDF565}" type="slidenum">
-              <a:rPr lang="en-US" dirty="0"/>
+              <a:rPr lang="en-US" smtClean="0"/>
               <a:pPr/>
               <a:t>‹#›</a:t>
             </a:fld>
@@ -4489,6 +4503,11 @@
         </p:txBody>
       </p:sp>
     </p:spTree>
+    <p:extLst>
+      <p:ext uri="{BB962C8B-B14F-4D97-AF65-F5344CB8AC3E}">
+        <p14:creationId xmlns:p14="http://schemas.microsoft.com/office/powerpoint/2010/main" val="2014656704"/>
+      </p:ext>
+    </p:extLst>
   </p:cSld>
   <p:clrMapOvr>
     <a:masterClrMapping/>
@@ -4685,9 +4704,9 @@
           <a:lstStyle/>
           <a:p>
             <a:fld id="{B61BEF0D-F0BB-DE4B-95CE-6DB70DBA9567}" type="datetimeFigureOut">
-              <a:rPr lang="en-US" dirty="0"/>
+              <a:rPr lang="en-US" smtClean="0"/>
               <a:pPr/>
-              <a:t>2/12/2018</a:t>
+              <a:t>2/13/2018</a:t>
             </a:fld>
             <a:endParaRPr lang="en-US" dirty="0"/>
           </a:p>
@@ -4728,7 +4747,7 @@
           <a:lstStyle/>
           <a:p>
             <a:fld id="{D57F1E4F-1CFF-5643-939E-217C01CDF565}" type="slidenum">
-              <a:rPr lang="en-US" dirty="0"/>
+              <a:rPr lang="en-US" smtClean="0"/>
               <a:pPr/>
               <a:t>‹#›</a:t>
             </a:fld>
@@ -4737,6 +4756,11 @@
         </p:txBody>
       </p:sp>
     </p:spTree>
+    <p:extLst>
+      <p:ext uri="{BB962C8B-B14F-4D97-AF65-F5344CB8AC3E}">
+        <p14:creationId xmlns:p14="http://schemas.microsoft.com/office/powerpoint/2010/main" val="1969649123"/>
+      </p:ext>
+    </p:extLst>
   </p:cSld>
   <p:clrMapOvr>
     <a:masterClrMapping/>
@@ -4996,9 +5020,9 @@
           <a:lstStyle/>
           <a:p>
             <a:fld id="{B61BEF0D-F0BB-DE4B-95CE-6DB70DBA9567}" type="datetimeFigureOut">
-              <a:rPr lang="en-US" dirty="0"/>
+              <a:rPr lang="en-US" smtClean="0"/>
               <a:pPr/>
-              <a:t>2/12/2018</a:t>
+              <a:t>2/13/2018</a:t>
             </a:fld>
             <a:endParaRPr lang="en-US" dirty="0"/>
           </a:p>
@@ -5039,7 +5063,7 @@
           <a:lstStyle/>
           <a:p>
             <a:fld id="{D57F1E4F-1CFF-5643-939E-217C01CDF565}" type="slidenum">
-              <a:rPr lang="en-US" dirty="0"/>
+              <a:rPr lang="en-US" smtClean="0"/>
               <a:pPr/>
               <a:t>‹#›</a:t>
             </a:fld>
@@ -5130,6 +5154,11 @@
         </p:txBody>
       </p:sp>
     </p:spTree>
+    <p:extLst>
+      <p:ext uri="{BB962C8B-B14F-4D97-AF65-F5344CB8AC3E}">
+        <p14:creationId xmlns:p14="http://schemas.microsoft.com/office/powerpoint/2010/main" val="1375091806"/>
+      </p:ext>
+    </p:extLst>
   </p:cSld>
   <p:clrMapOvr>
     <a:masterClrMapping/>
@@ -5386,9 +5415,9 @@
           <a:lstStyle/>
           <a:p>
             <a:fld id="{B61BEF0D-F0BB-DE4B-95CE-6DB70DBA9567}" type="datetimeFigureOut">
-              <a:rPr lang="en-US" dirty="0"/>
+              <a:rPr lang="en-US" smtClean="0"/>
               <a:pPr/>
-              <a:t>2/12/2018</a:t>
+              <a:t>2/13/2018</a:t>
             </a:fld>
             <a:endParaRPr lang="en-US" dirty="0"/>
           </a:p>
@@ -5429,7 +5458,7 @@
           <a:lstStyle/>
           <a:p>
             <a:fld id="{D57F1E4F-1CFF-5643-939E-217C01CDF565}" type="slidenum">
-              <a:rPr lang="en-US" dirty="0"/>
+              <a:rPr lang="en-US" smtClean="0"/>
               <a:pPr/>
               <a:t>‹#›</a:t>
             </a:fld>
@@ -5438,6 +5467,11 @@
         </p:txBody>
       </p:sp>
     </p:spTree>
+    <p:extLst>
+      <p:ext uri="{BB962C8B-B14F-4D97-AF65-F5344CB8AC3E}">
+        <p14:creationId xmlns:p14="http://schemas.microsoft.com/office/powerpoint/2010/main" val="4129882162"/>
+      </p:ext>
+    </p:extLst>
   </p:cSld>
   <p:clrMapOvr>
     <a:masterClrMapping/>
@@ -5553,8 +5587,8 @@
           <a:lstStyle/>
           <a:p>
             <a:fld id="{55C6B4A9-1611-4792-9094-5F34BCA07E0B}" type="datetimeFigureOut">
-              <a:rPr lang="en-US" dirty="0"/>
-              <a:t>2/12/2018</a:t>
+              <a:rPr lang="en-US" smtClean="0"/>
+              <a:t>2/13/2018</a:t>
             </a:fld>
             <a:endParaRPr lang="en-US" dirty="0"/>
           </a:p>
@@ -5595,7 +5629,7 @@
           <a:lstStyle/>
           <a:p>
             <a:fld id="{89333C77-0158-454C-844F-B7AB9BD7DAD4}" type="slidenum">
-              <a:rPr lang="en-US" dirty="0"/>
+              <a:rPr lang="en-US" smtClean="0"/>
               <a:t>‹#›</a:t>
             </a:fld>
             <a:endParaRPr lang="en-US" dirty="0"/>
@@ -5603,6 +5637,11 @@
         </p:txBody>
       </p:sp>
     </p:spTree>
+    <p:extLst>
+      <p:ext uri="{BB962C8B-B14F-4D97-AF65-F5344CB8AC3E}">
+        <p14:creationId xmlns:p14="http://schemas.microsoft.com/office/powerpoint/2010/main" val="3245011469"/>
+      </p:ext>
+    </p:extLst>
   </p:cSld>
   <p:clrMapOvr>
     <a:masterClrMapping/>
@@ -5728,9 +5767,9 @@
           <a:lstStyle/>
           <a:p>
             <a:fld id="{B61BEF0D-F0BB-DE4B-95CE-6DB70DBA9567}" type="datetimeFigureOut">
-              <a:rPr lang="en-US" dirty="0"/>
+              <a:rPr lang="en-US" smtClean="0"/>
               <a:pPr/>
-              <a:t>2/12/2018</a:t>
+              <a:t>2/13/2018</a:t>
             </a:fld>
             <a:endParaRPr lang="en-US" dirty="0"/>
           </a:p>
@@ -5771,7 +5810,7 @@
           <a:lstStyle/>
           <a:p>
             <a:fld id="{D57F1E4F-1CFF-5643-939E-217C01CDF565}" type="slidenum">
-              <a:rPr lang="en-US" dirty="0"/>
+              <a:rPr lang="en-US" smtClean="0"/>
               <a:pPr/>
               <a:t>‹#›</a:t>
             </a:fld>
@@ -5780,6 +5819,11 @@
         </p:txBody>
       </p:sp>
     </p:spTree>
+    <p:extLst>
+      <p:ext uri="{BB962C8B-B14F-4D97-AF65-F5344CB8AC3E}">
+        <p14:creationId xmlns:p14="http://schemas.microsoft.com/office/powerpoint/2010/main" val="3065196432"/>
+      </p:ext>
+    </p:extLst>
   </p:cSld>
   <p:clrMapOvr>
     <a:masterClrMapping/>
@@ -5901,9 +5945,9 @@
           <a:lstStyle/>
           <a:p>
             <a:fld id="{B61BEF0D-F0BB-DE4B-95CE-6DB70DBA9567}" type="datetimeFigureOut">
-              <a:rPr lang="en-US" dirty="0"/>
+              <a:rPr lang="en-US" smtClean="0"/>
               <a:pPr/>
-              <a:t>2/12/2018</a:t>
+              <a:t>2/13/2018</a:t>
             </a:fld>
             <a:endParaRPr lang="en-US" dirty="0"/>
           </a:p>
@@ -5944,7 +5988,7 @@
           <a:lstStyle/>
           <a:p>
             <a:fld id="{D57F1E4F-1CFF-5643-939E-217C01CDF565}" type="slidenum">
-              <a:rPr lang="en-US" dirty="0"/>
+              <a:rPr lang="en-US" smtClean="0"/>
               <a:pPr/>
               <a:t>‹#›</a:t>
             </a:fld>
@@ -5953,6 +5997,11 @@
         </p:txBody>
       </p:sp>
     </p:spTree>
+    <p:extLst>
+      <p:ext uri="{BB962C8B-B14F-4D97-AF65-F5344CB8AC3E}">
+        <p14:creationId xmlns:p14="http://schemas.microsoft.com/office/powerpoint/2010/main" val="1721907959"/>
+      </p:ext>
+    </p:extLst>
   </p:cSld>
   <p:clrMapOvr>
     <a:masterClrMapping/>
@@ -6145,9 +6194,9 @@
           <a:lstStyle/>
           <a:p>
             <a:fld id="{B61BEF0D-F0BB-DE4B-95CE-6DB70DBA9567}" type="datetimeFigureOut">
-              <a:rPr lang="en-US" dirty="0"/>
+              <a:rPr lang="en-US" smtClean="0"/>
               <a:pPr/>
-              <a:t>2/12/2018</a:t>
+              <a:t>2/13/2018</a:t>
             </a:fld>
             <a:endParaRPr lang="en-US" dirty="0"/>
           </a:p>
@@ -6188,7 +6237,7 @@
           <a:lstStyle/>
           <a:p>
             <a:fld id="{D57F1E4F-1CFF-5643-939E-217C01CDF565}" type="slidenum">
-              <a:rPr lang="en-US" dirty="0"/>
+              <a:rPr lang="en-US" smtClean="0"/>
               <a:pPr/>
               <a:t>‹#›</a:t>
             </a:fld>
@@ -6197,6 +6246,11 @@
         </p:txBody>
       </p:sp>
     </p:spTree>
+    <p:extLst>
+      <p:ext uri="{BB962C8B-B14F-4D97-AF65-F5344CB8AC3E}">
+        <p14:creationId xmlns:p14="http://schemas.microsoft.com/office/powerpoint/2010/main" val="2983933705"/>
+      </p:ext>
+    </p:extLst>
   </p:cSld>
   <p:clrMapOvr>
     <a:masterClrMapping/>
@@ -6374,8 +6428,8 @@
           <a:lstStyle/>
           <a:p>
             <a:fld id="{EB712588-04B1-427B-82EE-E8DB90309F08}" type="datetimeFigureOut">
-              <a:rPr lang="en-US" dirty="0"/>
-              <a:t>2/12/2018</a:t>
+              <a:rPr lang="en-US" smtClean="0"/>
+              <a:t>2/13/2018</a:t>
             </a:fld>
             <a:endParaRPr lang="en-US" dirty="0"/>
           </a:p>
@@ -6416,7 +6470,7 @@
           <a:lstStyle/>
           <a:p>
             <a:fld id="{6FF9F0C5-380F-41C2-899A-BAC0F0927E16}" type="slidenum">
-              <a:rPr lang="en-US" dirty="0"/>
+              <a:rPr lang="en-US" smtClean="0"/>
               <a:t>‹#›</a:t>
             </a:fld>
             <a:endParaRPr lang="en-US" dirty="0"/>
@@ -6424,6 +6478,11 @@
         </p:txBody>
       </p:sp>
     </p:spTree>
+    <p:extLst>
+      <p:ext uri="{BB962C8B-B14F-4D97-AF65-F5344CB8AC3E}">
+        <p14:creationId xmlns:p14="http://schemas.microsoft.com/office/powerpoint/2010/main" val="2288735270"/>
+      </p:ext>
+    </p:extLst>
   </p:cSld>
   <p:clrMapOvr>
     <a:masterClrMapping/>
@@ -6743,9 +6802,9 @@
           <a:lstStyle/>
           <a:p>
             <a:fld id="{B61BEF0D-F0BB-DE4B-95CE-6DB70DBA9567}" type="datetimeFigureOut">
-              <a:rPr lang="en-US" dirty="0"/>
+              <a:rPr lang="en-US" smtClean="0"/>
               <a:pPr/>
-              <a:t>2/12/2018</a:t>
+              <a:t>2/13/2018</a:t>
             </a:fld>
             <a:endParaRPr lang="en-US" dirty="0"/>
           </a:p>
@@ -6786,7 +6845,7 @@
           <a:lstStyle/>
           <a:p>
             <a:fld id="{D57F1E4F-1CFF-5643-939E-217C01CDF565}" type="slidenum">
-              <a:rPr lang="en-US" dirty="0"/>
+              <a:rPr lang="en-US" smtClean="0"/>
               <a:pPr/>
               <a:t>‹#›</a:t>
             </a:fld>
@@ -6795,6 +6854,11 @@
         </p:txBody>
       </p:sp>
     </p:spTree>
+    <p:extLst>
+      <p:ext uri="{BB962C8B-B14F-4D97-AF65-F5344CB8AC3E}">
+        <p14:creationId xmlns:p14="http://schemas.microsoft.com/office/powerpoint/2010/main" val="4040004756"/>
+      </p:ext>
+    </p:extLst>
   </p:cSld>
   <p:clrMapOvr>
     <a:masterClrMapping/>
@@ -6863,9 +6927,9 @@
           <a:lstStyle/>
           <a:p>
             <a:fld id="{B61BEF0D-F0BB-DE4B-95CE-6DB70DBA9567}" type="datetimeFigureOut">
-              <a:rPr lang="en-US" dirty="0"/>
+              <a:rPr lang="en-US" smtClean="0"/>
               <a:pPr/>
-              <a:t>2/12/2018</a:t>
+              <a:t>2/13/2018</a:t>
             </a:fld>
             <a:endParaRPr lang="en-US" dirty="0"/>
           </a:p>
@@ -6906,7 +6970,7 @@
           <a:lstStyle/>
           <a:p>
             <a:fld id="{D57F1E4F-1CFF-5643-939E-217C01CDF565}" type="slidenum">
-              <a:rPr lang="en-US" dirty="0"/>
+              <a:rPr lang="en-US" smtClean="0"/>
               <a:pPr/>
               <a:t>‹#›</a:t>
             </a:fld>
@@ -6915,6 +6979,11 @@
         </p:txBody>
       </p:sp>
     </p:spTree>
+    <p:extLst>
+      <p:ext uri="{BB962C8B-B14F-4D97-AF65-F5344CB8AC3E}">
+        <p14:creationId xmlns:p14="http://schemas.microsoft.com/office/powerpoint/2010/main" val="268264600"/>
+      </p:ext>
+    </p:extLst>
   </p:cSld>
   <p:clrMapOvr>
     <a:masterClrMapping/>
@@ -6955,9 +7024,9 @@
           <a:lstStyle/>
           <a:p>
             <a:fld id="{B61BEF0D-F0BB-DE4B-95CE-6DB70DBA9567}" type="datetimeFigureOut">
-              <a:rPr lang="en-US" dirty="0"/>
+              <a:rPr lang="en-US" smtClean="0"/>
               <a:pPr/>
-              <a:t>2/12/2018</a:t>
+              <a:t>2/13/2018</a:t>
             </a:fld>
             <a:endParaRPr lang="en-US" dirty="0"/>
           </a:p>
@@ -6998,7 +7067,7 @@
           <a:lstStyle/>
           <a:p>
             <a:fld id="{D57F1E4F-1CFF-5643-939E-217C01CDF565}" type="slidenum">
-              <a:rPr lang="en-US" dirty="0"/>
+              <a:rPr lang="en-US" smtClean="0"/>
               <a:pPr/>
               <a:t>‹#›</a:t>
             </a:fld>
@@ -7007,6 +7076,11 @@
         </p:txBody>
       </p:sp>
     </p:spTree>
+    <p:extLst>
+      <p:ext uri="{BB962C8B-B14F-4D97-AF65-F5344CB8AC3E}">
+        <p14:creationId xmlns:p14="http://schemas.microsoft.com/office/powerpoint/2010/main" val="3291708523"/>
+      </p:ext>
+    </p:extLst>
   </p:cSld>
   <p:clrMapOvr>
     <a:masterClrMapping/>
@@ -7207,8 +7281,8 @@
           <a:lstStyle/>
           <a:p>
             <a:fld id="{42A54C80-263E-416B-A8E0-580EDEADCBDC}" type="datetimeFigureOut">
-              <a:rPr lang="en-US" dirty="0"/>
-              <a:t>2/12/2018</a:t>
+              <a:rPr lang="en-US" smtClean="0"/>
+              <a:t>2/13/2018</a:t>
             </a:fld>
             <a:endParaRPr lang="en-US" dirty="0"/>
           </a:p>
@@ -7249,7 +7323,7 @@
           <a:lstStyle/>
           <a:p>
             <a:fld id="{519954A3-9DFD-4C44-94BA-B95130A3BA1C}" type="slidenum">
-              <a:rPr lang="en-US" dirty="0"/>
+              <a:rPr lang="en-US" smtClean="0"/>
               <a:t>‹#›</a:t>
             </a:fld>
             <a:endParaRPr lang="en-US" dirty="0"/>
@@ -7257,6 +7331,11 @@
         </p:txBody>
       </p:sp>
     </p:spTree>
+    <p:extLst>
+      <p:ext uri="{BB962C8B-B14F-4D97-AF65-F5344CB8AC3E}">
+        <p14:creationId xmlns:p14="http://schemas.microsoft.com/office/powerpoint/2010/main" val="1497260301"/>
+      </p:ext>
+    </p:extLst>
   </p:cSld>
   <p:clrMapOvr>
     <a:masterClrMapping/>
@@ -7465,9 +7544,9 @@
           <a:lstStyle/>
           <a:p>
             <a:fld id="{B61BEF0D-F0BB-DE4B-95CE-6DB70DBA9567}" type="datetimeFigureOut">
-              <a:rPr lang="en-US" dirty="0"/>
+              <a:rPr lang="en-US" smtClean="0"/>
               <a:pPr/>
-              <a:t>2/12/2018</a:t>
+              <a:t>2/13/2018</a:t>
             </a:fld>
             <a:endParaRPr lang="en-US" dirty="0"/>
           </a:p>
@@ -7508,7 +7587,7 @@
           <a:lstStyle/>
           <a:p>
             <a:fld id="{D57F1E4F-1CFF-5643-939E-217C01CDF565}" type="slidenum">
-              <a:rPr lang="en-US" dirty="0"/>
+              <a:rPr lang="en-US" smtClean="0"/>
               <a:pPr/>
               <a:t>‹#›</a:t>
             </a:fld>
@@ -7517,6 +7596,11 @@
         </p:txBody>
       </p:sp>
     </p:spTree>
+    <p:extLst>
+      <p:ext uri="{BB962C8B-B14F-4D97-AF65-F5344CB8AC3E}">
+        <p14:creationId xmlns:p14="http://schemas.microsoft.com/office/powerpoint/2010/main" val="2460222994"/>
+      </p:ext>
+    </p:extLst>
   </p:cSld>
   <p:clrMapOvr>
     <a:masterClrMapping/>
@@ -8102,10 +8186,9 @@
           <a:lstStyle/>
           <a:p>
             <a:r>
-              <a:rPr lang="en-US"/>
+              <a:rPr lang="en-US" dirty="0"/>
               <a:t>Click to edit Master title style</a:t>
             </a:r>
-            <a:endParaRPr lang="en-US" dirty="0"/>
           </a:p>
         </p:txBody>
       </p:sp>
@@ -8205,9 +8288,9 @@
           </a:lstStyle>
           <a:p>
             <a:fld id="{B61BEF0D-F0BB-DE4B-95CE-6DB70DBA9567}" type="datetimeFigureOut">
-              <a:rPr lang="en-US" dirty="0"/>
+              <a:rPr lang="en-US" smtClean="0"/>
               <a:pPr/>
-              <a:t>2/12/2018</a:t>
+              <a:t>2/13/2018</a:t>
             </a:fld>
             <a:endParaRPr lang="en-US" dirty="0"/>
           </a:p>
@@ -8282,7 +8365,7 @@
           </a:lstStyle>
           <a:p>
             <a:fld id="{D57F1E4F-1CFF-5643-939E-217C01CDF565}" type="slidenum">
-              <a:rPr lang="en-US" dirty="0"/>
+              <a:rPr lang="en-US" smtClean="0"/>
               <a:pPr/>
               <a:t>‹#›</a:t>
             </a:fld>
@@ -8291,25 +8374,30 @@
         </p:txBody>
       </p:sp>
     </p:spTree>
+    <p:extLst>
+      <p:ext uri="{BB962C8B-B14F-4D97-AF65-F5344CB8AC3E}">
+        <p14:creationId xmlns:p14="http://schemas.microsoft.com/office/powerpoint/2010/main" val="743757396"/>
+      </p:ext>
+    </p:extLst>
   </p:cSld>
   <p:clrMap bg1="lt1" tx1="dk1" bg2="lt2" tx2="dk2" accent1="accent1" accent2="accent2" accent3="accent3" accent4="accent4" accent5="accent5" accent6="accent6" hlink="hlink" folHlink="folHlink"/>
   <p:sldLayoutIdLst>
-    <p:sldLayoutId id="2147483649" r:id="rId1"/>
-    <p:sldLayoutId id="2147483650" r:id="rId2"/>
-    <p:sldLayoutId id="2147483651" r:id="rId3"/>
-    <p:sldLayoutId id="2147483665" r:id="rId4"/>
-    <p:sldLayoutId id="2147483653" r:id="rId5"/>
-    <p:sldLayoutId id="2147483654" r:id="rId6"/>
-    <p:sldLayoutId id="2147483655" r:id="rId7"/>
-    <p:sldLayoutId id="2147483666" r:id="rId8"/>
-    <p:sldLayoutId id="2147483657" r:id="rId9"/>
-    <p:sldLayoutId id="2147483660" r:id="rId10"/>
-    <p:sldLayoutId id="2147483661" r:id="rId11"/>
-    <p:sldLayoutId id="2147483662" r:id="rId12"/>
-    <p:sldLayoutId id="2147483663" r:id="rId13"/>
-    <p:sldLayoutId id="2147483664" r:id="rId14"/>
-    <p:sldLayoutId id="2147483667" r:id="rId15"/>
-    <p:sldLayoutId id="2147483659" r:id="rId16"/>
+    <p:sldLayoutId id="2147483699" r:id="rId1"/>
+    <p:sldLayoutId id="2147483700" r:id="rId2"/>
+    <p:sldLayoutId id="2147483701" r:id="rId3"/>
+    <p:sldLayoutId id="2147483702" r:id="rId4"/>
+    <p:sldLayoutId id="2147483703" r:id="rId5"/>
+    <p:sldLayoutId id="2147483704" r:id="rId6"/>
+    <p:sldLayoutId id="2147483705" r:id="rId7"/>
+    <p:sldLayoutId id="2147483706" r:id="rId8"/>
+    <p:sldLayoutId id="2147483707" r:id="rId9"/>
+    <p:sldLayoutId id="2147483708" r:id="rId10"/>
+    <p:sldLayoutId id="2147483709" r:id="rId11"/>
+    <p:sldLayoutId id="2147483710" r:id="rId12"/>
+    <p:sldLayoutId id="2147483711" r:id="rId13"/>
+    <p:sldLayoutId id="2147483712" r:id="rId14"/>
+    <p:sldLayoutId id="2147483713" r:id="rId15"/>
+    <p:sldLayoutId id="2147483714" r:id="rId16"/>
   </p:sldLayoutIdLst>
   <p:txStyles>
     <p:titleStyle>
@@ -8320,7 +8408,9 @@
         <a:buNone/>
         <a:defRPr sz="3600" kern="1200">
           <a:solidFill>
-            <a:schemeClr val="accent1"/>
+            <a:schemeClr val="accent2">
+              <a:lumMod val="50000"/>
+            </a:schemeClr>
           </a:solidFill>
           <a:latin typeface="+mj-lt"/>
           <a:ea typeface="+mj-ea"/>
@@ -8713,6 +8803,14 @@
 <file path=ppt/slides/slide1.xml><?xml version="1.0" encoding="utf-8"?>
 <p:sld xmlns:a="http://schemas.openxmlformats.org/drawingml/2006/main" xmlns:r="http://schemas.openxmlformats.org/officeDocument/2006/relationships" xmlns:p="http://schemas.openxmlformats.org/presentationml/2006/main">
   <p:cSld>
+    <p:bg>
+      <p:bgPr>
+        <a:solidFill>
+          <a:schemeClr val="bg2"/>
+        </a:solidFill>
+        <a:effectLst/>
+      </p:bgPr>
+    </p:bg>
     <p:spTree>
       <p:nvGrpSpPr>
         <p:cNvPr id="1" name=""/>
@@ -8745,12 +8843,19 @@
         </p:nvSpPr>
         <p:spPr/>
         <p:txBody>
-          <a:bodyPr/>
+          <a:bodyPr>
+            <a:normAutofit/>
+          </a:bodyPr>
           <a:lstStyle/>
           <a:p>
-            <a:r>
-              <a:rPr lang="en-US" dirty="0"/>
-              <a:t>Medication Reviews from WebMD</a:t>
+            <a:pPr>
+              <a:lnSpc>
+                <a:spcPct val="90000"/>
+              </a:lnSpc>
+            </a:pPr>
+            <a:r>
+              <a:rPr lang="en-US"/>
+              <a:t>Drug Reviews from WebMD</a:t>
             </a:r>
           </a:p>
         </p:txBody>
@@ -8773,10 +8878,54 @@
         </p:nvSpPr>
         <p:spPr/>
         <p:txBody>
-          <a:bodyPr/>
+          <a:bodyPr>
+            <a:normAutofit/>
+          </a:bodyPr>
           <a:lstStyle/>
           <a:p>
-            <a:endParaRPr lang="en-US" dirty="0"/>
+            <a:pPr>
+              <a:lnSpc>
+                <a:spcPct val="90000"/>
+              </a:lnSpc>
+            </a:pPr>
+            <a:r>
+              <a:rPr lang="en-US" dirty="0">
+                <a:solidFill>
+                  <a:schemeClr val="tx1"/>
+                </a:solidFill>
+              </a:rPr>
+              <a:t>NYCDSA Web Scraping Project</a:t>
+            </a:r>
+          </a:p>
+          <a:p>
+            <a:pPr>
+              <a:lnSpc>
+                <a:spcPct val="90000"/>
+              </a:lnSpc>
+            </a:pPr>
+            <a:r>
+              <a:rPr lang="en-US" dirty="0">
+                <a:solidFill>
+                  <a:schemeClr val="tx1"/>
+                </a:solidFill>
+              </a:rPr>
+              <a:t>Michael Chin</a:t>
+            </a:r>
+          </a:p>
+          <a:p>
+            <a:pPr>
+              <a:lnSpc>
+                <a:spcPct val="90000"/>
+              </a:lnSpc>
+            </a:pPr>
+            <a:r>
+              <a:rPr lang="en-US" dirty="0">
+                <a:solidFill>
+                  <a:schemeClr val="tx1"/>
+                </a:solidFill>
+              </a:rPr>
+              <a:t>2/14/2018</a:t>
+            </a:r>
           </a:p>
         </p:txBody>
       </p:sp>
@@ -8788,12 +8937,12 @@
     </p:extLst>
   </p:cSld>
   <p:clrMapOvr>
-    <a:masterClrMapping/>
+    <a:overrideClrMapping bg1="dk1" tx1="lt1" bg2="dk2" tx2="lt2" accent1="accent1" accent2="accent2" accent3="accent3" accent4="accent4" accent5="accent5" accent6="accent6" hlink="hlink" folHlink="folHlink"/>
   </p:clrMapOvr>
 </p:sld>
 </file>
 
-<file path=ppt/slides/slide2.xml><?xml version="1.0" encoding="utf-8"?>
+<file path=ppt/slides/slide10.xml><?xml version="1.0" encoding="utf-8"?>
 <p:sld xmlns:a="http://schemas.openxmlformats.org/drawingml/2006/main" xmlns:r="http://schemas.openxmlformats.org/officeDocument/2006/relationships" xmlns:p="http://schemas.openxmlformats.org/presentationml/2006/main">
   <p:cSld>
     <p:spTree>
@@ -8815,7 +8964,7 @@
           <p:cNvPr id="2" name="Title 1">
             <a:extLst>
               <a:ext uri="{FF2B5EF4-FFF2-40B4-BE49-F238E27FC236}">
-                <a16:creationId xmlns:a16="http://schemas.microsoft.com/office/drawing/2014/main" id="{19DC9309-A7F9-4BF1-8239-22C8BA4E7B3D}"/>
+                <a16:creationId xmlns:a16="http://schemas.microsoft.com/office/drawing/2014/main" id="{0BB41225-D0D3-453E-B4F2-8178DE28E859}"/>
               </a:ext>
             </a:extLst>
           </p:cNvPr>
@@ -8833,7 +8982,7 @@
           <a:p>
             <a:r>
               <a:rPr lang="en-US" dirty="0"/>
-              <a:t>Outline</a:t>
+              <a:t>Conclusions &amp; Next Steps</a:t>
             </a:r>
           </a:p>
         </p:txBody>
@@ -8843,7 +8992,7 @@
           <p:cNvPr id="3" name="Content Placeholder 2">
             <a:extLst>
               <a:ext uri="{FF2B5EF4-FFF2-40B4-BE49-F238E27FC236}">
-                <a16:creationId xmlns:a16="http://schemas.microsoft.com/office/drawing/2014/main" id="{E6F0031B-95AB-4875-A4E6-79AD5F6F5729}"/>
+                <a16:creationId xmlns:a16="http://schemas.microsoft.com/office/drawing/2014/main" id="{BD33AE5F-010E-4F58-95EF-B8F7A8FC5C9E}"/>
               </a:ext>
             </a:extLst>
           </p:cNvPr>
@@ -8854,44 +9003,47 @@
             <p:ph idx="1"/>
           </p:nvPr>
         </p:nvSpPr>
-        <p:spPr/>
+        <p:spPr>
+          <a:xfrm>
+            <a:off x="677334" y="1699194"/>
+            <a:ext cx="8596668" cy="3880773"/>
+          </a:xfrm>
+        </p:spPr>
         <p:txBody>
           <a:bodyPr/>
           <a:lstStyle/>
           <a:p>
             <a:r>
               <a:rPr lang="en-US" dirty="0"/>
-              <a:t>Why scrape for WebMD reviews? </a:t>
+              <a:t>Despite similar demographics, not all SNRI’s are the same in reviewers eyes</a:t>
+            </a:r>
+          </a:p>
+          <a:p>
+            <a:r>
+              <a:rPr lang="en-US" dirty="0"/>
+              <a:t>Patient satisfaction of Cymbalta driven lower from poor reviews associated with pain treatment</a:t>
+            </a:r>
+          </a:p>
+          <a:p>
+            <a:endParaRPr lang="en-US" dirty="0"/>
+          </a:p>
+          <a:p>
+            <a:r>
+              <a:rPr lang="en-US" dirty="0"/>
+              <a:t>What can be done next:</a:t>
+            </a:r>
+          </a:p>
+          <a:p>
+            <a:pPr lvl="1"/>
+            <a:r>
+              <a:rPr lang="en-US" dirty="0"/>
+              <a:t>Logistic Regression Model</a:t>
             </a:r>
           </a:p>
           <a:p>
             <a:pPr marL="0" indent="0">
               <a:buNone/>
             </a:pPr>
-            <a:endParaRPr lang="en-US" dirty="0"/>
-          </a:p>
-          <a:p>
-            <a:r>
-              <a:rPr lang="en-US" dirty="0"/>
-              <a:t>Methods : What was scraped and how </a:t>
-            </a:r>
-          </a:p>
-          <a:p>
-            <a:endParaRPr lang="en-US" dirty="0"/>
-          </a:p>
-          <a:p>
-            <a:r>
-              <a:rPr lang="en-US" dirty="0"/>
-              <a:t>Which SNRI’s are the best rated and why? </a:t>
-            </a:r>
-          </a:p>
-          <a:p>
-            <a:pPr marL="0" indent="0">
-              <a:buNone/>
-            </a:pPr>
-            <a:endParaRPr lang="en-US" dirty="0"/>
-          </a:p>
-          <a:p>
             <a:endParaRPr lang="en-US" dirty="0"/>
           </a:p>
         </p:txBody>
@@ -8899,7 +9051,7 @@
     </p:spTree>
     <p:extLst>
       <p:ext uri="{BB962C8B-B14F-4D97-AF65-F5344CB8AC3E}">
-        <p14:creationId xmlns:p14="http://schemas.microsoft.com/office/powerpoint/2010/main" val="3111048119"/>
+        <p14:creationId xmlns:p14="http://schemas.microsoft.com/office/powerpoint/2010/main" val="939057486"/>
       </p:ext>
     </p:extLst>
   </p:cSld>
@@ -8909,7 +9061,7 @@
 </p:sld>
 </file>
 
-<file path=ppt/slides/slide3.xml><?xml version="1.0" encoding="utf-8"?>
+<file path=ppt/slides/slide11.xml><?xml version="1.0" encoding="utf-8"?>
 <p:sld xmlns:a="http://schemas.openxmlformats.org/drawingml/2006/main" xmlns:r="http://schemas.openxmlformats.org/officeDocument/2006/relationships" xmlns:p="http://schemas.openxmlformats.org/presentationml/2006/main">
   <p:cSld>
     <p:spTree>
@@ -8931,7 +9083,7 @@
           <p:cNvPr id="2" name="Title 1">
             <a:extLst>
               <a:ext uri="{FF2B5EF4-FFF2-40B4-BE49-F238E27FC236}">
-                <a16:creationId xmlns:a16="http://schemas.microsoft.com/office/drawing/2014/main" id="{5933124E-5C92-472B-9841-4D6AA88BFC24}"/>
+                <a16:creationId xmlns:a16="http://schemas.microsoft.com/office/drawing/2014/main" id="{70CC0E2A-A693-4588-9796-1B4783079CBB}"/>
               </a:ext>
             </a:extLst>
           </p:cNvPr>
@@ -8944,7 +9096,7 @@
         </p:nvSpPr>
         <p:spPr>
           <a:xfrm>
-            <a:off x="677334" y="396536"/>
+            <a:off x="685637" y="421128"/>
             <a:ext cx="8596668" cy="1320800"/>
           </a:xfrm>
         </p:spPr>
@@ -8954,102 +9106,345 @@
           <a:p>
             <a:r>
               <a:rPr lang="en-US" dirty="0"/>
-              <a:t>Why scrape for WebMD reviews</a:t>
-            </a:r>
-          </a:p>
-        </p:txBody>
-      </p:sp>
-      <p:sp>
-        <p:nvSpPr>
-          <p:cNvPr id="3" name="Content Placeholder 2">
+              <a:t>Tools </a:t>
+            </a:r>
+          </a:p>
+        </p:txBody>
+      </p:sp>
+      <p:sp>
+        <p:nvSpPr>
+          <p:cNvPr id="6" name="AutoShape 2" descr="Image result for scrapy python">
             <a:extLst>
               <a:ext uri="{FF2B5EF4-FFF2-40B4-BE49-F238E27FC236}">
-                <a16:creationId xmlns:a16="http://schemas.microsoft.com/office/drawing/2014/main" id="{DD484DFB-968C-4906-B3A9-B0589F29E123}"/>
+                <a16:creationId xmlns:a16="http://schemas.microsoft.com/office/drawing/2014/main" id="{B96E121F-397B-4B90-81E5-B2188E3D2D12}"/>
               </a:ext>
             </a:extLst>
           </p:cNvPr>
           <p:cNvSpPr>
-            <a:spLocks noGrp="1"/>
+            <a:spLocks noChangeAspect="1" noChangeArrowheads="1"/>
           </p:cNvSpPr>
-          <p:nvPr>
-            <p:ph idx="1"/>
-          </p:nvPr>
+          <p:nvPr/>
+        </p:nvSpPr>
+        <p:spPr bwMode="auto">
+          <a:xfrm>
+            <a:off x="4170557" y="1850574"/>
+            <a:ext cx="178757" cy="178757"/>
+          </a:xfrm>
+          <a:prstGeom prst="rect">
+            <a:avLst/>
+          </a:prstGeom>
+          <a:noFill/>
+          <a:extLst>
+            <a:ext uri="{909E8E84-426E-40DD-AFC4-6F175D3DCCD1}">
+              <a14:hiddenFill xmlns:a14="http://schemas.microsoft.com/office/drawing/2010/main">
+                <a:solidFill>
+                  <a:srgbClr val="FFFFFF"/>
+                </a:solidFill>
+              </a14:hiddenFill>
+            </a:ext>
+          </a:extLst>
+        </p:spPr>
+        <p:txBody>
+          <a:bodyPr vert="horz" wrap="square" lIns="91440" tIns="45720" rIns="91440" bIns="45720" numCol="1" anchor="t" anchorCtr="0" compatLnSpc="1">
+            <a:prstTxWarp prst="textNoShape">
+              <a:avLst/>
+            </a:prstTxWarp>
+          </a:bodyPr>
+          <a:lstStyle/>
+          <a:p>
+            <a:endParaRPr lang="en-US"/>
+          </a:p>
+        </p:txBody>
+      </p:sp>
+      <p:pic>
+        <p:nvPicPr>
+          <p:cNvPr id="6148" name="Picture 4" descr="Image result for scrapy python">
+            <a:extLst>
+              <a:ext uri="{FF2B5EF4-FFF2-40B4-BE49-F238E27FC236}">
+                <a16:creationId xmlns:a16="http://schemas.microsoft.com/office/drawing/2014/main" id="{FCEA7F71-82F7-474E-945D-7A4102762B91}"/>
+              </a:ext>
+            </a:extLst>
+          </p:cNvPr>
+          <p:cNvPicPr>
+            <a:picLocks noChangeAspect="1" noChangeArrowheads="1"/>
+          </p:cNvPicPr>
+          <p:nvPr/>
+        </p:nvPicPr>
+        <p:blipFill>
+          <a:blip r:embed="rId2">
+            <a:extLst>
+              <a:ext uri="{28A0092B-C50C-407E-A947-70E740481C1C}">
+                <a14:useLocalDpi xmlns:a14="http://schemas.microsoft.com/office/drawing/2010/main" val="0"/>
+              </a:ext>
+            </a:extLst>
+          </a:blip>
+          <a:srcRect/>
+          <a:stretch>
+            <a:fillRect/>
+          </a:stretch>
+        </p:blipFill>
+        <p:spPr bwMode="auto">
+          <a:xfrm>
+            <a:off x="1102500" y="1718647"/>
+            <a:ext cx="3630996" cy="1955152"/>
+          </a:xfrm>
+          <a:prstGeom prst="rect">
+            <a:avLst/>
+          </a:prstGeom>
+          <a:noFill/>
+          <a:extLst>
+            <a:ext uri="{909E8E84-426E-40DD-AFC4-6F175D3DCCD1}">
+              <a14:hiddenFill xmlns:a14="http://schemas.microsoft.com/office/drawing/2010/main">
+                <a:solidFill>
+                  <a:srgbClr val="FFFFFF"/>
+                </a:solidFill>
+              </a14:hiddenFill>
+            </a:ext>
+          </a:extLst>
+        </p:spPr>
+      </p:pic>
+      <p:pic>
+        <p:nvPicPr>
+          <p:cNvPr id="6150" name="Picture 6" descr="Image result for pandas python">
+            <a:extLst>
+              <a:ext uri="{FF2B5EF4-FFF2-40B4-BE49-F238E27FC236}">
+                <a16:creationId xmlns:a16="http://schemas.microsoft.com/office/drawing/2014/main" id="{07595AE0-CAAD-4536-BE0E-2C4851095D3F}"/>
+              </a:ext>
+            </a:extLst>
+          </p:cNvPr>
+          <p:cNvPicPr>
+            <a:picLocks noChangeAspect="1" noChangeArrowheads="1"/>
+          </p:cNvPicPr>
+          <p:nvPr/>
+        </p:nvPicPr>
+        <p:blipFill>
+          <a:blip r:embed="rId3">
+            <a:extLst>
+              <a:ext uri="{28A0092B-C50C-407E-A947-70E740481C1C}">
+                <a14:useLocalDpi xmlns:a14="http://schemas.microsoft.com/office/drawing/2010/main" val="0"/>
+              </a:ext>
+            </a:extLst>
+          </a:blip>
+          <a:srcRect/>
+          <a:stretch>
+            <a:fillRect/>
+          </a:stretch>
+        </p:blipFill>
+        <p:spPr bwMode="auto">
+          <a:xfrm>
+            <a:off x="5276763" y="1702124"/>
+            <a:ext cx="3800475" cy="1971675"/>
+          </a:xfrm>
+          <a:prstGeom prst="rect">
+            <a:avLst/>
+          </a:prstGeom>
+          <a:noFill/>
+          <a:extLst>
+            <a:ext uri="{909E8E84-426E-40DD-AFC4-6F175D3DCCD1}">
+              <a14:hiddenFill xmlns:a14="http://schemas.microsoft.com/office/drawing/2010/main">
+                <a:solidFill>
+                  <a:srgbClr val="FFFFFF"/>
+                </a:solidFill>
+              </a14:hiddenFill>
+            </a:ext>
+          </a:extLst>
+        </p:spPr>
+      </p:pic>
+      <p:pic>
+        <p:nvPicPr>
+          <p:cNvPr id="6152" name="Picture 8" descr="Image result">
+            <a:extLst>
+              <a:ext uri="{FF2B5EF4-FFF2-40B4-BE49-F238E27FC236}">
+                <a16:creationId xmlns:a16="http://schemas.microsoft.com/office/drawing/2014/main" id="{577B020D-F75F-46EA-816B-9C82E877247C}"/>
+              </a:ext>
+            </a:extLst>
+          </p:cNvPr>
+          <p:cNvPicPr>
+            <a:picLocks noChangeAspect="1" noChangeArrowheads="1"/>
+          </p:cNvPicPr>
+          <p:nvPr/>
+        </p:nvPicPr>
+        <p:blipFill>
+          <a:blip r:embed="rId4">
+            <a:extLst>
+              <a:ext uri="{28A0092B-C50C-407E-A947-70E740481C1C}">
+                <a14:useLocalDpi xmlns:a14="http://schemas.microsoft.com/office/drawing/2010/main" val="0"/>
+              </a:ext>
+            </a:extLst>
+          </a:blip>
+          <a:srcRect/>
+          <a:stretch>
+            <a:fillRect/>
+          </a:stretch>
+        </p:blipFill>
+        <p:spPr bwMode="auto">
+          <a:xfrm>
+            <a:off x="6719315" y="4443428"/>
+            <a:ext cx="1905000" cy="1781175"/>
+          </a:xfrm>
+          <a:prstGeom prst="rect">
+            <a:avLst/>
+          </a:prstGeom>
+          <a:noFill/>
+          <a:extLst>
+            <a:ext uri="{909E8E84-426E-40DD-AFC4-6F175D3DCCD1}">
+              <a14:hiddenFill xmlns:a14="http://schemas.microsoft.com/office/drawing/2010/main">
+                <a:solidFill>
+                  <a:srgbClr val="FFFFFF"/>
+                </a:solidFill>
+              </a14:hiddenFill>
+            </a:ext>
+          </a:extLst>
+        </p:spPr>
+      </p:pic>
+      <p:sp>
+        <p:nvSpPr>
+          <p:cNvPr id="11" name="TextBox 10">
+            <a:extLst>
+              <a:ext uri="{FF2B5EF4-FFF2-40B4-BE49-F238E27FC236}">
+                <a16:creationId xmlns:a16="http://schemas.microsoft.com/office/drawing/2014/main" id="{9FA1D041-11C9-41B4-8697-ADBDBA509785}"/>
+              </a:ext>
+            </a:extLst>
+          </p:cNvPr>
+          <p:cNvSpPr txBox="1"/>
+          <p:nvPr/>
         </p:nvSpPr>
         <p:spPr>
           <a:xfrm>
-            <a:off x="739478" y="1482571"/>
-            <a:ext cx="8596668" cy="4949409"/>
+            <a:off x="5547451" y="2511557"/>
+            <a:ext cx="2124364" cy="369332"/>
           </a:xfrm>
+          <a:prstGeom prst="rect">
+            <a:avLst/>
+          </a:prstGeom>
+          <a:noFill/>
         </p:spPr>
         <p:txBody>
-          <a:bodyPr>
-            <a:normAutofit/>
+          <a:bodyPr wrap="square" rtlCol="0">
+            <a:spAutoFit/>
           </a:bodyPr>
           <a:lstStyle/>
           <a:p>
             <a:r>
               <a:rPr lang="en-US" dirty="0"/>
-              <a:t>Insights:</a:t>
-            </a:r>
-          </a:p>
-          <a:p>
-            <a:pPr lvl="1"/>
+              <a:t>NumPy &amp;</a:t>
+            </a:r>
+          </a:p>
+        </p:txBody>
+      </p:sp>
+      <p:sp>
+        <p:nvSpPr>
+          <p:cNvPr id="13" name="TextBox 12">
+            <a:extLst>
+              <a:ext uri="{FF2B5EF4-FFF2-40B4-BE49-F238E27FC236}">
+                <a16:creationId xmlns:a16="http://schemas.microsoft.com/office/drawing/2014/main" id="{35E4C838-76BA-4D92-A6C8-F4B5CA663F68}"/>
+              </a:ext>
+            </a:extLst>
+          </p:cNvPr>
+          <p:cNvSpPr txBox="1"/>
+          <p:nvPr/>
+        </p:nvSpPr>
+        <p:spPr>
+          <a:xfrm>
+            <a:off x="7663408" y="3489133"/>
+            <a:ext cx="2678496" cy="369332"/>
+          </a:xfrm>
+          <a:prstGeom prst="rect">
+            <a:avLst/>
+          </a:prstGeom>
+          <a:noFill/>
+        </p:spPr>
+        <p:txBody>
+          <a:bodyPr wrap="square" rtlCol="0">
+            <a:spAutoFit/>
+          </a:bodyPr>
+          <a:lstStyle/>
+          <a:p>
             <a:r>
               <a:rPr lang="en-US" dirty="0"/>
-              <a:t>Public perception</a:t>
-            </a:r>
-          </a:p>
-          <a:p>
-            <a:pPr lvl="1"/>
+              <a:t>Data clean-up </a:t>
+            </a:r>
+          </a:p>
+        </p:txBody>
+      </p:sp>
+      <p:pic>
+        <p:nvPicPr>
+          <p:cNvPr id="6154" name="Picture 10" descr="Image result for matplotlib">
+            <a:extLst>
+              <a:ext uri="{FF2B5EF4-FFF2-40B4-BE49-F238E27FC236}">
+                <a16:creationId xmlns:a16="http://schemas.microsoft.com/office/drawing/2014/main" id="{B060807B-3652-4B8A-B78A-378766D3962E}"/>
+              </a:ext>
+            </a:extLst>
+          </p:cNvPr>
+          <p:cNvPicPr>
+            <a:picLocks noChangeAspect="1" noChangeArrowheads="1"/>
+          </p:cNvPicPr>
+          <p:nvPr/>
+        </p:nvPicPr>
+        <p:blipFill>
+          <a:blip r:embed="rId5">
+            <a:extLst>
+              <a:ext uri="{28A0092B-C50C-407E-A947-70E740481C1C}">
+                <a14:useLocalDpi xmlns:a14="http://schemas.microsoft.com/office/drawing/2010/main" val="0"/>
+              </a:ext>
+            </a:extLst>
+          </a:blip>
+          <a:srcRect/>
+          <a:stretch>
+            <a:fillRect/>
+          </a:stretch>
+        </p:blipFill>
+        <p:spPr bwMode="auto">
+          <a:xfrm>
+            <a:off x="845416" y="4210977"/>
+            <a:ext cx="5162550" cy="1238250"/>
+          </a:xfrm>
+          <a:prstGeom prst="rect">
+            <a:avLst/>
+          </a:prstGeom>
+          <a:noFill/>
+          <a:extLst>
+            <a:ext uri="{909E8E84-426E-40DD-AFC4-6F175D3DCCD1}">
+              <a14:hiddenFill xmlns:a14="http://schemas.microsoft.com/office/drawing/2010/main">
+                <a:solidFill>
+                  <a:srgbClr val="FFFFFF"/>
+                </a:solidFill>
+              </a14:hiddenFill>
+            </a:ext>
+          </a:extLst>
+        </p:spPr>
+      </p:pic>
+      <p:sp>
+        <p:nvSpPr>
+          <p:cNvPr id="15" name="TextBox 14">
+            <a:extLst>
+              <a:ext uri="{FF2B5EF4-FFF2-40B4-BE49-F238E27FC236}">
+                <a16:creationId xmlns:a16="http://schemas.microsoft.com/office/drawing/2014/main" id="{D17BE07D-01C0-4DA2-988D-6039C40037F8}"/>
+              </a:ext>
+            </a:extLst>
+          </p:cNvPr>
+          <p:cNvSpPr txBox="1"/>
+          <p:nvPr/>
+        </p:nvSpPr>
+        <p:spPr>
+          <a:xfrm>
+            <a:off x="6625251" y="6224603"/>
+            <a:ext cx="2124364" cy="369332"/>
+          </a:xfrm>
+          <a:prstGeom prst="rect">
+            <a:avLst/>
+          </a:prstGeom>
+          <a:noFill/>
+        </p:spPr>
+        <p:txBody>
+          <a:bodyPr wrap="square" rtlCol="0">
+            <a:spAutoFit/>
+          </a:bodyPr>
+          <a:lstStyle/>
+          <a:p>
             <a:r>
               <a:rPr lang="en-US" dirty="0"/>
-              <a:t>Factors affecting drug satisfaction</a:t>
-            </a:r>
-          </a:p>
-          <a:p>
-            <a:pPr marL="0" indent="0">
-              <a:buNone/>
-            </a:pPr>
-            <a:endParaRPr lang="en-US" dirty="0"/>
-          </a:p>
-          <a:p>
-            <a:r>
-              <a:rPr lang="en-US" dirty="0"/>
-              <a:t>Useful for: </a:t>
-            </a:r>
-          </a:p>
-          <a:p>
-            <a:pPr lvl="1"/>
-            <a:r>
-              <a:rPr lang="en-US" dirty="0"/>
-              <a:t>Drug company marketing</a:t>
-            </a:r>
-          </a:p>
-          <a:p>
-            <a:pPr lvl="1"/>
-            <a:r>
-              <a:rPr lang="en-US" dirty="0"/>
-              <a:t>Medical care professionals </a:t>
-            </a:r>
-          </a:p>
-          <a:p>
-            <a:pPr marL="457200" lvl="1" indent="0">
-              <a:buNone/>
-            </a:pPr>
-            <a:endParaRPr lang="en-US" dirty="0"/>
-          </a:p>
-          <a:p>
-            <a:pPr indent="-285750"/>
-            <a:r>
-              <a:rPr lang="en-US" dirty="0"/>
-              <a:t>Not useful for:</a:t>
-            </a:r>
-          </a:p>
-          <a:p>
-            <a:pPr lvl="1"/>
-            <a:r>
-              <a:rPr lang="en-US" dirty="0"/>
-              <a:t>Patients seeking medical advice </a:t>
+              <a:t>SciPy</a:t>
             </a:r>
           </a:p>
         </p:txBody>
@@ -9057,7 +9452,7 @@
     </p:spTree>
     <p:extLst>
       <p:ext uri="{BB962C8B-B14F-4D97-AF65-F5344CB8AC3E}">
-        <p14:creationId xmlns:p14="http://schemas.microsoft.com/office/powerpoint/2010/main" val="367535048"/>
+        <p14:creationId xmlns:p14="http://schemas.microsoft.com/office/powerpoint/2010/main" val="1897687448"/>
       </p:ext>
     </p:extLst>
   </p:cSld>
@@ -9067,8 +9462,8 @@
 </p:sld>
 </file>
 
-<file path=ppt/slides/slide4.xml><?xml version="1.0" encoding="utf-8"?>
-<p:sld xmlns:a="http://schemas.openxmlformats.org/drawingml/2006/main" xmlns:r="http://schemas.openxmlformats.org/officeDocument/2006/relationships" xmlns:p="http://schemas.openxmlformats.org/presentationml/2006/main">
+<file path=ppt/slides/slide12.xml><?xml version="1.0" encoding="utf-8"?>
+<p:sld xmlns:a="http://schemas.openxmlformats.org/drawingml/2006/main" xmlns:r="http://schemas.openxmlformats.org/officeDocument/2006/relationships" xmlns:p="http://schemas.openxmlformats.org/presentationml/2006/main" show="0">
   <p:cSld>
     <p:spTree>
       <p:nvGrpSpPr>
@@ -9089,516 +9484,6 @@
           <p:cNvPr id="2" name="Title 1">
             <a:extLst>
               <a:ext uri="{FF2B5EF4-FFF2-40B4-BE49-F238E27FC236}">
-                <a16:creationId xmlns:a16="http://schemas.microsoft.com/office/drawing/2014/main" id="{78A7E7E3-4563-49DA-953F-C75187AC1AB6}"/>
-              </a:ext>
-            </a:extLst>
-          </p:cNvPr>
-          <p:cNvSpPr>
-            <a:spLocks noGrp="1"/>
-          </p:cNvSpPr>
-          <p:nvPr>
-            <p:ph type="title"/>
-          </p:nvPr>
-        </p:nvSpPr>
-        <p:spPr>
-          <a:xfrm>
-            <a:off x="677334" y="281126"/>
-            <a:ext cx="8596668" cy="1320800"/>
-          </a:xfrm>
-        </p:spPr>
-        <p:txBody>
-          <a:bodyPr/>
-          <a:lstStyle/>
-          <a:p>
-            <a:r>
-              <a:rPr lang="en-US" dirty="0"/>
-              <a:t>Drug reviews Scraped</a:t>
-            </a:r>
-          </a:p>
-        </p:txBody>
-      </p:sp>
-      <p:sp>
-        <p:nvSpPr>
-          <p:cNvPr id="3" name="Content Placeholder 2">
-            <a:extLst>
-              <a:ext uri="{FF2B5EF4-FFF2-40B4-BE49-F238E27FC236}">
-                <a16:creationId xmlns:a16="http://schemas.microsoft.com/office/drawing/2014/main" id="{6E39E22F-F0B5-4163-B8DF-C7BEC91B8552}"/>
-              </a:ext>
-            </a:extLst>
-          </p:cNvPr>
-          <p:cNvSpPr>
-            <a:spLocks noGrp="1"/>
-          </p:cNvSpPr>
-          <p:nvPr>
-            <p:ph idx="1"/>
-          </p:nvPr>
-        </p:nvSpPr>
-        <p:spPr>
-          <a:xfrm>
-            <a:off x="677334" y="1601926"/>
-            <a:ext cx="8596668" cy="4781119"/>
-          </a:xfrm>
-        </p:spPr>
-        <p:txBody>
-          <a:bodyPr>
-            <a:normAutofit fontScale="92500" lnSpcReduction="20000"/>
-          </a:bodyPr>
-          <a:lstStyle/>
-          <a:p>
-            <a:r>
-              <a:rPr lang="en-US" dirty="0"/>
-              <a:t>Cymbalta (Duloxetine) – 4589 reviews</a:t>
-            </a:r>
-          </a:p>
-          <a:p>
-            <a:r>
-              <a:rPr lang="en-US" dirty="0"/>
-              <a:t>Effexor (Venlafaxine) – 3047 reviews</a:t>
-            </a:r>
-          </a:p>
-          <a:p>
-            <a:r>
-              <a:rPr lang="en-US" dirty="0"/>
-              <a:t>Pristiq (</a:t>
-            </a:r>
-            <a:r>
-              <a:rPr lang="en-US" dirty="0" err="1"/>
-              <a:t>Desvenlafaxine</a:t>
-            </a:r>
-            <a:r>
-              <a:rPr lang="en-US" dirty="0"/>
-              <a:t>) – 1169 reviews </a:t>
-            </a:r>
-          </a:p>
-          <a:p>
-            <a:pPr marL="0" indent="0">
-              <a:buNone/>
-            </a:pPr>
-            <a:endParaRPr lang="en-US" dirty="0"/>
-          </a:p>
-          <a:p>
-            <a:pPr marL="0" indent="0">
-              <a:buNone/>
-            </a:pPr>
-            <a:endParaRPr lang="en-US" dirty="0"/>
-          </a:p>
-          <a:p>
-            <a:pPr marL="0" indent="0">
-              <a:buNone/>
-            </a:pPr>
-            <a:endParaRPr lang="en-US" dirty="0"/>
-          </a:p>
-          <a:p>
-            <a:pPr marL="0" indent="0">
-              <a:buNone/>
-            </a:pPr>
-            <a:r>
-              <a:rPr lang="en-US" dirty="0"/>
-              <a:t>… These fall under the classification of SNRI’s</a:t>
-            </a:r>
-          </a:p>
-          <a:p>
-            <a:pPr marL="0" indent="0">
-              <a:buNone/>
-            </a:pPr>
-            <a:r>
-              <a:rPr lang="en-US" dirty="0"/>
-              <a:t>SNRI’s (Serotonin and Norepinephrine Update Inhibitors) - Used to treat depressive disorders and chronic pain </a:t>
-            </a:r>
-          </a:p>
-          <a:p>
-            <a:pPr marL="0" indent="0">
-              <a:buNone/>
-            </a:pPr>
-            <a:endParaRPr lang="en-US" dirty="0"/>
-          </a:p>
-          <a:p>
-            <a:pPr marL="0" indent="0">
-              <a:buNone/>
-            </a:pPr>
-            <a:r>
-              <a:rPr lang="en-US" dirty="0"/>
-              <a:t>Stakes : Depression drug market potentially worth 16.8 billion by 2020</a:t>
-            </a:r>
-          </a:p>
-          <a:p>
-            <a:pPr marL="0" indent="0">
-              <a:buNone/>
-            </a:pPr>
-            <a:endParaRPr lang="en-US" dirty="0"/>
-          </a:p>
-          <a:p>
-            <a:pPr marL="0" indent="0">
-              <a:buNone/>
-            </a:pPr>
-            <a:r>
-              <a:rPr lang="en-US" dirty="0"/>
-              <a:t>https://globenewswire.com/news-release/2016/05/10/838292/0/en/Global-Depression-Drug-Market-Poised-to-Surge-from-USD-14-51-Billion-in-2014-to-USD-16-80-Billion-by-2020-MarketResearchStore-Com.html</a:t>
-            </a:r>
-          </a:p>
-          <a:p>
-            <a:pPr marL="0" indent="0">
-              <a:buNone/>
-            </a:pPr>
-            <a:endParaRPr lang="en-US" dirty="0"/>
-          </a:p>
-          <a:p>
-            <a:pPr marL="0" indent="0">
-              <a:buNone/>
-            </a:pPr>
-            <a:endParaRPr lang="en-US" dirty="0"/>
-          </a:p>
-          <a:p>
-            <a:pPr marL="0" indent="0">
-              <a:buNone/>
-            </a:pPr>
-            <a:endParaRPr lang="en-US" dirty="0"/>
-          </a:p>
-          <a:p>
-            <a:pPr marL="0" indent="0">
-              <a:buNone/>
-            </a:pPr>
-            <a:endParaRPr lang="en-US" dirty="0"/>
-          </a:p>
-        </p:txBody>
-      </p:sp>
-    </p:spTree>
-    <p:extLst>
-      <p:ext uri="{BB962C8B-B14F-4D97-AF65-F5344CB8AC3E}">
-        <p14:creationId xmlns:p14="http://schemas.microsoft.com/office/powerpoint/2010/main" val="1315962839"/>
-      </p:ext>
-    </p:extLst>
-  </p:cSld>
-  <p:clrMapOvr>
-    <a:masterClrMapping/>
-  </p:clrMapOvr>
-</p:sld>
-</file>
-
-<file path=ppt/slides/slide5.xml><?xml version="1.0" encoding="utf-8"?>
-<p:sld xmlns:a="http://schemas.openxmlformats.org/drawingml/2006/main" xmlns:r="http://schemas.openxmlformats.org/officeDocument/2006/relationships" xmlns:p="http://schemas.openxmlformats.org/presentationml/2006/main">
-  <p:cSld>
-    <p:spTree>
-      <p:nvGrpSpPr>
-        <p:cNvPr id="1" name=""/>
-        <p:cNvGrpSpPr/>
-        <p:nvPr/>
-      </p:nvGrpSpPr>
-      <p:grpSpPr>
-        <a:xfrm>
-          <a:off x="0" y="0"/>
-          <a:ext cx="0" cy="0"/>
-          <a:chOff x="0" y="0"/>
-          <a:chExt cx="0" cy="0"/>
-        </a:xfrm>
-      </p:grpSpPr>
-      <p:sp>
-        <p:nvSpPr>
-          <p:cNvPr id="2" name="Title 1">
-            <a:extLst>
-              <a:ext uri="{FF2B5EF4-FFF2-40B4-BE49-F238E27FC236}">
-                <a16:creationId xmlns:a16="http://schemas.microsoft.com/office/drawing/2014/main" id="{BC90589E-2B18-48E7-9D61-008D4E0651ED}"/>
-              </a:ext>
-            </a:extLst>
-          </p:cNvPr>
-          <p:cNvSpPr>
-            <a:spLocks noGrp="1"/>
-          </p:cNvSpPr>
-          <p:nvPr>
-            <p:ph type="title"/>
-          </p:nvPr>
-        </p:nvSpPr>
-        <p:spPr>
-          <a:xfrm>
-            <a:off x="677334" y="378780"/>
-            <a:ext cx="8596668" cy="1320800"/>
-          </a:xfrm>
-        </p:spPr>
-        <p:txBody>
-          <a:bodyPr/>
-          <a:lstStyle/>
-          <a:p>
-            <a:r>
-              <a:rPr lang="en-US" dirty="0"/>
-              <a:t>WebMD review format </a:t>
-            </a:r>
-          </a:p>
-        </p:txBody>
-      </p:sp>
-      <p:pic>
-        <p:nvPicPr>
-          <p:cNvPr id="4" name="Content Placeholder 3">
-            <a:extLst>
-              <a:ext uri="{FF2B5EF4-FFF2-40B4-BE49-F238E27FC236}">
-                <a16:creationId xmlns:a16="http://schemas.microsoft.com/office/drawing/2014/main" id="{570F84CB-9815-46EE-AF43-E8C31D11B9ED}"/>
-              </a:ext>
-            </a:extLst>
-          </p:cNvPr>
-          <p:cNvPicPr>
-            <a:picLocks noGrp="1" noChangeAspect="1"/>
-          </p:cNvPicPr>
-          <p:nvPr>
-            <p:ph idx="1"/>
-          </p:nvPr>
-        </p:nvPicPr>
-        <p:blipFill rotWithShape="1">
-          <a:blip r:embed="rId2"/>
-          <a:srcRect l="28893" t="41534" r="38062" b="31471"/>
-          <a:stretch/>
-        </p:blipFill>
-        <p:spPr>
-          <a:xfrm>
-            <a:off x="1846556" y="1331652"/>
-            <a:ext cx="6844684" cy="3145296"/>
-          </a:xfrm>
-          <a:prstGeom prst="rect">
-            <a:avLst/>
-          </a:prstGeom>
-        </p:spPr>
-      </p:pic>
-      <p:sp>
-        <p:nvSpPr>
-          <p:cNvPr id="5" name="TextBox 4">
-            <a:extLst>
-              <a:ext uri="{FF2B5EF4-FFF2-40B4-BE49-F238E27FC236}">
-                <a16:creationId xmlns:a16="http://schemas.microsoft.com/office/drawing/2014/main" id="{049AB493-C2B1-4C12-A48C-976F8FF4B1AA}"/>
-              </a:ext>
-            </a:extLst>
-          </p:cNvPr>
-          <p:cNvSpPr txBox="1"/>
-          <p:nvPr/>
-        </p:nvSpPr>
-        <p:spPr>
-          <a:xfrm>
-            <a:off x="677334" y="4776186"/>
-            <a:ext cx="8351256" cy="923330"/>
-          </a:xfrm>
-          <a:prstGeom prst="rect">
-            <a:avLst/>
-          </a:prstGeom>
-          <a:noFill/>
-        </p:spPr>
-        <p:txBody>
-          <a:bodyPr wrap="square" numCol="2" rtlCol="0">
-            <a:spAutoFit/>
-          </a:bodyPr>
-          <a:lstStyle/>
-          <a:p>
-            <a:r>
-              <a:rPr lang="en-US" dirty="0"/>
-              <a:t>From each review we can extract:</a:t>
-            </a:r>
-          </a:p>
-          <a:p>
-            <a:endParaRPr lang="en-US" dirty="0"/>
-          </a:p>
-          <a:p>
-            <a:endParaRPr lang="en-US" dirty="0"/>
-          </a:p>
-          <a:p>
-            <a:pPr marL="285750" indent="-285750">
-              <a:buFont typeface="Arial" panose="020B0604020202020204" pitchFamily="34" charset="0"/>
-              <a:buChar char="•"/>
-            </a:pPr>
-            <a:endParaRPr lang="en-US" dirty="0"/>
-          </a:p>
-          <a:p>
-            <a:endParaRPr lang="en-US" dirty="0"/>
-          </a:p>
-        </p:txBody>
-      </p:sp>
-      <p:sp>
-        <p:nvSpPr>
-          <p:cNvPr id="6" name="TextBox 5">
-            <a:extLst>
-              <a:ext uri="{FF2B5EF4-FFF2-40B4-BE49-F238E27FC236}">
-                <a16:creationId xmlns:a16="http://schemas.microsoft.com/office/drawing/2014/main" id="{3B2518F5-D9BD-4B42-93F6-8AD9DCD102DF}"/>
-              </a:ext>
-            </a:extLst>
-          </p:cNvPr>
-          <p:cNvSpPr txBox="1"/>
-          <p:nvPr/>
-        </p:nvSpPr>
-        <p:spPr>
-          <a:xfrm>
-            <a:off x="677334" y="5237851"/>
-            <a:ext cx="8351256" cy="2585323"/>
-          </a:xfrm>
-          <a:prstGeom prst="rect">
-            <a:avLst/>
-          </a:prstGeom>
-          <a:noFill/>
-        </p:spPr>
-        <p:txBody>
-          <a:bodyPr wrap="square" numCol="2" rtlCol="0">
-            <a:spAutoFit/>
-          </a:bodyPr>
-          <a:lstStyle/>
-          <a:p>
-            <a:pPr marL="285750" indent="-285750">
-              <a:buFont typeface="Arial" panose="020B0604020202020204" pitchFamily="34" charset="0"/>
-              <a:buChar char="•"/>
-            </a:pPr>
-            <a:r>
-              <a:rPr lang="en-US" dirty="0"/>
-              <a:t>Condition</a:t>
-            </a:r>
-          </a:p>
-          <a:p>
-            <a:pPr marL="285750" indent="-285750">
-              <a:buFont typeface="Arial" panose="020B0604020202020204" pitchFamily="34" charset="0"/>
-              <a:buChar char="•"/>
-            </a:pPr>
-            <a:r>
-              <a:rPr lang="en-US" dirty="0"/>
-              <a:t>Age (category)</a:t>
-            </a:r>
-          </a:p>
-          <a:p>
-            <a:pPr marL="285750" indent="-285750">
-              <a:buFont typeface="Arial" panose="020B0604020202020204" pitchFamily="34" charset="0"/>
-              <a:buChar char="•"/>
-            </a:pPr>
-            <a:r>
-              <a:rPr lang="en-US" dirty="0"/>
-              <a:t>Gender</a:t>
-            </a:r>
-          </a:p>
-          <a:p>
-            <a:pPr marL="285750" indent="-285750">
-              <a:buFont typeface="Arial" panose="020B0604020202020204" pitchFamily="34" charset="0"/>
-              <a:buChar char="•"/>
-            </a:pPr>
-            <a:r>
-              <a:rPr lang="en-US" dirty="0"/>
-              <a:t>Review date</a:t>
-            </a:r>
-          </a:p>
-          <a:p>
-            <a:pPr marL="285750" indent="-285750">
-              <a:buFont typeface="Arial" panose="020B0604020202020204" pitchFamily="34" charset="0"/>
-              <a:buChar char="•"/>
-            </a:pPr>
-            <a:endParaRPr lang="en-US" dirty="0"/>
-          </a:p>
-          <a:p>
-            <a:pPr marL="285750" indent="-285750">
-              <a:buFont typeface="Arial" panose="020B0604020202020204" pitchFamily="34" charset="0"/>
-              <a:buChar char="•"/>
-            </a:pPr>
-            <a:endParaRPr lang="en-US" dirty="0"/>
-          </a:p>
-          <a:p>
-            <a:pPr marL="285750" indent="-285750">
-              <a:buFont typeface="Arial" panose="020B0604020202020204" pitchFamily="34" charset="0"/>
-              <a:buChar char="•"/>
-            </a:pPr>
-            <a:endParaRPr lang="en-US" dirty="0"/>
-          </a:p>
-          <a:p>
-            <a:pPr marL="285750" indent="-285750">
-              <a:buFont typeface="Arial" panose="020B0604020202020204" pitchFamily="34" charset="0"/>
-              <a:buChar char="•"/>
-            </a:pPr>
-            <a:endParaRPr lang="en-US" dirty="0"/>
-          </a:p>
-          <a:p>
-            <a:pPr marL="285750" indent="-285750">
-              <a:buFont typeface="Arial" panose="020B0604020202020204" pitchFamily="34" charset="0"/>
-              <a:buChar char="•"/>
-            </a:pPr>
-            <a:endParaRPr lang="en-US" dirty="0"/>
-          </a:p>
-          <a:p>
-            <a:pPr marL="285750" indent="-285750">
-              <a:buFont typeface="Arial" panose="020B0604020202020204" pitchFamily="34" charset="0"/>
-              <a:buChar char="•"/>
-            </a:pPr>
-            <a:r>
-              <a:rPr lang="en-US" dirty="0"/>
-              <a:t>Treatment time</a:t>
-            </a:r>
-          </a:p>
-          <a:p>
-            <a:pPr marL="285750" indent="-285750">
-              <a:buFont typeface="Arial" panose="020B0604020202020204" pitchFamily="34" charset="0"/>
-              <a:buChar char="•"/>
-            </a:pPr>
-            <a:r>
-              <a:rPr lang="en-US" dirty="0"/>
-              <a:t>Ratings (focus on satisfaction)	</a:t>
-            </a:r>
-          </a:p>
-          <a:p>
-            <a:pPr marL="285750" indent="-285750">
-              <a:buFont typeface="Arial" panose="020B0604020202020204" pitchFamily="34" charset="0"/>
-              <a:buChar char="•"/>
-            </a:pPr>
-            <a:r>
-              <a:rPr lang="en-US" dirty="0"/>
-              <a:t>Comment</a:t>
-            </a:r>
-          </a:p>
-          <a:p>
-            <a:endParaRPr lang="en-US" dirty="0"/>
-          </a:p>
-          <a:p>
-            <a:pPr marL="285750" indent="-285750">
-              <a:buFont typeface="Arial" panose="020B0604020202020204" pitchFamily="34" charset="0"/>
-              <a:buChar char="•"/>
-            </a:pPr>
-            <a:endParaRPr lang="en-US" dirty="0"/>
-          </a:p>
-          <a:p>
-            <a:endParaRPr lang="en-US" dirty="0"/>
-          </a:p>
-          <a:p>
-            <a:pPr marL="285750" indent="-285750">
-              <a:buFont typeface="Arial" panose="020B0604020202020204" pitchFamily="34" charset="0"/>
-              <a:buChar char="•"/>
-            </a:pPr>
-            <a:endParaRPr lang="en-US" dirty="0"/>
-          </a:p>
-          <a:p>
-            <a:endParaRPr lang="en-US" dirty="0"/>
-          </a:p>
-        </p:txBody>
-      </p:sp>
-    </p:spTree>
-    <p:extLst>
-      <p:ext uri="{BB962C8B-B14F-4D97-AF65-F5344CB8AC3E}">
-        <p14:creationId xmlns:p14="http://schemas.microsoft.com/office/powerpoint/2010/main" val="3223003444"/>
-      </p:ext>
-    </p:extLst>
-  </p:cSld>
-  <p:clrMapOvr>
-    <a:masterClrMapping/>
-  </p:clrMapOvr>
-</p:sld>
-</file>
-
-<file path=ppt/slides/slide6.xml><?xml version="1.0" encoding="utf-8"?>
-<p:sld xmlns:a="http://schemas.openxmlformats.org/drawingml/2006/main" xmlns:r="http://schemas.openxmlformats.org/officeDocument/2006/relationships" xmlns:p="http://schemas.openxmlformats.org/presentationml/2006/main">
-  <p:cSld>
-    <p:spTree>
-      <p:nvGrpSpPr>
-        <p:cNvPr id="1" name=""/>
-        <p:cNvGrpSpPr/>
-        <p:nvPr/>
-      </p:nvGrpSpPr>
-      <p:grpSpPr>
-        <a:xfrm>
-          <a:off x="0" y="0"/>
-          <a:ext cx="0" cy="0"/>
-          <a:chOff x="0" y="0"/>
-          <a:chExt cx="0" cy="0"/>
-        </a:xfrm>
-      </p:grpSpPr>
-      <p:sp>
-        <p:nvSpPr>
-          <p:cNvPr id="2" name="Title 1">
-            <a:extLst>
-              <a:ext uri="{FF2B5EF4-FFF2-40B4-BE49-F238E27FC236}">
                 <a16:creationId xmlns:a16="http://schemas.microsoft.com/office/drawing/2014/main" id="{A8ED0E43-D99C-497C-9396-2B740AE92882}"/>
               </a:ext>
             </a:extLst>
@@ -9640,7 +9525,7 @@
           <p:nvPr>
             <p:extLst>
               <p:ext uri="{D42A27DB-BD31-4B8C-83A1-F6EECF244321}">
-                <p14:modId xmlns:p14="http://schemas.microsoft.com/office/powerpoint/2010/main" val="3949921263"/>
+                <p14:modId xmlns:p14="http://schemas.microsoft.com/office/powerpoint/2010/main" val="3581086263"/>
               </p:ext>
             </p:extLst>
           </p:nvPr>
@@ -9812,7 +9697,7 @@
         </p:nvSpPr>
         <p:spPr>
           <a:xfrm>
-            <a:off x="2255306" y="3444297"/>
+            <a:off x="2263695" y="3491697"/>
             <a:ext cx="1532980" cy="646331"/>
           </a:xfrm>
           <a:prstGeom prst="rect">
@@ -9834,7 +9719,7 @@
           <a:p>
             <a:r>
               <a:rPr lang="en-US" dirty="0" err="1"/>
-              <a:t>Matplotlib</a:t>
+              <a:t>Pyplot</a:t>
             </a:r>
             <a:endParaRPr lang="en-US" dirty="0"/>
           </a:p>
@@ -9855,7 +9740,7 @@
         <p:spPr>
           <a:xfrm>
             <a:off x="7877135" y="4748182"/>
-            <a:ext cx="2290439" cy="923330"/>
+            <a:ext cx="2290439" cy="646331"/>
           </a:xfrm>
           <a:prstGeom prst="rect">
             <a:avLst/>
@@ -9874,21 +9759,13 @@
             </a:r>
             <a:r>
               <a:rPr lang="en-US" dirty="0"/>
-              <a:t> Stats</a:t>
+              <a:t> Stats:</a:t>
             </a:r>
           </a:p>
           <a:p>
             <a:r>
               <a:rPr lang="en-US" dirty="0"/>
-              <a:t>T-Tests, Chi </a:t>
-            </a:r>
-            <a:r>
-              <a:rPr lang="en-US" dirty="0" err="1"/>
-              <a:t>sq</a:t>
-            </a:r>
-            <a:r>
-              <a:rPr lang="en-US" dirty="0"/>
-              <a:t> contingency</a:t>
+              <a:t>T-Test, Chi Sq.</a:t>
             </a:r>
           </a:p>
         </p:txBody>
@@ -9908,7 +9785,7 @@
         <p:spPr>
           <a:xfrm>
             <a:off x="825625" y="5893956"/>
-            <a:ext cx="6072326" cy="646331"/>
+            <a:ext cx="3201091" cy="369332"/>
           </a:xfrm>
           <a:prstGeom prst="rect">
             <a:avLst/>
@@ -9936,7 +9813,7 @@
           <a:p>
             <a:r>
               <a:rPr lang="en-US" dirty="0"/>
-              <a:t>Output: Gain actionable insights to better prescribe / market medication</a:t>
+              <a:t>Output: Actionable insights</a:t>
             </a:r>
           </a:p>
         </p:txBody>
@@ -10009,6 +9886,3182 @@
 </p:sld>
 </file>
 
+<file path=ppt/slides/slide13.xml><?xml version="1.0" encoding="utf-8"?>
+<p:sld xmlns:a="http://schemas.openxmlformats.org/drawingml/2006/main" xmlns:r="http://schemas.openxmlformats.org/officeDocument/2006/relationships" xmlns:p="http://schemas.openxmlformats.org/presentationml/2006/main" show="0">
+  <p:cSld>
+    <p:spTree>
+      <p:nvGrpSpPr>
+        <p:cNvPr id="1" name=""/>
+        <p:cNvGrpSpPr/>
+        <p:nvPr/>
+      </p:nvGrpSpPr>
+      <p:grpSpPr>
+        <a:xfrm>
+          <a:off x="0" y="0"/>
+          <a:ext cx="0" cy="0"/>
+          <a:chOff x="0" y="0"/>
+          <a:chExt cx="0" cy="0"/>
+        </a:xfrm>
+      </p:grpSpPr>
+      <p:sp>
+        <p:nvSpPr>
+          <p:cNvPr id="2" name="Title 1">
+            <a:extLst>
+              <a:ext uri="{FF2B5EF4-FFF2-40B4-BE49-F238E27FC236}">
+                <a16:creationId xmlns:a16="http://schemas.microsoft.com/office/drawing/2014/main" id="{5C0FEB0D-E509-406D-B1CB-7B19AD5958F1}"/>
+              </a:ext>
+            </a:extLst>
+          </p:cNvPr>
+          <p:cNvSpPr>
+            <a:spLocks noGrp="1"/>
+          </p:cNvSpPr>
+          <p:nvPr>
+            <p:ph type="title"/>
+          </p:nvPr>
+        </p:nvSpPr>
+        <p:spPr>
+          <a:xfrm>
+            <a:off x="492776" y="290819"/>
+            <a:ext cx="8596668" cy="1320800"/>
+          </a:xfrm>
+        </p:spPr>
+        <p:txBody>
+          <a:bodyPr/>
+          <a:lstStyle/>
+          <a:p>
+            <a:r>
+              <a:rPr lang="en-US" dirty="0"/>
+              <a:t>Bonus slides </a:t>
+            </a:r>
+          </a:p>
+        </p:txBody>
+      </p:sp>
+      <p:pic>
+        <p:nvPicPr>
+          <p:cNvPr id="5" name="Picture 4" descr="A screenshot of a cell phone&#10;&#10;Description generated with high confidence">
+            <a:extLst>
+              <a:ext uri="{FF2B5EF4-FFF2-40B4-BE49-F238E27FC236}">
+                <a16:creationId xmlns:a16="http://schemas.microsoft.com/office/drawing/2014/main" id="{B7285A48-D8A1-4B76-8C4A-63D8C4738BEE}"/>
+              </a:ext>
+            </a:extLst>
+          </p:cNvPr>
+          <p:cNvPicPr>
+            <a:picLocks noChangeAspect="1"/>
+          </p:cNvPicPr>
+          <p:nvPr/>
+        </p:nvPicPr>
+        <p:blipFill>
+          <a:blip r:embed="rId3"/>
+          <a:stretch>
+            <a:fillRect/>
+          </a:stretch>
+        </p:blipFill>
+        <p:spPr>
+          <a:xfrm>
+            <a:off x="677334" y="1413163"/>
+            <a:ext cx="4434339" cy="4752109"/>
+          </a:xfrm>
+          <a:prstGeom prst="rect">
+            <a:avLst/>
+          </a:prstGeom>
+        </p:spPr>
+      </p:pic>
+      <p:graphicFrame>
+        <p:nvGraphicFramePr>
+          <p:cNvPr id="6" name="Object 5">
+            <a:extLst>
+              <a:ext uri="{FF2B5EF4-FFF2-40B4-BE49-F238E27FC236}">
+                <a16:creationId xmlns:a16="http://schemas.microsoft.com/office/drawing/2014/main" id="{721E4AF6-BF68-46E7-9D4B-76818A8CDE76}"/>
+              </a:ext>
+            </a:extLst>
+          </p:cNvPr>
+          <p:cNvGraphicFramePr>
+            <a:graphicFrameLocks noChangeAspect="1"/>
+          </p:cNvGraphicFramePr>
+          <p:nvPr>
+            <p:extLst>
+              <p:ext uri="{D42A27DB-BD31-4B8C-83A1-F6EECF244321}">
+                <p14:modId xmlns:p14="http://schemas.microsoft.com/office/powerpoint/2010/main" val="1219527486"/>
+              </p:ext>
+            </p:extLst>
+          </p:nvPr>
+        </p:nvGraphicFramePr>
+        <p:xfrm>
+          <a:off x="5109241" y="1438087"/>
+          <a:ext cx="4194495" cy="3262385"/>
+        </p:xfrm>
+        <a:graphic>
+          <a:graphicData uri="http://schemas.openxmlformats.org/presentationml/2006/ole">
+            <mc:AlternateContent xmlns:mc="http://schemas.openxmlformats.org/markup-compatibility/2006">
+              <mc:Choice xmlns:v="urn:schemas-microsoft-com:vml" Requires="v">
+                <p:oleObj spid="_x0000_s9221" name="Acrobat Document" r:id="rId4" imgW="3943235" imgH="3066812" progId="AcroExch.Document.11">
+                  <p:embed/>
+                </p:oleObj>
+              </mc:Choice>
+              <mc:Fallback>
+                <p:oleObj name="Acrobat Document" r:id="rId4" imgW="3943235" imgH="3066812" progId="AcroExch.Document.11">
+                  <p:embed/>
+                  <p:pic>
+                    <p:nvPicPr>
+                      <p:cNvPr id="11" name="Object 10">
+                        <a:extLst>
+                          <a:ext uri="{FF2B5EF4-FFF2-40B4-BE49-F238E27FC236}">
+                            <a16:creationId xmlns:a16="http://schemas.microsoft.com/office/drawing/2014/main" id="{52B43EC4-993D-4C8D-B6CF-0FDC8EF7A12E}"/>
+                          </a:ext>
+                        </a:extLst>
+                      </p:cNvPr>
+                      <p:cNvPicPr/>
+                      <p:nvPr/>
+                    </p:nvPicPr>
+                    <p:blipFill>
+                      <a:blip r:embed="rId5"/>
+                      <a:stretch>
+                        <a:fillRect/>
+                      </a:stretch>
+                    </p:blipFill>
+                    <p:spPr>
+                      <a:xfrm>
+                        <a:off x="5109241" y="1438087"/>
+                        <a:ext cx="4194495" cy="3262385"/>
+                      </a:xfrm>
+                      <a:prstGeom prst="rect">
+                        <a:avLst/>
+                      </a:prstGeom>
+                    </p:spPr>
+                  </p:pic>
+                </p:oleObj>
+              </mc:Fallback>
+            </mc:AlternateContent>
+          </a:graphicData>
+        </a:graphic>
+      </p:graphicFrame>
+    </p:spTree>
+    <p:extLst>
+      <p:ext uri="{BB962C8B-B14F-4D97-AF65-F5344CB8AC3E}">
+        <p14:creationId xmlns:p14="http://schemas.microsoft.com/office/powerpoint/2010/main" val="1343488580"/>
+      </p:ext>
+    </p:extLst>
+  </p:cSld>
+  <p:clrMapOvr>
+    <a:masterClrMapping/>
+  </p:clrMapOvr>
+</p:sld>
+</file>
+
+<file path=ppt/slides/slide14.xml><?xml version="1.0" encoding="utf-8"?>
+<p:sld xmlns:a="http://schemas.openxmlformats.org/drawingml/2006/main" xmlns:r="http://schemas.openxmlformats.org/officeDocument/2006/relationships" xmlns:p="http://schemas.openxmlformats.org/presentationml/2006/main" show="0">
+  <p:cSld>
+    <p:spTree>
+      <p:nvGrpSpPr>
+        <p:cNvPr id="1" name=""/>
+        <p:cNvGrpSpPr/>
+        <p:nvPr/>
+      </p:nvGrpSpPr>
+      <p:grpSpPr>
+        <a:xfrm>
+          <a:off x="0" y="0"/>
+          <a:ext cx="0" cy="0"/>
+          <a:chOff x="0" y="0"/>
+          <a:chExt cx="0" cy="0"/>
+        </a:xfrm>
+      </p:grpSpPr>
+      <p:sp>
+        <p:nvSpPr>
+          <p:cNvPr id="2" name="Title 1">
+            <a:extLst>
+              <a:ext uri="{FF2B5EF4-FFF2-40B4-BE49-F238E27FC236}">
+                <a16:creationId xmlns:a16="http://schemas.microsoft.com/office/drawing/2014/main" id="{78A7E7E3-4563-49DA-953F-C75187AC1AB6}"/>
+              </a:ext>
+            </a:extLst>
+          </p:cNvPr>
+          <p:cNvSpPr>
+            <a:spLocks noGrp="1"/>
+          </p:cNvSpPr>
+          <p:nvPr>
+            <p:ph type="title"/>
+          </p:nvPr>
+        </p:nvSpPr>
+        <p:spPr>
+          <a:xfrm>
+            <a:off x="677334" y="281126"/>
+            <a:ext cx="8596668" cy="1320800"/>
+          </a:xfrm>
+        </p:spPr>
+        <p:txBody>
+          <a:bodyPr/>
+          <a:lstStyle/>
+          <a:p>
+            <a:r>
+              <a:rPr lang="en-US" dirty="0"/>
+              <a:t>Drug reviews Scraped</a:t>
+            </a:r>
+          </a:p>
+        </p:txBody>
+      </p:sp>
+      <p:sp>
+        <p:nvSpPr>
+          <p:cNvPr id="3" name="Content Placeholder 2">
+            <a:extLst>
+              <a:ext uri="{FF2B5EF4-FFF2-40B4-BE49-F238E27FC236}">
+                <a16:creationId xmlns:a16="http://schemas.microsoft.com/office/drawing/2014/main" id="{6E39E22F-F0B5-4163-B8DF-C7BEC91B8552}"/>
+              </a:ext>
+            </a:extLst>
+          </p:cNvPr>
+          <p:cNvSpPr>
+            <a:spLocks noGrp="1"/>
+          </p:cNvSpPr>
+          <p:nvPr>
+            <p:ph idx="1"/>
+          </p:nvPr>
+        </p:nvSpPr>
+        <p:spPr>
+          <a:xfrm>
+            <a:off x="677334" y="1601926"/>
+            <a:ext cx="8596668" cy="4781119"/>
+          </a:xfrm>
+        </p:spPr>
+        <p:txBody>
+          <a:bodyPr>
+            <a:normAutofit fontScale="92500" lnSpcReduction="20000"/>
+          </a:bodyPr>
+          <a:lstStyle/>
+          <a:p>
+            <a:r>
+              <a:rPr lang="en-US" dirty="0"/>
+              <a:t>Cymbalta (Duloxetine) – 4589 reviews</a:t>
+            </a:r>
+          </a:p>
+          <a:p>
+            <a:r>
+              <a:rPr lang="en-US" dirty="0"/>
+              <a:t>Effexor (Venlafaxine) – 3047 reviews</a:t>
+            </a:r>
+          </a:p>
+          <a:p>
+            <a:r>
+              <a:rPr lang="en-US" dirty="0"/>
+              <a:t>Pristiq (</a:t>
+            </a:r>
+            <a:r>
+              <a:rPr lang="en-US" dirty="0" err="1"/>
+              <a:t>Desvenlafaxine</a:t>
+            </a:r>
+            <a:r>
+              <a:rPr lang="en-US" dirty="0"/>
+              <a:t>) – 1169 reviews </a:t>
+            </a:r>
+          </a:p>
+          <a:p>
+            <a:pPr marL="0" indent="0">
+              <a:buNone/>
+            </a:pPr>
+            <a:endParaRPr lang="en-US" dirty="0"/>
+          </a:p>
+          <a:p>
+            <a:pPr marL="0" indent="0">
+              <a:buNone/>
+            </a:pPr>
+            <a:endParaRPr lang="en-US" dirty="0"/>
+          </a:p>
+          <a:p>
+            <a:pPr marL="0" indent="0">
+              <a:buNone/>
+            </a:pPr>
+            <a:endParaRPr lang="en-US" dirty="0"/>
+          </a:p>
+          <a:p>
+            <a:pPr marL="0" indent="0">
+              <a:buNone/>
+            </a:pPr>
+            <a:r>
+              <a:rPr lang="en-US" dirty="0"/>
+              <a:t>… These fall under the classification of SNRI’s</a:t>
+            </a:r>
+          </a:p>
+          <a:p>
+            <a:pPr marL="0" indent="0">
+              <a:buNone/>
+            </a:pPr>
+            <a:r>
+              <a:rPr lang="en-US" dirty="0"/>
+              <a:t>SNRI’s (Serotonin and Norepinephrine Uptake Inhibitors) - Used to treat depressive disorders and chronic pain </a:t>
+            </a:r>
+          </a:p>
+          <a:p>
+            <a:pPr marL="0" indent="0">
+              <a:buNone/>
+            </a:pPr>
+            <a:endParaRPr lang="en-US" dirty="0"/>
+          </a:p>
+          <a:p>
+            <a:pPr marL="0" indent="0">
+              <a:buNone/>
+            </a:pPr>
+            <a:r>
+              <a:rPr lang="en-US" dirty="0"/>
+              <a:t>Stakes : Depression drug market potentially worth 16.8 billion by 2020</a:t>
+            </a:r>
+          </a:p>
+          <a:p>
+            <a:pPr marL="0" indent="0">
+              <a:buNone/>
+            </a:pPr>
+            <a:endParaRPr lang="en-US" dirty="0"/>
+          </a:p>
+          <a:p>
+            <a:pPr marL="0" indent="0">
+              <a:buNone/>
+            </a:pPr>
+            <a:r>
+              <a:rPr lang="en-US" dirty="0"/>
+              <a:t>https://globenewswire.com/news-release/2016/05/10/838292/0/en/Global-Depression-Drug-Market-Poised-to-Surge-from-USD-14-51-Billion-in-2014-to-USD-16-80-Billion-by-2020-MarketResearchStore-Com.html</a:t>
+            </a:r>
+          </a:p>
+          <a:p>
+            <a:pPr marL="0" indent="0">
+              <a:buNone/>
+            </a:pPr>
+            <a:endParaRPr lang="en-US" dirty="0"/>
+          </a:p>
+          <a:p>
+            <a:pPr marL="0" indent="0">
+              <a:buNone/>
+            </a:pPr>
+            <a:endParaRPr lang="en-US" dirty="0"/>
+          </a:p>
+          <a:p>
+            <a:pPr marL="0" indent="0">
+              <a:buNone/>
+            </a:pPr>
+            <a:endParaRPr lang="en-US" dirty="0"/>
+          </a:p>
+          <a:p>
+            <a:pPr marL="0" indent="0">
+              <a:buNone/>
+            </a:pPr>
+            <a:endParaRPr lang="en-US" dirty="0"/>
+          </a:p>
+        </p:txBody>
+      </p:sp>
+    </p:spTree>
+    <p:extLst>
+      <p:ext uri="{BB962C8B-B14F-4D97-AF65-F5344CB8AC3E}">
+        <p14:creationId xmlns:p14="http://schemas.microsoft.com/office/powerpoint/2010/main" val="1315962839"/>
+      </p:ext>
+    </p:extLst>
+  </p:cSld>
+  <p:clrMapOvr>
+    <a:masterClrMapping/>
+  </p:clrMapOvr>
+</p:sld>
+</file>
+
+<file path=ppt/slides/slide15.xml><?xml version="1.0" encoding="utf-8"?>
+<p:sld xmlns:a="http://schemas.openxmlformats.org/drawingml/2006/main" xmlns:r="http://schemas.openxmlformats.org/officeDocument/2006/relationships" xmlns:p="http://schemas.openxmlformats.org/presentationml/2006/main" show="0">
+  <p:cSld>
+    <p:bg>
+      <p:bgPr>
+        <a:solidFill>
+          <a:schemeClr val="bg2"/>
+        </a:solidFill>
+        <a:effectLst/>
+      </p:bgPr>
+    </p:bg>
+    <p:spTree>
+      <p:nvGrpSpPr>
+        <p:cNvPr id="1" name=""/>
+        <p:cNvGrpSpPr/>
+        <p:nvPr/>
+      </p:nvGrpSpPr>
+      <p:grpSpPr>
+        <a:xfrm>
+          <a:off x="0" y="0"/>
+          <a:ext cx="0" cy="0"/>
+          <a:chOff x="0" y="0"/>
+          <a:chExt cx="0" cy="0"/>
+        </a:xfrm>
+      </p:grpSpPr>
+      <p:sp>
+        <p:nvSpPr>
+          <p:cNvPr id="2" name="Title 1">
+            <a:extLst>
+              <a:ext uri="{FF2B5EF4-FFF2-40B4-BE49-F238E27FC236}">
+                <a16:creationId xmlns:a16="http://schemas.microsoft.com/office/drawing/2014/main" id="{19DC9309-A7F9-4BF1-8239-22C8BA4E7B3D}"/>
+              </a:ext>
+            </a:extLst>
+          </p:cNvPr>
+          <p:cNvSpPr>
+            <a:spLocks noGrp="1"/>
+          </p:cNvSpPr>
+          <p:nvPr>
+            <p:ph type="title"/>
+          </p:nvPr>
+        </p:nvSpPr>
+        <p:spPr>
+          <a:xfrm>
+            <a:off x="677334" y="609599"/>
+            <a:ext cx="3843375" cy="5545667"/>
+          </a:xfrm>
+        </p:spPr>
+        <p:txBody>
+          <a:bodyPr anchor="ctr">
+            <a:normAutofit/>
+          </a:bodyPr>
+          <a:lstStyle/>
+          <a:p>
+            <a:r>
+              <a:rPr lang="en-US">
+                <a:solidFill>
+                  <a:schemeClr val="tx1">
+                    <a:lumMod val="85000"/>
+                    <a:lumOff val="15000"/>
+                  </a:schemeClr>
+                </a:solidFill>
+              </a:rPr>
+              <a:t>Outline</a:t>
+            </a:r>
+          </a:p>
+        </p:txBody>
+      </p:sp>
+      <p:sp>
+        <p:nvSpPr>
+          <p:cNvPr id="3" name="Content Placeholder 2">
+            <a:extLst>
+              <a:ext uri="{FF2B5EF4-FFF2-40B4-BE49-F238E27FC236}">
+                <a16:creationId xmlns:a16="http://schemas.microsoft.com/office/drawing/2014/main" id="{E6F0031B-95AB-4875-A4E6-79AD5F6F5729}"/>
+              </a:ext>
+            </a:extLst>
+          </p:cNvPr>
+          <p:cNvSpPr>
+            <a:spLocks noGrp="1"/>
+          </p:cNvSpPr>
+          <p:nvPr>
+            <p:ph idx="1"/>
+          </p:nvPr>
+        </p:nvSpPr>
+        <p:spPr>
+          <a:xfrm>
+            <a:off x="6116084" y="609600"/>
+            <a:ext cx="5511296" cy="5545667"/>
+          </a:xfrm>
+        </p:spPr>
+        <p:txBody>
+          <a:bodyPr anchor="ctr">
+            <a:normAutofit/>
+          </a:bodyPr>
+          <a:lstStyle/>
+          <a:p>
+            <a:r>
+              <a:rPr lang="en-US" dirty="0">
+                <a:solidFill>
+                  <a:schemeClr val="tx2">
+                    <a:lumMod val="10000"/>
+                  </a:schemeClr>
+                </a:solidFill>
+              </a:rPr>
+              <a:t>Why scrape for WebMD reviews? </a:t>
+            </a:r>
+          </a:p>
+          <a:p>
+            <a:pPr marL="0" indent="0">
+              <a:buNone/>
+            </a:pPr>
+            <a:endParaRPr lang="en-US" dirty="0">
+              <a:solidFill>
+                <a:schemeClr val="tx2">
+                  <a:lumMod val="10000"/>
+                </a:schemeClr>
+              </a:solidFill>
+            </a:endParaRPr>
+          </a:p>
+          <a:p>
+            <a:r>
+              <a:rPr lang="en-US" dirty="0">
+                <a:solidFill>
+                  <a:schemeClr val="tx2">
+                    <a:lumMod val="10000"/>
+                  </a:schemeClr>
+                </a:solidFill>
+              </a:rPr>
+              <a:t>Methods : What was scraped and how </a:t>
+            </a:r>
+          </a:p>
+          <a:p>
+            <a:endParaRPr lang="en-US" dirty="0">
+              <a:solidFill>
+                <a:schemeClr val="tx2">
+                  <a:lumMod val="10000"/>
+                </a:schemeClr>
+              </a:solidFill>
+            </a:endParaRPr>
+          </a:p>
+          <a:p>
+            <a:r>
+              <a:rPr lang="en-US" dirty="0">
+                <a:solidFill>
+                  <a:schemeClr val="tx2">
+                    <a:lumMod val="10000"/>
+                  </a:schemeClr>
+                </a:solidFill>
+              </a:rPr>
+              <a:t>Which SNRI’s are the best rated and why? </a:t>
+            </a:r>
+          </a:p>
+          <a:p>
+            <a:pPr marL="0" indent="0">
+              <a:buNone/>
+            </a:pPr>
+            <a:endParaRPr lang="en-US" dirty="0">
+              <a:solidFill>
+                <a:schemeClr val="tx2">
+                  <a:lumMod val="10000"/>
+                </a:schemeClr>
+              </a:solidFill>
+            </a:endParaRPr>
+          </a:p>
+          <a:p>
+            <a:endParaRPr lang="en-US" dirty="0">
+              <a:solidFill>
+                <a:schemeClr val="tx2">
+                  <a:lumMod val="10000"/>
+                </a:schemeClr>
+              </a:solidFill>
+            </a:endParaRPr>
+          </a:p>
+        </p:txBody>
+      </p:sp>
+    </p:spTree>
+    <p:extLst>
+      <p:ext uri="{BB962C8B-B14F-4D97-AF65-F5344CB8AC3E}">
+        <p14:creationId xmlns:p14="http://schemas.microsoft.com/office/powerpoint/2010/main" val="3111048119"/>
+      </p:ext>
+    </p:extLst>
+  </p:cSld>
+  <p:clrMapOvr>
+    <a:overrideClrMapping bg1="dk1" tx1="lt1" bg2="dk2" tx2="lt2" accent1="accent1" accent2="accent2" accent3="accent3" accent4="accent4" accent5="accent5" accent6="accent6" hlink="hlink" folHlink="folHlink"/>
+  </p:clrMapOvr>
+</p:sld>
+</file>
+
+<file path=ppt/slides/slide2.xml><?xml version="1.0" encoding="utf-8"?>
+<p:sld xmlns:a="http://schemas.openxmlformats.org/drawingml/2006/main" xmlns:r="http://schemas.openxmlformats.org/officeDocument/2006/relationships" xmlns:p="http://schemas.openxmlformats.org/presentationml/2006/main">
+  <p:cSld>
+    <p:bg>
+      <p:bgPr>
+        <a:solidFill>
+          <a:schemeClr val="bg1"/>
+        </a:solidFill>
+        <a:effectLst/>
+      </p:bgPr>
+    </p:bg>
+    <p:spTree>
+      <p:nvGrpSpPr>
+        <p:cNvPr id="1" name=""/>
+        <p:cNvGrpSpPr/>
+        <p:nvPr/>
+      </p:nvGrpSpPr>
+      <p:grpSpPr>
+        <a:xfrm>
+          <a:off x="0" y="0"/>
+          <a:ext cx="0" cy="0"/>
+          <a:chOff x="0" y="0"/>
+          <a:chExt cx="0" cy="0"/>
+        </a:xfrm>
+      </p:grpSpPr>
+      <p:pic>
+        <p:nvPicPr>
+          <p:cNvPr id="8196" name="Picture 4" descr="Image result for doctor">
+            <a:extLst>
+              <a:ext uri="{FF2B5EF4-FFF2-40B4-BE49-F238E27FC236}">
+                <a16:creationId xmlns:a16="http://schemas.microsoft.com/office/drawing/2014/main" id="{2AB50151-ABED-4978-8348-7297BFAAC251}"/>
+              </a:ext>
+            </a:extLst>
+          </p:cNvPr>
+          <p:cNvPicPr>
+            <a:picLocks noChangeAspect="1" noChangeArrowheads="1"/>
+          </p:cNvPicPr>
+          <p:nvPr/>
+        </p:nvPicPr>
+        <p:blipFill rotWithShape="1">
+          <a:blip r:embed="rId2">
+            <a:extLst>
+              <a:ext uri="{28A0092B-C50C-407E-A947-70E740481C1C}">
+                <a14:useLocalDpi xmlns:a14="http://schemas.microsoft.com/office/drawing/2010/main" val="0"/>
+              </a:ext>
+            </a:extLst>
+          </a:blip>
+          <a:srcRect/>
+          <a:stretch/>
+        </p:blipFill>
+        <p:spPr bwMode="auto">
+          <a:xfrm>
+            <a:off x="752834" y="3632008"/>
+            <a:ext cx="3150527" cy="2099038"/>
+          </a:xfrm>
+          <a:prstGeom prst="rect">
+            <a:avLst/>
+          </a:prstGeom>
+          <a:noFill/>
+          <a:extLst>
+            <a:ext uri="{909E8E84-426E-40DD-AFC4-6F175D3DCCD1}">
+              <a14:hiddenFill xmlns:a14="http://schemas.microsoft.com/office/drawing/2010/main">
+                <a:solidFill>
+                  <a:srgbClr val="FFFFFF"/>
+                </a:solidFill>
+              </a14:hiddenFill>
+            </a:ext>
+          </a:extLst>
+        </p:spPr>
+      </p:pic>
+      <p:pic>
+        <p:nvPicPr>
+          <p:cNvPr id="8194" name="Picture 2" descr="Image result for drug companies">
+            <a:extLst>
+              <a:ext uri="{FF2B5EF4-FFF2-40B4-BE49-F238E27FC236}">
+                <a16:creationId xmlns:a16="http://schemas.microsoft.com/office/drawing/2014/main" id="{064C3A8C-0B9B-4F04-97F8-3B48F17C0251}"/>
+              </a:ext>
+            </a:extLst>
+          </p:cNvPr>
+          <p:cNvPicPr>
+            <a:picLocks noChangeAspect="1" noChangeArrowheads="1"/>
+          </p:cNvPicPr>
+          <p:nvPr/>
+        </p:nvPicPr>
+        <p:blipFill rotWithShape="1">
+          <a:blip r:embed="rId3">
+            <a:extLst>
+              <a:ext uri="{28A0092B-C50C-407E-A947-70E740481C1C}">
+                <a14:useLocalDpi xmlns:a14="http://schemas.microsoft.com/office/drawing/2010/main" val="0"/>
+              </a:ext>
+            </a:extLst>
+          </a:blip>
+          <a:srcRect/>
+          <a:stretch/>
+        </p:blipFill>
+        <p:spPr bwMode="auto">
+          <a:xfrm>
+            <a:off x="409840" y="1126954"/>
+            <a:ext cx="3493521" cy="1746760"/>
+          </a:xfrm>
+          <a:prstGeom prst="rect">
+            <a:avLst/>
+          </a:prstGeom>
+          <a:noFill/>
+          <a:extLst>
+            <a:ext uri="{909E8E84-426E-40DD-AFC4-6F175D3DCCD1}">
+              <a14:hiddenFill xmlns:a14="http://schemas.microsoft.com/office/drawing/2010/main">
+                <a:solidFill>
+                  <a:srgbClr val="FFFFFF"/>
+                </a:solidFill>
+              </a14:hiddenFill>
+            </a:ext>
+          </a:extLst>
+        </p:spPr>
+      </p:pic>
+      <p:sp>
+        <p:nvSpPr>
+          <p:cNvPr id="2" name="Title 1">
+            <a:extLst>
+              <a:ext uri="{FF2B5EF4-FFF2-40B4-BE49-F238E27FC236}">
+                <a16:creationId xmlns:a16="http://schemas.microsoft.com/office/drawing/2014/main" id="{5933124E-5C92-472B-9841-4D6AA88BFC24}"/>
+              </a:ext>
+            </a:extLst>
+          </p:cNvPr>
+          <p:cNvSpPr>
+            <a:spLocks noGrp="1"/>
+          </p:cNvSpPr>
+          <p:nvPr>
+            <p:ph type="title"/>
+          </p:nvPr>
+        </p:nvSpPr>
+        <p:spPr>
+          <a:xfrm>
+            <a:off x="4142894" y="166200"/>
+            <a:ext cx="5217540" cy="1320800"/>
+          </a:xfrm>
+        </p:spPr>
+        <p:txBody>
+          <a:bodyPr>
+            <a:normAutofit/>
+          </a:bodyPr>
+          <a:lstStyle/>
+          <a:p>
+            <a:r>
+              <a:rPr lang="en-US" dirty="0"/>
+              <a:t>Why scrape for WebMD reviews?</a:t>
+            </a:r>
+          </a:p>
+        </p:txBody>
+      </p:sp>
+      <p:sp>
+        <p:nvSpPr>
+          <p:cNvPr id="3" name="Content Placeholder 2">
+            <a:extLst>
+              <a:ext uri="{FF2B5EF4-FFF2-40B4-BE49-F238E27FC236}">
+                <a16:creationId xmlns:a16="http://schemas.microsoft.com/office/drawing/2014/main" id="{DD484DFB-968C-4906-B3A9-B0589F29E123}"/>
+              </a:ext>
+            </a:extLst>
+          </p:cNvPr>
+          <p:cNvSpPr>
+            <a:spLocks noGrp="1"/>
+          </p:cNvSpPr>
+          <p:nvPr>
+            <p:ph idx="1"/>
+          </p:nvPr>
+        </p:nvSpPr>
+        <p:spPr>
+          <a:xfrm>
+            <a:off x="4472098" y="1783242"/>
+            <a:ext cx="5217539" cy="3880773"/>
+          </a:xfrm>
+        </p:spPr>
+        <p:txBody>
+          <a:bodyPr>
+            <a:normAutofit/>
+          </a:bodyPr>
+          <a:lstStyle/>
+          <a:p>
+            <a:r>
+              <a:rPr lang="en-US" dirty="0"/>
+              <a:t>Insights:</a:t>
+            </a:r>
+          </a:p>
+          <a:p>
+            <a:pPr lvl="1"/>
+            <a:r>
+              <a:rPr lang="en-US" dirty="0"/>
+              <a:t>Public perception</a:t>
+            </a:r>
+          </a:p>
+          <a:p>
+            <a:pPr lvl="1"/>
+            <a:r>
+              <a:rPr lang="en-US" dirty="0"/>
+              <a:t>Factors affecting drug satisfaction</a:t>
+            </a:r>
+          </a:p>
+          <a:p>
+            <a:pPr lvl="1"/>
+            <a:endParaRPr lang="en-US" dirty="0"/>
+          </a:p>
+          <a:p>
+            <a:r>
+              <a:rPr lang="en-US" dirty="0"/>
+              <a:t>Useful for: </a:t>
+            </a:r>
+          </a:p>
+          <a:p>
+            <a:pPr lvl="1"/>
+            <a:r>
+              <a:rPr lang="en-US" dirty="0"/>
+              <a:t>Drug company marketing</a:t>
+            </a:r>
+          </a:p>
+          <a:p>
+            <a:pPr lvl="1"/>
+            <a:r>
+              <a:rPr lang="en-US" dirty="0"/>
+              <a:t>Medical care professionals </a:t>
+            </a:r>
+          </a:p>
+          <a:p>
+            <a:pPr lvl="1"/>
+            <a:endParaRPr lang="en-US" dirty="0"/>
+          </a:p>
+          <a:p>
+            <a:r>
+              <a:rPr lang="en-US" dirty="0"/>
+              <a:t>Not useful for:</a:t>
+            </a:r>
+          </a:p>
+          <a:p>
+            <a:pPr lvl="1"/>
+            <a:r>
+              <a:rPr lang="en-US" dirty="0"/>
+              <a:t>People in need of medical attention</a:t>
+            </a:r>
+          </a:p>
+          <a:p>
+            <a:pPr lvl="1"/>
+            <a:endParaRPr lang="en-US" dirty="0"/>
+          </a:p>
+          <a:p>
+            <a:pPr marL="457200" lvl="1" indent="0">
+              <a:buNone/>
+            </a:pPr>
+            <a:endParaRPr lang="en-US" dirty="0"/>
+          </a:p>
+        </p:txBody>
+      </p:sp>
+    </p:spTree>
+    <p:extLst>
+      <p:ext uri="{BB962C8B-B14F-4D97-AF65-F5344CB8AC3E}">
+        <p14:creationId xmlns:p14="http://schemas.microsoft.com/office/powerpoint/2010/main" val="367535048"/>
+      </p:ext>
+    </p:extLst>
+  </p:cSld>
+  <p:clrMapOvr>
+    <a:masterClrMapping/>
+  </p:clrMapOvr>
+</p:sld>
+</file>
+
+<file path=ppt/slides/slide3.xml><?xml version="1.0" encoding="utf-8"?>
+<p:sld xmlns:a="http://schemas.openxmlformats.org/drawingml/2006/main" xmlns:r="http://schemas.openxmlformats.org/officeDocument/2006/relationships" xmlns:p="http://schemas.openxmlformats.org/presentationml/2006/main">
+  <p:cSld>
+    <p:spTree>
+      <p:nvGrpSpPr>
+        <p:cNvPr id="1" name=""/>
+        <p:cNvGrpSpPr/>
+        <p:nvPr/>
+      </p:nvGrpSpPr>
+      <p:grpSpPr>
+        <a:xfrm>
+          <a:off x="0" y="0"/>
+          <a:ext cx="0" cy="0"/>
+          <a:chOff x="0" y="0"/>
+          <a:chExt cx="0" cy="0"/>
+        </a:xfrm>
+      </p:grpSpPr>
+      <p:sp>
+        <p:nvSpPr>
+          <p:cNvPr id="2" name="Title 1">
+            <a:extLst>
+              <a:ext uri="{FF2B5EF4-FFF2-40B4-BE49-F238E27FC236}">
+                <a16:creationId xmlns:a16="http://schemas.microsoft.com/office/drawing/2014/main" id="{93A65647-9BA0-47DC-8634-94813915A844}"/>
+              </a:ext>
+            </a:extLst>
+          </p:cNvPr>
+          <p:cNvSpPr>
+            <a:spLocks noGrp="1"/>
+          </p:cNvSpPr>
+          <p:nvPr>
+            <p:ph type="title"/>
+          </p:nvPr>
+        </p:nvSpPr>
+        <p:spPr>
+          <a:xfrm>
+            <a:off x="649624" y="203200"/>
+            <a:ext cx="8596668" cy="1320800"/>
+          </a:xfrm>
+        </p:spPr>
+        <p:txBody>
+          <a:bodyPr/>
+          <a:lstStyle/>
+          <a:p>
+            <a:r>
+              <a:rPr lang="en-US" dirty="0"/>
+              <a:t>Drug reviews Scraped</a:t>
+            </a:r>
+          </a:p>
+        </p:txBody>
+      </p:sp>
+      <p:pic>
+        <p:nvPicPr>
+          <p:cNvPr id="7170" name="Picture 2" descr="Image result for cymbalta">
+            <a:extLst>
+              <a:ext uri="{FF2B5EF4-FFF2-40B4-BE49-F238E27FC236}">
+                <a16:creationId xmlns:a16="http://schemas.microsoft.com/office/drawing/2014/main" id="{DFDB8746-99CB-4A9A-A83E-16461A1C6268}"/>
+              </a:ext>
+            </a:extLst>
+          </p:cNvPr>
+          <p:cNvPicPr>
+            <a:picLocks noChangeAspect="1" noChangeArrowheads="1"/>
+          </p:cNvPicPr>
+          <p:nvPr/>
+        </p:nvPicPr>
+        <p:blipFill>
+          <a:blip r:embed="rId2">
+            <a:extLst>
+              <a:ext uri="{28A0092B-C50C-407E-A947-70E740481C1C}">
+                <a14:useLocalDpi xmlns:a14="http://schemas.microsoft.com/office/drawing/2010/main" val="0"/>
+              </a:ext>
+            </a:extLst>
+          </a:blip>
+          <a:srcRect/>
+          <a:stretch>
+            <a:fillRect/>
+          </a:stretch>
+        </p:blipFill>
+        <p:spPr bwMode="auto">
+          <a:xfrm>
+            <a:off x="1050661" y="1017070"/>
+            <a:ext cx="3401457" cy="1594433"/>
+          </a:xfrm>
+          <a:prstGeom prst="rect">
+            <a:avLst/>
+          </a:prstGeom>
+          <a:noFill/>
+          <a:extLst>
+            <a:ext uri="{909E8E84-426E-40DD-AFC4-6F175D3DCCD1}">
+              <a14:hiddenFill xmlns:a14="http://schemas.microsoft.com/office/drawing/2010/main">
+                <a:solidFill>
+                  <a:srgbClr val="FFFFFF"/>
+                </a:solidFill>
+              </a14:hiddenFill>
+            </a:ext>
+          </a:extLst>
+        </p:spPr>
+      </p:pic>
+      <p:pic>
+        <p:nvPicPr>
+          <p:cNvPr id="7172" name="Picture 4" descr="Image result for effexor">
+            <a:extLst>
+              <a:ext uri="{FF2B5EF4-FFF2-40B4-BE49-F238E27FC236}">
+                <a16:creationId xmlns:a16="http://schemas.microsoft.com/office/drawing/2014/main" id="{B03478BD-E849-4552-BFE7-937835974A73}"/>
+              </a:ext>
+            </a:extLst>
+          </p:cNvPr>
+          <p:cNvPicPr>
+            <a:picLocks noChangeAspect="1" noChangeArrowheads="1"/>
+          </p:cNvPicPr>
+          <p:nvPr/>
+        </p:nvPicPr>
+        <p:blipFill>
+          <a:blip r:embed="rId3">
+            <a:extLst>
+              <a:ext uri="{28A0092B-C50C-407E-A947-70E740481C1C}">
+                <a14:useLocalDpi xmlns:a14="http://schemas.microsoft.com/office/drawing/2010/main" val="0"/>
+              </a:ext>
+            </a:extLst>
+          </a:blip>
+          <a:srcRect/>
+          <a:stretch>
+            <a:fillRect/>
+          </a:stretch>
+        </p:blipFill>
+        <p:spPr bwMode="auto">
+          <a:xfrm>
+            <a:off x="3706996" y="3150563"/>
+            <a:ext cx="2857500" cy="2571750"/>
+          </a:xfrm>
+          <a:prstGeom prst="rect">
+            <a:avLst/>
+          </a:prstGeom>
+          <a:noFill/>
+          <a:extLst>
+            <a:ext uri="{909E8E84-426E-40DD-AFC4-6F175D3DCCD1}">
+              <a14:hiddenFill xmlns:a14="http://schemas.microsoft.com/office/drawing/2010/main">
+                <a:solidFill>
+                  <a:srgbClr val="FFFFFF"/>
+                </a:solidFill>
+              </a14:hiddenFill>
+            </a:ext>
+          </a:extLst>
+        </p:spPr>
+      </p:pic>
+      <p:pic>
+        <p:nvPicPr>
+          <p:cNvPr id="7174" name="Picture 6" descr="Image result for pristiq">
+            <a:extLst>
+              <a:ext uri="{FF2B5EF4-FFF2-40B4-BE49-F238E27FC236}">
+                <a16:creationId xmlns:a16="http://schemas.microsoft.com/office/drawing/2014/main" id="{1FC50E7E-BF69-4011-8721-B59B88630D84}"/>
+              </a:ext>
+            </a:extLst>
+          </p:cNvPr>
+          <p:cNvPicPr>
+            <a:picLocks noChangeAspect="1" noChangeArrowheads="1"/>
+          </p:cNvPicPr>
+          <p:nvPr/>
+        </p:nvPicPr>
+        <p:blipFill>
+          <a:blip r:embed="rId4">
+            <a:extLst>
+              <a:ext uri="{28A0092B-C50C-407E-A947-70E740481C1C}">
+                <a14:useLocalDpi xmlns:a14="http://schemas.microsoft.com/office/drawing/2010/main" val="0"/>
+              </a:ext>
+            </a:extLst>
+          </a:blip>
+          <a:srcRect/>
+          <a:stretch>
+            <a:fillRect/>
+          </a:stretch>
+        </p:blipFill>
+        <p:spPr bwMode="auto">
+          <a:xfrm>
+            <a:off x="6224307" y="1503796"/>
+            <a:ext cx="2998355" cy="1167392"/>
+          </a:xfrm>
+          <a:prstGeom prst="rect">
+            <a:avLst/>
+          </a:prstGeom>
+          <a:noFill/>
+          <a:extLst>
+            <a:ext uri="{909E8E84-426E-40DD-AFC4-6F175D3DCCD1}">
+              <a14:hiddenFill xmlns:a14="http://schemas.microsoft.com/office/drawing/2010/main">
+                <a:solidFill>
+                  <a:srgbClr val="FFFFFF"/>
+                </a:solidFill>
+              </a14:hiddenFill>
+            </a:ext>
+          </a:extLst>
+        </p:spPr>
+      </p:pic>
+      <p:pic>
+        <p:nvPicPr>
+          <p:cNvPr id="7176" name="Picture 8" descr="Image result for eli lilly">
+            <a:extLst>
+              <a:ext uri="{FF2B5EF4-FFF2-40B4-BE49-F238E27FC236}">
+                <a16:creationId xmlns:a16="http://schemas.microsoft.com/office/drawing/2014/main" id="{526B8594-0BD3-4BAE-BEDA-2DE983B8878F}"/>
+              </a:ext>
+            </a:extLst>
+          </p:cNvPr>
+          <p:cNvPicPr>
+            <a:picLocks noChangeAspect="1" noChangeArrowheads="1"/>
+          </p:cNvPicPr>
+          <p:nvPr/>
+        </p:nvPicPr>
+        <p:blipFill>
+          <a:blip r:embed="rId5">
+            <a:extLst>
+              <a:ext uri="{28A0092B-C50C-407E-A947-70E740481C1C}">
+                <a14:useLocalDpi xmlns:a14="http://schemas.microsoft.com/office/drawing/2010/main" val="0"/>
+              </a:ext>
+            </a:extLst>
+          </a:blip>
+          <a:srcRect/>
+          <a:stretch>
+            <a:fillRect/>
+          </a:stretch>
+        </p:blipFill>
+        <p:spPr bwMode="auto">
+          <a:xfrm>
+            <a:off x="3970485" y="2527622"/>
+            <a:ext cx="607587" cy="332654"/>
+          </a:xfrm>
+          <a:prstGeom prst="rect">
+            <a:avLst/>
+          </a:prstGeom>
+          <a:noFill/>
+          <a:extLst>
+            <a:ext uri="{909E8E84-426E-40DD-AFC4-6F175D3DCCD1}">
+              <a14:hiddenFill xmlns:a14="http://schemas.microsoft.com/office/drawing/2010/main">
+                <a:solidFill>
+                  <a:srgbClr val="FFFFFF"/>
+                </a:solidFill>
+              </a14:hiddenFill>
+            </a:ext>
+          </a:extLst>
+        </p:spPr>
+      </p:pic>
+      <p:pic>
+        <p:nvPicPr>
+          <p:cNvPr id="7178" name="Picture 10" descr="Image result for pfizer">
+            <a:extLst>
+              <a:ext uri="{FF2B5EF4-FFF2-40B4-BE49-F238E27FC236}">
+                <a16:creationId xmlns:a16="http://schemas.microsoft.com/office/drawing/2014/main" id="{275AE8B4-A439-472D-8BBF-D892E03787DB}"/>
+              </a:ext>
+            </a:extLst>
+          </p:cNvPr>
+          <p:cNvPicPr>
+            <a:picLocks noChangeAspect="1" noChangeArrowheads="1"/>
+          </p:cNvPicPr>
+          <p:nvPr/>
+        </p:nvPicPr>
+        <p:blipFill>
+          <a:blip r:embed="rId6">
+            <a:extLst>
+              <a:ext uri="{28A0092B-C50C-407E-A947-70E740481C1C}">
+                <a14:useLocalDpi xmlns:a14="http://schemas.microsoft.com/office/drawing/2010/main" val="0"/>
+              </a:ext>
+            </a:extLst>
+          </a:blip>
+          <a:srcRect/>
+          <a:stretch>
+            <a:fillRect/>
+          </a:stretch>
+        </p:blipFill>
+        <p:spPr bwMode="auto">
+          <a:xfrm>
+            <a:off x="6230684" y="4567001"/>
+            <a:ext cx="667624" cy="387222"/>
+          </a:xfrm>
+          <a:prstGeom prst="rect">
+            <a:avLst/>
+          </a:prstGeom>
+          <a:noFill/>
+          <a:extLst>
+            <a:ext uri="{909E8E84-426E-40DD-AFC4-6F175D3DCCD1}">
+              <a14:hiddenFill xmlns:a14="http://schemas.microsoft.com/office/drawing/2010/main">
+                <a:solidFill>
+                  <a:srgbClr val="FFFFFF"/>
+                </a:solidFill>
+              </a14:hiddenFill>
+            </a:ext>
+          </a:extLst>
+        </p:spPr>
+      </p:pic>
+      <p:pic>
+        <p:nvPicPr>
+          <p:cNvPr id="10" name="Picture 10" descr="Image result for pfizer">
+            <a:extLst>
+              <a:ext uri="{FF2B5EF4-FFF2-40B4-BE49-F238E27FC236}">
+                <a16:creationId xmlns:a16="http://schemas.microsoft.com/office/drawing/2014/main" id="{3E2398E4-484D-4539-AB4E-8BAAE9C970EA}"/>
+              </a:ext>
+            </a:extLst>
+          </p:cNvPr>
+          <p:cNvPicPr>
+            <a:picLocks noChangeAspect="1" noChangeArrowheads="1"/>
+          </p:cNvPicPr>
+          <p:nvPr/>
+        </p:nvPicPr>
+        <p:blipFill>
+          <a:blip r:embed="rId6">
+            <a:extLst>
+              <a:ext uri="{28A0092B-C50C-407E-A947-70E740481C1C}">
+                <a14:useLocalDpi xmlns:a14="http://schemas.microsoft.com/office/drawing/2010/main" val="0"/>
+              </a:ext>
+            </a:extLst>
+          </a:blip>
+          <a:srcRect/>
+          <a:stretch>
+            <a:fillRect/>
+          </a:stretch>
+        </p:blipFill>
+        <p:spPr bwMode="auto">
+          <a:xfrm>
+            <a:off x="9079841" y="2760616"/>
+            <a:ext cx="667624" cy="387222"/>
+          </a:xfrm>
+          <a:prstGeom prst="rect">
+            <a:avLst/>
+          </a:prstGeom>
+          <a:noFill/>
+          <a:extLst>
+            <a:ext uri="{909E8E84-426E-40DD-AFC4-6F175D3DCCD1}">
+              <a14:hiddenFill xmlns:a14="http://schemas.microsoft.com/office/drawing/2010/main">
+                <a:solidFill>
+                  <a:srgbClr val="FFFFFF"/>
+                </a:solidFill>
+              </a14:hiddenFill>
+            </a:ext>
+          </a:extLst>
+        </p:spPr>
+      </p:pic>
+      <p:sp>
+        <p:nvSpPr>
+          <p:cNvPr id="6" name="Rectangle 5">
+            <a:extLst>
+              <a:ext uri="{FF2B5EF4-FFF2-40B4-BE49-F238E27FC236}">
+                <a16:creationId xmlns:a16="http://schemas.microsoft.com/office/drawing/2014/main" id="{AC0F08F3-1740-4A84-815F-BE5E843D36D5}"/>
+              </a:ext>
+            </a:extLst>
+          </p:cNvPr>
+          <p:cNvSpPr/>
+          <p:nvPr/>
+        </p:nvSpPr>
+        <p:spPr>
+          <a:xfrm>
+            <a:off x="2183687" y="2426837"/>
+            <a:ext cx="1615790" cy="369332"/>
+          </a:xfrm>
+          <a:prstGeom prst="rect">
+            <a:avLst/>
+          </a:prstGeom>
+        </p:spPr>
+        <p:txBody>
+          <a:bodyPr wrap="square">
+            <a:spAutoFit/>
+          </a:bodyPr>
+          <a:lstStyle/>
+          <a:p>
+            <a:r>
+              <a:rPr lang="en-US" dirty="0"/>
+              <a:t>4589 reviews</a:t>
+            </a:r>
+          </a:p>
+        </p:txBody>
+      </p:sp>
+      <p:sp>
+        <p:nvSpPr>
+          <p:cNvPr id="7" name="Rectangle 6">
+            <a:extLst>
+              <a:ext uri="{FF2B5EF4-FFF2-40B4-BE49-F238E27FC236}">
+                <a16:creationId xmlns:a16="http://schemas.microsoft.com/office/drawing/2014/main" id="{46E4C0D9-9E83-4680-98FB-4F73C724E8F9}"/>
+              </a:ext>
+            </a:extLst>
+          </p:cNvPr>
+          <p:cNvSpPr/>
+          <p:nvPr/>
+        </p:nvSpPr>
+        <p:spPr>
+          <a:xfrm>
+            <a:off x="5414032" y="5614882"/>
+            <a:ext cx="1527982" cy="369332"/>
+          </a:xfrm>
+          <a:prstGeom prst="rect">
+            <a:avLst/>
+          </a:prstGeom>
+        </p:spPr>
+        <p:txBody>
+          <a:bodyPr wrap="none">
+            <a:spAutoFit/>
+          </a:bodyPr>
+          <a:lstStyle/>
+          <a:p>
+            <a:r>
+              <a:rPr lang="en-US" dirty="0"/>
+              <a:t>3047 reviews</a:t>
+            </a:r>
+          </a:p>
+        </p:txBody>
+      </p:sp>
+      <p:sp>
+        <p:nvSpPr>
+          <p:cNvPr id="8" name="Rectangle 7">
+            <a:extLst>
+              <a:ext uri="{FF2B5EF4-FFF2-40B4-BE49-F238E27FC236}">
+                <a16:creationId xmlns:a16="http://schemas.microsoft.com/office/drawing/2014/main" id="{2D447E1B-28F1-4BB0-B91C-9639E72CB7AC}"/>
+              </a:ext>
+            </a:extLst>
+          </p:cNvPr>
+          <p:cNvSpPr/>
+          <p:nvPr/>
+        </p:nvSpPr>
+        <p:spPr>
+          <a:xfrm>
+            <a:off x="7395291" y="2461359"/>
+            <a:ext cx="1596912" cy="369332"/>
+          </a:xfrm>
+          <a:prstGeom prst="rect">
+            <a:avLst/>
+          </a:prstGeom>
+        </p:spPr>
+        <p:txBody>
+          <a:bodyPr wrap="none">
+            <a:spAutoFit/>
+          </a:bodyPr>
+          <a:lstStyle/>
+          <a:p>
+            <a:r>
+              <a:rPr lang="en-US" dirty="0"/>
+              <a:t>1169 reviews </a:t>
+            </a:r>
+          </a:p>
+        </p:txBody>
+      </p:sp>
+      <p:sp>
+        <p:nvSpPr>
+          <p:cNvPr id="11" name="TextBox 10">
+            <a:extLst>
+              <a:ext uri="{FF2B5EF4-FFF2-40B4-BE49-F238E27FC236}">
+                <a16:creationId xmlns:a16="http://schemas.microsoft.com/office/drawing/2014/main" id="{4B65655F-DC3B-4FD1-9254-5E162E10FE6B}"/>
+              </a:ext>
+            </a:extLst>
+          </p:cNvPr>
+          <p:cNvSpPr txBox="1"/>
+          <p:nvPr/>
+        </p:nvSpPr>
+        <p:spPr>
+          <a:xfrm>
+            <a:off x="481089" y="6185995"/>
+            <a:ext cx="7942058" cy="369332"/>
+          </a:xfrm>
+          <a:prstGeom prst="rect">
+            <a:avLst/>
+          </a:prstGeom>
+        </p:spPr>
+        <p:style>
+          <a:lnRef idx="2">
+            <a:schemeClr val="accent6">
+              <a:shade val="50000"/>
+            </a:schemeClr>
+          </a:lnRef>
+          <a:fillRef idx="1">
+            <a:schemeClr val="accent6"/>
+          </a:fillRef>
+          <a:effectRef idx="0">
+            <a:schemeClr val="accent6"/>
+          </a:effectRef>
+          <a:fontRef idx="minor">
+            <a:schemeClr val="lt1"/>
+          </a:fontRef>
+        </p:style>
+        <p:txBody>
+          <a:bodyPr wrap="square" rtlCol="0">
+            <a:spAutoFit/>
+          </a:bodyPr>
+          <a:lstStyle/>
+          <a:p>
+            <a:r>
+              <a:rPr lang="en-US" dirty="0"/>
+              <a:t>Depression Drug Market expected to be valued at 16.8 billion USD by 2020</a:t>
+            </a:r>
+          </a:p>
+        </p:txBody>
+      </p:sp>
+    </p:spTree>
+    <p:extLst>
+      <p:ext uri="{BB962C8B-B14F-4D97-AF65-F5344CB8AC3E}">
+        <p14:creationId xmlns:p14="http://schemas.microsoft.com/office/powerpoint/2010/main" val="1868872208"/>
+      </p:ext>
+    </p:extLst>
+  </p:cSld>
+  <p:clrMapOvr>
+    <a:masterClrMapping/>
+  </p:clrMapOvr>
+</p:sld>
+</file>
+
+<file path=ppt/slides/slide4.xml><?xml version="1.0" encoding="utf-8"?>
+<p:sld xmlns:a="http://schemas.openxmlformats.org/drawingml/2006/main" xmlns:r="http://schemas.openxmlformats.org/officeDocument/2006/relationships" xmlns:p="http://schemas.openxmlformats.org/presentationml/2006/main">
+  <p:cSld>
+    <p:spTree>
+      <p:nvGrpSpPr>
+        <p:cNvPr id="1" name=""/>
+        <p:cNvGrpSpPr/>
+        <p:nvPr/>
+      </p:nvGrpSpPr>
+      <p:grpSpPr>
+        <a:xfrm>
+          <a:off x="0" y="0"/>
+          <a:ext cx="0" cy="0"/>
+          <a:chOff x="0" y="0"/>
+          <a:chExt cx="0" cy="0"/>
+        </a:xfrm>
+      </p:grpSpPr>
+      <p:sp>
+        <p:nvSpPr>
+          <p:cNvPr id="2" name="Title 1">
+            <a:extLst>
+              <a:ext uri="{FF2B5EF4-FFF2-40B4-BE49-F238E27FC236}">
+                <a16:creationId xmlns:a16="http://schemas.microsoft.com/office/drawing/2014/main" id="{BC90589E-2B18-48E7-9D61-008D4E0651ED}"/>
+              </a:ext>
+            </a:extLst>
+          </p:cNvPr>
+          <p:cNvSpPr>
+            <a:spLocks noGrp="1"/>
+          </p:cNvSpPr>
+          <p:nvPr>
+            <p:ph type="title"/>
+          </p:nvPr>
+        </p:nvSpPr>
+        <p:spPr>
+          <a:xfrm>
+            <a:off x="324997" y="214146"/>
+            <a:ext cx="8596668" cy="1320800"/>
+          </a:xfrm>
+        </p:spPr>
+        <p:txBody>
+          <a:bodyPr/>
+          <a:lstStyle/>
+          <a:p>
+            <a:r>
+              <a:rPr lang="en-US" dirty="0"/>
+              <a:t>WebMD review format </a:t>
+            </a:r>
+          </a:p>
+        </p:txBody>
+      </p:sp>
+      <p:pic>
+        <p:nvPicPr>
+          <p:cNvPr id="4" name="Content Placeholder 3">
+            <a:extLst>
+              <a:ext uri="{FF2B5EF4-FFF2-40B4-BE49-F238E27FC236}">
+                <a16:creationId xmlns:a16="http://schemas.microsoft.com/office/drawing/2014/main" id="{570F84CB-9815-46EE-AF43-E8C31D11B9ED}"/>
+              </a:ext>
+            </a:extLst>
+          </p:cNvPr>
+          <p:cNvPicPr>
+            <a:picLocks noGrp="1" noChangeAspect="1"/>
+          </p:cNvPicPr>
+          <p:nvPr>
+            <p:ph idx="1"/>
+          </p:nvPr>
+        </p:nvPicPr>
+        <p:blipFill rotWithShape="1">
+          <a:blip r:embed="rId2"/>
+          <a:srcRect l="28893" t="41534" r="38062" b="31471"/>
+          <a:stretch/>
+        </p:blipFill>
+        <p:spPr>
+          <a:xfrm>
+            <a:off x="1460662" y="1079952"/>
+            <a:ext cx="6844684" cy="3145296"/>
+          </a:xfrm>
+          <a:prstGeom prst="rect">
+            <a:avLst/>
+          </a:prstGeom>
+          <a:ln w="38100">
+            <a:solidFill>
+              <a:schemeClr val="tx2">
+                <a:lumMod val="60000"/>
+                <a:lumOff val="40000"/>
+              </a:schemeClr>
+            </a:solidFill>
+          </a:ln>
+          <a:effectLst>
+            <a:outerShdw blurRad="50800" dist="38100" dir="2700000" algn="tl" rotWithShape="0">
+              <a:prstClr val="black">
+                <a:alpha val="40000"/>
+              </a:prstClr>
+            </a:outerShdw>
+          </a:effectLst>
+        </p:spPr>
+      </p:pic>
+      <p:sp>
+        <p:nvSpPr>
+          <p:cNvPr id="5" name="TextBox 4">
+            <a:extLst>
+              <a:ext uri="{FF2B5EF4-FFF2-40B4-BE49-F238E27FC236}">
+                <a16:creationId xmlns:a16="http://schemas.microsoft.com/office/drawing/2014/main" id="{049AB493-C2B1-4C12-A48C-976F8FF4B1AA}"/>
+              </a:ext>
+            </a:extLst>
+          </p:cNvPr>
+          <p:cNvSpPr txBox="1"/>
+          <p:nvPr/>
+        </p:nvSpPr>
+        <p:spPr>
+          <a:xfrm>
+            <a:off x="565727" y="4465734"/>
+            <a:ext cx="8351256" cy="923330"/>
+          </a:xfrm>
+          <a:prstGeom prst="rect">
+            <a:avLst/>
+          </a:prstGeom>
+          <a:noFill/>
+        </p:spPr>
+        <p:txBody>
+          <a:bodyPr wrap="square" numCol="2" rtlCol="0">
+            <a:spAutoFit/>
+          </a:bodyPr>
+          <a:lstStyle/>
+          <a:p>
+            <a:r>
+              <a:rPr lang="en-US" dirty="0"/>
+              <a:t>From each review we can extract:</a:t>
+            </a:r>
+          </a:p>
+          <a:p>
+            <a:endParaRPr lang="en-US" dirty="0"/>
+          </a:p>
+          <a:p>
+            <a:endParaRPr lang="en-US" dirty="0"/>
+          </a:p>
+          <a:p>
+            <a:pPr marL="285750" indent="-285750">
+              <a:buFont typeface="Arial" panose="020B0604020202020204" pitchFamily="34" charset="0"/>
+              <a:buChar char="•"/>
+            </a:pPr>
+            <a:endParaRPr lang="en-US" dirty="0"/>
+          </a:p>
+          <a:p>
+            <a:endParaRPr lang="en-US" dirty="0"/>
+          </a:p>
+        </p:txBody>
+      </p:sp>
+      <p:sp>
+        <p:nvSpPr>
+          <p:cNvPr id="6" name="TextBox 5">
+            <a:extLst>
+              <a:ext uri="{FF2B5EF4-FFF2-40B4-BE49-F238E27FC236}">
+                <a16:creationId xmlns:a16="http://schemas.microsoft.com/office/drawing/2014/main" id="{3B2518F5-D9BD-4B42-93F6-8AD9DCD102DF}"/>
+              </a:ext>
+            </a:extLst>
+          </p:cNvPr>
+          <p:cNvSpPr txBox="1"/>
+          <p:nvPr/>
+        </p:nvSpPr>
+        <p:spPr>
+          <a:xfrm>
+            <a:off x="565727" y="4820589"/>
+            <a:ext cx="8351256" cy="914400"/>
+          </a:xfrm>
+          <a:prstGeom prst="rect">
+            <a:avLst/>
+          </a:prstGeom>
+          <a:noFill/>
+        </p:spPr>
+        <p:txBody>
+          <a:bodyPr wrap="square" numCol="2" rtlCol="0">
+            <a:spAutoFit/>
+          </a:bodyPr>
+          <a:lstStyle/>
+          <a:p>
+            <a:pPr marL="285750" indent="-285750">
+              <a:buFont typeface="Arial" panose="020B0604020202020204" pitchFamily="34" charset="0"/>
+              <a:buChar char="•"/>
+            </a:pPr>
+            <a:r>
+              <a:rPr lang="en-US" dirty="0"/>
+              <a:t>Condition</a:t>
+            </a:r>
+          </a:p>
+          <a:p>
+            <a:pPr marL="285750" indent="-285750">
+              <a:buFont typeface="Arial" panose="020B0604020202020204" pitchFamily="34" charset="0"/>
+              <a:buChar char="•"/>
+            </a:pPr>
+            <a:r>
+              <a:rPr lang="en-US" dirty="0"/>
+              <a:t>Age (category)</a:t>
+            </a:r>
+          </a:p>
+          <a:p>
+            <a:pPr marL="285750" indent="-285750">
+              <a:buFont typeface="Arial" panose="020B0604020202020204" pitchFamily="34" charset="0"/>
+              <a:buChar char="•"/>
+            </a:pPr>
+            <a:r>
+              <a:rPr lang="en-US" dirty="0"/>
+              <a:t>Gender</a:t>
+            </a:r>
+          </a:p>
+          <a:p>
+            <a:pPr marL="285750" indent="-285750">
+              <a:buFont typeface="Arial" panose="020B0604020202020204" pitchFamily="34" charset="0"/>
+              <a:buChar char="•"/>
+            </a:pPr>
+            <a:r>
+              <a:rPr lang="en-US" dirty="0"/>
+              <a:t>Review date</a:t>
+            </a:r>
+          </a:p>
+          <a:p>
+            <a:pPr marL="285750" indent="-285750">
+              <a:buFont typeface="Arial" panose="020B0604020202020204" pitchFamily="34" charset="0"/>
+              <a:buChar char="•"/>
+            </a:pPr>
+            <a:r>
+              <a:rPr lang="en-US" dirty="0"/>
+              <a:t>Treatment time</a:t>
+            </a:r>
+          </a:p>
+          <a:p>
+            <a:pPr marL="285750" indent="-285750">
+              <a:buFont typeface="Arial" panose="020B0604020202020204" pitchFamily="34" charset="0"/>
+              <a:buChar char="•"/>
+            </a:pPr>
+            <a:r>
+              <a:rPr lang="en-US" dirty="0"/>
+              <a:t>Ratings (focus on satisfaction)	</a:t>
+            </a:r>
+          </a:p>
+          <a:p>
+            <a:pPr marL="285750" indent="-285750">
+              <a:buFont typeface="Arial" panose="020B0604020202020204" pitchFamily="34" charset="0"/>
+              <a:buChar char="•"/>
+            </a:pPr>
+            <a:r>
+              <a:rPr lang="en-US" dirty="0"/>
+              <a:t>Comment</a:t>
+            </a:r>
+          </a:p>
+          <a:p>
+            <a:endParaRPr lang="en-US" dirty="0"/>
+          </a:p>
+        </p:txBody>
+      </p:sp>
+      <p:sp>
+        <p:nvSpPr>
+          <p:cNvPr id="3" name="Rectangle 2">
+            <a:extLst>
+              <a:ext uri="{FF2B5EF4-FFF2-40B4-BE49-F238E27FC236}">
+                <a16:creationId xmlns:a16="http://schemas.microsoft.com/office/drawing/2014/main" id="{4FE84692-EC9D-4490-8857-800D71762D91}"/>
+              </a:ext>
+            </a:extLst>
+          </p:cNvPr>
+          <p:cNvSpPr/>
+          <p:nvPr/>
+        </p:nvSpPr>
+        <p:spPr>
+          <a:xfrm>
+            <a:off x="2583809" y="1409705"/>
+            <a:ext cx="914400" cy="206340"/>
+          </a:xfrm>
+          <a:prstGeom prst="rect">
+            <a:avLst/>
+          </a:prstGeom>
+          <a:noFill/>
+          <a:ln>
+            <a:solidFill>
+              <a:srgbClr val="FF0000"/>
+            </a:solidFill>
+          </a:ln>
+        </p:spPr>
+        <p:style>
+          <a:lnRef idx="2">
+            <a:schemeClr val="accent1">
+              <a:shade val="50000"/>
+            </a:schemeClr>
+          </a:lnRef>
+          <a:fillRef idx="1">
+            <a:schemeClr val="accent1"/>
+          </a:fillRef>
+          <a:effectRef idx="0">
+            <a:schemeClr val="accent1"/>
+          </a:effectRef>
+          <a:fontRef idx="minor">
+            <a:schemeClr val="lt1"/>
+          </a:fontRef>
+        </p:style>
+        <p:txBody>
+          <a:bodyPr rtlCol="0" anchor="ctr"/>
+          <a:lstStyle/>
+          <a:p>
+            <a:pPr algn="ctr"/>
+            <a:endParaRPr lang="en-US"/>
+          </a:p>
+        </p:txBody>
+      </p:sp>
+      <p:sp>
+        <p:nvSpPr>
+          <p:cNvPr id="7" name="Rectangle 6">
+            <a:extLst>
+              <a:ext uri="{FF2B5EF4-FFF2-40B4-BE49-F238E27FC236}">
+                <a16:creationId xmlns:a16="http://schemas.microsoft.com/office/drawing/2014/main" id="{E6159486-5B51-46D1-8394-569C13A15BB6}"/>
+              </a:ext>
+            </a:extLst>
+          </p:cNvPr>
+          <p:cNvSpPr/>
+          <p:nvPr/>
+        </p:nvSpPr>
+        <p:spPr>
+          <a:xfrm>
+            <a:off x="2820099" y="1733939"/>
+            <a:ext cx="745222" cy="186585"/>
+          </a:xfrm>
+          <a:prstGeom prst="rect">
+            <a:avLst/>
+          </a:prstGeom>
+          <a:noFill/>
+          <a:ln>
+            <a:solidFill>
+              <a:srgbClr val="FF0000"/>
+            </a:solidFill>
+          </a:ln>
+        </p:spPr>
+        <p:style>
+          <a:lnRef idx="2">
+            <a:schemeClr val="accent1">
+              <a:shade val="50000"/>
+            </a:schemeClr>
+          </a:lnRef>
+          <a:fillRef idx="1">
+            <a:schemeClr val="accent1"/>
+          </a:fillRef>
+          <a:effectRef idx="0">
+            <a:schemeClr val="accent1"/>
+          </a:effectRef>
+          <a:fontRef idx="minor">
+            <a:schemeClr val="lt1"/>
+          </a:fontRef>
+        </p:style>
+        <p:txBody>
+          <a:bodyPr rtlCol="0" anchor="ctr"/>
+          <a:lstStyle/>
+          <a:p>
+            <a:pPr algn="ctr"/>
+            <a:endParaRPr lang="en-US"/>
+          </a:p>
+        </p:txBody>
+      </p:sp>
+      <p:sp>
+        <p:nvSpPr>
+          <p:cNvPr id="8" name="Rectangle 7">
+            <a:extLst>
+              <a:ext uri="{FF2B5EF4-FFF2-40B4-BE49-F238E27FC236}">
+                <a16:creationId xmlns:a16="http://schemas.microsoft.com/office/drawing/2014/main" id="{97FD0119-F1C3-4A82-A2B8-0BA379ACF3B6}"/>
+              </a:ext>
+            </a:extLst>
+          </p:cNvPr>
+          <p:cNvSpPr/>
+          <p:nvPr/>
+        </p:nvSpPr>
+        <p:spPr>
+          <a:xfrm>
+            <a:off x="4685181" y="1717399"/>
+            <a:ext cx="1388447" cy="177734"/>
+          </a:xfrm>
+          <a:prstGeom prst="rect">
+            <a:avLst/>
+          </a:prstGeom>
+          <a:noFill/>
+          <a:ln>
+            <a:solidFill>
+              <a:srgbClr val="FF0000"/>
+            </a:solidFill>
+          </a:ln>
+        </p:spPr>
+        <p:style>
+          <a:lnRef idx="2">
+            <a:schemeClr val="accent1">
+              <a:shade val="50000"/>
+            </a:schemeClr>
+          </a:lnRef>
+          <a:fillRef idx="1">
+            <a:schemeClr val="accent1"/>
+          </a:fillRef>
+          <a:effectRef idx="0">
+            <a:schemeClr val="accent1"/>
+          </a:effectRef>
+          <a:fontRef idx="minor">
+            <a:schemeClr val="lt1"/>
+          </a:fontRef>
+        </p:style>
+        <p:txBody>
+          <a:bodyPr rtlCol="0" anchor="ctr"/>
+          <a:lstStyle/>
+          <a:p>
+            <a:pPr algn="ctr"/>
+            <a:endParaRPr lang="en-US"/>
+          </a:p>
+        </p:txBody>
+      </p:sp>
+      <p:sp>
+        <p:nvSpPr>
+          <p:cNvPr id="9" name="Rectangle 8">
+            <a:extLst>
+              <a:ext uri="{FF2B5EF4-FFF2-40B4-BE49-F238E27FC236}">
+                <a16:creationId xmlns:a16="http://schemas.microsoft.com/office/drawing/2014/main" id="{DA7AC049-F8FE-4208-A116-E1E7BD7F25B0}"/>
+              </a:ext>
+            </a:extLst>
+          </p:cNvPr>
+          <p:cNvSpPr/>
+          <p:nvPr/>
+        </p:nvSpPr>
+        <p:spPr>
+          <a:xfrm>
+            <a:off x="6196598" y="1416721"/>
+            <a:ext cx="914401" cy="199323"/>
+          </a:xfrm>
+          <a:prstGeom prst="rect">
+            <a:avLst/>
+          </a:prstGeom>
+          <a:noFill/>
+          <a:ln>
+            <a:solidFill>
+              <a:srgbClr val="FF0000"/>
+            </a:solidFill>
+          </a:ln>
+        </p:spPr>
+        <p:style>
+          <a:lnRef idx="2">
+            <a:schemeClr val="accent1">
+              <a:shade val="50000"/>
+            </a:schemeClr>
+          </a:lnRef>
+          <a:fillRef idx="1">
+            <a:schemeClr val="accent1"/>
+          </a:fillRef>
+          <a:effectRef idx="0">
+            <a:schemeClr val="accent1"/>
+          </a:effectRef>
+          <a:fontRef idx="minor">
+            <a:schemeClr val="lt1"/>
+          </a:fontRef>
+        </p:style>
+        <p:txBody>
+          <a:bodyPr rtlCol="0" anchor="ctr"/>
+          <a:lstStyle/>
+          <a:p>
+            <a:pPr algn="ctr"/>
+            <a:endParaRPr lang="en-US"/>
+          </a:p>
+        </p:txBody>
+      </p:sp>
+      <p:sp>
+        <p:nvSpPr>
+          <p:cNvPr id="10" name="Rectangle 9">
+            <a:extLst>
+              <a:ext uri="{FF2B5EF4-FFF2-40B4-BE49-F238E27FC236}">
+                <a16:creationId xmlns:a16="http://schemas.microsoft.com/office/drawing/2014/main" id="{C11D1E54-D7EE-434D-B000-F31240D57B2B}"/>
+              </a:ext>
+            </a:extLst>
+          </p:cNvPr>
+          <p:cNvSpPr/>
+          <p:nvPr/>
+        </p:nvSpPr>
+        <p:spPr>
+          <a:xfrm>
+            <a:off x="5599649" y="2077709"/>
+            <a:ext cx="1511350" cy="825237"/>
+          </a:xfrm>
+          <a:prstGeom prst="rect">
+            <a:avLst/>
+          </a:prstGeom>
+          <a:noFill/>
+          <a:ln>
+            <a:solidFill>
+              <a:srgbClr val="FF0000"/>
+            </a:solidFill>
+          </a:ln>
+        </p:spPr>
+        <p:style>
+          <a:lnRef idx="2">
+            <a:schemeClr val="accent1">
+              <a:shade val="50000"/>
+            </a:schemeClr>
+          </a:lnRef>
+          <a:fillRef idx="1">
+            <a:schemeClr val="accent1"/>
+          </a:fillRef>
+          <a:effectRef idx="0">
+            <a:schemeClr val="accent1"/>
+          </a:effectRef>
+          <a:fontRef idx="minor">
+            <a:schemeClr val="lt1"/>
+          </a:fontRef>
+        </p:style>
+        <p:txBody>
+          <a:bodyPr rtlCol="0" anchor="ctr"/>
+          <a:lstStyle/>
+          <a:p>
+            <a:pPr algn="ctr"/>
+            <a:endParaRPr lang="en-US"/>
+          </a:p>
+        </p:txBody>
+      </p:sp>
+      <p:sp>
+        <p:nvSpPr>
+          <p:cNvPr id="11" name="Rectangle 10">
+            <a:extLst>
+              <a:ext uri="{FF2B5EF4-FFF2-40B4-BE49-F238E27FC236}">
+                <a16:creationId xmlns:a16="http://schemas.microsoft.com/office/drawing/2014/main" id="{12535150-0FBB-4AC5-9876-D0625529D5A7}"/>
+              </a:ext>
+            </a:extLst>
+          </p:cNvPr>
+          <p:cNvSpPr/>
+          <p:nvPr/>
+        </p:nvSpPr>
+        <p:spPr>
+          <a:xfrm>
+            <a:off x="1722893" y="3257801"/>
+            <a:ext cx="5667808" cy="355658"/>
+          </a:xfrm>
+          <a:prstGeom prst="rect">
+            <a:avLst/>
+          </a:prstGeom>
+          <a:noFill/>
+          <a:ln>
+            <a:solidFill>
+              <a:srgbClr val="FF0000"/>
+            </a:solidFill>
+          </a:ln>
+        </p:spPr>
+        <p:style>
+          <a:lnRef idx="2">
+            <a:schemeClr val="accent1">
+              <a:shade val="50000"/>
+            </a:schemeClr>
+          </a:lnRef>
+          <a:fillRef idx="1">
+            <a:schemeClr val="accent1"/>
+          </a:fillRef>
+          <a:effectRef idx="0">
+            <a:schemeClr val="accent1"/>
+          </a:effectRef>
+          <a:fontRef idx="minor">
+            <a:schemeClr val="lt1"/>
+          </a:fontRef>
+        </p:style>
+        <p:txBody>
+          <a:bodyPr rtlCol="0" anchor="ctr"/>
+          <a:lstStyle/>
+          <a:p>
+            <a:pPr algn="ctr"/>
+            <a:endParaRPr lang="en-US"/>
+          </a:p>
+        </p:txBody>
+      </p:sp>
+      <p:sp>
+        <p:nvSpPr>
+          <p:cNvPr id="12" name="TextBox 11">
+            <a:extLst>
+              <a:ext uri="{FF2B5EF4-FFF2-40B4-BE49-F238E27FC236}">
+                <a16:creationId xmlns:a16="http://schemas.microsoft.com/office/drawing/2014/main" id="{E9DA3620-39BD-4F53-9A84-62B2872C60CB}"/>
+              </a:ext>
+            </a:extLst>
+          </p:cNvPr>
+          <p:cNvSpPr txBox="1"/>
+          <p:nvPr/>
+        </p:nvSpPr>
+        <p:spPr>
+          <a:xfrm>
+            <a:off x="565727" y="6216242"/>
+            <a:ext cx="6757862" cy="369332"/>
+          </a:xfrm>
+          <a:prstGeom prst="rect">
+            <a:avLst/>
+          </a:prstGeom>
+          <a:noFill/>
+        </p:spPr>
+        <p:txBody>
+          <a:bodyPr wrap="square" rtlCol="0">
+            <a:spAutoFit/>
+          </a:bodyPr>
+          <a:lstStyle/>
+          <a:p>
+            <a:r>
+              <a:rPr lang="en-US" dirty="0"/>
+              <a:t>Total observations scraped: 8303 over 3 medications</a:t>
+            </a:r>
+          </a:p>
+        </p:txBody>
+      </p:sp>
+    </p:spTree>
+    <p:extLst>
+      <p:ext uri="{BB962C8B-B14F-4D97-AF65-F5344CB8AC3E}">
+        <p14:creationId xmlns:p14="http://schemas.microsoft.com/office/powerpoint/2010/main" val="3223003444"/>
+      </p:ext>
+    </p:extLst>
+  </p:cSld>
+  <p:clrMapOvr>
+    <a:masterClrMapping/>
+  </p:clrMapOvr>
+</p:sld>
+</file>
+
+<file path=ppt/slides/slide5.xml><?xml version="1.0" encoding="utf-8"?>
+<p:sld xmlns:a="http://schemas.openxmlformats.org/drawingml/2006/main" xmlns:r="http://schemas.openxmlformats.org/officeDocument/2006/relationships" xmlns:p="http://schemas.openxmlformats.org/presentationml/2006/main">
+  <p:cSld>
+    <p:spTree>
+      <p:nvGrpSpPr>
+        <p:cNvPr id="1" name=""/>
+        <p:cNvGrpSpPr/>
+        <p:nvPr/>
+      </p:nvGrpSpPr>
+      <p:grpSpPr>
+        <a:xfrm>
+          <a:off x="0" y="0"/>
+          <a:ext cx="0" cy="0"/>
+          <a:chOff x="0" y="0"/>
+          <a:chExt cx="0" cy="0"/>
+        </a:xfrm>
+      </p:grpSpPr>
+      <p:sp>
+        <p:nvSpPr>
+          <p:cNvPr id="2" name="Title 1">
+            <a:extLst>
+              <a:ext uri="{FF2B5EF4-FFF2-40B4-BE49-F238E27FC236}">
+                <a16:creationId xmlns:a16="http://schemas.microsoft.com/office/drawing/2014/main" id="{A5023D60-59AD-4088-9360-9FA065590C2C}"/>
+              </a:ext>
+            </a:extLst>
+          </p:cNvPr>
+          <p:cNvSpPr>
+            <a:spLocks noGrp="1"/>
+          </p:cNvSpPr>
+          <p:nvPr>
+            <p:ph type="title"/>
+          </p:nvPr>
+        </p:nvSpPr>
+        <p:spPr>
+          <a:xfrm>
+            <a:off x="677334" y="239552"/>
+            <a:ext cx="8596668" cy="1320800"/>
+          </a:xfrm>
+        </p:spPr>
+        <p:txBody>
+          <a:bodyPr/>
+          <a:lstStyle/>
+          <a:p>
+            <a:r>
+              <a:rPr lang="en-US" dirty="0"/>
+              <a:t>Observations &amp; Questions</a:t>
+            </a:r>
+          </a:p>
+        </p:txBody>
+      </p:sp>
+      <p:sp>
+        <p:nvSpPr>
+          <p:cNvPr id="3" name="Content Placeholder 2">
+            <a:extLst>
+              <a:ext uri="{FF2B5EF4-FFF2-40B4-BE49-F238E27FC236}">
+                <a16:creationId xmlns:a16="http://schemas.microsoft.com/office/drawing/2014/main" id="{DC31AC57-E23C-4401-B792-95BBA9C2CE0A}"/>
+              </a:ext>
+            </a:extLst>
+          </p:cNvPr>
+          <p:cNvSpPr>
+            <a:spLocks noGrp="1"/>
+          </p:cNvSpPr>
+          <p:nvPr>
+            <p:ph idx="1"/>
+          </p:nvPr>
+        </p:nvSpPr>
+        <p:spPr>
+          <a:xfrm>
+            <a:off x="677334" y="1249960"/>
+            <a:ext cx="8596668" cy="5268286"/>
+          </a:xfrm>
+        </p:spPr>
+        <p:txBody>
+          <a:bodyPr>
+            <a:normAutofit/>
+          </a:bodyPr>
+          <a:lstStyle/>
+          <a:p>
+            <a:pPr marL="0" indent="0">
+              <a:buNone/>
+            </a:pPr>
+            <a:r>
+              <a:rPr lang="en-US" dirty="0"/>
+              <a:t>General description of dataset:</a:t>
+            </a:r>
+          </a:p>
+          <a:p>
+            <a:pPr marL="0" indent="0">
+              <a:buNone/>
+            </a:pPr>
+            <a:endParaRPr lang="en-US" dirty="0"/>
+          </a:p>
+          <a:p>
+            <a:pPr marL="0" indent="0">
+              <a:buNone/>
+            </a:pPr>
+            <a:endParaRPr lang="en-US" dirty="0"/>
+          </a:p>
+          <a:p>
+            <a:pPr marL="0" indent="0">
+              <a:buNone/>
+            </a:pPr>
+            <a:endParaRPr lang="en-US" dirty="0"/>
+          </a:p>
+          <a:p>
+            <a:pPr marL="0" indent="0">
+              <a:buNone/>
+            </a:pPr>
+            <a:endParaRPr lang="en-US" dirty="0"/>
+          </a:p>
+          <a:p>
+            <a:pPr marL="0" indent="0">
+              <a:buNone/>
+            </a:pPr>
+            <a:endParaRPr lang="en-US" dirty="0"/>
+          </a:p>
+          <a:p>
+            <a:pPr marL="0" indent="0">
+              <a:buNone/>
+            </a:pPr>
+            <a:endParaRPr lang="en-US" dirty="0"/>
+          </a:p>
+          <a:p>
+            <a:pPr marL="0" indent="0">
+              <a:buNone/>
+            </a:pPr>
+            <a:endParaRPr lang="en-US" dirty="0"/>
+          </a:p>
+          <a:p>
+            <a:pPr marL="0" indent="0">
+              <a:buNone/>
+            </a:pPr>
+            <a:endParaRPr lang="en-US" dirty="0"/>
+          </a:p>
+          <a:p>
+            <a:pPr marL="0" indent="0">
+              <a:buNone/>
+            </a:pPr>
+            <a:endParaRPr lang="en-US" dirty="0"/>
+          </a:p>
+          <a:p>
+            <a:pPr marL="0" indent="0">
+              <a:buNone/>
+            </a:pPr>
+            <a:r>
+              <a:rPr lang="en-US" dirty="0"/>
+              <a:t>Question: Is there really a difference in satisfaction between these three drugs?</a:t>
+            </a:r>
+          </a:p>
+          <a:p>
+            <a:pPr marL="0" indent="0">
+              <a:buNone/>
+            </a:pPr>
+            <a:endParaRPr lang="en-US" dirty="0"/>
+          </a:p>
+        </p:txBody>
+      </p:sp>
+      <p:graphicFrame>
+        <p:nvGraphicFramePr>
+          <p:cNvPr id="6" name="Table 5">
+            <a:extLst>
+              <a:ext uri="{FF2B5EF4-FFF2-40B4-BE49-F238E27FC236}">
+                <a16:creationId xmlns:a16="http://schemas.microsoft.com/office/drawing/2014/main" id="{83553C15-A03E-447B-A324-D0A9AADD1AFF}"/>
+              </a:ext>
+            </a:extLst>
+          </p:cNvPr>
+          <p:cNvGraphicFramePr>
+            <a:graphicFrameLocks noGrp="1"/>
+          </p:cNvGraphicFramePr>
+          <p:nvPr>
+            <p:extLst>
+              <p:ext uri="{D42A27DB-BD31-4B8C-83A1-F6EECF244321}">
+                <p14:modId xmlns:p14="http://schemas.microsoft.com/office/powerpoint/2010/main" val="2385200159"/>
+              </p:ext>
+            </p:extLst>
+          </p:nvPr>
+        </p:nvGraphicFramePr>
+        <p:xfrm>
+          <a:off x="1977038" y="2038526"/>
+          <a:ext cx="5997260" cy="2947060"/>
+        </p:xfrm>
+        <a:graphic>
+          <a:graphicData uri="http://schemas.openxmlformats.org/drawingml/2006/table">
+            <a:tbl>
+              <a:tblPr firstRow="1" bandRow="1">
+                <a:tableStyleId>{5C22544A-7EE6-4342-B048-85BDC9FD1C3A}</a:tableStyleId>
+              </a:tblPr>
+              <a:tblGrid>
+                <a:gridCol w="1206056">
+                  <a:extLst>
+                    <a:ext uri="{9D8B030D-6E8A-4147-A177-3AD203B41FA5}">
+                      <a16:colId xmlns:a16="http://schemas.microsoft.com/office/drawing/2014/main" val="2929562166"/>
+                    </a:ext>
+                  </a:extLst>
+                </a:gridCol>
+                <a:gridCol w="1192848">
+                  <a:extLst>
+                    <a:ext uri="{9D8B030D-6E8A-4147-A177-3AD203B41FA5}">
+                      <a16:colId xmlns:a16="http://schemas.microsoft.com/office/drawing/2014/main" val="3513922492"/>
+                    </a:ext>
+                  </a:extLst>
+                </a:gridCol>
+                <a:gridCol w="1199452">
+                  <a:extLst>
+                    <a:ext uri="{9D8B030D-6E8A-4147-A177-3AD203B41FA5}">
+                      <a16:colId xmlns:a16="http://schemas.microsoft.com/office/drawing/2014/main" val="2821553527"/>
+                    </a:ext>
+                  </a:extLst>
+                </a:gridCol>
+                <a:gridCol w="1199452">
+                  <a:extLst>
+                    <a:ext uri="{9D8B030D-6E8A-4147-A177-3AD203B41FA5}">
+                      <a16:colId xmlns:a16="http://schemas.microsoft.com/office/drawing/2014/main" val="1631657208"/>
+                    </a:ext>
+                  </a:extLst>
+                </a:gridCol>
+                <a:gridCol w="1199452">
+                  <a:extLst>
+                    <a:ext uri="{9D8B030D-6E8A-4147-A177-3AD203B41FA5}">
+                      <a16:colId xmlns:a16="http://schemas.microsoft.com/office/drawing/2014/main" val="1262562013"/>
+                    </a:ext>
+                  </a:extLst>
+                </a:gridCol>
+              </a:tblGrid>
+              <a:tr h="574291">
+                <a:tc>
+                  <a:txBody>
+                    <a:bodyPr/>
+                    <a:lstStyle/>
+                    <a:p>
+                      <a:pPr algn="ctr" rtl="0" fontAlgn="ctr"/>
+                      <a:r>
+                        <a:rPr lang="en-US" sz="1600" b="1" i="0" u="none" strike="noStrike" dirty="0">
+                          <a:solidFill>
+                            <a:schemeClr val="tx1"/>
+                          </a:solidFill>
+                          <a:effectLst/>
+                          <a:latin typeface="Trebuchet MS" panose="020B0603020202020204" pitchFamily="34" charset="0"/>
+                        </a:rPr>
+                        <a:t>Drug</a:t>
+                      </a:r>
+                    </a:p>
+                  </a:txBody>
+                  <a:tcPr marL="9525" marR="9525" marT="9525" marB="0" anchor="ctr"/>
+                </a:tc>
+                <a:tc gridSpan="3">
+                  <a:txBody>
+                    <a:bodyPr/>
+                    <a:lstStyle/>
+                    <a:p>
+                      <a:pPr algn="ctr" rtl="0" fontAlgn="ctr"/>
+                      <a:r>
+                        <a:rPr lang="en-US" sz="1600" b="0" i="0" u="none" strike="noStrike" dirty="0">
+                          <a:solidFill>
+                            <a:srgbClr val="000000"/>
+                          </a:solidFill>
+                          <a:effectLst/>
+                          <a:latin typeface="Trebuchet MS" panose="020B0603020202020204" pitchFamily="34" charset="0"/>
+                        </a:rPr>
+                        <a:t>Most frequent</a:t>
+                      </a:r>
+                    </a:p>
+                  </a:txBody>
+                  <a:tcPr marL="9525" marR="9525" marT="9525" marB="0" anchor="ctr"/>
+                </a:tc>
+                <a:tc hMerge="1">
+                  <a:txBody>
+                    <a:bodyPr/>
+                    <a:lstStyle/>
+                    <a:p>
+                      <a:pPr algn="ctr" rtl="0" fontAlgn="ctr"/>
+                      <a:endParaRPr lang="en-US" sz="1600" b="0" i="0" u="none" strike="noStrike" dirty="0">
+                        <a:solidFill>
+                          <a:srgbClr val="000000"/>
+                        </a:solidFill>
+                        <a:effectLst/>
+                        <a:latin typeface="Trebuchet MS" panose="020B0603020202020204" pitchFamily="34" charset="0"/>
+                      </a:endParaRPr>
+                    </a:p>
+                  </a:txBody>
+                  <a:tcPr marL="9525" marR="9525" marT="9525" marB="0" anchor="ctr"/>
+                </a:tc>
+                <a:tc hMerge="1">
+                  <a:txBody>
+                    <a:bodyPr/>
+                    <a:lstStyle/>
+                    <a:p>
+                      <a:pPr algn="ctr" rtl="0" fontAlgn="ctr"/>
+                      <a:endParaRPr lang="en-US" sz="1600" b="0" i="0" u="none" strike="noStrike" dirty="0">
+                        <a:solidFill>
+                          <a:srgbClr val="000000"/>
+                        </a:solidFill>
+                        <a:effectLst/>
+                        <a:latin typeface="Trebuchet MS" panose="020B0603020202020204" pitchFamily="34" charset="0"/>
+                      </a:endParaRPr>
+                    </a:p>
+                  </a:txBody>
+                  <a:tcPr marL="9525" marR="9525" marT="9525" marB="0" anchor="ctr"/>
+                </a:tc>
+                <a:tc>
+                  <a:txBody>
+                    <a:bodyPr/>
+                    <a:lstStyle/>
+                    <a:p>
+                      <a:pPr algn="ctr" rtl="0" fontAlgn="ctr"/>
+                      <a:r>
+                        <a:rPr lang="en-US" sz="1600" b="0" i="0" u="none" strike="noStrike" dirty="0" err="1">
+                          <a:solidFill>
+                            <a:srgbClr val="000000"/>
+                          </a:solidFill>
+                          <a:effectLst/>
+                          <a:latin typeface="Trebuchet MS" panose="020B0603020202020204" pitchFamily="34" charset="0"/>
+                        </a:rPr>
+                        <a:t>Avgerage</a:t>
+                      </a:r>
+                      <a:endParaRPr lang="en-US" sz="1600" b="0" i="0" u="none" strike="noStrike" dirty="0">
+                        <a:solidFill>
+                          <a:srgbClr val="000000"/>
+                        </a:solidFill>
+                        <a:effectLst/>
+                        <a:latin typeface="Trebuchet MS" panose="020B0603020202020204" pitchFamily="34" charset="0"/>
+                      </a:endParaRPr>
+                    </a:p>
+                  </a:txBody>
+                  <a:tcPr marL="9525" marR="9525" marT="9525" marB="0" anchor="ctr"/>
+                </a:tc>
+                <a:extLst>
+                  <a:ext uri="{0D108BD9-81ED-4DB2-BD59-A6C34878D82A}">
+                    <a16:rowId xmlns:a16="http://schemas.microsoft.com/office/drawing/2014/main" val="2404634098"/>
+                  </a:ext>
+                </a:extLst>
+              </a:tr>
+              <a:tr h="574291">
+                <a:tc>
+                  <a:txBody>
+                    <a:bodyPr/>
+                    <a:lstStyle/>
+                    <a:p>
+                      <a:pPr algn="ctr" rtl="0" fontAlgn="ctr"/>
+                      <a:endParaRPr lang="en-US" sz="1600" b="1" i="0" u="none" strike="noStrike" dirty="0">
+                        <a:solidFill>
+                          <a:srgbClr val="FFFFFF"/>
+                        </a:solidFill>
+                        <a:effectLst/>
+                        <a:latin typeface="Trebuchet MS" panose="020B0603020202020204" pitchFamily="34" charset="0"/>
+                      </a:endParaRPr>
+                    </a:p>
+                  </a:txBody>
+                  <a:tcPr marL="9525" marR="9525" marT="9525" marB="0" anchor="ctr"/>
+                </a:tc>
+                <a:tc>
+                  <a:txBody>
+                    <a:bodyPr/>
+                    <a:lstStyle/>
+                    <a:p>
+                      <a:pPr algn="ctr" rtl="0" fontAlgn="ctr"/>
+                      <a:r>
+                        <a:rPr lang="en-US" sz="1600" b="0" i="0" u="none" strike="noStrike" dirty="0">
+                          <a:solidFill>
+                            <a:srgbClr val="000000"/>
+                          </a:solidFill>
+                          <a:effectLst/>
+                          <a:latin typeface="Trebuchet MS" panose="020B0603020202020204" pitchFamily="34" charset="0"/>
+                        </a:rPr>
+                        <a:t>Condition</a:t>
+                      </a:r>
+                    </a:p>
+                  </a:txBody>
+                  <a:tcPr marL="9525" marR="9525" marT="9525" marB="0" anchor="ctr"/>
+                </a:tc>
+                <a:tc>
+                  <a:txBody>
+                    <a:bodyPr/>
+                    <a:lstStyle/>
+                    <a:p>
+                      <a:pPr algn="ctr" rtl="0" fontAlgn="ctr"/>
+                      <a:r>
+                        <a:rPr lang="en-US" sz="1600" b="0" i="0" u="none" strike="noStrike" dirty="0">
+                          <a:solidFill>
+                            <a:srgbClr val="000000"/>
+                          </a:solidFill>
+                          <a:effectLst/>
+                          <a:latin typeface="Trebuchet MS" panose="020B0603020202020204" pitchFamily="34" charset="0"/>
+                        </a:rPr>
+                        <a:t>Age range</a:t>
+                      </a:r>
+                    </a:p>
+                  </a:txBody>
+                  <a:tcPr marL="9525" marR="9525" marT="9525" marB="0" anchor="ctr"/>
+                </a:tc>
+                <a:tc>
+                  <a:txBody>
+                    <a:bodyPr/>
+                    <a:lstStyle/>
+                    <a:p>
+                      <a:pPr algn="ctr" rtl="0" fontAlgn="ctr"/>
+                      <a:r>
+                        <a:rPr lang="en-US" sz="1600" b="0" i="0" u="none" strike="noStrike" dirty="0">
+                          <a:solidFill>
+                            <a:srgbClr val="000000"/>
+                          </a:solidFill>
+                          <a:effectLst/>
+                          <a:latin typeface="Trebuchet MS" panose="020B0603020202020204" pitchFamily="34" charset="0"/>
+                        </a:rPr>
+                        <a:t>Gender</a:t>
+                      </a:r>
+                    </a:p>
+                  </a:txBody>
+                  <a:tcPr marL="9525" marR="9525" marT="9525" marB="0" anchor="ctr"/>
+                </a:tc>
+                <a:tc>
+                  <a:txBody>
+                    <a:bodyPr/>
+                    <a:lstStyle/>
+                    <a:p>
+                      <a:pPr algn="ctr" rtl="0" fontAlgn="ctr"/>
+                      <a:r>
+                        <a:rPr lang="en-US" sz="1600" b="0" i="0" u="none" strike="noStrike" dirty="0">
+                          <a:solidFill>
+                            <a:srgbClr val="000000"/>
+                          </a:solidFill>
+                          <a:effectLst/>
+                          <a:latin typeface="Trebuchet MS" panose="020B0603020202020204" pitchFamily="34" charset="0"/>
+                        </a:rPr>
+                        <a:t>Satisfaction</a:t>
+                      </a:r>
+                    </a:p>
+                  </a:txBody>
+                  <a:tcPr marL="9525" marR="9525" marT="9525" marB="0" anchor="ctr"/>
+                </a:tc>
+                <a:extLst>
+                  <a:ext uri="{0D108BD9-81ED-4DB2-BD59-A6C34878D82A}">
+                    <a16:rowId xmlns:a16="http://schemas.microsoft.com/office/drawing/2014/main" val="1544207051"/>
+                  </a:ext>
+                </a:extLst>
+              </a:tr>
+              <a:tr h="578624">
+                <a:tc>
+                  <a:txBody>
+                    <a:bodyPr/>
+                    <a:lstStyle/>
+                    <a:p>
+                      <a:pPr algn="ctr" fontAlgn="b"/>
+                      <a:r>
+                        <a:rPr lang="en-US" sz="1600" b="0" i="0" u="none" strike="noStrike" dirty="0">
+                          <a:solidFill>
+                            <a:srgbClr val="000000"/>
+                          </a:solidFill>
+                          <a:effectLst/>
+                          <a:latin typeface="+mj-lt"/>
+                        </a:rPr>
+                        <a:t>Cymbalta</a:t>
+                      </a:r>
+                    </a:p>
+                  </a:txBody>
+                  <a:tcPr marL="9525" marR="9525" marT="9525" marB="0" anchor="ctr"/>
+                </a:tc>
+                <a:tc>
+                  <a:txBody>
+                    <a:bodyPr/>
+                    <a:lstStyle/>
+                    <a:p>
+                      <a:pPr algn="ctr" rtl="0" fontAlgn="ctr"/>
+                      <a:r>
+                        <a:rPr lang="en-US" sz="1600" b="0" i="0" u="none" strike="noStrike" dirty="0">
+                          <a:solidFill>
+                            <a:srgbClr val="000000"/>
+                          </a:solidFill>
+                          <a:effectLst/>
+                          <a:latin typeface="Trebuchet MS" panose="020B0603020202020204" pitchFamily="34" charset="0"/>
+                        </a:rPr>
+                        <a:t>Depression</a:t>
+                      </a:r>
+                    </a:p>
+                  </a:txBody>
+                  <a:tcPr marL="9525" marR="9525" marT="9525" marB="0" anchor="ctr"/>
+                </a:tc>
+                <a:tc>
+                  <a:txBody>
+                    <a:bodyPr/>
+                    <a:lstStyle/>
+                    <a:p>
+                      <a:pPr algn="ctr" rtl="0" fontAlgn="ctr"/>
+                      <a:r>
+                        <a:rPr lang="en-US" sz="1600" b="0" i="0" u="none" strike="noStrike" dirty="0">
+                          <a:solidFill>
+                            <a:srgbClr val="000000"/>
+                          </a:solidFill>
+                          <a:effectLst/>
+                          <a:latin typeface="Trebuchet MS" panose="020B0603020202020204" pitchFamily="34" charset="0"/>
+                        </a:rPr>
+                        <a:t>45 – 54</a:t>
+                      </a:r>
+                    </a:p>
+                  </a:txBody>
+                  <a:tcPr marL="9525" marR="9525" marT="9525" marB="0" anchor="ctr"/>
+                </a:tc>
+                <a:tc>
+                  <a:txBody>
+                    <a:bodyPr/>
+                    <a:lstStyle/>
+                    <a:p>
+                      <a:pPr algn="ctr" rtl="0" fontAlgn="ctr"/>
+                      <a:r>
+                        <a:rPr lang="en-US" sz="1600" b="0" i="0" u="none" strike="noStrike" dirty="0">
+                          <a:solidFill>
+                            <a:srgbClr val="000000"/>
+                          </a:solidFill>
+                          <a:effectLst/>
+                          <a:latin typeface="Trebuchet MS" panose="020B0603020202020204" pitchFamily="34" charset="0"/>
+                        </a:rPr>
+                        <a:t>Female</a:t>
+                      </a:r>
+                    </a:p>
+                  </a:txBody>
+                  <a:tcPr marL="9525" marR="9525" marT="9525" marB="0" anchor="ctr"/>
+                </a:tc>
+                <a:tc>
+                  <a:txBody>
+                    <a:bodyPr/>
+                    <a:lstStyle/>
+                    <a:p>
+                      <a:pPr algn="ctr" rtl="0" fontAlgn="ctr"/>
+                      <a:r>
+                        <a:rPr lang="en-US" sz="1600" b="0" i="0" u="none" strike="noStrike" dirty="0">
+                          <a:solidFill>
+                            <a:srgbClr val="000000"/>
+                          </a:solidFill>
+                          <a:effectLst/>
+                          <a:latin typeface="Trebuchet MS" panose="020B0603020202020204" pitchFamily="34" charset="0"/>
+                        </a:rPr>
+                        <a:t>2.9 / 5</a:t>
+                      </a:r>
+                    </a:p>
+                  </a:txBody>
+                  <a:tcPr marL="9525" marR="9525" marT="9525" marB="0" anchor="ctr"/>
+                </a:tc>
+                <a:extLst>
+                  <a:ext uri="{0D108BD9-81ED-4DB2-BD59-A6C34878D82A}">
+                    <a16:rowId xmlns:a16="http://schemas.microsoft.com/office/drawing/2014/main" val="981778354"/>
+                  </a:ext>
+                </a:extLst>
+              </a:tr>
+              <a:tr h="578624">
+                <a:tc>
+                  <a:txBody>
+                    <a:bodyPr/>
+                    <a:lstStyle/>
+                    <a:p>
+                      <a:pPr algn="ctr"/>
+                      <a:r>
+                        <a:rPr lang="en-US" sz="1600" dirty="0"/>
+                        <a:t>Effexor</a:t>
+                      </a:r>
+                    </a:p>
+                  </a:txBody>
+                  <a:tcPr anchor="ctr"/>
+                </a:tc>
+                <a:tc>
+                  <a:txBody>
+                    <a:bodyPr/>
+                    <a:lstStyle/>
+                    <a:p>
+                      <a:pPr algn="ctr" rtl="0" fontAlgn="ctr"/>
+                      <a:r>
+                        <a:rPr lang="en-US" sz="1600" b="0" i="0" u="none" strike="noStrike" dirty="0">
+                          <a:solidFill>
+                            <a:srgbClr val="000000"/>
+                          </a:solidFill>
+                          <a:effectLst/>
+                          <a:latin typeface="Trebuchet MS" panose="020B0603020202020204" pitchFamily="34" charset="0"/>
+                        </a:rPr>
+                        <a:t>Depression</a:t>
+                      </a:r>
+                    </a:p>
+                  </a:txBody>
+                  <a:tcPr marL="9525" marR="9525" marT="9525" marB="0" anchor="ctr"/>
+                </a:tc>
+                <a:tc>
+                  <a:txBody>
+                    <a:bodyPr/>
+                    <a:lstStyle/>
+                    <a:p>
+                      <a:pPr algn="ctr" rtl="0" fontAlgn="ctr"/>
+                      <a:r>
+                        <a:rPr lang="en-US" sz="1600" b="0" i="0" u="none" strike="noStrike" dirty="0">
+                          <a:solidFill>
+                            <a:srgbClr val="000000"/>
+                          </a:solidFill>
+                          <a:effectLst/>
+                          <a:latin typeface="Trebuchet MS" panose="020B0603020202020204" pitchFamily="34" charset="0"/>
+                        </a:rPr>
+                        <a:t>45 – 54</a:t>
+                      </a:r>
+                    </a:p>
+                  </a:txBody>
+                  <a:tcPr marL="9525" marR="9525" marT="9525" marB="0" anchor="ctr"/>
+                </a:tc>
+                <a:tc>
+                  <a:txBody>
+                    <a:bodyPr/>
+                    <a:lstStyle/>
+                    <a:p>
+                      <a:pPr algn="ctr" rtl="0" fontAlgn="ctr"/>
+                      <a:r>
+                        <a:rPr lang="en-US" sz="1600" b="0" i="0" u="none" strike="noStrike" dirty="0">
+                          <a:solidFill>
+                            <a:srgbClr val="000000"/>
+                          </a:solidFill>
+                          <a:effectLst/>
+                          <a:latin typeface="Trebuchet MS" panose="020B0603020202020204" pitchFamily="34" charset="0"/>
+                        </a:rPr>
+                        <a:t>Female</a:t>
+                      </a:r>
+                    </a:p>
+                  </a:txBody>
+                  <a:tcPr marL="9525" marR="9525" marT="9525" marB="0" anchor="ctr"/>
+                </a:tc>
+                <a:tc>
+                  <a:txBody>
+                    <a:bodyPr/>
+                    <a:lstStyle/>
+                    <a:p>
+                      <a:pPr algn="ctr" rtl="0" fontAlgn="ctr"/>
+                      <a:r>
+                        <a:rPr lang="en-US" sz="1600" b="0" i="0" u="none" strike="noStrike" dirty="0">
+                          <a:solidFill>
+                            <a:srgbClr val="000000"/>
+                          </a:solidFill>
+                          <a:effectLst/>
+                          <a:latin typeface="Trebuchet MS" panose="020B0603020202020204" pitchFamily="34" charset="0"/>
+                        </a:rPr>
+                        <a:t>3.1 / 5</a:t>
+                      </a:r>
+                    </a:p>
+                  </a:txBody>
+                  <a:tcPr marL="9525" marR="9525" marT="9525" marB="0" anchor="ctr"/>
+                </a:tc>
+                <a:extLst>
+                  <a:ext uri="{0D108BD9-81ED-4DB2-BD59-A6C34878D82A}">
+                    <a16:rowId xmlns:a16="http://schemas.microsoft.com/office/drawing/2014/main" val="4012036181"/>
+                  </a:ext>
+                </a:extLst>
+              </a:tr>
+              <a:tr h="641230">
+                <a:tc>
+                  <a:txBody>
+                    <a:bodyPr/>
+                    <a:lstStyle/>
+                    <a:p>
+                      <a:pPr algn="ctr"/>
+                      <a:r>
+                        <a:rPr lang="en-US" sz="1600" dirty="0"/>
+                        <a:t>Pristiq</a:t>
+                      </a:r>
+                    </a:p>
+                  </a:txBody>
+                  <a:tcPr anchor="ctr"/>
+                </a:tc>
+                <a:tc>
+                  <a:txBody>
+                    <a:bodyPr/>
+                    <a:lstStyle/>
+                    <a:p>
+                      <a:pPr algn="ctr"/>
+                      <a:r>
+                        <a:rPr lang="en-US" sz="1600" dirty="0"/>
+                        <a:t>Depression</a:t>
+                      </a:r>
+                    </a:p>
+                  </a:txBody>
+                  <a:tcPr anchor="ctr"/>
+                </a:tc>
+                <a:tc>
+                  <a:txBody>
+                    <a:bodyPr/>
+                    <a:lstStyle/>
+                    <a:p>
+                      <a:pPr algn="ctr" rtl="0" fontAlgn="ctr"/>
+                      <a:r>
+                        <a:rPr lang="en-US" sz="1600" b="0" i="0" u="none" strike="noStrike" dirty="0">
+                          <a:solidFill>
+                            <a:srgbClr val="000000"/>
+                          </a:solidFill>
+                          <a:effectLst/>
+                          <a:latin typeface="Trebuchet MS" panose="020B0603020202020204" pitchFamily="34" charset="0"/>
+                        </a:rPr>
+                        <a:t>45 – 54</a:t>
+                      </a:r>
+                    </a:p>
+                  </a:txBody>
+                  <a:tcPr marL="9525" marR="9525" marT="9525" marB="0" anchor="ctr"/>
+                </a:tc>
+                <a:tc>
+                  <a:txBody>
+                    <a:bodyPr/>
+                    <a:lstStyle/>
+                    <a:p>
+                      <a:pPr algn="ctr" rtl="0" fontAlgn="ctr"/>
+                      <a:r>
+                        <a:rPr lang="en-US" sz="1600" b="0" i="0" u="none" strike="noStrike" dirty="0">
+                          <a:solidFill>
+                            <a:srgbClr val="000000"/>
+                          </a:solidFill>
+                          <a:effectLst/>
+                          <a:latin typeface="Trebuchet MS" panose="020B0603020202020204" pitchFamily="34" charset="0"/>
+                        </a:rPr>
+                        <a:t>Female</a:t>
+                      </a:r>
+                    </a:p>
+                  </a:txBody>
+                  <a:tcPr marL="9525" marR="9525" marT="9525" marB="0" anchor="ctr"/>
+                </a:tc>
+                <a:tc>
+                  <a:txBody>
+                    <a:bodyPr/>
+                    <a:lstStyle/>
+                    <a:p>
+                      <a:pPr algn="ctr"/>
+                      <a:r>
+                        <a:rPr lang="en-US" sz="1600" dirty="0"/>
+                        <a:t>3.1 /5</a:t>
+                      </a:r>
+                    </a:p>
+                  </a:txBody>
+                  <a:tcPr anchor="ctr"/>
+                </a:tc>
+                <a:extLst>
+                  <a:ext uri="{0D108BD9-81ED-4DB2-BD59-A6C34878D82A}">
+                    <a16:rowId xmlns:a16="http://schemas.microsoft.com/office/drawing/2014/main" val="1446007790"/>
+                  </a:ext>
+                </a:extLst>
+              </a:tr>
+            </a:tbl>
+          </a:graphicData>
+        </a:graphic>
+      </p:graphicFrame>
+    </p:spTree>
+    <p:extLst>
+      <p:ext uri="{BB962C8B-B14F-4D97-AF65-F5344CB8AC3E}">
+        <p14:creationId xmlns:p14="http://schemas.microsoft.com/office/powerpoint/2010/main" val="1075752463"/>
+      </p:ext>
+    </p:extLst>
+  </p:cSld>
+  <p:clrMapOvr>
+    <a:masterClrMapping/>
+  </p:clrMapOvr>
+</p:sld>
+</file>
+
+<file path=ppt/slides/slide6.xml><?xml version="1.0" encoding="utf-8"?>
+<p:sld xmlns:a="http://schemas.openxmlformats.org/drawingml/2006/main" xmlns:r="http://schemas.openxmlformats.org/officeDocument/2006/relationships" xmlns:p="http://schemas.openxmlformats.org/presentationml/2006/main">
+  <p:cSld>
+    <p:spTree>
+      <p:nvGrpSpPr>
+        <p:cNvPr id="1" name=""/>
+        <p:cNvGrpSpPr/>
+        <p:nvPr/>
+      </p:nvGrpSpPr>
+      <p:grpSpPr>
+        <a:xfrm>
+          <a:off x="0" y="0"/>
+          <a:ext cx="0" cy="0"/>
+          <a:chOff x="0" y="0"/>
+          <a:chExt cx="0" cy="0"/>
+        </a:xfrm>
+      </p:grpSpPr>
+      <p:sp>
+        <p:nvSpPr>
+          <p:cNvPr id="2" name="Title 1">
+            <a:extLst>
+              <a:ext uri="{FF2B5EF4-FFF2-40B4-BE49-F238E27FC236}">
+                <a16:creationId xmlns:a16="http://schemas.microsoft.com/office/drawing/2014/main" id="{73B9C183-5D76-48FD-B107-BB8E7BF7CAC5}"/>
+              </a:ext>
+            </a:extLst>
+          </p:cNvPr>
+          <p:cNvSpPr>
+            <a:spLocks noGrp="1"/>
+          </p:cNvSpPr>
+          <p:nvPr>
+            <p:ph type="title"/>
+          </p:nvPr>
+        </p:nvSpPr>
+        <p:spPr>
+          <a:xfrm>
+            <a:off x="425664" y="341153"/>
+            <a:ext cx="8596668" cy="1320800"/>
+          </a:xfrm>
+        </p:spPr>
+        <p:txBody>
+          <a:bodyPr/>
+          <a:lstStyle/>
+          <a:p>
+            <a:r>
+              <a:rPr lang="en-US" dirty="0"/>
+              <a:t>Initial Hypothesis</a:t>
+            </a:r>
+          </a:p>
+        </p:txBody>
+      </p:sp>
+      <p:sp>
+        <p:nvSpPr>
+          <p:cNvPr id="3" name="Content Placeholder 2">
+            <a:extLst>
+              <a:ext uri="{FF2B5EF4-FFF2-40B4-BE49-F238E27FC236}">
+                <a16:creationId xmlns:a16="http://schemas.microsoft.com/office/drawing/2014/main" id="{722CE12B-B797-431E-AB6D-1756C199894E}"/>
+              </a:ext>
+            </a:extLst>
+          </p:cNvPr>
+          <p:cNvSpPr>
+            <a:spLocks noGrp="1"/>
+          </p:cNvSpPr>
+          <p:nvPr>
+            <p:ph idx="1"/>
+          </p:nvPr>
+        </p:nvSpPr>
+        <p:spPr>
+          <a:xfrm>
+            <a:off x="643778" y="1144665"/>
+            <a:ext cx="8596668" cy="5281302"/>
+          </a:xfrm>
+        </p:spPr>
+        <p:txBody>
+          <a:bodyPr>
+            <a:normAutofit fontScale="92500" lnSpcReduction="10000"/>
+          </a:bodyPr>
+          <a:lstStyle/>
+          <a:p>
+            <a:pPr marL="0" indent="0">
+              <a:buNone/>
+            </a:pPr>
+            <a:r>
+              <a:rPr lang="en-US" dirty="0"/>
+              <a:t>Hypothesis: ‘Satisfaction’ is significantly different between each drug </a:t>
+            </a:r>
+          </a:p>
+          <a:p>
+            <a:pPr marL="0" indent="0">
+              <a:buNone/>
+            </a:pPr>
+            <a:r>
+              <a:rPr lang="en-US" dirty="0"/>
+              <a:t>Problem: ‘Satisfaction’ distribution not normal </a:t>
+            </a:r>
+          </a:p>
+          <a:p>
+            <a:pPr marL="0" indent="0">
+              <a:buNone/>
+            </a:pPr>
+            <a:endParaRPr lang="en-US" dirty="0"/>
+          </a:p>
+          <a:p>
+            <a:pPr marL="0" indent="0">
+              <a:buNone/>
+            </a:pPr>
+            <a:endParaRPr lang="en-US" dirty="0"/>
+          </a:p>
+          <a:p>
+            <a:pPr marL="0" indent="0">
+              <a:buNone/>
+            </a:pPr>
+            <a:endParaRPr lang="en-US" dirty="0"/>
+          </a:p>
+          <a:p>
+            <a:pPr marL="0" indent="0">
+              <a:buNone/>
+            </a:pPr>
+            <a:endParaRPr lang="en-US" dirty="0"/>
+          </a:p>
+          <a:p>
+            <a:pPr marL="0" indent="0">
+              <a:buNone/>
+            </a:pPr>
+            <a:endParaRPr lang="en-US" dirty="0"/>
+          </a:p>
+          <a:p>
+            <a:pPr marL="0" indent="0">
+              <a:buNone/>
+            </a:pPr>
+            <a:endParaRPr lang="en-US" dirty="0"/>
+          </a:p>
+          <a:p>
+            <a:pPr marL="0" indent="0">
+              <a:buNone/>
+            </a:pPr>
+            <a:endParaRPr lang="en-US" dirty="0"/>
+          </a:p>
+          <a:p>
+            <a:pPr marL="0" indent="0">
+              <a:buNone/>
+            </a:pPr>
+            <a:endParaRPr lang="en-US" dirty="0"/>
+          </a:p>
+          <a:p>
+            <a:pPr marL="0" indent="0">
+              <a:buNone/>
+            </a:pPr>
+            <a:endParaRPr lang="en-US" dirty="0"/>
+          </a:p>
+          <a:p>
+            <a:pPr marL="0" indent="0">
+              <a:buNone/>
+            </a:pPr>
+            <a:endParaRPr lang="en-US" dirty="0"/>
+          </a:p>
+          <a:p>
+            <a:pPr marL="0" indent="0">
+              <a:buNone/>
+            </a:pPr>
+            <a:endParaRPr lang="en-US" dirty="0"/>
+          </a:p>
+          <a:p>
+            <a:pPr marL="0" indent="0">
+              <a:buNone/>
+            </a:pPr>
+            <a:r>
+              <a:rPr lang="en-US" dirty="0"/>
+              <a:t>Workaround: Bin population into ‘Poor’ (1 – 2) and ‘Good’ (4 – 5) and test frequency of categories </a:t>
+            </a:r>
+          </a:p>
+          <a:p>
+            <a:pPr marL="0" indent="0">
+              <a:buNone/>
+            </a:pPr>
+            <a:endParaRPr lang="en-US" dirty="0"/>
+          </a:p>
+        </p:txBody>
+      </p:sp>
+      <p:graphicFrame>
+        <p:nvGraphicFramePr>
+          <p:cNvPr id="20" name="Object 19">
+            <a:extLst>
+              <a:ext uri="{FF2B5EF4-FFF2-40B4-BE49-F238E27FC236}">
+                <a16:creationId xmlns:a16="http://schemas.microsoft.com/office/drawing/2014/main" id="{8F937C30-B83F-4786-A039-36773D8B2331}"/>
+              </a:ext>
+            </a:extLst>
+          </p:cNvPr>
+          <p:cNvGraphicFramePr>
+            <a:graphicFrameLocks noChangeAspect="1"/>
+          </p:cNvGraphicFramePr>
+          <p:nvPr>
+            <p:extLst>
+              <p:ext uri="{D42A27DB-BD31-4B8C-83A1-F6EECF244321}">
+                <p14:modId xmlns:p14="http://schemas.microsoft.com/office/powerpoint/2010/main" val="900016991"/>
+              </p:ext>
+            </p:extLst>
+          </p:nvPr>
+        </p:nvGraphicFramePr>
+        <p:xfrm>
+          <a:off x="2147582" y="1906579"/>
+          <a:ext cx="5285063" cy="3702097"/>
+        </p:xfrm>
+        <a:graphic>
+          <a:graphicData uri="http://schemas.openxmlformats.org/presentationml/2006/ole">
+            <mc:AlternateContent xmlns:mc="http://schemas.openxmlformats.org/markup-compatibility/2006">
+              <mc:Choice xmlns:v="urn:schemas-microsoft-com:vml" Requires="v">
+                <p:oleObj spid="_x0000_s1039" name="Acrobat Document" r:id="rId3" imgW="3943235" imgH="2762182" progId="AcroExch.Document.11">
+                  <p:embed/>
+                </p:oleObj>
+              </mc:Choice>
+              <mc:Fallback>
+                <p:oleObj name="Acrobat Document" r:id="rId3" imgW="3943235" imgH="2762182" progId="AcroExch.Document.11">
+                  <p:embed/>
+                  <p:pic>
+                    <p:nvPicPr>
+                      <p:cNvPr id="0" name=""/>
+                      <p:cNvPicPr/>
+                      <p:nvPr/>
+                    </p:nvPicPr>
+                    <p:blipFill>
+                      <a:blip r:embed="rId4"/>
+                      <a:stretch>
+                        <a:fillRect/>
+                      </a:stretch>
+                    </p:blipFill>
+                    <p:spPr>
+                      <a:xfrm>
+                        <a:off x="2147582" y="1906579"/>
+                        <a:ext cx="5285063" cy="3702097"/>
+                      </a:xfrm>
+                      <a:prstGeom prst="rect">
+                        <a:avLst/>
+                      </a:prstGeom>
+                    </p:spPr>
+                  </p:pic>
+                </p:oleObj>
+              </mc:Fallback>
+            </mc:AlternateContent>
+          </a:graphicData>
+        </a:graphic>
+      </p:graphicFrame>
+      <p:sp>
+        <p:nvSpPr>
+          <p:cNvPr id="21" name="Rectangle 20">
+            <a:extLst>
+              <a:ext uri="{FF2B5EF4-FFF2-40B4-BE49-F238E27FC236}">
+                <a16:creationId xmlns:a16="http://schemas.microsoft.com/office/drawing/2014/main" id="{BEA8B733-3EC2-4680-9315-E242D84EB35C}"/>
+              </a:ext>
+            </a:extLst>
+          </p:cNvPr>
+          <p:cNvSpPr/>
+          <p:nvPr/>
+        </p:nvSpPr>
+        <p:spPr>
+          <a:xfrm>
+            <a:off x="5670958" y="2223083"/>
+            <a:ext cx="1627464" cy="2801923"/>
+          </a:xfrm>
+          <a:prstGeom prst="rect">
+            <a:avLst/>
+          </a:prstGeom>
+          <a:solidFill>
+            <a:schemeClr val="accent1">
+              <a:alpha val="24000"/>
+            </a:schemeClr>
+          </a:solidFill>
+          <a:ln>
+            <a:solidFill>
+              <a:schemeClr val="accent2"/>
+            </a:solidFill>
+          </a:ln>
+        </p:spPr>
+        <p:style>
+          <a:lnRef idx="2">
+            <a:schemeClr val="accent1">
+              <a:shade val="50000"/>
+            </a:schemeClr>
+          </a:lnRef>
+          <a:fillRef idx="1">
+            <a:schemeClr val="accent1"/>
+          </a:fillRef>
+          <a:effectRef idx="0">
+            <a:schemeClr val="accent1"/>
+          </a:effectRef>
+          <a:fontRef idx="minor">
+            <a:schemeClr val="lt1"/>
+          </a:fontRef>
+        </p:style>
+        <p:txBody>
+          <a:bodyPr rtlCol="0" anchor="t"/>
+          <a:lstStyle/>
+          <a:p>
+            <a:pPr algn="ctr"/>
+            <a:r>
+              <a:rPr lang="en-US" dirty="0">
+                <a:solidFill>
+                  <a:schemeClr val="accent2">
+                    <a:lumMod val="50000"/>
+                  </a:schemeClr>
+                </a:solidFill>
+              </a:rPr>
+              <a:t>‘Good’ Reviews</a:t>
+            </a:r>
+          </a:p>
+        </p:txBody>
+      </p:sp>
+      <p:sp>
+        <p:nvSpPr>
+          <p:cNvPr id="22" name="Rectangle 21">
+            <a:extLst>
+              <a:ext uri="{FF2B5EF4-FFF2-40B4-BE49-F238E27FC236}">
+                <a16:creationId xmlns:a16="http://schemas.microsoft.com/office/drawing/2014/main" id="{2B800F51-2505-4E89-AF72-5A8D1254082E}"/>
+              </a:ext>
+            </a:extLst>
+          </p:cNvPr>
+          <p:cNvSpPr/>
+          <p:nvPr/>
+        </p:nvSpPr>
+        <p:spPr>
+          <a:xfrm>
+            <a:off x="3049425" y="2223083"/>
+            <a:ext cx="1522575" cy="2801923"/>
+          </a:xfrm>
+          <a:prstGeom prst="rect">
+            <a:avLst/>
+          </a:prstGeom>
+          <a:solidFill>
+            <a:schemeClr val="accent4">
+              <a:lumMod val="20000"/>
+              <a:lumOff val="80000"/>
+              <a:alpha val="50000"/>
+            </a:schemeClr>
+          </a:solidFill>
+          <a:ln/>
+        </p:spPr>
+        <p:style>
+          <a:lnRef idx="2">
+            <a:schemeClr val="accent5"/>
+          </a:lnRef>
+          <a:fillRef idx="1">
+            <a:schemeClr val="lt1"/>
+          </a:fillRef>
+          <a:effectRef idx="0">
+            <a:schemeClr val="accent5"/>
+          </a:effectRef>
+          <a:fontRef idx="minor">
+            <a:schemeClr val="dk1"/>
+          </a:fontRef>
+        </p:style>
+        <p:txBody>
+          <a:bodyPr rtlCol="0" anchor="t"/>
+          <a:lstStyle/>
+          <a:p>
+            <a:pPr algn="ctr"/>
+            <a:r>
+              <a:rPr lang="en-US" dirty="0">
+                <a:solidFill>
+                  <a:schemeClr val="accent5"/>
+                </a:solidFill>
+              </a:rPr>
+              <a:t>‘Bad’ Reviews</a:t>
+            </a:r>
+          </a:p>
+        </p:txBody>
+      </p:sp>
+    </p:spTree>
+    <p:extLst>
+      <p:ext uri="{BB962C8B-B14F-4D97-AF65-F5344CB8AC3E}">
+        <p14:creationId xmlns:p14="http://schemas.microsoft.com/office/powerpoint/2010/main" val="3497648709"/>
+      </p:ext>
+    </p:extLst>
+  </p:cSld>
+  <p:clrMapOvr>
+    <a:masterClrMapping/>
+  </p:clrMapOvr>
+  <p:timing>
+    <p:tnLst>
+      <p:par>
+        <p:cTn id="1" dur="indefinite" restart="never" nodeType="tmRoot">
+          <p:childTnLst>
+            <p:seq concurrent="1" nextAc="seek">
+              <p:cTn id="2" dur="indefinite" nodeType="mainSeq">
+                <p:childTnLst>
+                  <p:par>
+                    <p:cTn id="3" fill="hold">
+                      <p:stCondLst>
+                        <p:cond delay="indefinite"/>
+                      </p:stCondLst>
+                      <p:childTnLst>
+                        <p:par>
+                          <p:cTn id="4" fill="hold">
+                            <p:stCondLst>
+                              <p:cond delay="0"/>
+                            </p:stCondLst>
+                            <p:childTnLst>
+                              <p:par>
+                                <p:cTn id="5" presetID="10" presetClass="entr" presetSubtype="0" fill="hold" grpId="0" nodeType="clickEffect">
+                                  <p:stCondLst>
+                                    <p:cond delay="0"/>
+                                  </p:stCondLst>
+                                  <p:childTnLst>
+                                    <p:set>
+                                      <p:cBhvr>
+                                        <p:cTn id="6" dur="1" fill="hold">
+                                          <p:stCondLst>
+                                            <p:cond delay="0"/>
+                                          </p:stCondLst>
+                                        </p:cTn>
+                                        <p:tgtEl>
+                                          <p:spTgt spid="22"/>
+                                        </p:tgtEl>
+                                        <p:attrNameLst>
+                                          <p:attrName>style.visibility</p:attrName>
+                                        </p:attrNameLst>
+                                      </p:cBhvr>
+                                      <p:to>
+                                        <p:strVal val="visible"/>
+                                      </p:to>
+                                    </p:set>
+                                    <p:animEffect transition="in" filter="fade">
+                                      <p:cBhvr>
+                                        <p:cTn id="7" dur="500"/>
+                                        <p:tgtEl>
+                                          <p:spTgt spid="22"/>
+                                        </p:tgtEl>
+                                      </p:cBhvr>
+                                    </p:animEffect>
+                                  </p:childTnLst>
+                                </p:cTn>
+                              </p:par>
+                              <p:par>
+                                <p:cTn id="8" presetID="10" presetClass="entr" presetSubtype="0" fill="hold" grpId="0" nodeType="withEffect">
+                                  <p:stCondLst>
+                                    <p:cond delay="0"/>
+                                  </p:stCondLst>
+                                  <p:childTnLst>
+                                    <p:set>
+                                      <p:cBhvr>
+                                        <p:cTn id="9" dur="1" fill="hold">
+                                          <p:stCondLst>
+                                            <p:cond delay="0"/>
+                                          </p:stCondLst>
+                                        </p:cTn>
+                                        <p:tgtEl>
+                                          <p:spTgt spid="21"/>
+                                        </p:tgtEl>
+                                        <p:attrNameLst>
+                                          <p:attrName>style.visibility</p:attrName>
+                                        </p:attrNameLst>
+                                      </p:cBhvr>
+                                      <p:to>
+                                        <p:strVal val="visible"/>
+                                      </p:to>
+                                    </p:set>
+                                    <p:animEffect transition="in" filter="fade">
+                                      <p:cBhvr>
+                                        <p:cTn id="10" dur="500"/>
+                                        <p:tgtEl>
+                                          <p:spTgt spid="21"/>
+                                        </p:tgtEl>
+                                      </p:cBhvr>
+                                    </p:animEffect>
+                                  </p:childTnLst>
+                                </p:cTn>
+                              </p:par>
+                            </p:childTnLst>
+                          </p:cTn>
+                        </p:par>
+                      </p:childTnLst>
+                    </p:cTn>
+                  </p:par>
+                </p:childTnLst>
+              </p:cTn>
+              <p:prevCondLst>
+                <p:cond evt="onPrev" delay="0">
+                  <p:tgtEl>
+                    <p:sldTgt/>
+                  </p:tgtEl>
+                </p:cond>
+              </p:prevCondLst>
+              <p:nextCondLst>
+                <p:cond evt="onNext" delay="0">
+                  <p:tgtEl>
+                    <p:sldTgt/>
+                  </p:tgtEl>
+                </p:cond>
+              </p:nextCondLst>
+            </p:seq>
+          </p:childTnLst>
+        </p:cTn>
+      </p:par>
+    </p:tnLst>
+    <p:bldLst>
+      <p:bldP spid="21" grpId="0" animBg="1"/>
+      <p:bldP spid="22" grpId="0" animBg="1"/>
+    </p:bldLst>
+  </p:timing>
+</p:sld>
+</file>
+
 <file path=ppt/slides/slide7.xml><?xml version="1.0" encoding="utf-8"?>
 <p:sld xmlns:a="http://schemas.openxmlformats.org/drawingml/2006/main" xmlns:r="http://schemas.openxmlformats.org/officeDocument/2006/relationships" xmlns:p="http://schemas.openxmlformats.org/presentationml/2006/main">
   <p:cSld>
@@ -10031,7 +13084,7 @@
           <p:cNvPr id="2" name="Title 1">
             <a:extLst>
               <a:ext uri="{FF2B5EF4-FFF2-40B4-BE49-F238E27FC236}">
-                <a16:creationId xmlns:a16="http://schemas.microsoft.com/office/drawing/2014/main" id="{A5023D60-59AD-4088-9360-9FA065590C2C}"/>
+                <a16:creationId xmlns:a16="http://schemas.microsoft.com/office/drawing/2014/main" id="{58610ACA-52CD-44E0-BA03-8D6114333326}"/>
               </a:ext>
             </a:extLst>
           </p:cNvPr>
@@ -10042,24 +13095,281 @@
             <p:ph type="title"/>
           </p:nvPr>
         </p:nvSpPr>
-        <p:spPr/>
-        <p:txBody>
-          <a:bodyPr/>
+        <p:spPr>
+          <a:xfrm>
+            <a:off x="662166" y="161158"/>
+            <a:ext cx="8596668" cy="1320800"/>
+          </a:xfrm>
+        </p:spPr>
+        <p:txBody>
+          <a:bodyPr>
+            <a:normAutofit/>
+          </a:bodyPr>
           <a:lstStyle/>
           <a:p>
             <a:r>
               <a:rPr lang="en-US" dirty="0"/>
-              <a:t>Observations &amp; Questions</a:t>
-            </a:r>
-          </a:p>
-        </p:txBody>
-      </p:sp>
-      <p:sp>
-        <p:nvSpPr>
-          <p:cNvPr id="3" name="Content Placeholder 2">
+              <a:t>Comparing ratio of ‘Good’ to ‘Bad’ reviews across drugs</a:t>
+            </a:r>
+          </a:p>
+        </p:txBody>
+      </p:sp>
+      <p:graphicFrame>
+        <p:nvGraphicFramePr>
+          <p:cNvPr id="4" name="Object 3">
             <a:extLst>
               <a:ext uri="{FF2B5EF4-FFF2-40B4-BE49-F238E27FC236}">
-                <a16:creationId xmlns:a16="http://schemas.microsoft.com/office/drawing/2014/main" id="{DC31AC57-E23C-4401-B792-95BBA9C2CE0A}"/>
+                <a16:creationId xmlns:a16="http://schemas.microsoft.com/office/drawing/2014/main" id="{1F82AA16-AD0F-4E0F-9F61-E7CFAC267304}"/>
+              </a:ext>
+            </a:extLst>
+          </p:cNvPr>
+          <p:cNvGraphicFramePr>
+            <a:graphicFrameLocks noChangeAspect="1"/>
+          </p:cNvGraphicFramePr>
+          <p:nvPr>
+            <p:extLst>
+              <p:ext uri="{D42A27DB-BD31-4B8C-83A1-F6EECF244321}">
+                <p14:modId xmlns:p14="http://schemas.microsoft.com/office/powerpoint/2010/main" val="3731215661"/>
+              </p:ext>
+            </p:extLst>
+          </p:nvPr>
+        </p:nvGraphicFramePr>
+        <p:xfrm>
+          <a:off x="3073429" y="1455873"/>
+          <a:ext cx="4874504" cy="4200498"/>
+        </p:xfrm>
+        <a:graphic>
+          <a:graphicData uri="http://schemas.openxmlformats.org/presentationml/2006/ole">
+            <mc:AlternateContent xmlns:mc="http://schemas.openxmlformats.org/markup-compatibility/2006">
+              <mc:Choice xmlns:v="urn:schemas-microsoft-com:vml" Requires="v">
+                <p:oleObj spid="_x0000_s2064" name="Acrobat Document" r:id="rId3" imgW="3857606" imgH="3323987" progId="AcroExch.Document.11">
+                  <p:embed/>
+                </p:oleObj>
+              </mc:Choice>
+              <mc:Fallback>
+                <p:oleObj name="Acrobat Document" r:id="rId3" imgW="3857606" imgH="3323987" progId="AcroExch.Document.11">
+                  <p:embed/>
+                  <p:pic>
+                    <p:nvPicPr>
+                      <p:cNvPr id="0" name=""/>
+                      <p:cNvPicPr/>
+                      <p:nvPr/>
+                    </p:nvPicPr>
+                    <p:blipFill>
+                      <a:blip r:embed="rId4"/>
+                      <a:stretch>
+                        <a:fillRect/>
+                      </a:stretch>
+                    </p:blipFill>
+                    <p:spPr>
+                      <a:xfrm>
+                        <a:off x="3073429" y="1455873"/>
+                        <a:ext cx="4874504" cy="4200498"/>
+                      </a:xfrm>
+                      <a:prstGeom prst="rect">
+                        <a:avLst/>
+                      </a:prstGeom>
+                    </p:spPr>
+                  </p:pic>
+                </p:oleObj>
+              </mc:Fallback>
+            </mc:AlternateContent>
+          </a:graphicData>
+        </a:graphic>
+      </p:graphicFrame>
+      <p:graphicFrame>
+        <p:nvGraphicFramePr>
+          <p:cNvPr id="5" name="Table 4">
+            <a:extLst>
+              <a:ext uri="{FF2B5EF4-FFF2-40B4-BE49-F238E27FC236}">
+                <a16:creationId xmlns:a16="http://schemas.microsoft.com/office/drawing/2014/main" id="{A83B892E-069C-493E-871F-423D26525E60}"/>
+              </a:ext>
+            </a:extLst>
+          </p:cNvPr>
+          <p:cNvGraphicFramePr>
+            <a:graphicFrameLocks noGrp="1"/>
+          </p:cNvGraphicFramePr>
+          <p:nvPr>
+            <p:extLst>
+              <p:ext uri="{D42A27DB-BD31-4B8C-83A1-F6EECF244321}">
+                <p14:modId xmlns:p14="http://schemas.microsoft.com/office/powerpoint/2010/main" val="1299387405"/>
+              </p:ext>
+            </p:extLst>
+          </p:nvPr>
+        </p:nvGraphicFramePr>
+        <p:xfrm>
+          <a:off x="940491" y="4408141"/>
+          <a:ext cx="1644074" cy="668756"/>
+        </p:xfrm>
+        <a:graphic>
+          <a:graphicData uri="http://schemas.openxmlformats.org/drawingml/2006/table">
+            <a:tbl>
+              <a:tblPr firstRow="1" bandRow="1">
+                <a:tableStyleId>{69CF1AB2-1976-4502-BF36-3FF5EA218861}</a:tableStyleId>
+              </a:tblPr>
+              <a:tblGrid>
+                <a:gridCol w="822037">
+                  <a:extLst>
+                    <a:ext uri="{9D8B030D-6E8A-4147-A177-3AD203B41FA5}">
+                      <a16:colId xmlns:a16="http://schemas.microsoft.com/office/drawing/2014/main" val="1209978725"/>
+                    </a:ext>
+                  </a:extLst>
+                </a:gridCol>
+                <a:gridCol w="822037">
+                  <a:extLst>
+                    <a:ext uri="{9D8B030D-6E8A-4147-A177-3AD203B41FA5}">
+                      <a16:colId xmlns:a16="http://schemas.microsoft.com/office/drawing/2014/main" val="988061591"/>
+                    </a:ext>
+                  </a:extLst>
+                </a:gridCol>
+              </a:tblGrid>
+              <a:tr h="268782">
+                <a:tc>
+                  <a:txBody>
+                    <a:bodyPr/>
+                    <a:lstStyle/>
+                    <a:p>
+                      <a:r>
+                        <a:rPr lang="en-US" sz="1000" dirty="0"/>
+                        <a:t>Chi Sq. Stat.</a:t>
+                      </a:r>
+                    </a:p>
+                  </a:txBody>
+                  <a:tcPr/>
+                </a:tc>
+                <a:tc>
+                  <a:txBody>
+                    <a:bodyPr/>
+                    <a:lstStyle/>
+                    <a:p>
+                      <a:r>
+                        <a:rPr lang="en-US" sz="1000" dirty="0"/>
+                        <a:t>38.6</a:t>
+                      </a:r>
+                    </a:p>
+                  </a:txBody>
+                  <a:tcPr/>
+                </a:tc>
+                <a:extLst>
+                  <a:ext uri="{0D108BD9-81ED-4DB2-BD59-A6C34878D82A}">
+                    <a16:rowId xmlns:a16="http://schemas.microsoft.com/office/drawing/2014/main" val="3063966374"/>
+                  </a:ext>
+                </a:extLst>
+              </a:tr>
+              <a:tr h="272516">
+                <a:tc>
+                  <a:txBody>
+                    <a:bodyPr/>
+                    <a:lstStyle/>
+                    <a:p>
+                      <a:r>
+                        <a:rPr lang="en-US" sz="1000" dirty="0"/>
+                        <a:t>P - value</a:t>
+                      </a:r>
+                    </a:p>
+                  </a:txBody>
+                  <a:tcPr/>
+                </a:tc>
+                <a:tc>
+                  <a:txBody>
+                    <a:bodyPr/>
+                    <a:lstStyle/>
+                    <a:p>
+                      <a:r>
+                        <a:rPr lang="en-US" sz="1000" dirty="0"/>
+                        <a:t>4.2 e-9</a:t>
+                      </a:r>
+                    </a:p>
+                  </a:txBody>
+                  <a:tcPr/>
+                </a:tc>
+                <a:extLst>
+                  <a:ext uri="{0D108BD9-81ED-4DB2-BD59-A6C34878D82A}">
+                    <a16:rowId xmlns:a16="http://schemas.microsoft.com/office/drawing/2014/main" val="2715187918"/>
+                  </a:ext>
+                </a:extLst>
+              </a:tr>
+            </a:tbl>
+          </a:graphicData>
+        </a:graphic>
+      </p:graphicFrame>
+      <p:sp>
+        <p:nvSpPr>
+          <p:cNvPr id="6" name="TextBox 5">
+            <a:extLst>
+              <a:ext uri="{FF2B5EF4-FFF2-40B4-BE49-F238E27FC236}">
+                <a16:creationId xmlns:a16="http://schemas.microsoft.com/office/drawing/2014/main" id="{CB910D69-4466-4727-9A9F-44BC1BE28D62}"/>
+              </a:ext>
+            </a:extLst>
+          </p:cNvPr>
+          <p:cNvSpPr txBox="1"/>
+          <p:nvPr/>
+        </p:nvSpPr>
+        <p:spPr>
+          <a:xfrm>
+            <a:off x="662166" y="5748068"/>
+            <a:ext cx="7971491" cy="646331"/>
+          </a:xfrm>
+          <a:prstGeom prst="rect">
+            <a:avLst/>
+          </a:prstGeom>
+          <a:noFill/>
+        </p:spPr>
+        <p:txBody>
+          <a:bodyPr wrap="square" rtlCol="0">
+            <a:spAutoFit/>
+          </a:bodyPr>
+          <a:lstStyle/>
+          <a:p>
+            <a:r>
+              <a:rPr lang="en-US" dirty="0"/>
+              <a:t>Cymbalta receives more ‘Poor’ reviews than competing products. </a:t>
+            </a:r>
+          </a:p>
+          <a:p>
+            <a:r>
+              <a:rPr lang="en-US" dirty="0"/>
+              <a:t>Why?</a:t>
+            </a:r>
+          </a:p>
+        </p:txBody>
+      </p:sp>
+    </p:spTree>
+    <p:extLst>
+      <p:ext uri="{BB962C8B-B14F-4D97-AF65-F5344CB8AC3E}">
+        <p14:creationId xmlns:p14="http://schemas.microsoft.com/office/powerpoint/2010/main" val="3033751599"/>
+      </p:ext>
+    </p:extLst>
+  </p:cSld>
+  <p:clrMapOvr>
+    <a:masterClrMapping/>
+  </p:clrMapOvr>
+</p:sld>
+</file>
+
+<file path=ppt/slides/slide8.xml><?xml version="1.0" encoding="utf-8"?>
+<p:sld xmlns:a="http://schemas.openxmlformats.org/drawingml/2006/main" xmlns:r="http://schemas.openxmlformats.org/officeDocument/2006/relationships" xmlns:p="http://schemas.openxmlformats.org/presentationml/2006/main">
+  <p:cSld>
+    <p:spTree>
+      <p:nvGrpSpPr>
+        <p:cNvPr id="1" name=""/>
+        <p:cNvGrpSpPr/>
+        <p:nvPr/>
+      </p:nvGrpSpPr>
+      <p:grpSpPr>
+        <a:xfrm>
+          <a:off x="0" y="0"/>
+          <a:ext cx="0" cy="0"/>
+          <a:chOff x="0" y="0"/>
+          <a:chExt cx="0" cy="0"/>
+        </a:xfrm>
+      </p:grpSpPr>
+      <p:sp>
+        <p:nvSpPr>
+          <p:cNvPr id="2" name="Title 1">
+            <a:extLst>
+              <a:ext uri="{FF2B5EF4-FFF2-40B4-BE49-F238E27FC236}">
+                <a16:creationId xmlns:a16="http://schemas.microsoft.com/office/drawing/2014/main" id="{68CC2FE9-C9C0-4DA9-B8E9-E67E1E173031}"/>
               </a:ext>
             </a:extLst>
           </p:cNvPr>
@@ -10067,22 +13377,682 @@
             <a:spLocks noGrp="1"/>
           </p:cNvSpPr>
           <p:nvPr>
-            <p:ph idx="1"/>
+            <p:ph type="title"/>
           </p:nvPr>
         </p:nvSpPr>
-        <p:spPr/>
+        <p:spPr>
+          <a:xfrm>
+            <a:off x="567874" y="181762"/>
+            <a:ext cx="8596668" cy="1320800"/>
+          </a:xfrm>
+        </p:spPr>
         <p:txBody>
           <a:bodyPr/>
           <a:lstStyle/>
           <a:p>
-            <a:endParaRPr lang="en-US" dirty="0"/>
-          </a:p>
-        </p:txBody>
-      </p:sp>
+            <a:r>
+              <a:rPr lang="en-US" dirty="0"/>
+              <a:t>A look at conditions being treated </a:t>
+            </a:r>
+          </a:p>
+        </p:txBody>
+      </p:sp>
+      <p:graphicFrame>
+        <p:nvGraphicFramePr>
+          <p:cNvPr id="4" name="Object 3">
+            <a:extLst>
+              <a:ext uri="{FF2B5EF4-FFF2-40B4-BE49-F238E27FC236}">
+                <a16:creationId xmlns:a16="http://schemas.microsoft.com/office/drawing/2014/main" id="{68A8F34E-8265-4397-AD23-F71E3162C42F}"/>
+              </a:ext>
+            </a:extLst>
+          </p:cNvPr>
+          <p:cNvGraphicFramePr>
+            <a:graphicFrameLocks noChangeAspect="1"/>
+          </p:cNvGraphicFramePr>
+          <p:nvPr>
+            <p:extLst>
+              <p:ext uri="{D42A27DB-BD31-4B8C-83A1-F6EECF244321}">
+                <p14:modId xmlns:p14="http://schemas.microsoft.com/office/powerpoint/2010/main" val="975579331"/>
+              </p:ext>
+            </p:extLst>
+          </p:nvPr>
+        </p:nvGraphicFramePr>
+        <p:xfrm>
+          <a:off x="911823" y="974701"/>
+          <a:ext cx="3777622" cy="3436929"/>
+        </p:xfrm>
+        <a:graphic>
+          <a:graphicData uri="http://schemas.openxmlformats.org/presentationml/2006/ole">
+            <mc:AlternateContent xmlns:mc="http://schemas.openxmlformats.org/markup-compatibility/2006">
+              <mc:Choice xmlns:v="urn:schemas-microsoft-com:vml" Requires="v">
+                <p:oleObj spid="_x0000_s3098" name="Acrobat Document" r:id="rId3" imgW="3857606" imgH="3323987" progId="AcroExch.Document.11">
+                  <p:embed/>
+                </p:oleObj>
+              </mc:Choice>
+              <mc:Fallback>
+                <p:oleObj name="Acrobat Document" r:id="rId3" imgW="3857606" imgH="3323987" progId="AcroExch.Document.11">
+                  <p:embed/>
+                  <p:pic>
+                    <p:nvPicPr>
+                      <p:cNvPr id="0" name=""/>
+                      <p:cNvPicPr/>
+                      <p:nvPr/>
+                    </p:nvPicPr>
+                    <p:blipFill>
+                      <a:blip r:embed="rId4"/>
+                      <a:stretch>
+                        <a:fillRect/>
+                      </a:stretch>
+                    </p:blipFill>
+                    <p:spPr>
+                      <a:xfrm>
+                        <a:off x="911823" y="974701"/>
+                        <a:ext cx="3777622" cy="3436929"/>
+                      </a:xfrm>
+                      <a:prstGeom prst="rect">
+                        <a:avLst/>
+                      </a:prstGeom>
+                    </p:spPr>
+                  </p:pic>
+                </p:oleObj>
+              </mc:Fallback>
+            </mc:AlternateContent>
+          </a:graphicData>
+        </a:graphic>
+      </p:graphicFrame>
+      <p:sp>
+        <p:nvSpPr>
+          <p:cNvPr id="6" name="TextBox 5">
+            <a:extLst>
+              <a:ext uri="{FF2B5EF4-FFF2-40B4-BE49-F238E27FC236}">
+                <a16:creationId xmlns:a16="http://schemas.microsoft.com/office/drawing/2014/main" id="{552729B6-72A1-4609-B2D7-0CA029D9DC9B}"/>
+              </a:ext>
+            </a:extLst>
+          </p:cNvPr>
+          <p:cNvSpPr txBox="1"/>
+          <p:nvPr/>
+        </p:nvSpPr>
+        <p:spPr>
+          <a:xfrm>
+            <a:off x="693709" y="5632275"/>
+            <a:ext cx="6864772" cy="923330"/>
+          </a:xfrm>
+          <a:prstGeom prst="rect">
+            <a:avLst/>
+          </a:prstGeom>
+          <a:noFill/>
+        </p:spPr>
+        <p:txBody>
+          <a:bodyPr wrap="square" rtlCol="0">
+            <a:spAutoFit/>
+          </a:bodyPr>
+          <a:lstStyle/>
+          <a:p>
+            <a:r>
+              <a:rPr lang="en-US" dirty="0"/>
+              <a:t>Cymbalta’s low ratings stem from customer dissatisfaction with it as a pain medication. Effexor and Pristiq are rarely prescribed for that purpose </a:t>
+            </a:r>
+          </a:p>
+        </p:txBody>
+      </p:sp>
+      <p:graphicFrame>
+        <p:nvGraphicFramePr>
+          <p:cNvPr id="9" name="Object 8">
+            <a:extLst>
+              <a:ext uri="{FF2B5EF4-FFF2-40B4-BE49-F238E27FC236}">
+                <a16:creationId xmlns:a16="http://schemas.microsoft.com/office/drawing/2014/main" id="{4CF11851-B994-4F69-B9BB-559C11457439}"/>
+              </a:ext>
+            </a:extLst>
+          </p:cNvPr>
+          <p:cNvGraphicFramePr>
+            <a:graphicFrameLocks noChangeAspect="1"/>
+          </p:cNvGraphicFramePr>
+          <p:nvPr>
+            <p:extLst>
+              <p:ext uri="{D42A27DB-BD31-4B8C-83A1-F6EECF244321}">
+                <p14:modId xmlns:p14="http://schemas.microsoft.com/office/powerpoint/2010/main" val="4053428096"/>
+              </p:ext>
+            </p:extLst>
+          </p:nvPr>
+        </p:nvGraphicFramePr>
+        <p:xfrm>
+          <a:off x="5122703" y="1054865"/>
+          <a:ext cx="3857625" cy="3276600"/>
+        </p:xfrm>
+        <a:graphic>
+          <a:graphicData uri="http://schemas.openxmlformats.org/presentationml/2006/ole">
+            <mc:AlternateContent xmlns:mc="http://schemas.openxmlformats.org/markup-compatibility/2006">
+              <mc:Choice xmlns:v="urn:schemas-microsoft-com:vml" Requires="v">
+                <p:oleObj spid="_x0000_s3099" name="Acrobat Document" r:id="rId5" imgW="3857606" imgH="3276532" progId="AcroExch.Document.11">
+                  <p:embed/>
+                </p:oleObj>
+              </mc:Choice>
+              <mc:Fallback>
+                <p:oleObj name="Acrobat Document" r:id="rId5" imgW="3857606" imgH="3276532" progId="AcroExch.Document.11">
+                  <p:embed/>
+                  <p:pic>
+                    <p:nvPicPr>
+                      <p:cNvPr id="0" name=""/>
+                      <p:cNvPicPr/>
+                      <p:nvPr/>
+                    </p:nvPicPr>
+                    <p:blipFill>
+                      <a:blip r:embed="rId6"/>
+                      <a:stretch>
+                        <a:fillRect/>
+                      </a:stretch>
+                    </p:blipFill>
+                    <p:spPr>
+                      <a:xfrm>
+                        <a:off x="5122703" y="1054865"/>
+                        <a:ext cx="3857625" cy="3276600"/>
+                      </a:xfrm>
+                      <a:prstGeom prst="rect">
+                        <a:avLst/>
+                      </a:prstGeom>
+                    </p:spPr>
+                  </p:pic>
+                </p:oleObj>
+              </mc:Fallback>
+            </mc:AlternateContent>
+          </a:graphicData>
+        </a:graphic>
+      </p:graphicFrame>
+      <p:graphicFrame>
+        <p:nvGraphicFramePr>
+          <p:cNvPr id="10" name="Table 9">
+            <a:extLst>
+              <a:ext uri="{FF2B5EF4-FFF2-40B4-BE49-F238E27FC236}">
+                <a16:creationId xmlns:a16="http://schemas.microsoft.com/office/drawing/2014/main" id="{624C1278-6C4A-49AF-BABD-65F5F4B175CE}"/>
+              </a:ext>
+            </a:extLst>
+          </p:cNvPr>
+          <p:cNvGraphicFramePr>
+            <a:graphicFrameLocks noGrp="1"/>
+          </p:cNvGraphicFramePr>
+          <p:nvPr>
+            <p:extLst>
+              <p:ext uri="{D42A27DB-BD31-4B8C-83A1-F6EECF244321}">
+                <p14:modId xmlns:p14="http://schemas.microsoft.com/office/powerpoint/2010/main" val="1853360296"/>
+              </p:ext>
+            </p:extLst>
+          </p:nvPr>
+        </p:nvGraphicFramePr>
+        <p:xfrm>
+          <a:off x="2558643" y="4553213"/>
+          <a:ext cx="4848837" cy="731520"/>
+        </p:xfrm>
+        <a:graphic>
+          <a:graphicData uri="http://schemas.openxmlformats.org/drawingml/2006/table">
+            <a:tbl>
+              <a:tblPr firstRow="1" bandRow="1">
+                <a:tableStyleId>{69CF1AB2-1976-4502-BF36-3FF5EA218861}</a:tableStyleId>
+              </a:tblPr>
+              <a:tblGrid>
+                <a:gridCol w="1616279">
+                  <a:extLst>
+                    <a:ext uri="{9D8B030D-6E8A-4147-A177-3AD203B41FA5}">
+                      <a16:colId xmlns:a16="http://schemas.microsoft.com/office/drawing/2014/main" val="1209978725"/>
+                    </a:ext>
+                  </a:extLst>
+                </a:gridCol>
+                <a:gridCol w="1616279">
+                  <a:extLst>
+                    <a:ext uri="{9D8B030D-6E8A-4147-A177-3AD203B41FA5}">
+                      <a16:colId xmlns:a16="http://schemas.microsoft.com/office/drawing/2014/main" val="988061591"/>
+                    </a:ext>
+                  </a:extLst>
+                </a:gridCol>
+                <a:gridCol w="1616279">
+                  <a:extLst>
+                    <a:ext uri="{9D8B030D-6E8A-4147-A177-3AD203B41FA5}">
+                      <a16:colId xmlns:a16="http://schemas.microsoft.com/office/drawing/2014/main" val="2003999280"/>
+                    </a:ext>
+                  </a:extLst>
+                </a:gridCol>
+              </a:tblGrid>
+              <a:tr h="217204">
+                <a:tc>
+                  <a:txBody>
+                    <a:bodyPr/>
+                    <a:lstStyle/>
+                    <a:p>
+                      <a:pPr algn="ctr"/>
+                      <a:r>
+                        <a:rPr lang="en-US" sz="1000" dirty="0"/>
+                        <a:t>Test condition</a:t>
+                      </a:r>
+                    </a:p>
+                  </a:txBody>
+                  <a:tcPr/>
+                </a:tc>
+                <a:tc>
+                  <a:txBody>
+                    <a:bodyPr/>
+                    <a:lstStyle/>
+                    <a:p>
+                      <a:pPr algn="ctr"/>
+                      <a:r>
+                        <a:rPr lang="en-US" sz="1000" dirty="0"/>
+                        <a:t>Drug vs Condition</a:t>
+                      </a:r>
+                    </a:p>
+                  </a:txBody>
+                  <a:tcPr/>
+                </a:tc>
+                <a:tc>
+                  <a:txBody>
+                    <a:bodyPr/>
+                    <a:lstStyle/>
+                    <a:p>
+                      <a:pPr algn="ctr"/>
+                      <a:r>
+                        <a:rPr lang="en-US" sz="1000" dirty="0"/>
+                        <a:t>Condition vs Rating</a:t>
+                      </a:r>
+                    </a:p>
+                  </a:txBody>
+                  <a:tcPr/>
+                </a:tc>
+                <a:extLst>
+                  <a:ext uri="{0D108BD9-81ED-4DB2-BD59-A6C34878D82A}">
+                    <a16:rowId xmlns:a16="http://schemas.microsoft.com/office/drawing/2014/main" val="1460267513"/>
+                  </a:ext>
+                </a:extLst>
+              </a:tr>
+              <a:tr h="217204">
+                <a:tc>
+                  <a:txBody>
+                    <a:bodyPr/>
+                    <a:lstStyle/>
+                    <a:p>
+                      <a:pPr algn="ctr"/>
+                      <a:r>
+                        <a:rPr lang="en-US" sz="1000" dirty="0"/>
+                        <a:t>Chi Sq. Stat.</a:t>
+                      </a:r>
+                    </a:p>
+                  </a:txBody>
+                  <a:tcPr/>
+                </a:tc>
+                <a:tc>
+                  <a:txBody>
+                    <a:bodyPr/>
+                    <a:lstStyle/>
+                    <a:p>
+                      <a:pPr algn="ctr"/>
+                      <a:r>
+                        <a:rPr lang="en-US" sz="1000" dirty="0"/>
+                        <a:t>38.6</a:t>
+                      </a:r>
+                    </a:p>
+                  </a:txBody>
+                  <a:tcPr/>
+                </a:tc>
+                <a:tc>
+                  <a:txBody>
+                    <a:bodyPr/>
+                    <a:lstStyle/>
+                    <a:p>
+                      <a:pPr algn="ctr"/>
+                      <a:r>
+                        <a:rPr lang="en-US" sz="1000" dirty="0"/>
+                        <a:t>41.1</a:t>
+                      </a:r>
+                    </a:p>
+                  </a:txBody>
+                  <a:tcPr/>
+                </a:tc>
+                <a:extLst>
+                  <a:ext uri="{0D108BD9-81ED-4DB2-BD59-A6C34878D82A}">
+                    <a16:rowId xmlns:a16="http://schemas.microsoft.com/office/drawing/2014/main" val="3063966374"/>
+                  </a:ext>
+                </a:extLst>
+              </a:tr>
+              <a:tr h="217204">
+                <a:tc>
+                  <a:txBody>
+                    <a:bodyPr/>
+                    <a:lstStyle/>
+                    <a:p>
+                      <a:pPr algn="ctr"/>
+                      <a:r>
+                        <a:rPr lang="en-US" sz="1000" dirty="0"/>
+                        <a:t>P - value</a:t>
+                      </a:r>
+                    </a:p>
+                  </a:txBody>
+                  <a:tcPr/>
+                </a:tc>
+                <a:tc>
+                  <a:txBody>
+                    <a:bodyPr/>
+                    <a:lstStyle/>
+                    <a:p>
+                      <a:pPr algn="ctr"/>
+                      <a:r>
+                        <a:rPr lang="en-US" sz="1000" dirty="0"/>
+                        <a:t>4.2 e-9</a:t>
+                      </a:r>
+                    </a:p>
+                  </a:txBody>
+                  <a:tcPr/>
+                </a:tc>
+                <a:tc>
+                  <a:txBody>
+                    <a:bodyPr/>
+                    <a:lstStyle/>
+                    <a:p>
+                      <a:pPr algn="ctr"/>
+                      <a:r>
+                        <a:rPr lang="en-US" sz="1000" dirty="0"/>
+                        <a:t>1.4 e-10</a:t>
+                      </a:r>
+                    </a:p>
+                  </a:txBody>
+                  <a:tcPr/>
+                </a:tc>
+                <a:extLst>
+                  <a:ext uri="{0D108BD9-81ED-4DB2-BD59-A6C34878D82A}">
+                    <a16:rowId xmlns:a16="http://schemas.microsoft.com/office/drawing/2014/main" val="2715187918"/>
+                  </a:ext>
+                </a:extLst>
+              </a:tr>
+            </a:tbl>
+          </a:graphicData>
+        </a:graphic>
+      </p:graphicFrame>
     </p:spTree>
     <p:extLst>
       <p:ext uri="{BB962C8B-B14F-4D97-AF65-F5344CB8AC3E}">
-        <p14:creationId xmlns:p14="http://schemas.microsoft.com/office/powerpoint/2010/main" val="1075752463"/>
+        <p14:creationId xmlns:p14="http://schemas.microsoft.com/office/powerpoint/2010/main" val="257192262"/>
+      </p:ext>
+    </p:extLst>
+  </p:cSld>
+  <p:clrMapOvr>
+    <a:masterClrMapping/>
+  </p:clrMapOvr>
+</p:sld>
+</file>
+
+<file path=ppt/slides/slide9.xml><?xml version="1.0" encoding="utf-8"?>
+<p:sld xmlns:a="http://schemas.openxmlformats.org/drawingml/2006/main" xmlns:r="http://schemas.openxmlformats.org/officeDocument/2006/relationships" xmlns:p="http://schemas.openxmlformats.org/presentationml/2006/main">
+  <p:cSld>
+    <p:spTree>
+      <p:nvGrpSpPr>
+        <p:cNvPr id="1" name=""/>
+        <p:cNvGrpSpPr/>
+        <p:nvPr/>
+      </p:nvGrpSpPr>
+      <p:grpSpPr>
+        <a:xfrm>
+          <a:off x="0" y="0"/>
+          <a:ext cx="0" cy="0"/>
+          <a:chOff x="0" y="0"/>
+          <a:chExt cx="0" cy="0"/>
+        </a:xfrm>
+      </p:grpSpPr>
+      <p:sp>
+        <p:nvSpPr>
+          <p:cNvPr id="2" name="Title 1">
+            <a:extLst>
+              <a:ext uri="{FF2B5EF4-FFF2-40B4-BE49-F238E27FC236}">
+                <a16:creationId xmlns:a16="http://schemas.microsoft.com/office/drawing/2014/main" id="{E8F052C7-1C87-4460-98A6-54848C3DCF62}"/>
+              </a:ext>
+            </a:extLst>
+          </p:cNvPr>
+          <p:cNvSpPr>
+            <a:spLocks noGrp="1"/>
+          </p:cNvSpPr>
+          <p:nvPr>
+            <p:ph type="title"/>
+          </p:nvPr>
+        </p:nvSpPr>
+        <p:spPr>
+          <a:xfrm>
+            <a:off x="383719" y="223707"/>
+            <a:ext cx="8596668" cy="1320800"/>
+          </a:xfrm>
+        </p:spPr>
+        <p:txBody>
+          <a:bodyPr>
+            <a:normAutofit/>
+          </a:bodyPr>
+          <a:lstStyle/>
+          <a:p>
+            <a:r>
+              <a:rPr lang="en-US" dirty="0"/>
+              <a:t>Identifying factors differentiating Effexor and Pristiq</a:t>
+            </a:r>
+          </a:p>
+        </p:txBody>
+      </p:sp>
+      <p:graphicFrame>
+        <p:nvGraphicFramePr>
+          <p:cNvPr id="5" name="Object 4">
+            <a:extLst>
+              <a:ext uri="{FF2B5EF4-FFF2-40B4-BE49-F238E27FC236}">
+                <a16:creationId xmlns:a16="http://schemas.microsoft.com/office/drawing/2014/main" id="{9745A290-A25F-4CF0-B305-72E921F07518}"/>
+              </a:ext>
+            </a:extLst>
+          </p:cNvPr>
+          <p:cNvGraphicFramePr>
+            <a:graphicFrameLocks noChangeAspect="1"/>
+          </p:cNvGraphicFramePr>
+          <p:nvPr>
+            <p:extLst>
+              <p:ext uri="{D42A27DB-BD31-4B8C-83A1-F6EECF244321}">
+                <p14:modId xmlns:p14="http://schemas.microsoft.com/office/powerpoint/2010/main" val="1280547361"/>
+              </p:ext>
+            </p:extLst>
+          </p:nvPr>
+        </p:nvGraphicFramePr>
+        <p:xfrm>
+          <a:off x="873484" y="1570607"/>
+          <a:ext cx="3245511" cy="2796749"/>
+        </p:xfrm>
+        <a:graphic>
+          <a:graphicData uri="http://schemas.openxmlformats.org/presentationml/2006/ole">
+            <mc:AlternateContent xmlns:mc="http://schemas.openxmlformats.org/markup-compatibility/2006">
+              <mc:Choice xmlns:v="urn:schemas-microsoft-com:vml" Requires="v">
+                <p:oleObj spid="_x0000_s4118" name="Acrobat Document" r:id="rId3" imgW="3857606" imgH="3323987" progId="AcroExch.Document.11">
+                  <p:embed/>
+                </p:oleObj>
+              </mc:Choice>
+              <mc:Fallback>
+                <p:oleObj name="Acrobat Document" r:id="rId3" imgW="3857606" imgH="3323987" progId="AcroExch.Document.11">
+                  <p:embed/>
+                  <p:pic>
+                    <p:nvPicPr>
+                      <p:cNvPr id="4" name="Object 3">
+                        <a:extLst>
+                          <a:ext uri="{FF2B5EF4-FFF2-40B4-BE49-F238E27FC236}">
+                            <a16:creationId xmlns:a16="http://schemas.microsoft.com/office/drawing/2014/main" id="{1F82AA16-AD0F-4E0F-9F61-E7CFAC267304}"/>
+                          </a:ext>
+                        </a:extLst>
+                      </p:cNvPr>
+                      <p:cNvPicPr/>
+                      <p:nvPr/>
+                    </p:nvPicPr>
+                    <p:blipFill>
+                      <a:blip r:embed="rId4"/>
+                      <a:stretch>
+                        <a:fillRect/>
+                      </a:stretch>
+                    </p:blipFill>
+                    <p:spPr>
+                      <a:xfrm>
+                        <a:off x="873484" y="1570607"/>
+                        <a:ext cx="3245511" cy="2796749"/>
+                      </a:xfrm>
+                      <a:prstGeom prst="rect">
+                        <a:avLst/>
+                      </a:prstGeom>
+                    </p:spPr>
+                  </p:pic>
+                </p:oleObj>
+              </mc:Fallback>
+            </mc:AlternateContent>
+          </a:graphicData>
+        </a:graphic>
+      </p:graphicFrame>
+      <p:sp>
+        <p:nvSpPr>
+          <p:cNvPr id="9" name="Rectangle 8">
+            <a:extLst>
+              <a:ext uri="{FF2B5EF4-FFF2-40B4-BE49-F238E27FC236}">
+                <a16:creationId xmlns:a16="http://schemas.microsoft.com/office/drawing/2014/main" id="{9FC0C3CF-788F-44D3-94DF-C23EE40F1571}"/>
+              </a:ext>
+            </a:extLst>
+          </p:cNvPr>
+          <p:cNvSpPr/>
+          <p:nvPr/>
+        </p:nvSpPr>
+        <p:spPr>
+          <a:xfrm>
+            <a:off x="2256640" y="1661019"/>
+            <a:ext cx="1862355" cy="2382473"/>
+          </a:xfrm>
+          <a:prstGeom prst="rect">
+            <a:avLst/>
+          </a:prstGeom>
+          <a:noFill/>
+          <a:ln>
+            <a:solidFill>
+              <a:srgbClr val="FF0000"/>
+            </a:solidFill>
+          </a:ln>
+        </p:spPr>
+        <p:style>
+          <a:lnRef idx="2">
+            <a:schemeClr val="accent1">
+              <a:shade val="50000"/>
+            </a:schemeClr>
+          </a:lnRef>
+          <a:fillRef idx="1">
+            <a:schemeClr val="accent1"/>
+          </a:fillRef>
+          <a:effectRef idx="0">
+            <a:schemeClr val="accent1"/>
+          </a:effectRef>
+          <a:fontRef idx="minor">
+            <a:schemeClr val="lt1"/>
+          </a:fontRef>
+        </p:style>
+        <p:txBody>
+          <a:bodyPr rtlCol="0" anchor="ctr"/>
+          <a:lstStyle/>
+          <a:p>
+            <a:pPr algn="ctr"/>
+            <a:endParaRPr lang="en-US"/>
+          </a:p>
+        </p:txBody>
+      </p:sp>
+      <p:sp>
+        <p:nvSpPr>
+          <p:cNvPr id="10" name="TextBox 9">
+            <a:extLst>
+              <a:ext uri="{FF2B5EF4-FFF2-40B4-BE49-F238E27FC236}">
+                <a16:creationId xmlns:a16="http://schemas.microsoft.com/office/drawing/2014/main" id="{5568643B-4E50-4E42-B9B1-05F3D4DF9E93}"/>
+              </a:ext>
+            </a:extLst>
+          </p:cNvPr>
+          <p:cNvSpPr txBox="1"/>
+          <p:nvPr/>
+        </p:nvSpPr>
+        <p:spPr>
+          <a:xfrm>
+            <a:off x="772816" y="4700472"/>
+            <a:ext cx="3943351" cy="1200329"/>
+          </a:xfrm>
+          <a:prstGeom prst="rect">
+            <a:avLst/>
+          </a:prstGeom>
+          <a:noFill/>
+        </p:spPr>
+        <p:txBody>
+          <a:bodyPr wrap="square" rtlCol="0">
+            <a:spAutoFit/>
+          </a:bodyPr>
+          <a:lstStyle/>
+          <a:p>
+            <a:r>
+              <a:rPr lang="en-US" dirty="0"/>
+              <a:t>Treatment time may be a factor in reviewer response to Effexor or Requires further investigation</a:t>
+            </a:r>
+          </a:p>
+          <a:p>
+            <a:endParaRPr lang="en-US" dirty="0"/>
+          </a:p>
+        </p:txBody>
+      </p:sp>
+      <p:graphicFrame>
+        <p:nvGraphicFramePr>
+          <p:cNvPr id="12" name="Object 11">
+            <a:extLst>
+              <a:ext uri="{FF2B5EF4-FFF2-40B4-BE49-F238E27FC236}">
+                <a16:creationId xmlns:a16="http://schemas.microsoft.com/office/drawing/2014/main" id="{9B3B246C-7E19-47BF-9069-D4011E3DC75B}"/>
+              </a:ext>
+            </a:extLst>
+          </p:cNvPr>
+          <p:cNvGraphicFramePr>
+            <a:graphicFrameLocks noChangeAspect="1"/>
+          </p:cNvGraphicFramePr>
+          <p:nvPr>
+            <p:extLst>
+              <p:ext uri="{D42A27DB-BD31-4B8C-83A1-F6EECF244321}">
+                <p14:modId xmlns:p14="http://schemas.microsoft.com/office/powerpoint/2010/main" val="3289022839"/>
+              </p:ext>
+            </p:extLst>
+          </p:nvPr>
+        </p:nvGraphicFramePr>
+        <p:xfrm>
+          <a:off x="5078982" y="1369272"/>
+          <a:ext cx="3943350" cy="4600575"/>
+        </p:xfrm>
+        <a:graphic>
+          <a:graphicData uri="http://schemas.openxmlformats.org/presentationml/2006/ole">
+            <mc:AlternateContent xmlns:mc="http://schemas.openxmlformats.org/markup-compatibility/2006">
+              <mc:Choice xmlns:v="urn:schemas-microsoft-com:vml" Requires="v">
+                <p:oleObj spid="_x0000_s4119" name="Acrobat Document" r:id="rId5" imgW="3943235" imgH="4600371" progId="AcroExch.Document.11">
+                  <p:embed/>
+                </p:oleObj>
+              </mc:Choice>
+              <mc:Fallback>
+                <p:oleObj name="Acrobat Document" r:id="rId5" imgW="3943235" imgH="4600371" progId="AcroExch.Document.11">
+                  <p:embed/>
+                  <p:pic>
+                    <p:nvPicPr>
+                      <p:cNvPr id="0" name=""/>
+                      <p:cNvPicPr/>
+                      <p:nvPr/>
+                    </p:nvPicPr>
+                    <p:blipFill>
+                      <a:blip r:embed="rId6"/>
+                      <a:stretch>
+                        <a:fillRect/>
+                      </a:stretch>
+                    </p:blipFill>
+                    <p:spPr>
+                      <a:xfrm>
+                        <a:off x="5078982" y="1369272"/>
+                        <a:ext cx="3943350" cy="4600575"/>
+                      </a:xfrm>
+                      <a:prstGeom prst="rect">
+                        <a:avLst/>
+                      </a:prstGeom>
+                    </p:spPr>
+                  </p:pic>
+                </p:oleObj>
+              </mc:Fallback>
+            </mc:AlternateContent>
+          </a:graphicData>
+        </a:graphic>
+      </p:graphicFrame>
+    </p:spTree>
+    <p:extLst>
+      <p:ext uri="{BB962C8B-B14F-4D97-AF65-F5344CB8AC3E}">
+        <p14:creationId xmlns:p14="http://schemas.microsoft.com/office/powerpoint/2010/main" val="1058671464"/>
       </p:ext>
     </p:extLst>
   </p:cSld>
